--- a/Presentatione_NMPDE_Navier_Stokes_temp.pptx
+++ b/Presentatione_NMPDE_Navier_Stokes_temp.pptx
@@ -5,22 +5,31 @@
     <p:sldMasterId id="2147483648" r:id="rId1"/>
   </p:sldMasterIdLst>
   <p:notesMasterIdLst>
-    <p:notesMasterId r:id="rId12"/>
+    <p:notesMasterId r:id="rId21"/>
   </p:notesMasterIdLst>
   <p:handoutMasterIdLst>
-    <p:handoutMasterId r:id="rId13"/>
+    <p:handoutMasterId r:id="rId22"/>
   </p:handoutMasterIdLst>
   <p:sldIdLst>
     <p:sldId id="256" r:id="rId2"/>
     <p:sldId id="267" r:id="rId3"/>
-    <p:sldId id="268" r:id="rId4"/>
-    <p:sldId id="273" r:id="rId5"/>
-    <p:sldId id="274" r:id="rId6"/>
-    <p:sldId id="275" r:id="rId7"/>
-    <p:sldId id="277" r:id="rId8"/>
-    <p:sldId id="260" r:id="rId9"/>
-    <p:sldId id="276" r:id="rId10"/>
-    <p:sldId id="278" r:id="rId11"/>
+    <p:sldId id="280" r:id="rId4"/>
+    <p:sldId id="279" r:id="rId5"/>
+    <p:sldId id="282" r:id="rId6"/>
+    <p:sldId id="281" r:id="rId7"/>
+    <p:sldId id="283" r:id="rId8"/>
+    <p:sldId id="284" r:id="rId9"/>
+    <p:sldId id="285" r:id="rId10"/>
+    <p:sldId id="286" r:id="rId11"/>
+    <p:sldId id="268" r:id="rId12"/>
+    <p:sldId id="287" r:id="rId13"/>
+    <p:sldId id="288" r:id="rId14"/>
+    <p:sldId id="290" r:id="rId15"/>
+    <p:sldId id="277" r:id="rId16"/>
+    <p:sldId id="289" r:id="rId17"/>
+    <p:sldId id="260" r:id="rId18"/>
+    <p:sldId id="276" r:id="rId19"/>
+    <p:sldId id="278" r:id="rId20"/>
   </p:sldIdLst>
   <p:sldSz cx="12188825" cy="6858000"/>
   <p:notesSz cx="6858000" cy="9144000"/>
@@ -157,4946 +166,6 @@
 </p:presentation>
 </file>
 
-<file path=ppt/charts/chart1.xml><?xml version="1.0" encoding="utf-8"?>
-<c:chartSpace xmlns:c="http://schemas.openxmlformats.org/drawingml/2006/chart" xmlns:a="http://schemas.openxmlformats.org/drawingml/2006/main" xmlns:r="http://schemas.openxmlformats.org/officeDocument/2006/relationships" xmlns:c16r2="http://schemas.microsoft.com/office/drawing/2015/06/chart">
-  <c:date1904 val="0"/>
-  <c:lang val="it-IT"/>
-  <c:roundedCorners val="0"/>
-  <mc:AlternateContent xmlns:mc="http://schemas.openxmlformats.org/markup-compatibility/2006">
-    <mc:Choice xmlns:c14="http://schemas.microsoft.com/office/drawing/2007/8/2/chart" Requires="c14">
-      <c14:style val="102"/>
-    </mc:Choice>
-    <mc:Fallback>
-      <c:style val="2"/>
-    </mc:Fallback>
-  </mc:AlternateContent>
-  <c:chart>
-    <c:autoTitleDeleted val="1"/>
-    <c:plotArea>
-      <c:layout/>
-      <c:barChart>
-        <c:barDir val="bar"/>
-        <c:grouping val="stacked"/>
-        <c:varyColors val="0"/>
-        <c:ser>
-          <c:idx val="0"/>
-          <c:order val="0"/>
-          <c:tx>
-            <c:strRef>
-              <c:f>Sheet1!$B$1</c:f>
-              <c:strCache>
-                <c:ptCount val="1"/>
-                <c:pt idx="0">
-                  <c:v>Serie 1</c:v>
-                </c:pt>
-              </c:strCache>
-            </c:strRef>
-          </c:tx>
-          <c:spPr>
-            <a:gradFill rotWithShape="1">
-              <a:gsLst>
-                <a:gs pos="0">
-                  <a:schemeClr val="accent1">
-                    <a:satMod val="103000"/>
-                    <a:lumMod val="102000"/>
-                    <a:tint val="94000"/>
-                  </a:schemeClr>
-                </a:gs>
-                <a:gs pos="50000">
-                  <a:schemeClr val="accent1">
-                    <a:satMod val="110000"/>
-                    <a:lumMod val="100000"/>
-                    <a:shade val="100000"/>
-                  </a:schemeClr>
-                </a:gs>
-                <a:gs pos="100000">
-                  <a:schemeClr val="accent1">
-                    <a:lumMod val="99000"/>
-                    <a:satMod val="120000"/>
-                    <a:shade val="78000"/>
-                  </a:schemeClr>
-                </a:gs>
-              </a:gsLst>
-              <a:lin ang="5400000" scaled="0"/>
-            </a:gradFill>
-            <a:ln>
-              <a:noFill/>
-            </a:ln>
-            <a:effectLst/>
-          </c:spPr>
-          <c:invertIfNegative val="0"/>
-          <c:cat>
-            <c:strRef>
-              <c:f>Sheet1!$A$2:$A$5</c:f>
-              <c:strCache>
-                <c:ptCount val="4"/>
-                <c:pt idx="0">
-                  <c:v>Categoria 1</c:v>
-                </c:pt>
-                <c:pt idx="1">
-                  <c:v>Categoria 2</c:v>
-                </c:pt>
-                <c:pt idx="2">
-                  <c:v>Categoria 3</c:v>
-                </c:pt>
-                <c:pt idx="3">
-                  <c:v>Categoria 4</c:v>
-                </c:pt>
-              </c:strCache>
-            </c:strRef>
-          </c:cat>
-          <c:val>
-            <c:numRef>
-              <c:f>Sheet1!$B$2:$B$5</c:f>
-              <c:numCache>
-                <c:formatCode>General</c:formatCode>
-                <c:ptCount val="4"/>
-                <c:pt idx="0">
-                  <c:v>4.3</c:v>
-                </c:pt>
-                <c:pt idx="1">
-                  <c:v>2.5</c:v>
-                </c:pt>
-                <c:pt idx="2">
-                  <c:v>3.5</c:v>
-                </c:pt>
-                <c:pt idx="3">
-                  <c:v>4.5</c:v>
-                </c:pt>
-              </c:numCache>
-            </c:numRef>
-          </c:val>
-          <c:extLst>
-            <c:ext xmlns:c16="http://schemas.microsoft.com/office/drawing/2014/chart" uri="{C3380CC4-5D6E-409C-BE32-E72D297353CC}">
-              <c16:uniqueId val="{00000000-F558-4312-B239-36101E057B8B}"/>
-            </c:ext>
-          </c:extLst>
-        </c:ser>
-        <c:ser>
-          <c:idx val="1"/>
-          <c:order val="1"/>
-          <c:tx>
-            <c:strRef>
-              <c:f>Sheet1!$C$1</c:f>
-              <c:strCache>
-                <c:ptCount val="1"/>
-                <c:pt idx="0">
-                  <c:v>Serie 2</c:v>
-                </c:pt>
-              </c:strCache>
-            </c:strRef>
-          </c:tx>
-          <c:spPr>
-            <a:gradFill rotWithShape="1">
-              <a:gsLst>
-                <a:gs pos="0">
-                  <a:schemeClr val="accent2">
-                    <a:satMod val="103000"/>
-                    <a:lumMod val="102000"/>
-                    <a:tint val="94000"/>
-                  </a:schemeClr>
-                </a:gs>
-                <a:gs pos="50000">
-                  <a:schemeClr val="accent2">
-                    <a:satMod val="110000"/>
-                    <a:lumMod val="100000"/>
-                    <a:shade val="100000"/>
-                  </a:schemeClr>
-                </a:gs>
-                <a:gs pos="100000">
-                  <a:schemeClr val="accent2">
-                    <a:lumMod val="99000"/>
-                    <a:satMod val="120000"/>
-                    <a:shade val="78000"/>
-                  </a:schemeClr>
-                </a:gs>
-              </a:gsLst>
-              <a:lin ang="5400000" scaled="0"/>
-            </a:gradFill>
-            <a:ln>
-              <a:noFill/>
-            </a:ln>
-            <a:effectLst/>
-          </c:spPr>
-          <c:invertIfNegative val="0"/>
-          <c:cat>
-            <c:strRef>
-              <c:f>Sheet1!$A$2:$A$5</c:f>
-              <c:strCache>
-                <c:ptCount val="4"/>
-                <c:pt idx="0">
-                  <c:v>Categoria 1</c:v>
-                </c:pt>
-                <c:pt idx="1">
-                  <c:v>Categoria 2</c:v>
-                </c:pt>
-                <c:pt idx="2">
-                  <c:v>Categoria 3</c:v>
-                </c:pt>
-                <c:pt idx="3">
-                  <c:v>Categoria 4</c:v>
-                </c:pt>
-              </c:strCache>
-            </c:strRef>
-          </c:cat>
-          <c:val>
-            <c:numRef>
-              <c:f>Sheet1!$C$2:$C$5</c:f>
-              <c:numCache>
-                <c:formatCode>General</c:formatCode>
-                <c:ptCount val="4"/>
-                <c:pt idx="0">
-                  <c:v>2.4</c:v>
-                </c:pt>
-                <c:pt idx="1">
-                  <c:v>4.4000000000000004</c:v>
-                </c:pt>
-                <c:pt idx="2">
-                  <c:v>1.8</c:v>
-                </c:pt>
-                <c:pt idx="3">
-                  <c:v>2.8</c:v>
-                </c:pt>
-              </c:numCache>
-            </c:numRef>
-          </c:val>
-          <c:extLst>
-            <c:ext xmlns:c16="http://schemas.microsoft.com/office/drawing/2014/chart" uri="{C3380CC4-5D6E-409C-BE32-E72D297353CC}">
-              <c16:uniqueId val="{00000001-F558-4312-B239-36101E057B8B}"/>
-            </c:ext>
-          </c:extLst>
-        </c:ser>
-        <c:ser>
-          <c:idx val="2"/>
-          <c:order val="2"/>
-          <c:tx>
-            <c:strRef>
-              <c:f>Sheet1!$D$1</c:f>
-              <c:strCache>
-                <c:ptCount val="1"/>
-                <c:pt idx="0">
-                  <c:v>Serie 3</c:v>
-                </c:pt>
-              </c:strCache>
-            </c:strRef>
-          </c:tx>
-          <c:spPr>
-            <a:gradFill rotWithShape="1">
-              <a:gsLst>
-                <a:gs pos="0">
-                  <a:schemeClr val="accent3">
-                    <a:satMod val="103000"/>
-                    <a:lumMod val="102000"/>
-                    <a:tint val="94000"/>
-                  </a:schemeClr>
-                </a:gs>
-                <a:gs pos="50000">
-                  <a:schemeClr val="accent3">
-                    <a:satMod val="110000"/>
-                    <a:lumMod val="100000"/>
-                    <a:shade val="100000"/>
-                  </a:schemeClr>
-                </a:gs>
-                <a:gs pos="100000">
-                  <a:schemeClr val="accent3">
-                    <a:lumMod val="99000"/>
-                    <a:satMod val="120000"/>
-                    <a:shade val="78000"/>
-                  </a:schemeClr>
-                </a:gs>
-              </a:gsLst>
-              <a:lin ang="5400000" scaled="0"/>
-            </a:gradFill>
-            <a:ln>
-              <a:noFill/>
-            </a:ln>
-            <a:effectLst/>
-          </c:spPr>
-          <c:invertIfNegative val="0"/>
-          <c:cat>
-            <c:strRef>
-              <c:f>Sheet1!$A$2:$A$5</c:f>
-              <c:strCache>
-                <c:ptCount val="4"/>
-                <c:pt idx="0">
-                  <c:v>Categoria 1</c:v>
-                </c:pt>
-                <c:pt idx="1">
-                  <c:v>Categoria 2</c:v>
-                </c:pt>
-                <c:pt idx="2">
-                  <c:v>Categoria 3</c:v>
-                </c:pt>
-                <c:pt idx="3">
-                  <c:v>Categoria 4</c:v>
-                </c:pt>
-              </c:strCache>
-            </c:strRef>
-          </c:cat>
-          <c:val>
-            <c:numRef>
-              <c:f>Sheet1!$D$2:$D$5</c:f>
-              <c:numCache>
-                <c:formatCode>General</c:formatCode>
-                <c:ptCount val="4"/>
-                <c:pt idx="0">
-                  <c:v>2</c:v>
-                </c:pt>
-                <c:pt idx="1">
-                  <c:v>2</c:v>
-                </c:pt>
-                <c:pt idx="2">
-                  <c:v>3</c:v>
-                </c:pt>
-                <c:pt idx="3">
-                  <c:v>5</c:v>
-                </c:pt>
-              </c:numCache>
-            </c:numRef>
-          </c:val>
-          <c:extLst>
-            <c:ext xmlns:c16="http://schemas.microsoft.com/office/drawing/2014/chart" uri="{C3380CC4-5D6E-409C-BE32-E72D297353CC}">
-              <c16:uniqueId val="{00000002-F558-4312-B239-36101E057B8B}"/>
-            </c:ext>
-          </c:extLst>
-        </c:ser>
-        <c:dLbls>
-          <c:showLegendKey val="0"/>
-          <c:showVal val="0"/>
-          <c:showCatName val="0"/>
-          <c:showSerName val="0"/>
-          <c:showPercent val="0"/>
-          <c:showBubbleSize val="0"/>
-        </c:dLbls>
-        <c:gapWidth val="150"/>
-        <c:overlap val="100"/>
-        <c:axId val="611351296"/>
-        <c:axId val="601055720"/>
-      </c:barChart>
-      <c:catAx>
-        <c:axId val="611351296"/>
-        <c:scaling>
-          <c:orientation val="minMax"/>
-        </c:scaling>
-        <c:delete val="0"/>
-        <c:axPos val="l"/>
-        <c:numFmt formatCode="General" sourceLinked="1"/>
-        <c:majorTickMark val="none"/>
-        <c:minorTickMark val="none"/>
-        <c:tickLblPos val="nextTo"/>
-        <c:spPr>
-          <a:noFill/>
-          <a:ln w="9525" cap="flat" cmpd="sng" algn="ctr">
-            <a:solidFill>
-              <a:schemeClr val="tx2">
-                <a:lumMod val="15000"/>
-                <a:lumOff val="85000"/>
-              </a:schemeClr>
-            </a:solidFill>
-            <a:round/>
-          </a:ln>
-          <a:effectLst/>
-        </c:spPr>
-        <c:txPr>
-          <a:bodyPr rot="-60000000" spcFirstLastPara="1" vertOverflow="ellipsis" vert="horz" wrap="square" anchor="ctr" anchorCtr="1"/>
-          <a:lstStyle/>
-          <a:p>
-            <a:pPr>
-              <a:defRPr sz="1197" b="0" i="0" u="none" strike="noStrike" kern="1200" baseline="0">
-                <a:solidFill>
-                  <a:schemeClr val="tx2"/>
-                </a:solidFill>
-                <a:latin typeface="+mn-lt"/>
-                <a:ea typeface="+mn-ea"/>
-                <a:cs typeface="+mn-cs"/>
-              </a:defRPr>
-            </a:pPr>
-            <a:endParaRPr lang="it-IT"/>
-          </a:p>
-        </c:txPr>
-        <c:crossAx val="601055720"/>
-        <c:crosses val="autoZero"/>
-        <c:auto val="1"/>
-        <c:lblAlgn val="ctr"/>
-        <c:lblOffset val="100"/>
-        <c:noMultiLvlLbl val="0"/>
-      </c:catAx>
-      <c:valAx>
-        <c:axId val="601055720"/>
-        <c:scaling>
-          <c:orientation val="minMax"/>
-        </c:scaling>
-        <c:delete val="0"/>
-        <c:axPos val="b"/>
-        <c:majorGridlines>
-          <c:spPr>
-            <a:ln w="9525" cap="flat" cmpd="sng" algn="ctr">
-              <a:solidFill>
-                <a:schemeClr val="tx2">
-                  <a:lumMod val="15000"/>
-                  <a:lumOff val="85000"/>
-                </a:schemeClr>
-              </a:solidFill>
-              <a:round/>
-            </a:ln>
-            <a:effectLst/>
-          </c:spPr>
-        </c:majorGridlines>
-        <c:numFmt formatCode="General" sourceLinked="1"/>
-        <c:majorTickMark val="none"/>
-        <c:minorTickMark val="none"/>
-        <c:tickLblPos val="nextTo"/>
-        <c:spPr>
-          <a:noFill/>
-          <a:ln>
-            <a:noFill/>
-          </a:ln>
-          <a:effectLst/>
-        </c:spPr>
-        <c:txPr>
-          <a:bodyPr rot="-60000000" spcFirstLastPara="1" vertOverflow="ellipsis" vert="horz" wrap="square" anchor="ctr" anchorCtr="1"/>
-          <a:lstStyle/>
-          <a:p>
-            <a:pPr>
-              <a:defRPr sz="1197" b="0" i="0" u="none" strike="noStrike" kern="1200" baseline="0">
-                <a:solidFill>
-                  <a:schemeClr val="tx2"/>
-                </a:solidFill>
-                <a:latin typeface="+mn-lt"/>
-                <a:ea typeface="+mn-ea"/>
-                <a:cs typeface="+mn-cs"/>
-              </a:defRPr>
-            </a:pPr>
-            <a:endParaRPr lang="it-IT"/>
-          </a:p>
-        </c:txPr>
-        <c:crossAx val="611351296"/>
-        <c:crosses val="autoZero"/>
-        <c:crossBetween val="between"/>
-      </c:valAx>
-      <c:spPr>
-        <a:noFill/>
-        <a:ln>
-          <a:noFill/>
-        </a:ln>
-        <a:effectLst/>
-      </c:spPr>
-    </c:plotArea>
-    <c:legend>
-      <c:legendPos val="b"/>
-      <c:overlay val="0"/>
-      <c:spPr>
-        <a:noFill/>
-        <a:ln>
-          <a:noFill/>
-        </a:ln>
-        <a:effectLst/>
-      </c:spPr>
-      <c:txPr>
-        <a:bodyPr rot="0" spcFirstLastPara="1" vertOverflow="ellipsis" vert="horz" wrap="square" anchor="ctr" anchorCtr="1"/>
-        <a:lstStyle/>
-        <a:p>
-          <a:pPr>
-            <a:defRPr sz="1197" b="0" i="0" u="none" strike="noStrike" kern="1200" baseline="0">
-              <a:solidFill>
-                <a:schemeClr val="tx2"/>
-              </a:solidFill>
-              <a:latin typeface="+mn-lt"/>
-              <a:ea typeface="+mn-ea"/>
-              <a:cs typeface="+mn-cs"/>
-            </a:defRPr>
-          </a:pPr>
-          <a:endParaRPr lang="it-IT"/>
-        </a:p>
-      </c:txPr>
-    </c:legend>
-    <c:plotVisOnly val="1"/>
-    <c:dispBlanksAs val="gap"/>
-    <c:showDLblsOverMax val="0"/>
-  </c:chart>
-  <c:spPr>
-    <a:noFill/>
-    <a:ln>
-      <a:noFill/>
-    </a:ln>
-    <a:effectLst/>
-  </c:spPr>
-  <c:txPr>
-    <a:bodyPr/>
-    <a:lstStyle/>
-    <a:p>
-      <a:pPr>
-        <a:defRPr/>
-      </a:pPr>
-      <a:endParaRPr lang="it-IT"/>
-    </a:p>
-  </c:txPr>
-  <c:externalData r:id="rId3">
-    <c:autoUpdate val="0"/>
-  </c:externalData>
-</c:chartSpace>
-</file>
-
-<file path=ppt/charts/chart2.xml><?xml version="1.0" encoding="utf-8"?>
-<c:chartSpace xmlns:c="http://schemas.openxmlformats.org/drawingml/2006/chart" xmlns:a="http://schemas.openxmlformats.org/drawingml/2006/main" xmlns:r="http://schemas.openxmlformats.org/officeDocument/2006/relationships" xmlns:c16r2="http://schemas.microsoft.com/office/drawing/2015/06/chart">
-  <c:date1904 val="0"/>
-  <c:lang val="it-IT"/>
-  <c:roundedCorners val="0"/>
-  <mc:AlternateContent xmlns:mc="http://schemas.openxmlformats.org/markup-compatibility/2006">
-    <mc:Choice xmlns:c14="http://schemas.microsoft.com/office/drawing/2007/8/2/chart" Requires="c14">
-      <c14:style val="102"/>
-    </mc:Choice>
-    <mc:Fallback>
-      <c:style val="2"/>
-    </mc:Fallback>
-  </mc:AlternateContent>
-  <c:chart>
-    <c:autoTitleDeleted val="1"/>
-    <c:plotArea>
-      <c:layout/>
-      <c:barChart>
-        <c:barDir val="bar"/>
-        <c:grouping val="stacked"/>
-        <c:varyColors val="0"/>
-        <c:ser>
-          <c:idx val="0"/>
-          <c:order val="0"/>
-          <c:tx>
-            <c:strRef>
-              <c:f>Sheet1!$B$1</c:f>
-              <c:strCache>
-                <c:ptCount val="1"/>
-                <c:pt idx="0">
-                  <c:v>Serie 1</c:v>
-                </c:pt>
-              </c:strCache>
-            </c:strRef>
-          </c:tx>
-          <c:spPr>
-            <a:gradFill rotWithShape="1">
-              <a:gsLst>
-                <a:gs pos="0">
-                  <a:schemeClr val="accent1">
-                    <a:satMod val="103000"/>
-                    <a:lumMod val="102000"/>
-                    <a:tint val="94000"/>
-                  </a:schemeClr>
-                </a:gs>
-                <a:gs pos="50000">
-                  <a:schemeClr val="accent1">
-                    <a:satMod val="110000"/>
-                    <a:lumMod val="100000"/>
-                    <a:shade val="100000"/>
-                  </a:schemeClr>
-                </a:gs>
-                <a:gs pos="100000">
-                  <a:schemeClr val="accent1">
-                    <a:lumMod val="99000"/>
-                    <a:satMod val="120000"/>
-                    <a:shade val="78000"/>
-                  </a:schemeClr>
-                </a:gs>
-              </a:gsLst>
-              <a:lin ang="5400000" scaled="0"/>
-            </a:gradFill>
-            <a:ln>
-              <a:noFill/>
-            </a:ln>
-            <a:effectLst/>
-          </c:spPr>
-          <c:invertIfNegative val="0"/>
-          <c:cat>
-            <c:strRef>
-              <c:f>Sheet1!$A$2:$A$5</c:f>
-              <c:strCache>
-                <c:ptCount val="4"/>
-                <c:pt idx="0">
-                  <c:v>Categoria 1</c:v>
-                </c:pt>
-                <c:pt idx="1">
-                  <c:v>Categoria 2</c:v>
-                </c:pt>
-                <c:pt idx="2">
-                  <c:v>Categoria 3</c:v>
-                </c:pt>
-                <c:pt idx="3">
-                  <c:v>Categoria 4</c:v>
-                </c:pt>
-              </c:strCache>
-            </c:strRef>
-          </c:cat>
-          <c:val>
-            <c:numRef>
-              <c:f>Sheet1!$B$2:$B$5</c:f>
-              <c:numCache>
-                <c:formatCode>General</c:formatCode>
-                <c:ptCount val="4"/>
-                <c:pt idx="0">
-                  <c:v>4.3</c:v>
-                </c:pt>
-                <c:pt idx="1">
-                  <c:v>2.5</c:v>
-                </c:pt>
-                <c:pt idx="2">
-                  <c:v>3.5</c:v>
-                </c:pt>
-                <c:pt idx="3">
-                  <c:v>4.5</c:v>
-                </c:pt>
-              </c:numCache>
-            </c:numRef>
-          </c:val>
-          <c:extLst>
-            <c:ext xmlns:c16="http://schemas.microsoft.com/office/drawing/2014/chart" uri="{C3380CC4-5D6E-409C-BE32-E72D297353CC}">
-              <c16:uniqueId val="{00000000-F558-4312-B239-36101E057B8B}"/>
-            </c:ext>
-          </c:extLst>
-        </c:ser>
-        <c:ser>
-          <c:idx val="1"/>
-          <c:order val="1"/>
-          <c:tx>
-            <c:strRef>
-              <c:f>Sheet1!$C$1</c:f>
-              <c:strCache>
-                <c:ptCount val="1"/>
-                <c:pt idx="0">
-                  <c:v>Serie 2</c:v>
-                </c:pt>
-              </c:strCache>
-            </c:strRef>
-          </c:tx>
-          <c:spPr>
-            <a:gradFill rotWithShape="1">
-              <a:gsLst>
-                <a:gs pos="0">
-                  <a:schemeClr val="accent2">
-                    <a:satMod val="103000"/>
-                    <a:lumMod val="102000"/>
-                    <a:tint val="94000"/>
-                  </a:schemeClr>
-                </a:gs>
-                <a:gs pos="50000">
-                  <a:schemeClr val="accent2">
-                    <a:satMod val="110000"/>
-                    <a:lumMod val="100000"/>
-                    <a:shade val="100000"/>
-                  </a:schemeClr>
-                </a:gs>
-                <a:gs pos="100000">
-                  <a:schemeClr val="accent2">
-                    <a:lumMod val="99000"/>
-                    <a:satMod val="120000"/>
-                    <a:shade val="78000"/>
-                  </a:schemeClr>
-                </a:gs>
-              </a:gsLst>
-              <a:lin ang="5400000" scaled="0"/>
-            </a:gradFill>
-            <a:ln>
-              <a:noFill/>
-            </a:ln>
-            <a:effectLst/>
-          </c:spPr>
-          <c:invertIfNegative val="0"/>
-          <c:cat>
-            <c:strRef>
-              <c:f>Sheet1!$A$2:$A$5</c:f>
-              <c:strCache>
-                <c:ptCount val="4"/>
-                <c:pt idx="0">
-                  <c:v>Categoria 1</c:v>
-                </c:pt>
-                <c:pt idx="1">
-                  <c:v>Categoria 2</c:v>
-                </c:pt>
-                <c:pt idx="2">
-                  <c:v>Categoria 3</c:v>
-                </c:pt>
-                <c:pt idx="3">
-                  <c:v>Categoria 4</c:v>
-                </c:pt>
-              </c:strCache>
-            </c:strRef>
-          </c:cat>
-          <c:val>
-            <c:numRef>
-              <c:f>Sheet1!$C$2:$C$5</c:f>
-              <c:numCache>
-                <c:formatCode>General</c:formatCode>
-                <c:ptCount val="4"/>
-                <c:pt idx="0">
-                  <c:v>2.4</c:v>
-                </c:pt>
-                <c:pt idx="1">
-                  <c:v>4.4000000000000004</c:v>
-                </c:pt>
-                <c:pt idx="2">
-                  <c:v>1.8</c:v>
-                </c:pt>
-                <c:pt idx="3">
-                  <c:v>2.8</c:v>
-                </c:pt>
-              </c:numCache>
-            </c:numRef>
-          </c:val>
-          <c:extLst>
-            <c:ext xmlns:c16="http://schemas.microsoft.com/office/drawing/2014/chart" uri="{C3380CC4-5D6E-409C-BE32-E72D297353CC}">
-              <c16:uniqueId val="{00000001-F558-4312-B239-36101E057B8B}"/>
-            </c:ext>
-          </c:extLst>
-        </c:ser>
-        <c:ser>
-          <c:idx val="2"/>
-          <c:order val="2"/>
-          <c:tx>
-            <c:strRef>
-              <c:f>Sheet1!$D$1</c:f>
-              <c:strCache>
-                <c:ptCount val="1"/>
-                <c:pt idx="0">
-                  <c:v>Serie 3</c:v>
-                </c:pt>
-              </c:strCache>
-            </c:strRef>
-          </c:tx>
-          <c:spPr>
-            <a:gradFill rotWithShape="1">
-              <a:gsLst>
-                <a:gs pos="0">
-                  <a:schemeClr val="accent3">
-                    <a:satMod val="103000"/>
-                    <a:lumMod val="102000"/>
-                    <a:tint val="94000"/>
-                  </a:schemeClr>
-                </a:gs>
-                <a:gs pos="50000">
-                  <a:schemeClr val="accent3">
-                    <a:satMod val="110000"/>
-                    <a:lumMod val="100000"/>
-                    <a:shade val="100000"/>
-                  </a:schemeClr>
-                </a:gs>
-                <a:gs pos="100000">
-                  <a:schemeClr val="accent3">
-                    <a:lumMod val="99000"/>
-                    <a:satMod val="120000"/>
-                    <a:shade val="78000"/>
-                  </a:schemeClr>
-                </a:gs>
-              </a:gsLst>
-              <a:lin ang="5400000" scaled="0"/>
-            </a:gradFill>
-            <a:ln>
-              <a:noFill/>
-            </a:ln>
-            <a:effectLst/>
-          </c:spPr>
-          <c:invertIfNegative val="0"/>
-          <c:cat>
-            <c:strRef>
-              <c:f>Sheet1!$A$2:$A$5</c:f>
-              <c:strCache>
-                <c:ptCount val="4"/>
-                <c:pt idx="0">
-                  <c:v>Categoria 1</c:v>
-                </c:pt>
-                <c:pt idx="1">
-                  <c:v>Categoria 2</c:v>
-                </c:pt>
-                <c:pt idx="2">
-                  <c:v>Categoria 3</c:v>
-                </c:pt>
-                <c:pt idx="3">
-                  <c:v>Categoria 4</c:v>
-                </c:pt>
-              </c:strCache>
-            </c:strRef>
-          </c:cat>
-          <c:val>
-            <c:numRef>
-              <c:f>Sheet1!$D$2:$D$5</c:f>
-              <c:numCache>
-                <c:formatCode>General</c:formatCode>
-                <c:ptCount val="4"/>
-                <c:pt idx="0">
-                  <c:v>2</c:v>
-                </c:pt>
-                <c:pt idx="1">
-                  <c:v>2</c:v>
-                </c:pt>
-                <c:pt idx="2">
-                  <c:v>3</c:v>
-                </c:pt>
-                <c:pt idx="3">
-                  <c:v>5</c:v>
-                </c:pt>
-              </c:numCache>
-            </c:numRef>
-          </c:val>
-          <c:extLst>
-            <c:ext xmlns:c16="http://schemas.microsoft.com/office/drawing/2014/chart" uri="{C3380CC4-5D6E-409C-BE32-E72D297353CC}">
-              <c16:uniqueId val="{00000002-F558-4312-B239-36101E057B8B}"/>
-            </c:ext>
-          </c:extLst>
-        </c:ser>
-        <c:dLbls>
-          <c:showLegendKey val="0"/>
-          <c:showVal val="0"/>
-          <c:showCatName val="0"/>
-          <c:showSerName val="0"/>
-          <c:showPercent val="0"/>
-          <c:showBubbleSize val="0"/>
-        </c:dLbls>
-        <c:gapWidth val="150"/>
-        <c:overlap val="100"/>
-        <c:axId val="611351296"/>
-        <c:axId val="601055720"/>
-      </c:barChart>
-      <c:catAx>
-        <c:axId val="611351296"/>
-        <c:scaling>
-          <c:orientation val="minMax"/>
-        </c:scaling>
-        <c:delete val="0"/>
-        <c:axPos val="l"/>
-        <c:numFmt formatCode="General" sourceLinked="1"/>
-        <c:majorTickMark val="none"/>
-        <c:minorTickMark val="none"/>
-        <c:tickLblPos val="nextTo"/>
-        <c:spPr>
-          <a:noFill/>
-          <a:ln w="9525" cap="flat" cmpd="sng" algn="ctr">
-            <a:solidFill>
-              <a:schemeClr val="tx2">
-                <a:lumMod val="15000"/>
-                <a:lumOff val="85000"/>
-              </a:schemeClr>
-            </a:solidFill>
-            <a:round/>
-          </a:ln>
-          <a:effectLst/>
-        </c:spPr>
-        <c:txPr>
-          <a:bodyPr rot="-60000000" spcFirstLastPara="1" vertOverflow="ellipsis" vert="horz" wrap="square" anchor="ctr" anchorCtr="1"/>
-          <a:lstStyle/>
-          <a:p>
-            <a:pPr>
-              <a:defRPr sz="1197" b="0" i="0" u="none" strike="noStrike" kern="1200" baseline="0">
-                <a:solidFill>
-                  <a:schemeClr val="tx2"/>
-                </a:solidFill>
-                <a:latin typeface="+mn-lt"/>
-                <a:ea typeface="+mn-ea"/>
-                <a:cs typeface="+mn-cs"/>
-              </a:defRPr>
-            </a:pPr>
-            <a:endParaRPr lang="it-IT"/>
-          </a:p>
-        </c:txPr>
-        <c:crossAx val="601055720"/>
-        <c:crosses val="autoZero"/>
-        <c:auto val="1"/>
-        <c:lblAlgn val="ctr"/>
-        <c:lblOffset val="100"/>
-        <c:noMultiLvlLbl val="0"/>
-      </c:catAx>
-      <c:valAx>
-        <c:axId val="601055720"/>
-        <c:scaling>
-          <c:orientation val="minMax"/>
-        </c:scaling>
-        <c:delete val="0"/>
-        <c:axPos val="b"/>
-        <c:majorGridlines>
-          <c:spPr>
-            <a:ln w="9525" cap="flat" cmpd="sng" algn="ctr">
-              <a:solidFill>
-                <a:schemeClr val="tx2">
-                  <a:lumMod val="15000"/>
-                  <a:lumOff val="85000"/>
-                </a:schemeClr>
-              </a:solidFill>
-              <a:round/>
-            </a:ln>
-            <a:effectLst/>
-          </c:spPr>
-        </c:majorGridlines>
-        <c:numFmt formatCode="General" sourceLinked="1"/>
-        <c:majorTickMark val="none"/>
-        <c:minorTickMark val="none"/>
-        <c:tickLblPos val="nextTo"/>
-        <c:spPr>
-          <a:noFill/>
-          <a:ln>
-            <a:noFill/>
-          </a:ln>
-          <a:effectLst/>
-        </c:spPr>
-        <c:txPr>
-          <a:bodyPr rot="-60000000" spcFirstLastPara="1" vertOverflow="ellipsis" vert="horz" wrap="square" anchor="ctr" anchorCtr="1"/>
-          <a:lstStyle/>
-          <a:p>
-            <a:pPr>
-              <a:defRPr sz="1197" b="0" i="0" u="none" strike="noStrike" kern="1200" baseline="0">
-                <a:solidFill>
-                  <a:schemeClr val="tx2"/>
-                </a:solidFill>
-                <a:latin typeface="+mn-lt"/>
-                <a:ea typeface="+mn-ea"/>
-                <a:cs typeface="+mn-cs"/>
-              </a:defRPr>
-            </a:pPr>
-            <a:endParaRPr lang="it-IT"/>
-          </a:p>
-        </c:txPr>
-        <c:crossAx val="611351296"/>
-        <c:crosses val="autoZero"/>
-        <c:crossBetween val="between"/>
-      </c:valAx>
-      <c:spPr>
-        <a:noFill/>
-        <a:ln>
-          <a:noFill/>
-        </a:ln>
-        <a:effectLst/>
-      </c:spPr>
-    </c:plotArea>
-    <c:legend>
-      <c:legendPos val="b"/>
-      <c:overlay val="0"/>
-      <c:spPr>
-        <a:noFill/>
-        <a:ln>
-          <a:noFill/>
-        </a:ln>
-        <a:effectLst/>
-      </c:spPr>
-      <c:txPr>
-        <a:bodyPr rot="0" spcFirstLastPara="1" vertOverflow="ellipsis" vert="horz" wrap="square" anchor="ctr" anchorCtr="1"/>
-        <a:lstStyle/>
-        <a:p>
-          <a:pPr>
-            <a:defRPr sz="1197" b="0" i="0" u="none" strike="noStrike" kern="1200" baseline="0">
-              <a:solidFill>
-                <a:schemeClr val="tx2"/>
-              </a:solidFill>
-              <a:latin typeface="+mn-lt"/>
-              <a:ea typeface="+mn-ea"/>
-              <a:cs typeface="+mn-cs"/>
-            </a:defRPr>
-          </a:pPr>
-          <a:endParaRPr lang="it-IT"/>
-        </a:p>
-      </c:txPr>
-    </c:legend>
-    <c:plotVisOnly val="1"/>
-    <c:dispBlanksAs val="gap"/>
-    <c:showDLblsOverMax val="0"/>
-  </c:chart>
-  <c:spPr>
-    <a:noFill/>
-    <a:ln>
-      <a:noFill/>
-    </a:ln>
-    <a:effectLst/>
-  </c:spPr>
-  <c:txPr>
-    <a:bodyPr/>
-    <a:lstStyle/>
-    <a:p>
-      <a:pPr>
-        <a:defRPr/>
-      </a:pPr>
-      <a:endParaRPr lang="it-IT"/>
-    </a:p>
-  </c:txPr>
-  <c:externalData r:id="rId3">
-    <c:autoUpdate val="0"/>
-  </c:externalData>
-</c:chartSpace>
-</file>
-
-<file path=ppt/charts/chart3.xml><?xml version="1.0" encoding="utf-8"?>
-<c:chartSpace xmlns:c="http://schemas.openxmlformats.org/drawingml/2006/chart" xmlns:a="http://schemas.openxmlformats.org/drawingml/2006/main" xmlns:r="http://schemas.openxmlformats.org/officeDocument/2006/relationships" xmlns:c16r2="http://schemas.microsoft.com/office/drawing/2015/06/chart">
-  <c:date1904 val="0"/>
-  <c:lang val="it-IT"/>
-  <c:roundedCorners val="0"/>
-  <mc:AlternateContent xmlns:mc="http://schemas.openxmlformats.org/markup-compatibility/2006">
-    <mc:Choice xmlns:c14="http://schemas.microsoft.com/office/drawing/2007/8/2/chart" Requires="c14">
-      <c14:style val="102"/>
-    </mc:Choice>
-    <mc:Fallback>
-      <c:style val="2"/>
-    </mc:Fallback>
-  </mc:AlternateContent>
-  <c:chart>
-    <c:autoTitleDeleted val="1"/>
-    <c:plotArea>
-      <c:layout/>
-      <c:barChart>
-        <c:barDir val="bar"/>
-        <c:grouping val="stacked"/>
-        <c:varyColors val="0"/>
-        <c:ser>
-          <c:idx val="0"/>
-          <c:order val="0"/>
-          <c:tx>
-            <c:strRef>
-              <c:f>Sheet1!$B$1</c:f>
-              <c:strCache>
-                <c:ptCount val="1"/>
-                <c:pt idx="0">
-                  <c:v>Serie 1</c:v>
-                </c:pt>
-              </c:strCache>
-            </c:strRef>
-          </c:tx>
-          <c:spPr>
-            <a:gradFill rotWithShape="1">
-              <a:gsLst>
-                <a:gs pos="0">
-                  <a:schemeClr val="accent1">
-                    <a:satMod val="103000"/>
-                    <a:lumMod val="102000"/>
-                    <a:tint val="94000"/>
-                  </a:schemeClr>
-                </a:gs>
-                <a:gs pos="50000">
-                  <a:schemeClr val="accent1">
-                    <a:satMod val="110000"/>
-                    <a:lumMod val="100000"/>
-                    <a:shade val="100000"/>
-                  </a:schemeClr>
-                </a:gs>
-                <a:gs pos="100000">
-                  <a:schemeClr val="accent1">
-                    <a:lumMod val="99000"/>
-                    <a:satMod val="120000"/>
-                    <a:shade val="78000"/>
-                  </a:schemeClr>
-                </a:gs>
-              </a:gsLst>
-              <a:lin ang="5400000" scaled="0"/>
-            </a:gradFill>
-            <a:ln>
-              <a:noFill/>
-            </a:ln>
-            <a:effectLst/>
-          </c:spPr>
-          <c:invertIfNegative val="0"/>
-          <c:cat>
-            <c:strRef>
-              <c:f>Sheet1!$A$2:$A$5</c:f>
-              <c:strCache>
-                <c:ptCount val="4"/>
-                <c:pt idx="0">
-                  <c:v>Categoria 1</c:v>
-                </c:pt>
-                <c:pt idx="1">
-                  <c:v>Categoria 2</c:v>
-                </c:pt>
-                <c:pt idx="2">
-                  <c:v>Categoria 3</c:v>
-                </c:pt>
-                <c:pt idx="3">
-                  <c:v>Categoria 4</c:v>
-                </c:pt>
-              </c:strCache>
-            </c:strRef>
-          </c:cat>
-          <c:val>
-            <c:numRef>
-              <c:f>Sheet1!$B$2:$B$5</c:f>
-              <c:numCache>
-                <c:formatCode>General</c:formatCode>
-                <c:ptCount val="4"/>
-                <c:pt idx="0">
-                  <c:v>4.3</c:v>
-                </c:pt>
-                <c:pt idx="1">
-                  <c:v>2.5</c:v>
-                </c:pt>
-                <c:pt idx="2">
-                  <c:v>3.5</c:v>
-                </c:pt>
-                <c:pt idx="3">
-                  <c:v>4.5</c:v>
-                </c:pt>
-              </c:numCache>
-            </c:numRef>
-          </c:val>
-          <c:extLst>
-            <c:ext xmlns:c16="http://schemas.microsoft.com/office/drawing/2014/chart" uri="{C3380CC4-5D6E-409C-BE32-E72D297353CC}">
-              <c16:uniqueId val="{00000000-F558-4312-B239-36101E057B8B}"/>
-            </c:ext>
-          </c:extLst>
-        </c:ser>
-        <c:ser>
-          <c:idx val="1"/>
-          <c:order val="1"/>
-          <c:tx>
-            <c:strRef>
-              <c:f>Sheet1!$C$1</c:f>
-              <c:strCache>
-                <c:ptCount val="1"/>
-                <c:pt idx="0">
-                  <c:v>Serie 2</c:v>
-                </c:pt>
-              </c:strCache>
-            </c:strRef>
-          </c:tx>
-          <c:spPr>
-            <a:gradFill rotWithShape="1">
-              <a:gsLst>
-                <a:gs pos="0">
-                  <a:schemeClr val="accent2">
-                    <a:satMod val="103000"/>
-                    <a:lumMod val="102000"/>
-                    <a:tint val="94000"/>
-                  </a:schemeClr>
-                </a:gs>
-                <a:gs pos="50000">
-                  <a:schemeClr val="accent2">
-                    <a:satMod val="110000"/>
-                    <a:lumMod val="100000"/>
-                    <a:shade val="100000"/>
-                  </a:schemeClr>
-                </a:gs>
-                <a:gs pos="100000">
-                  <a:schemeClr val="accent2">
-                    <a:lumMod val="99000"/>
-                    <a:satMod val="120000"/>
-                    <a:shade val="78000"/>
-                  </a:schemeClr>
-                </a:gs>
-              </a:gsLst>
-              <a:lin ang="5400000" scaled="0"/>
-            </a:gradFill>
-            <a:ln>
-              <a:noFill/>
-            </a:ln>
-            <a:effectLst/>
-          </c:spPr>
-          <c:invertIfNegative val="0"/>
-          <c:cat>
-            <c:strRef>
-              <c:f>Sheet1!$A$2:$A$5</c:f>
-              <c:strCache>
-                <c:ptCount val="4"/>
-                <c:pt idx="0">
-                  <c:v>Categoria 1</c:v>
-                </c:pt>
-                <c:pt idx="1">
-                  <c:v>Categoria 2</c:v>
-                </c:pt>
-                <c:pt idx="2">
-                  <c:v>Categoria 3</c:v>
-                </c:pt>
-                <c:pt idx="3">
-                  <c:v>Categoria 4</c:v>
-                </c:pt>
-              </c:strCache>
-            </c:strRef>
-          </c:cat>
-          <c:val>
-            <c:numRef>
-              <c:f>Sheet1!$C$2:$C$5</c:f>
-              <c:numCache>
-                <c:formatCode>General</c:formatCode>
-                <c:ptCount val="4"/>
-                <c:pt idx="0">
-                  <c:v>2.4</c:v>
-                </c:pt>
-                <c:pt idx="1">
-                  <c:v>4.4000000000000004</c:v>
-                </c:pt>
-                <c:pt idx="2">
-                  <c:v>1.8</c:v>
-                </c:pt>
-                <c:pt idx="3">
-                  <c:v>2.8</c:v>
-                </c:pt>
-              </c:numCache>
-            </c:numRef>
-          </c:val>
-          <c:extLst>
-            <c:ext xmlns:c16="http://schemas.microsoft.com/office/drawing/2014/chart" uri="{C3380CC4-5D6E-409C-BE32-E72D297353CC}">
-              <c16:uniqueId val="{00000001-F558-4312-B239-36101E057B8B}"/>
-            </c:ext>
-          </c:extLst>
-        </c:ser>
-        <c:ser>
-          <c:idx val="2"/>
-          <c:order val="2"/>
-          <c:tx>
-            <c:strRef>
-              <c:f>Sheet1!$D$1</c:f>
-              <c:strCache>
-                <c:ptCount val="1"/>
-                <c:pt idx="0">
-                  <c:v>Serie 3</c:v>
-                </c:pt>
-              </c:strCache>
-            </c:strRef>
-          </c:tx>
-          <c:spPr>
-            <a:gradFill rotWithShape="1">
-              <a:gsLst>
-                <a:gs pos="0">
-                  <a:schemeClr val="accent3">
-                    <a:satMod val="103000"/>
-                    <a:lumMod val="102000"/>
-                    <a:tint val="94000"/>
-                  </a:schemeClr>
-                </a:gs>
-                <a:gs pos="50000">
-                  <a:schemeClr val="accent3">
-                    <a:satMod val="110000"/>
-                    <a:lumMod val="100000"/>
-                    <a:shade val="100000"/>
-                  </a:schemeClr>
-                </a:gs>
-                <a:gs pos="100000">
-                  <a:schemeClr val="accent3">
-                    <a:lumMod val="99000"/>
-                    <a:satMod val="120000"/>
-                    <a:shade val="78000"/>
-                  </a:schemeClr>
-                </a:gs>
-              </a:gsLst>
-              <a:lin ang="5400000" scaled="0"/>
-            </a:gradFill>
-            <a:ln>
-              <a:noFill/>
-            </a:ln>
-            <a:effectLst/>
-          </c:spPr>
-          <c:invertIfNegative val="0"/>
-          <c:cat>
-            <c:strRef>
-              <c:f>Sheet1!$A$2:$A$5</c:f>
-              <c:strCache>
-                <c:ptCount val="4"/>
-                <c:pt idx="0">
-                  <c:v>Categoria 1</c:v>
-                </c:pt>
-                <c:pt idx="1">
-                  <c:v>Categoria 2</c:v>
-                </c:pt>
-                <c:pt idx="2">
-                  <c:v>Categoria 3</c:v>
-                </c:pt>
-                <c:pt idx="3">
-                  <c:v>Categoria 4</c:v>
-                </c:pt>
-              </c:strCache>
-            </c:strRef>
-          </c:cat>
-          <c:val>
-            <c:numRef>
-              <c:f>Sheet1!$D$2:$D$5</c:f>
-              <c:numCache>
-                <c:formatCode>General</c:formatCode>
-                <c:ptCount val="4"/>
-                <c:pt idx="0">
-                  <c:v>2</c:v>
-                </c:pt>
-                <c:pt idx="1">
-                  <c:v>2</c:v>
-                </c:pt>
-                <c:pt idx="2">
-                  <c:v>3</c:v>
-                </c:pt>
-                <c:pt idx="3">
-                  <c:v>5</c:v>
-                </c:pt>
-              </c:numCache>
-            </c:numRef>
-          </c:val>
-          <c:extLst>
-            <c:ext xmlns:c16="http://schemas.microsoft.com/office/drawing/2014/chart" uri="{C3380CC4-5D6E-409C-BE32-E72D297353CC}">
-              <c16:uniqueId val="{00000002-F558-4312-B239-36101E057B8B}"/>
-            </c:ext>
-          </c:extLst>
-        </c:ser>
-        <c:dLbls>
-          <c:showLegendKey val="0"/>
-          <c:showVal val="0"/>
-          <c:showCatName val="0"/>
-          <c:showSerName val="0"/>
-          <c:showPercent val="0"/>
-          <c:showBubbleSize val="0"/>
-        </c:dLbls>
-        <c:gapWidth val="150"/>
-        <c:overlap val="100"/>
-        <c:axId val="611351296"/>
-        <c:axId val="601055720"/>
-      </c:barChart>
-      <c:catAx>
-        <c:axId val="611351296"/>
-        <c:scaling>
-          <c:orientation val="minMax"/>
-        </c:scaling>
-        <c:delete val="0"/>
-        <c:axPos val="l"/>
-        <c:numFmt formatCode="General" sourceLinked="1"/>
-        <c:majorTickMark val="none"/>
-        <c:minorTickMark val="none"/>
-        <c:tickLblPos val="nextTo"/>
-        <c:spPr>
-          <a:noFill/>
-          <a:ln w="9525" cap="flat" cmpd="sng" algn="ctr">
-            <a:solidFill>
-              <a:schemeClr val="tx2">
-                <a:lumMod val="15000"/>
-                <a:lumOff val="85000"/>
-              </a:schemeClr>
-            </a:solidFill>
-            <a:round/>
-          </a:ln>
-          <a:effectLst/>
-        </c:spPr>
-        <c:txPr>
-          <a:bodyPr rot="-60000000" spcFirstLastPara="1" vertOverflow="ellipsis" vert="horz" wrap="square" anchor="ctr" anchorCtr="1"/>
-          <a:lstStyle/>
-          <a:p>
-            <a:pPr>
-              <a:defRPr sz="1197" b="0" i="0" u="none" strike="noStrike" kern="1200" baseline="0">
-                <a:solidFill>
-                  <a:schemeClr val="tx2"/>
-                </a:solidFill>
-                <a:latin typeface="+mn-lt"/>
-                <a:ea typeface="+mn-ea"/>
-                <a:cs typeface="+mn-cs"/>
-              </a:defRPr>
-            </a:pPr>
-            <a:endParaRPr lang="it-IT"/>
-          </a:p>
-        </c:txPr>
-        <c:crossAx val="601055720"/>
-        <c:crosses val="autoZero"/>
-        <c:auto val="1"/>
-        <c:lblAlgn val="ctr"/>
-        <c:lblOffset val="100"/>
-        <c:noMultiLvlLbl val="0"/>
-      </c:catAx>
-      <c:valAx>
-        <c:axId val="601055720"/>
-        <c:scaling>
-          <c:orientation val="minMax"/>
-        </c:scaling>
-        <c:delete val="0"/>
-        <c:axPos val="b"/>
-        <c:majorGridlines>
-          <c:spPr>
-            <a:ln w="9525" cap="flat" cmpd="sng" algn="ctr">
-              <a:solidFill>
-                <a:schemeClr val="tx2">
-                  <a:lumMod val="15000"/>
-                  <a:lumOff val="85000"/>
-                </a:schemeClr>
-              </a:solidFill>
-              <a:round/>
-            </a:ln>
-            <a:effectLst/>
-          </c:spPr>
-        </c:majorGridlines>
-        <c:numFmt formatCode="General" sourceLinked="1"/>
-        <c:majorTickMark val="none"/>
-        <c:minorTickMark val="none"/>
-        <c:tickLblPos val="nextTo"/>
-        <c:spPr>
-          <a:noFill/>
-          <a:ln>
-            <a:noFill/>
-          </a:ln>
-          <a:effectLst/>
-        </c:spPr>
-        <c:txPr>
-          <a:bodyPr rot="-60000000" spcFirstLastPara="1" vertOverflow="ellipsis" vert="horz" wrap="square" anchor="ctr" anchorCtr="1"/>
-          <a:lstStyle/>
-          <a:p>
-            <a:pPr>
-              <a:defRPr sz="1197" b="0" i="0" u="none" strike="noStrike" kern="1200" baseline="0">
-                <a:solidFill>
-                  <a:schemeClr val="tx2"/>
-                </a:solidFill>
-                <a:latin typeface="+mn-lt"/>
-                <a:ea typeface="+mn-ea"/>
-                <a:cs typeface="+mn-cs"/>
-              </a:defRPr>
-            </a:pPr>
-            <a:endParaRPr lang="it-IT"/>
-          </a:p>
-        </c:txPr>
-        <c:crossAx val="611351296"/>
-        <c:crosses val="autoZero"/>
-        <c:crossBetween val="between"/>
-      </c:valAx>
-      <c:spPr>
-        <a:noFill/>
-        <a:ln>
-          <a:noFill/>
-        </a:ln>
-        <a:effectLst/>
-      </c:spPr>
-    </c:plotArea>
-    <c:legend>
-      <c:legendPos val="b"/>
-      <c:overlay val="0"/>
-      <c:spPr>
-        <a:noFill/>
-        <a:ln>
-          <a:noFill/>
-        </a:ln>
-        <a:effectLst/>
-      </c:spPr>
-      <c:txPr>
-        <a:bodyPr rot="0" spcFirstLastPara="1" vertOverflow="ellipsis" vert="horz" wrap="square" anchor="ctr" anchorCtr="1"/>
-        <a:lstStyle/>
-        <a:p>
-          <a:pPr>
-            <a:defRPr sz="1197" b="0" i="0" u="none" strike="noStrike" kern="1200" baseline="0">
-              <a:solidFill>
-                <a:schemeClr val="tx2"/>
-              </a:solidFill>
-              <a:latin typeface="+mn-lt"/>
-              <a:ea typeface="+mn-ea"/>
-              <a:cs typeface="+mn-cs"/>
-            </a:defRPr>
-          </a:pPr>
-          <a:endParaRPr lang="it-IT"/>
-        </a:p>
-      </c:txPr>
-    </c:legend>
-    <c:plotVisOnly val="1"/>
-    <c:dispBlanksAs val="gap"/>
-    <c:showDLblsOverMax val="0"/>
-  </c:chart>
-  <c:spPr>
-    <a:noFill/>
-    <a:ln>
-      <a:noFill/>
-    </a:ln>
-    <a:effectLst/>
-  </c:spPr>
-  <c:txPr>
-    <a:bodyPr/>
-    <a:lstStyle/>
-    <a:p>
-      <a:pPr>
-        <a:defRPr/>
-      </a:pPr>
-      <a:endParaRPr lang="it-IT"/>
-    </a:p>
-  </c:txPr>
-  <c:externalData r:id="rId3">
-    <c:autoUpdate val="0"/>
-  </c:externalData>
-</c:chartSpace>
-</file>
-
-<file path=ppt/charts/chart4.xml><?xml version="1.0" encoding="utf-8"?>
-<c:chartSpace xmlns:c="http://schemas.openxmlformats.org/drawingml/2006/chart" xmlns:a="http://schemas.openxmlformats.org/drawingml/2006/main" xmlns:r="http://schemas.openxmlformats.org/officeDocument/2006/relationships" xmlns:c16r2="http://schemas.microsoft.com/office/drawing/2015/06/chart">
-  <c:date1904 val="0"/>
-  <c:lang val="it-IT"/>
-  <c:roundedCorners val="0"/>
-  <mc:AlternateContent xmlns:mc="http://schemas.openxmlformats.org/markup-compatibility/2006">
-    <mc:Choice xmlns:c14="http://schemas.microsoft.com/office/drawing/2007/8/2/chart" Requires="c14">
-      <c14:style val="102"/>
-    </mc:Choice>
-    <mc:Fallback>
-      <c:style val="2"/>
-    </mc:Fallback>
-  </mc:AlternateContent>
-  <c:chart>
-    <c:autoTitleDeleted val="1"/>
-    <c:plotArea>
-      <c:layout/>
-      <c:barChart>
-        <c:barDir val="bar"/>
-        <c:grouping val="stacked"/>
-        <c:varyColors val="0"/>
-        <c:ser>
-          <c:idx val="0"/>
-          <c:order val="0"/>
-          <c:tx>
-            <c:strRef>
-              <c:f>Sheet1!$B$1</c:f>
-              <c:strCache>
-                <c:ptCount val="1"/>
-                <c:pt idx="0">
-                  <c:v>Serie 1</c:v>
-                </c:pt>
-              </c:strCache>
-            </c:strRef>
-          </c:tx>
-          <c:spPr>
-            <a:gradFill rotWithShape="1">
-              <a:gsLst>
-                <a:gs pos="0">
-                  <a:schemeClr val="accent1">
-                    <a:satMod val="103000"/>
-                    <a:lumMod val="102000"/>
-                    <a:tint val="94000"/>
-                  </a:schemeClr>
-                </a:gs>
-                <a:gs pos="50000">
-                  <a:schemeClr val="accent1">
-                    <a:satMod val="110000"/>
-                    <a:lumMod val="100000"/>
-                    <a:shade val="100000"/>
-                  </a:schemeClr>
-                </a:gs>
-                <a:gs pos="100000">
-                  <a:schemeClr val="accent1">
-                    <a:lumMod val="99000"/>
-                    <a:satMod val="120000"/>
-                    <a:shade val="78000"/>
-                  </a:schemeClr>
-                </a:gs>
-              </a:gsLst>
-              <a:lin ang="5400000" scaled="0"/>
-            </a:gradFill>
-            <a:ln>
-              <a:noFill/>
-            </a:ln>
-            <a:effectLst/>
-          </c:spPr>
-          <c:invertIfNegative val="0"/>
-          <c:cat>
-            <c:strRef>
-              <c:f>Sheet1!$A$2:$A$5</c:f>
-              <c:strCache>
-                <c:ptCount val="4"/>
-                <c:pt idx="0">
-                  <c:v>Categoria 1</c:v>
-                </c:pt>
-                <c:pt idx="1">
-                  <c:v>Categoria 2</c:v>
-                </c:pt>
-                <c:pt idx="2">
-                  <c:v>Categoria 3</c:v>
-                </c:pt>
-                <c:pt idx="3">
-                  <c:v>Categoria 4</c:v>
-                </c:pt>
-              </c:strCache>
-            </c:strRef>
-          </c:cat>
-          <c:val>
-            <c:numRef>
-              <c:f>Sheet1!$B$2:$B$5</c:f>
-              <c:numCache>
-                <c:formatCode>General</c:formatCode>
-                <c:ptCount val="4"/>
-                <c:pt idx="0">
-                  <c:v>4.3</c:v>
-                </c:pt>
-                <c:pt idx="1">
-                  <c:v>2.5</c:v>
-                </c:pt>
-                <c:pt idx="2">
-                  <c:v>3.5</c:v>
-                </c:pt>
-                <c:pt idx="3">
-                  <c:v>4.5</c:v>
-                </c:pt>
-              </c:numCache>
-            </c:numRef>
-          </c:val>
-          <c:extLst>
-            <c:ext xmlns:c16="http://schemas.microsoft.com/office/drawing/2014/chart" uri="{C3380CC4-5D6E-409C-BE32-E72D297353CC}">
-              <c16:uniqueId val="{00000000-F558-4312-B239-36101E057B8B}"/>
-            </c:ext>
-          </c:extLst>
-        </c:ser>
-        <c:ser>
-          <c:idx val="1"/>
-          <c:order val="1"/>
-          <c:tx>
-            <c:strRef>
-              <c:f>Sheet1!$C$1</c:f>
-              <c:strCache>
-                <c:ptCount val="1"/>
-                <c:pt idx="0">
-                  <c:v>Serie 2</c:v>
-                </c:pt>
-              </c:strCache>
-            </c:strRef>
-          </c:tx>
-          <c:spPr>
-            <a:gradFill rotWithShape="1">
-              <a:gsLst>
-                <a:gs pos="0">
-                  <a:schemeClr val="accent2">
-                    <a:satMod val="103000"/>
-                    <a:lumMod val="102000"/>
-                    <a:tint val="94000"/>
-                  </a:schemeClr>
-                </a:gs>
-                <a:gs pos="50000">
-                  <a:schemeClr val="accent2">
-                    <a:satMod val="110000"/>
-                    <a:lumMod val="100000"/>
-                    <a:shade val="100000"/>
-                  </a:schemeClr>
-                </a:gs>
-                <a:gs pos="100000">
-                  <a:schemeClr val="accent2">
-                    <a:lumMod val="99000"/>
-                    <a:satMod val="120000"/>
-                    <a:shade val="78000"/>
-                  </a:schemeClr>
-                </a:gs>
-              </a:gsLst>
-              <a:lin ang="5400000" scaled="0"/>
-            </a:gradFill>
-            <a:ln>
-              <a:noFill/>
-            </a:ln>
-            <a:effectLst/>
-          </c:spPr>
-          <c:invertIfNegative val="0"/>
-          <c:cat>
-            <c:strRef>
-              <c:f>Sheet1!$A$2:$A$5</c:f>
-              <c:strCache>
-                <c:ptCount val="4"/>
-                <c:pt idx="0">
-                  <c:v>Categoria 1</c:v>
-                </c:pt>
-                <c:pt idx="1">
-                  <c:v>Categoria 2</c:v>
-                </c:pt>
-                <c:pt idx="2">
-                  <c:v>Categoria 3</c:v>
-                </c:pt>
-                <c:pt idx="3">
-                  <c:v>Categoria 4</c:v>
-                </c:pt>
-              </c:strCache>
-            </c:strRef>
-          </c:cat>
-          <c:val>
-            <c:numRef>
-              <c:f>Sheet1!$C$2:$C$5</c:f>
-              <c:numCache>
-                <c:formatCode>General</c:formatCode>
-                <c:ptCount val="4"/>
-                <c:pt idx="0">
-                  <c:v>2.4</c:v>
-                </c:pt>
-                <c:pt idx="1">
-                  <c:v>4.4000000000000004</c:v>
-                </c:pt>
-                <c:pt idx="2">
-                  <c:v>1.8</c:v>
-                </c:pt>
-                <c:pt idx="3">
-                  <c:v>2.8</c:v>
-                </c:pt>
-              </c:numCache>
-            </c:numRef>
-          </c:val>
-          <c:extLst>
-            <c:ext xmlns:c16="http://schemas.microsoft.com/office/drawing/2014/chart" uri="{C3380CC4-5D6E-409C-BE32-E72D297353CC}">
-              <c16:uniqueId val="{00000001-F558-4312-B239-36101E057B8B}"/>
-            </c:ext>
-          </c:extLst>
-        </c:ser>
-        <c:ser>
-          <c:idx val="2"/>
-          <c:order val="2"/>
-          <c:tx>
-            <c:strRef>
-              <c:f>Sheet1!$D$1</c:f>
-              <c:strCache>
-                <c:ptCount val="1"/>
-                <c:pt idx="0">
-                  <c:v>Serie 3</c:v>
-                </c:pt>
-              </c:strCache>
-            </c:strRef>
-          </c:tx>
-          <c:spPr>
-            <a:gradFill rotWithShape="1">
-              <a:gsLst>
-                <a:gs pos="0">
-                  <a:schemeClr val="accent3">
-                    <a:satMod val="103000"/>
-                    <a:lumMod val="102000"/>
-                    <a:tint val="94000"/>
-                  </a:schemeClr>
-                </a:gs>
-                <a:gs pos="50000">
-                  <a:schemeClr val="accent3">
-                    <a:satMod val="110000"/>
-                    <a:lumMod val="100000"/>
-                    <a:shade val="100000"/>
-                  </a:schemeClr>
-                </a:gs>
-                <a:gs pos="100000">
-                  <a:schemeClr val="accent3">
-                    <a:lumMod val="99000"/>
-                    <a:satMod val="120000"/>
-                    <a:shade val="78000"/>
-                  </a:schemeClr>
-                </a:gs>
-              </a:gsLst>
-              <a:lin ang="5400000" scaled="0"/>
-            </a:gradFill>
-            <a:ln>
-              <a:noFill/>
-            </a:ln>
-            <a:effectLst/>
-          </c:spPr>
-          <c:invertIfNegative val="0"/>
-          <c:cat>
-            <c:strRef>
-              <c:f>Sheet1!$A$2:$A$5</c:f>
-              <c:strCache>
-                <c:ptCount val="4"/>
-                <c:pt idx="0">
-                  <c:v>Categoria 1</c:v>
-                </c:pt>
-                <c:pt idx="1">
-                  <c:v>Categoria 2</c:v>
-                </c:pt>
-                <c:pt idx="2">
-                  <c:v>Categoria 3</c:v>
-                </c:pt>
-                <c:pt idx="3">
-                  <c:v>Categoria 4</c:v>
-                </c:pt>
-              </c:strCache>
-            </c:strRef>
-          </c:cat>
-          <c:val>
-            <c:numRef>
-              <c:f>Sheet1!$D$2:$D$5</c:f>
-              <c:numCache>
-                <c:formatCode>General</c:formatCode>
-                <c:ptCount val="4"/>
-                <c:pt idx="0">
-                  <c:v>2</c:v>
-                </c:pt>
-                <c:pt idx="1">
-                  <c:v>2</c:v>
-                </c:pt>
-                <c:pt idx="2">
-                  <c:v>3</c:v>
-                </c:pt>
-                <c:pt idx="3">
-                  <c:v>5</c:v>
-                </c:pt>
-              </c:numCache>
-            </c:numRef>
-          </c:val>
-          <c:extLst>
-            <c:ext xmlns:c16="http://schemas.microsoft.com/office/drawing/2014/chart" uri="{C3380CC4-5D6E-409C-BE32-E72D297353CC}">
-              <c16:uniqueId val="{00000002-F558-4312-B239-36101E057B8B}"/>
-            </c:ext>
-          </c:extLst>
-        </c:ser>
-        <c:dLbls>
-          <c:showLegendKey val="0"/>
-          <c:showVal val="0"/>
-          <c:showCatName val="0"/>
-          <c:showSerName val="0"/>
-          <c:showPercent val="0"/>
-          <c:showBubbleSize val="0"/>
-        </c:dLbls>
-        <c:gapWidth val="150"/>
-        <c:overlap val="100"/>
-        <c:axId val="611351296"/>
-        <c:axId val="601055720"/>
-      </c:barChart>
-      <c:catAx>
-        <c:axId val="611351296"/>
-        <c:scaling>
-          <c:orientation val="minMax"/>
-        </c:scaling>
-        <c:delete val="0"/>
-        <c:axPos val="l"/>
-        <c:numFmt formatCode="General" sourceLinked="1"/>
-        <c:majorTickMark val="none"/>
-        <c:minorTickMark val="none"/>
-        <c:tickLblPos val="nextTo"/>
-        <c:spPr>
-          <a:noFill/>
-          <a:ln w="9525" cap="flat" cmpd="sng" algn="ctr">
-            <a:solidFill>
-              <a:schemeClr val="tx2">
-                <a:lumMod val="15000"/>
-                <a:lumOff val="85000"/>
-              </a:schemeClr>
-            </a:solidFill>
-            <a:round/>
-          </a:ln>
-          <a:effectLst/>
-        </c:spPr>
-        <c:txPr>
-          <a:bodyPr rot="-60000000" spcFirstLastPara="1" vertOverflow="ellipsis" vert="horz" wrap="square" anchor="ctr" anchorCtr="1"/>
-          <a:lstStyle/>
-          <a:p>
-            <a:pPr>
-              <a:defRPr sz="1197" b="0" i="0" u="none" strike="noStrike" kern="1200" baseline="0">
-                <a:solidFill>
-                  <a:schemeClr val="tx2"/>
-                </a:solidFill>
-                <a:latin typeface="+mn-lt"/>
-                <a:ea typeface="+mn-ea"/>
-                <a:cs typeface="+mn-cs"/>
-              </a:defRPr>
-            </a:pPr>
-            <a:endParaRPr lang="it-IT"/>
-          </a:p>
-        </c:txPr>
-        <c:crossAx val="601055720"/>
-        <c:crosses val="autoZero"/>
-        <c:auto val="1"/>
-        <c:lblAlgn val="ctr"/>
-        <c:lblOffset val="100"/>
-        <c:noMultiLvlLbl val="0"/>
-      </c:catAx>
-      <c:valAx>
-        <c:axId val="601055720"/>
-        <c:scaling>
-          <c:orientation val="minMax"/>
-        </c:scaling>
-        <c:delete val="0"/>
-        <c:axPos val="b"/>
-        <c:majorGridlines>
-          <c:spPr>
-            <a:ln w="9525" cap="flat" cmpd="sng" algn="ctr">
-              <a:solidFill>
-                <a:schemeClr val="tx2">
-                  <a:lumMod val="15000"/>
-                  <a:lumOff val="85000"/>
-                </a:schemeClr>
-              </a:solidFill>
-              <a:round/>
-            </a:ln>
-            <a:effectLst/>
-          </c:spPr>
-        </c:majorGridlines>
-        <c:numFmt formatCode="General" sourceLinked="1"/>
-        <c:majorTickMark val="none"/>
-        <c:minorTickMark val="none"/>
-        <c:tickLblPos val="nextTo"/>
-        <c:spPr>
-          <a:noFill/>
-          <a:ln>
-            <a:noFill/>
-          </a:ln>
-          <a:effectLst/>
-        </c:spPr>
-        <c:txPr>
-          <a:bodyPr rot="-60000000" spcFirstLastPara="1" vertOverflow="ellipsis" vert="horz" wrap="square" anchor="ctr" anchorCtr="1"/>
-          <a:lstStyle/>
-          <a:p>
-            <a:pPr>
-              <a:defRPr sz="1197" b="0" i="0" u="none" strike="noStrike" kern="1200" baseline="0">
-                <a:solidFill>
-                  <a:schemeClr val="tx2"/>
-                </a:solidFill>
-                <a:latin typeface="+mn-lt"/>
-                <a:ea typeface="+mn-ea"/>
-                <a:cs typeface="+mn-cs"/>
-              </a:defRPr>
-            </a:pPr>
-            <a:endParaRPr lang="it-IT"/>
-          </a:p>
-        </c:txPr>
-        <c:crossAx val="611351296"/>
-        <c:crosses val="autoZero"/>
-        <c:crossBetween val="between"/>
-      </c:valAx>
-      <c:spPr>
-        <a:noFill/>
-        <a:ln>
-          <a:noFill/>
-        </a:ln>
-        <a:effectLst/>
-      </c:spPr>
-    </c:plotArea>
-    <c:legend>
-      <c:legendPos val="b"/>
-      <c:overlay val="0"/>
-      <c:spPr>
-        <a:noFill/>
-        <a:ln>
-          <a:noFill/>
-        </a:ln>
-        <a:effectLst/>
-      </c:spPr>
-      <c:txPr>
-        <a:bodyPr rot="0" spcFirstLastPara="1" vertOverflow="ellipsis" vert="horz" wrap="square" anchor="ctr" anchorCtr="1"/>
-        <a:lstStyle/>
-        <a:p>
-          <a:pPr>
-            <a:defRPr sz="1197" b="0" i="0" u="none" strike="noStrike" kern="1200" baseline="0">
-              <a:solidFill>
-                <a:schemeClr val="tx2"/>
-              </a:solidFill>
-              <a:latin typeface="+mn-lt"/>
-              <a:ea typeface="+mn-ea"/>
-              <a:cs typeface="+mn-cs"/>
-            </a:defRPr>
-          </a:pPr>
-          <a:endParaRPr lang="it-IT"/>
-        </a:p>
-      </c:txPr>
-    </c:legend>
-    <c:plotVisOnly val="1"/>
-    <c:dispBlanksAs val="gap"/>
-    <c:showDLblsOverMax val="0"/>
-  </c:chart>
-  <c:spPr>
-    <a:noFill/>
-    <a:ln>
-      <a:noFill/>
-    </a:ln>
-    <a:effectLst/>
-  </c:spPr>
-  <c:txPr>
-    <a:bodyPr/>
-    <a:lstStyle/>
-    <a:p>
-      <a:pPr>
-        <a:defRPr/>
-      </a:pPr>
-      <a:endParaRPr lang="it-IT"/>
-    </a:p>
-  </c:txPr>
-  <c:externalData r:id="rId3">
-    <c:autoUpdate val="0"/>
-  </c:externalData>
-</c:chartSpace>
-</file>
-
-<file path=ppt/charts/chart5.xml><?xml version="1.0" encoding="utf-8"?>
-<c:chartSpace xmlns:c="http://schemas.openxmlformats.org/drawingml/2006/chart" xmlns:a="http://schemas.openxmlformats.org/drawingml/2006/main" xmlns:r="http://schemas.openxmlformats.org/officeDocument/2006/relationships" xmlns:c16r2="http://schemas.microsoft.com/office/drawing/2015/06/chart">
-  <c:date1904 val="0"/>
-  <c:lang val="it-IT"/>
-  <c:roundedCorners val="0"/>
-  <mc:AlternateContent xmlns:mc="http://schemas.openxmlformats.org/markup-compatibility/2006">
-    <mc:Choice xmlns:c14="http://schemas.microsoft.com/office/drawing/2007/8/2/chart" Requires="c14">
-      <c14:style val="102"/>
-    </mc:Choice>
-    <mc:Fallback>
-      <c:style val="2"/>
-    </mc:Fallback>
-  </mc:AlternateContent>
-  <c:chart>
-    <c:autoTitleDeleted val="1"/>
-    <c:plotArea>
-      <c:layout/>
-      <c:barChart>
-        <c:barDir val="bar"/>
-        <c:grouping val="stacked"/>
-        <c:varyColors val="0"/>
-        <c:ser>
-          <c:idx val="0"/>
-          <c:order val="0"/>
-          <c:tx>
-            <c:strRef>
-              <c:f>Sheet1!$B$1</c:f>
-              <c:strCache>
-                <c:ptCount val="1"/>
-                <c:pt idx="0">
-                  <c:v>Serie 1</c:v>
-                </c:pt>
-              </c:strCache>
-            </c:strRef>
-          </c:tx>
-          <c:spPr>
-            <a:gradFill rotWithShape="1">
-              <a:gsLst>
-                <a:gs pos="0">
-                  <a:schemeClr val="accent1">
-                    <a:satMod val="103000"/>
-                    <a:lumMod val="102000"/>
-                    <a:tint val="94000"/>
-                  </a:schemeClr>
-                </a:gs>
-                <a:gs pos="50000">
-                  <a:schemeClr val="accent1">
-                    <a:satMod val="110000"/>
-                    <a:lumMod val="100000"/>
-                    <a:shade val="100000"/>
-                  </a:schemeClr>
-                </a:gs>
-                <a:gs pos="100000">
-                  <a:schemeClr val="accent1">
-                    <a:lumMod val="99000"/>
-                    <a:satMod val="120000"/>
-                    <a:shade val="78000"/>
-                  </a:schemeClr>
-                </a:gs>
-              </a:gsLst>
-              <a:lin ang="5400000" scaled="0"/>
-            </a:gradFill>
-            <a:ln>
-              <a:noFill/>
-            </a:ln>
-            <a:effectLst/>
-          </c:spPr>
-          <c:invertIfNegative val="0"/>
-          <c:cat>
-            <c:strRef>
-              <c:f>Sheet1!$A$2:$A$5</c:f>
-              <c:strCache>
-                <c:ptCount val="4"/>
-                <c:pt idx="0">
-                  <c:v>Categoria 1</c:v>
-                </c:pt>
-                <c:pt idx="1">
-                  <c:v>Categoria 2</c:v>
-                </c:pt>
-                <c:pt idx="2">
-                  <c:v>Categoria 3</c:v>
-                </c:pt>
-                <c:pt idx="3">
-                  <c:v>Categoria 4</c:v>
-                </c:pt>
-              </c:strCache>
-            </c:strRef>
-          </c:cat>
-          <c:val>
-            <c:numRef>
-              <c:f>Sheet1!$B$2:$B$5</c:f>
-              <c:numCache>
-                <c:formatCode>General</c:formatCode>
-                <c:ptCount val="4"/>
-                <c:pt idx="0">
-                  <c:v>4.3</c:v>
-                </c:pt>
-                <c:pt idx="1">
-                  <c:v>2.5</c:v>
-                </c:pt>
-                <c:pt idx="2">
-                  <c:v>3.5</c:v>
-                </c:pt>
-                <c:pt idx="3">
-                  <c:v>4.5</c:v>
-                </c:pt>
-              </c:numCache>
-            </c:numRef>
-          </c:val>
-          <c:extLst>
-            <c:ext xmlns:c16="http://schemas.microsoft.com/office/drawing/2014/chart" uri="{C3380CC4-5D6E-409C-BE32-E72D297353CC}">
-              <c16:uniqueId val="{00000000-F558-4312-B239-36101E057B8B}"/>
-            </c:ext>
-          </c:extLst>
-        </c:ser>
-        <c:ser>
-          <c:idx val="1"/>
-          <c:order val="1"/>
-          <c:tx>
-            <c:strRef>
-              <c:f>Sheet1!$C$1</c:f>
-              <c:strCache>
-                <c:ptCount val="1"/>
-                <c:pt idx="0">
-                  <c:v>Serie 2</c:v>
-                </c:pt>
-              </c:strCache>
-            </c:strRef>
-          </c:tx>
-          <c:spPr>
-            <a:gradFill rotWithShape="1">
-              <a:gsLst>
-                <a:gs pos="0">
-                  <a:schemeClr val="accent2">
-                    <a:satMod val="103000"/>
-                    <a:lumMod val="102000"/>
-                    <a:tint val="94000"/>
-                  </a:schemeClr>
-                </a:gs>
-                <a:gs pos="50000">
-                  <a:schemeClr val="accent2">
-                    <a:satMod val="110000"/>
-                    <a:lumMod val="100000"/>
-                    <a:shade val="100000"/>
-                  </a:schemeClr>
-                </a:gs>
-                <a:gs pos="100000">
-                  <a:schemeClr val="accent2">
-                    <a:lumMod val="99000"/>
-                    <a:satMod val="120000"/>
-                    <a:shade val="78000"/>
-                  </a:schemeClr>
-                </a:gs>
-              </a:gsLst>
-              <a:lin ang="5400000" scaled="0"/>
-            </a:gradFill>
-            <a:ln>
-              <a:noFill/>
-            </a:ln>
-            <a:effectLst/>
-          </c:spPr>
-          <c:invertIfNegative val="0"/>
-          <c:cat>
-            <c:strRef>
-              <c:f>Sheet1!$A$2:$A$5</c:f>
-              <c:strCache>
-                <c:ptCount val="4"/>
-                <c:pt idx="0">
-                  <c:v>Categoria 1</c:v>
-                </c:pt>
-                <c:pt idx="1">
-                  <c:v>Categoria 2</c:v>
-                </c:pt>
-                <c:pt idx="2">
-                  <c:v>Categoria 3</c:v>
-                </c:pt>
-                <c:pt idx="3">
-                  <c:v>Categoria 4</c:v>
-                </c:pt>
-              </c:strCache>
-            </c:strRef>
-          </c:cat>
-          <c:val>
-            <c:numRef>
-              <c:f>Sheet1!$C$2:$C$5</c:f>
-              <c:numCache>
-                <c:formatCode>General</c:formatCode>
-                <c:ptCount val="4"/>
-                <c:pt idx="0">
-                  <c:v>2.4</c:v>
-                </c:pt>
-                <c:pt idx="1">
-                  <c:v>4.4000000000000004</c:v>
-                </c:pt>
-                <c:pt idx="2">
-                  <c:v>1.8</c:v>
-                </c:pt>
-                <c:pt idx="3">
-                  <c:v>2.8</c:v>
-                </c:pt>
-              </c:numCache>
-            </c:numRef>
-          </c:val>
-          <c:extLst>
-            <c:ext xmlns:c16="http://schemas.microsoft.com/office/drawing/2014/chart" uri="{C3380CC4-5D6E-409C-BE32-E72D297353CC}">
-              <c16:uniqueId val="{00000001-F558-4312-B239-36101E057B8B}"/>
-            </c:ext>
-          </c:extLst>
-        </c:ser>
-        <c:ser>
-          <c:idx val="2"/>
-          <c:order val="2"/>
-          <c:tx>
-            <c:strRef>
-              <c:f>Sheet1!$D$1</c:f>
-              <c:strCache>
-                <c:ptCount val="1"/>
-                <c:pt idx="0">
-                  <c:v>Serie 3</c:v>
-                </c:pt>
-              </c:strCache>
-            </c:strRef>
-          </c:tx>
-          <c:spPr>
-            <a:gradFill rotWithShape="1">
-              <a:gsLst>
-                <a:gs pos="0">
-                  <a:schemeClr val="accent3">
-                    <a:satMod val="103000"/>
-                    <a:lumMod val="102000"/>
-                    <a:tint val="94000"/>
-                  </a:schemeClr>
-                </a:gs>
-                <a:gs pos="50000">
-                  <a:schemeClr val="accent3">
-                    <a:satMod val="110000"/>
-                    <a:lumMod val="100000"/>
-                    <a:shade val="100000"/>
-                  </a:schemeClr>
-                </a:gs>
-                <a:gs pos="100000">
-                  <a:schemeClr val="accent3">
-                    <a:lumMod val="99000"/>
-                    <a:satMod val="120000"/>
-                    <a:shade val="78000"/>
-                  </a:schemeClr>
-                </a:gs>
-              </a:gsLst>
-              <a:lin ang="5400000" scaled="0"/>
-            </a:gradFill>
-            <a:ln>
-              <a:noFill/>
-            </a:ln>
-            <a:effectLst/>
-          </c:spPr>
-          <c:invertIfNegative val="0"/>
-          <c:cat>
-            <c:strRef>
-              <c:f>Sheet1!$A$2:$A$5</c:f>
-              <c:strCache>
-                <c:ptCount val="4"/>
-                <c:pt idx="0">
-                  <c:v>Categoria 1</c:v>
-                </c:pt>
-                <c:pt idx="1">
-                  <c:v>Categoria 2</c:v>
-                </c:pt>
-                <c:pt idx="2">
-                  <c:v>Categoria 3</c:v>
-                </c:pt>
-                <c:pt idx="3">
-                  <c:v>Categoria 4</c:v>
-                </c:pt>
-              </c:strCache>
-            </c:strRef>
-          </c:cat>
-          <c:val>
-            <c:numRef>
-              <c:f>Sheet1!$D$2:$D$5</c:f>
-              <c:numCache>
-                <c:formatCode>General</c:formatCode>
-                <c:ptCount val="4"/>
-                <c:pt idx="0">
-                  <c:v>2</c:v>
-                </c:pt>
-                <c:pt idx="1">
-                  <c:v>2</c:v>
-                </c:pt>
-                <c:pt idx="2">
-                  <c:v>3</c:v>
-                </c:pt>
-                <c:pt idx="3">
-                  <c:v>5</c:v>
-                </c:pt>
-              </c:numCache>
-            </c:numRef>
-          </c:val>
-          <c:extLst>
-            <c:ext xmlns:c16="http://schemas.microsoft.com/office/drawing/2014/chart" uri="{C3380CC4-5D6E-409C-BE32-E72D297353CC}">
-              <c16:uniqueId val="{00000002-F558-4312-B239-36101E057B8B}"/>
-            </c:ext>
-          </c:extLst>
-        </c:ser>
-        <c:dLbls>
-          <c:showLegendKey val="0"/>
-          <c:showVal val="0"/>
-          <c:showCatName val="0"/>
-          <c:showSerName val="0"/>
-          <c:showPercent val="0"/>
-          <c:showBubbleSize val="0"/>
-        </c:dLbls>
-        <c:gapWidth val="150"/>
-        <c:overlap val="100"/>
-        <c:axId val="611351296"/>
-        <c:axId val="601055720"/>
-      </c:barChart>
-      <c:catAx>
-        <c:axId val="611351296"/>
-        <c:scaling>
-          <c:orientation val="minMax"/>
-        </c:scaling>
-        <c:delete val="0"/>
-        <c:axPos val="l"/>
-        <c:numFmt formatCode="General" sourceLinked="1"/>
-        <c:majorTickMark val="none"/>
-        <c:minorTickMark val="none"/>
-        <c:tickLblPos val="nextTo"/>
-        <c:spPr>
-          <a:noFill/>
-          <a:ln w="9525" cap="flat" cmpd="sng" algn="ctr">
-            <a:solidFill>
-              <a:schemeClr val="tx2">
-                <a:lumMod val="15000"/>
-                <a:lumOff val="85000"/>
-              </a:schemeClr>
-            </a:solidFill>
-            <a:round/>
-          </a:ln>
-          <a:effectLst/>
-        </c:spPr>
-        <c:txPr>
-          <a:bodyPr rot="-60000000" spcFirstLastPara="1" vertOverflow="ellipsis" vert="horz" wrap="square" anchor="ctr" anchorCtr="1"/>
-          <a:lstStyle/>
-          <a:p>
-            <a:pPr>
-              <a:defRPr sz="1197" b="0" i="0" u="none" strike="noStrike" kern="1200" baseline="0">
-                <a:solidFill>
-                  <a:schemeClr val="tx2"/>
-                </a:solidFill>
-                <a:latin typeface="+mn-lt"/>
-                <a:ea typeface="+mn-ea"/>
-                <a:cs typeface="+mn-cs"/>
-              </a:defRPr>
-            </a:pPr>
-            <a:endParaRPr lang="it-IT"/>
-          </a:p>
-        </c:txPr>
-        <c:crossAx val="601055720"/>
-        <c:crosses val="autoZero"/>
-        <c:auto val="1"/>
-        <c:lblAlgn val="ctr"/>
-        <c:lblOffset val="100"/>
-        <c:noMultiLvlLbl val="0"/>
-      </c:catAx>
-      <c:valAx>
-        <c:axId val="601055720"/>
-        <c:scaling>
-          <c:orientation val="minMax"/>
-        </c:scaling>
-        <c:delete val="0"/>
-        <c:axPos val="b"/>
-        <c:majorGridlines>
-          <c:spPr>
-            <a:ln w="9525" cap="flat" cmpd="sng" algn="ctr">
-              <a:solidFill>
-                <a:schemeClr val="tx2">
-                  <a:lumMod val="15000"/>
-                  <a:lumOff val="85000"/>
-                </a:schemeClr>
-              </a:solidFill>
-              <a:round/>
-            </a:ln>
-            <a:effectLst/>
-          </c:spPr>
-        </c:majorGridlines>
-        <c:numFmt formatCode="General" sourceLinked="1"/>
-        <c:majorTickMark val="none"/>
-        <c:minorTickMark val="none"/>
-        <c:tickLblPos val="nextTo"/>
-        <c:spPr>
-          <a:noFill/>
-          <a:ln>
-            <a:noFill/>
-          </a:ln>
-          <a:effectLst/>
-        </c:spPr>
-        <c:txPr>
-          <a:bodyPr rot="-60000000" spcFirstLastPara="1" vertOverflow="ellipsis" vert="horz" wrap="square" anchor="ctr" anchorCtr="1"/>
-          <a:lstStyle/>
-          <a:p>
-            <a:pPr>
-              <a:defRPr sz="1197" b="0" i="0" u="none" strike="noStrike" kern="1200" baseline="0">
-                <a:solidFill>
-                  <a:schemeClr val="tx2"/>
-                </a:solidFill>
-                <a:latin typeface="+mn-lt"/>
-                <a:ea typeface="+mn-ea"/>
-                <a:cs typeface="+mn-cs"/>
-              </a:defRPr>
-            </a:pPr>
-            <a:endParaRPr lang="it-IT"/>
-          </a:p>
-        </c:txPr>
-        <c:crossAx val="611351296"/>
-        <c:crosses val="autoZero"/>
-        <c:crossBetween val="between"/>
-      </c:valAx>
-      <c:spPr>
-        <a:noFill/>
-        <a:ln>
-          <a:noFill/>
-        </a:ln>
-        <a:effectLst/>
-      </c:spPr>
-    </c:plotArea>
-    <c:legend>
-      <c:legendPos val="b"/>
-      <c:overlay val="0"/>
-      <c:spPr>
-        <a:noFill/>
-        <a:ln>
-          <a:noFill/>
-        </a:ln>
-        <a:effectLst/>
-      </c:spPr>
-      <c:txPr>
-        <a:bodyPr rot="0" spcFirstLastPara="1" vertOverflow="ellipsis" vert="horz" wrap="square" anchor="ctr" anchorCtr="1"/>
-        <a:lstStyle/>
-        <a:p>
-          <a:pPr>
-            <a:defRPr sz="1197" b="0" i="0" u="none" strike="noStrike" kern="1200" baseline="0">
-              <a:solidFill>
-                <a:schemeClr val="tx2"/>
-              </a:solidFill>
-              <a:latin typeface="+mn-lt"/>
-              <a:ea typeface="+mn-ea"/>
-              <a:cs typeface="+mn-cs"/>
-            </a:defRPr>
-          </a:pPr>
-          <a:endParaRPr lang="it-IT"/>
-        </a:p>
-      </c:txPr>
-    </c:legend>
-    <c:plotVisOnly val="1"/>
-    <c:dispBlanksAs val="gap"/>
-    <c:showDLblsOverMax val="0"/>
-  </c:chart>
-  <c:spPr>
-    <a:noFill/>
-    <a:ln>
-      <a:noFill/>
-    </a:ln>
-    <a:effectLst/>
-  </c:spPr>
-  <c:txPr>
-    <a:bodyPr/>
-    <a:lstStyle/>
-    <a:p>
-      <a:pPr>
-        <a:defRPr/>
-      </a:pPr>
-      <a:endParaRPr lang="it-IT"/>
-    </a:p>
-  </c:txPr>
-  <c:externalData r:id="rId3">
-    <c:autoUpdate val="0"/>
-  </c:externalData>
-</c:chartSpace>
-</file>
-
-<file path=ppt/charts/colors1.xml><?xml version="1.0" encoding="utf-8"?>
-<cs:colorStyle xmlns:cs="http://schemas.microsoft.com/office/drawing/2012/chartStyle" xmlns:a="http://schemas.openxmlformats.org/drawingml/2006/main" meth="cycle" id="10">
-  <a:schemeClr val="accent1"/>
-  <a:schemeClr val="accent2"/>
-  <a:schemeClr val="accent3"/>
-  <a:schemeClr val="accent4"/>
-  <a:schemeClr val="accent5"/>
-  <a:schemeClr val="accent6"/>
-  <cs:variation/>
-  <cs:variation>
-    <a:lumMod val="60000"/>
-  </cs:variation>
-  <cs:variation>
-    <a:lumMod val="80000"/>
-    <a:lumOff val="20000"/>
-  </cs:variation>
-  <cs:variation>
-    <a:lumMod val="80000"/>
-  </cs:variation>
-  <cs:variation>
-    <a:lumMod val="60000"/>
-    <a:lumOff val="40000"/>
-  </cs:variation>
-  <cs:variation>
-    <a:lumMod val="50000"/>
-  </cs:variation>
-  <cs:variation>
-    <a:lumMod val="70000"/>
-    <a:lumOff val="30000"/>
-  </cs:variation>
-  <cs:variation>
-    <a:lumMod val="70000"/>
-  </cs:variation>
-  <cs:variation>
-    <a:lumMod val="50000"/>
-    <a:lumOff val="50000"/>
-  </cs:variation>
-</cs:colorStyle>
-</file>
-
-<file path=ppt/charts/colors2.xml><?xml version="1.0" encoding="utf-8"?>
-<cs:colorStyle xmlns:cs="http://schemas.microsoft.com/office/drawing/2012/chartStyle" xmlns:a="http://schemas.openxmlformats.org/drawingml/2006/main" meth="cycle" id="10">
-  <a:schemeClr val="accent1"/>
-  <a:schemeClr val="accent2"/>
-  <a:schemeClr val="accent3"/>
-  <a:schemeClr val="accent4"/>
-  <a:schemeClr val="accent5"/>
-  <a:schemeClr val="accent6"/>
-  <cs:variation/>
-  <cs:variation>
-    <a:lumMod val="60000"/>
-  </cs:variation>
-  <cs:variation>
-    <a:lumMod val="80000"/>
-    <a:lumOff val="20000"/>
-  </cs:variation>
-  <cs:variation>
-    <a:lumMod val="80000"/>
-  </cs:variation>
-  <cs:variation>
-    <a:lumMod val="60000"/>
-    <a:lumOff val="40000"/>
-  </cs:variation>
-  <cs:variation>
-    <a:lumMod val="50000"/>
-  </cs:variation>
-  <cs:variation>
-    <a:lumMod val="70000"/>
-    <a:lumOff val="30000"/>
-  </cs:variation>
-  <cs:variation>
-    <a:lumMod val="70000"/>
-  </cs:variation>
-  <cs:variation>
-    <a:lumMod val="50000"/>
-    <a:lumOff val="50000"/>
-  </cs:variation>
-</cs:colorStyle>
-</file>
-
-<file path=ppt/charts/colors3.xml><?xml version="1.0" encoding="utf-8"?>
-<cs:colorStyle xmlns:cs="http://schemas.microsoft.com/office/drawing/2012/chartStyle" xmlns:a="http://schemas.openxmlformats.org/drawingml/2006/main" meth="cycle" id="10">
-  <a:schemeClr val="accent1"/>
-  <a:schemeClr val="accent2"/>
-  <a:schemeClr val="accent3"/>
-  <a:schemeClr val="accent4"/>
-  <a:schemeClr val="accent5"/>
-  <a:schemeClr val="accent6"/>
-  <cs:variation/>
-  <cs:variation>
-    <a:lumMod val="60000"/>
-  </cs:variation>
-  <cs:variation>
-    <a:lumMod val="80000"/>
-    <a:lumOff val="20000"/>
-  </cs:variation>
-  <cs:variation>
-    <a:lumMod val="80000"/>
-  </cs:variation>
-  <cs:variation>
-    <a:lumMod val="60000"/>
-    <a:lumOff val="40000"/>
-  </cs:variation>
-  <cs:variation>
-    <a:lumMod val="50000"/>
-  </cs:variation>
-  <cs:variation>
-    <a:lumMod val="70000"/>
-    <a:lumOff val="30000"/>
-  </cs:variation>
-  <cs:variation>
-    <a:lumMod val="70000"/>
-  </cs:variation>
-  <cs:variation>
-    <a:lumMod val="50000"/>
-    <a:lumOff val="50000"/>
-  </cs:variation>
-</cs:colorStyle>
-</file>
-
-<file path=ppt/charts/colors4.xml><?xml version="1.0" encoding="utf-8"?>
-<cs:colorStyle xmlns:cs="http://schemas.microsoft.com/office/drawing/2012/chartStyle" xmlns:a="http://schemas.openxmlformats.org/drawingml/2006/main" meth="cycle" id="10">
-  <a:schemeClr val="accent1"/>
-  <a:schemeClr val="accent2"/>
-  <a:schemeClr val="accent3"/>
-  <a:schemeClr val="accent4"/>
-  <a:schemeClr val="accent5"/>
-  <a:schemeClr val="accent6"/>
-  <cs:variation/>
-  <cs:variation>
-    <a:lumMod val="60000"/>
-  </cs:variation>
-  <cs:variation>
-    <a:lumMod val="80000"/>
-    <a:lumOff val="20000"/>
-  </cs:variation>
-  <cs:variation>
-    <a:lumMod val="80000"/>
-  </cs:variation>
-  <cs:variation>
-    <a:lumMod val="60000"/>
-    <a:lumOff val="40000"/>
-  </cs:variation>
-  <cs:variation>
-    <a:lumMod val="50000"/>
-  </cs:variation>
-  <cs:variation>
-    <a:lumMod val="70000"/>
-    <a:lumOff val="30000"/>
-  </cs:variation>
-  <cs:variation>
-    <a:lumMod val="70000"/>
-  </cs:variation>
-  <cs:variation>
-    <a:lumMod val="50000"/>
-    <a:lumOff val="50000"/>
-  </cs:variation>
-</cs:colorStyle>
-</file>
-
-<file path=ppt/charts/colors5.xml><?xml version="1.0" encoding="utf-8"?>
-<cs:colorStyle xmlns:cs="http://schemas.microsoft.com/office/drawing/2012/chartStyle" xmlns:a="http://schemas.openxmlformats.org/drawingml/2006/main" meth="cycle" id="10">
-  <a:schemeClr val="accent1"/>
-  <a:schemeClr val="accent2"/>
-  <a:schemeClr val="accent3"/>
-  <a:schemeClr val="accent4"/>
-  <a:schemeClr val="accent5"/>
-  <a:schemeClr val="accent6"/>
-  <cs:variation/>
-  <cs:variation>
-    <a:lumMod val="60000"/>
-  </cs:variation>
-  <cs:variation>
-    <a:lumMod val="80000"/>
-    <a:lumOff val="20000"/>
-  </cs:variation>
-  <cs:variation>
-    <a:lumMod val="80000"/>
-  </cs:variation>
-  <cs:variation>
-    <a:lumMod val="60000"/>
-    <a:lumOff val="40000"/>
-  </cs:variation>
-  <cs:variation>
-    <a:lumMod val="50000"/>
-  </cs:variation>
-  <cs:variation>
-    <a:lumMod val="70000"/>
-    <a:lumOff val="30000"/>
-  </cs:variation>
-  <cs:variation>
-    <a:lumMod val="70000"/>
-  </cs:variation>
-  <cs:variation>
-    <a:lumMod val="50000"/>
-    <a:lumOff val="50000"/>
-  </cs:variation>
-</cs:colorStyle>
-</file>
-
-<file path=ppt/charts/style1.xml><?xml version="1.0" encoding="utf-8"?>
-<cs:chartStyle xmlns:cs="http://schemas.microsoft.com/office/drawing/2012/chartStyle" xmlns:a="http://schemas.openxmlformats.org/drawingml/2006/main" id="302">
-  <cs:axisTitle>
-    <cs:lnRef idx="0"/>
-    <cs:fillRef idx="0"/>
-    <cs:effectRef idx="0"/>
-    <cs:fontRef idx="minor">
-      <a:schemeClr val="tx2"/>
-    </cs:fontRef>
-    <cs:defRPr sz="1197" b="1" kern="1200"/>
-  </cs:axisTitle>
-  <cs:categoryAxis>
-    <cs:lnRef idx="0"/>
-    <cs:fillRef idx="0"/>
-    <cs:effectRef idx="0"/>
-    <cs:fontRef idx="minor">
-      <a:schemeClr val="tx2"/>
-    </cs:fontRef>
-    <cs:spPr>
-      <a:ln w="9525" cap="flat" cmpd="sng" algn="ctr">
-        <a:solidFill>
-          <a:schemeClr val="tx2">
-            <a:lumMod val="15000"/>
-            <a:lumOff val="85000"/>
-          </a:schemeClr>
-        </a:solidFill>
-        <a:round/>
-      </a:ln>
-    </cs:spPr>
-    <cs:defRPr sz="1197" kern="1200"/>
-  </cs:categoryAxis>
-  <cs:chartArea mods="allowNoFillOverride allowNoLineOverride">
-    <cs:lnRef idx="0"/>
-    <cs:fillRef idx="0"/>
-    <cs:effectRef idx="0"/>
-    <cs:fontRef idx="minor">
-      <a:schemeClr val="tx2"/>
-    </cs:fontRef>
-    <cs:spPr>
-      <a:solidFill>
-        <a:schemeClr val="bg1"/>
-      </a:solidFill>
-      <a:ln w="9525" cap="flat" cmpd="sng" algn="ctr">
-        <a:solidFill>
-          <a:schemeClr val="tx2">
-            <a:lumMod val="15000"/>
-            <a:lumOff val="85000"/>
-          </a:schemeClr>
-        </a:solidFill>
-        <a:round/>
-      </a:ln>
-    </cs:spPr>
-    <cs:defRPr sz="1197" kern="1200"/>
-  </cs:chartArea>
-  <cs:dataLabel>
-    <cs:lnRef idx="0"/>
-    <cs:fillRef idx="0"/>
-    <cs:effectRef idx="0"/>
-    <cs:fontRef idx="minor">
-      <a:schemeClr val="tx2"/>
-    </cs:fontRef>
-    <cs:defRPr sz="1197" kern="1200"/>
-  </cs:dataLabel>
-  <cs:dataLabelCallout>
-    <cs:lnRef idx="0"/>
-    <cs:fillRef idx="0"/>
-    <cs:effectRef idx="0"/>
-    <cs:fontRef idx="minor">
-      <a:schemeClr val="dk2">
-        <a:lumMod val="75000"/>
-      </a:schemeClr>
-    </cs:fontRef>
-    <cs:spPr>
-      <a:solidFill>
-        <a:schemeClr val="lt1"/>
-      </a:solidFill>
-      <a:ln>
-        <a:solidFill>
-          <a:schemeClr val="dk1">
-            <a:lumMod val="25000"/>
-            <a:lumOff val="75000"/>
-          </a:schemeClr>
-        </a:solidFill>
-      </a:ln>
-    </cs:spPr>
-    <cs:defRPr sz="1197" kern="1200"/>
-    <cs:bodyPr rot="0" spcFirstLastPara="1" vertOverflow="clip" horzOverflow="clip" vert="horz" wrap="square" lIns="36576" tIns="18288" rIns="36576" bIns="18288" anchor="ctr" anchorCtr="1">
-      <a:spAutoFit/>
-    </cs:bodyPr>
-  </cs:dataLabelCallout>
-  <cs:dataPoint>
-    <cs:lnRef idx="0"/>
-    <cs:fillRef idx="3">
-      <cs:styleClr val="auto"/>
-    </cs:fillRef>
-    <cs:effectRef idx="2"/>
-    <cs:fontRef idx="minor">
-      <a:schemeClr val="tx2"/>
-    </cs:fontRef>
-  </cs:dataPoint>
-  <cs:dataPoint3D>
-    <cs:lnRef idx="0"/>
-    <cs:fillRef idx="3">
-      <cs:styleClr val="auto"/>
-    </cs:fillRef>
-    <cs:effectRef idx="2"/>
-    <cs:fontRef idx="minor">
-      <a:schemeClr val="tx2"/>
-    </cs:fontRef>
-  </cs:dataPoint3D>
-  <cs:dataPointLine>
-    <cs:lnRef idx="0">
-      <cs:styleClr val="auto"/>
-    </cs:lnRef>
-    <cs:fillRef idx="3"/>
-    <cs:effectRef idx="2"/>
-    <cs:fontRef idx="minor">
-      <a:schemeClr val="tx2"/>
-    </cs:fontRef>
-    <cs:spPr>
-      <a:ln w="31750" cap="rnd">
-        <a:solidFill>
-          <a:schemeClr val="phClr"/>
-        </a:solidFill>
-        <a:round/>
-      </a:ln>
-    </cs:spPr>
-  </cs:dataPointLine>
-  <cs:dataPointMarker>
-    <cs:lnRef idx="0"/>
-    <cs:fillRef idx="3">
-      <cs:styleClr val="auto"/>
-    </cs:fillRef>
-    <cs:effectRef idx="2"/>
-    <cs:fontRef idx="minor">
-      <a:schemeClr val="tx2"/>
-    </cs:fontRef>
-    <cs:spPr>
-      <a:ln w="12700">
-        <a:solidFill>
-          <a:schemeClr val="lt2"/>
-        </a:solidFill>
-        <a:round/>
-      </a:ln>
-    </cs:spPr>
-  </cs:dataPointMarker>
-  <cs:dataPointMarkerLayout symbol="circle" size="6"/>
-  <cs:dataPointWireframe>
-    <cs:lnRef idx="0">
-      <cs:styleClr val="auto"/>
-    </cs:lnRef>
-    <cs:fillRef idx="3"/>
-    <cs:effectRef idx="2"/>
-    <cs:fontRef idx="minor">
-      <a:schemeClr val="tx2"/>
-    </cs:fontRef>
-    <cs:spPr>
-      <a:ln w="9525" cap="rnd">
-        <a:solidFill>
-          <a:schemeClr val="phClr"/>
-        </a:solidFill>
-        <a:round/>
-      </a:ln>
-    </cs:spPr>
-  </cs:dataPointWireframe>
-  <cs:dataTable>
-    <cs:lnRef idx="0"/>
-    <cs:fillRef idx="0"/>
-    <cs:effectRef idx="0"/>
-    <cs:fontRef idx="minor">
-      <a:schemeClr val="tx2"/>
-    </cs:fontRef>
-    <cs:spPr>
-      <a:ln w="9525">
-        <a:solidFill>
-          <a:schemeClr val="tx2">
-            <a:lumMod val="15000"/>
-            <a:lumOff val="85000"/>
-          </a:schemeClr>
-        </a:solidFill>
-      </a:ln>
-    </cs:spPr>
-    <cs:defRPr sz="1197" kern="1200"/>
-  </cs:dataTable>
-  <cs:downBar>
-    <cs:lnRef idx="0"/>
-    <cs:fillRef idx="0"/>
-    <cs:effectRef idx="0"/>
-    <cs:fontRef idx="minor">
-      <a:schemeClr val="dk1"/>
-    </cs:fontRef>
-    <cs:spPr>
-      <a:solidFill>
-        <a:schemeClr val="dk1">
-          <a:lumMod val="65000"/>
-          <a:lumOff val="35000"/>
-        </a:schemeClr>
-      </a:solidFill>
-      <a:ln w="9525">
-        <a:solidFill>
-          <a:schemeClr val="tx1">
-            <a:lumMod val="65000"/>
-            <a:lumOff val="35000"/>
-          </a:schemeClr>
-        </a:solidFill>
-      </a:ln>
-    </cs:spPr>
-  </cs:downBar>
-  <cs:dropLine>
-    <cs:lnRef idx="0"/>
-    <cs:fillRef idx="0"/>
-    <cs:effectRef idx="0"/>
-    <cs:fontRef idx="minor">
-      <a:schemeClr val="tx2"/>
-    </cs:fontRef>
-    <cs:spPr>
-      <a:ln w="9525">
-        <a:solidFill>
-          <a:schemeClr val="tx2">
-            <a:lumMod val="60000"/>
-            <a:lumOff val="40000"/>
-          </a:schemeClr>
-        </a:solidFill>
-        <a:prstDash val="dash"/>
-      </a:ln>
-    </cs:spPr>
-  </cs:dropLine>
-  <cs:errorBar>
-    <cs:lnRef idx="0"/>
-    <cs:fillRef idx="0"/>
-    <cs:effectRef idx="0"/>
-    <cs:fontRef idx="minor">
-      <a:schemeClr val="tx2"/>
-    </cs:fontRef>
-    <cs:spPr>
-      <a:ln w="9525">
-        <a:solidFill>
-          <a:schemeClr val="tx2">
-            <a:lumMod val="75000"/>
-          </a:schemeClr>
-        </a:solidFill>
-        <a:round/>
-      </a:ln>
-    </cs:spPr>
-  </cs:errorBar>
-  <cs:floor>
-    <cs:lnRef idx="0"/>
-    <cs:fillRef idx="0"/>
-    <cs:effectRef idx="0"/>
-    <cs:fontRef idx="minor">
-      <a:schemeClr val="tx2"/>
-    </cs:fontRef>
-  </cs:floor>
-  <cs:gridlineMajor>
-    <cs:lnRef idx="0"/>
-    <cs:fillRef idx="0"/>
-    <cs:effectRef idx="0"/>
-    <cs:fontRef idx="minor">
-      <a:schemeClr val="tx2"/>
-    </cs:fontRef>
-    <cs:spPr>
-      <a:ln w="9525" cap="flat" cmpd="sng" algn="ctr">
-        <a:solidFill>
-          <a:schemeClr val="tx2">
-            <a:lumMod val="15000"/>
-            <a:lumOff val="85000"/>
-          </a:schemeClr>
-        </a:solidFill>
-        <a:round/>
-      </a:ln>
-    </cs:spPr>
-  </cs:gridlineMajor>
-  <cs:gridlineMinor>
-    <cs:lnRef idx="0"/>
-    <cs:fillRef idx="0"/>
-    <cs:effectRef idx="0"/>
-    <cs:fontRef idx="minor">
-      <a:schemeClr val="tx2"/>
-    </cs:fontRef>
-    <cs:spPr>
-      <a:ln>
-        <a:solidFill>
-          <a:schemeClr val="tx2">
-            <a:lumMod val="5000"/>
-            <a:lumOff val="95000"/>
-          </a:schemeClr>
-        </a:solidFill>
-      </a:ln>
-    </cs:spPr>
-  </cs:gridlineMinor>
-  <cs:hiLoLine>
-    <cs:lnRef idx="0"/>
-    <cs:fillRef idx="0"/>
-    <cs:effectRef idx="0"/>
-    <cs:fontRef idx="minor">
-      <a:schemeClr val="tx2"/>
-    </cs:fontRef>
-    <cs:spPr>
-      <a:ln w="9525">
-        <a:solidFill>
-          <a:schemeClr val="tx2">
-            <a:lumMod val="60000"/>
-            <a:lumOff val="40000"/>
-          </a:schemeClr>
-        </a:solidFill>
-        <a:prstDash val="dash"/>
-      </a:ln>
-    </cs:spPr>
-  </cs:hiLoLine>
-  <cs:leaderLine>
-    <cs:lnRef idx="0"/>
-    <cs:fillRef idx="0"/>
-    <cs:effectRef idx="0"/>
-    <cs:fontRef idx="minor">
-      <a:schemeClr val="tx2"/>
-    </cs:fontRef>
-    <cs:spPr>
-      <a:ln w="9525">
-        <a:solidFill>
-          <a:schemeClr val="tx2">
-            <a:lumMod val="35000"/>
-            <a:lumOff val="65000"/>
-          </a:schemeClr>
-        </a:solidFill>
-      </a:ln>
-    </cs:spPr>
-  </cs:leaderLine>
-  <cs:legend>
-    <cs:lnRef idx="0"/>
-    <cs:fillRef idx="0"/>
-    <cs:effectRef idx="0"/>
-    <cs:fontRef idx="minor">
-      <a:schemeClr val="tx2"/>
-    </cs:fontRef>
-    <cs:defRPr sz="1197" kern="1200"/>
-  </cs:legend>
-  <cs:plotArea>
-    <cs:lnRef idx="0"/>
-    <cs:fillRef idx="0"/>
-    <cs:effectRef idx="0"/>
-    <cs:fontRef idx="minor">
-      <a:schemeClr val="tx2"/>
-    </cs:fontRef>
-  </cs:plotArea>
-  <cs:plotArea3D>
-    <cs:lnRef idx="0"/>
-    <cs:fillRef idx="0"/>
-    <cs:effectRef idx="0"/>
-    <cs:fontRef idx="minor">
-      <a:schemeClr val="tx2"/>
-    </cs:fontRef>
-  </cs:plotArea3D>
-  <cs:seriesAxis>
-    <cs:lnRef idx="0"/>
-    <cs:fillRef idx="0"/>
-    <cs:effectRef idx="0"/>
-    <cs:fontRef idx="minor">
-      <a:schemeClr val="tx2"/>
-    </cs:fontRef>
-    <cs:spPr>
-      <a:ln w="9525" cap="flat" cmpd="sng" algn="ctr">
-        <a:solidFill>
-          <a:schemeClr val="tx2">
-            <a:lumMod val="15000"/>
-            <a:lumOff val="85000"/>
-          </a:schemeClr>
-        </a:solidFill>
-        <a:round/>
-      </a:ln>
-    </cs:spPr>
-    <cs:defRPr sz="1197" kern="1200"/>
-  </cs:seriesAxis>
-  <cs:seriesLine>
-    <cs:lnRef idx="0"/>
-    <cs:fillRef idx="0"/>
-    <cs:effectRef idx="0"/>
-    <cs:fontRef idx="minor">
-      <a:schemeClr val="tx2"/>
-    </cs:fontRef>
-    <cs:spPr>
-      <a:ln w="9525">
-        <a:solidFill>
-          <a:schemeClr val="tx2">
-            <a:lumMod val="60000"/>
-            <a:lumOff val="40000"/>
-          </a:schemeClr>
-        </a:solidFill>
-        <a:prstDash val="dash"/>
-      </a:ln>
-    </cs:spPr>
-  </cs:seriesLine>
-  <cs:title>
-    <cs:lnRef idx="0"/>
-    <cs:fillRef idx="0"/>
-    <cs:effectRef idx="0"/>
-    <cs:fontRef idx="minor">
-      <a:schemeClr val="tx2"/>
-    </cs:fontRef>
-    <cs:defRPr sz="2128" b="1" kern="1200"/>
-  </cs:title>
-  <cs:trendline>
-    <cs:lnRef idx="0">
-      <cs:styleClr val="auto"/>
-    </cs:lnRef>
-    <cs:fillRef idx="0"/>
-    <cs:effectRef idx="0"/>
-    <cs:fontRef idx="minor">
-      <a:schemeClr val="tx2"/>
-    </cs:fontRef>
-    <cs:spPr>
-      <a:ln w="19050" cap="rnd">
-        <a:solidFill>
-          <a:schemeClr val="phClr"/>
-        </a:solidFill>
-        <a:prstDash val="sysDash"/>
-      </a:ln>
-    </cs:spPr>
-  </cs:trendline>
-  <cs:trendlineLabel>
-    <cs:lnRef idx="0"/>
-    <cs:fillRef idx="0"/>
-    <cs:effectRef idx="0"/>
-    <cs:fontRef idx="minor">
-      <a:schemeClr val="tx2"/>
-    </cs:fontRef>
-    <cs:defRPr sz="1197" kern="1200"/>
-  </cs:trendlineLabel>
-  <cs:upBar>
-    <cs:lnRef idx="0"/>
-    <cs:fillRef idx="0"/>
-    <cs:effectRef idx="0"/>
-    <cs:fontRef idx="minor">
-      <a:schemeClr val="tx2"/>
-    </cs:fontRef>
-    <cs:spPr>
-      <a:solidFill>
-        <a:schemeClr val="lt1"/>
-      </a:solidFill>
-      <a:ln w="9525">
-        <a:solidFill>
-          <a:schemeClr val="tx1">
-            <a:lumMod val="15000"/>
-            <a:lumOff val="85000"/>
-          </a:schemeClr>
-        </a:solidFill>
-      </a:ln>
-    </cs:spPr>
-  </cs:upBar>
-  <cs:valueAxis>
-    <cs:lnRef idx="0"/>
-    <cs:fillRef idx="0"/>
-    <cs:effectRef idx="0"/>
-    <cs:fontRef idx="minor">
-      <a:schemeClr val="tx2"/>
-    </cs:fontRef>
-    <cs:defRPr sz="1197" kern="1200"/>
-  </cs:valueAxis>
-  <cs:wall>
-    <cs:lnRef idx="0"/>
-    <cs:fillRef idx="0"/>
-    <cs:effectRef idx="0"/>
-    <cs:fontRef idx="minor">
-      <a:schemeClr val="tx2"/>
-    </cs:fontRef>
-  </cs:wall>
-</cs:chartStyle>
-</file>
-
-<file path=ppt/charts/style2.xml><?xml version="1.0" encoding="utf-8"?>
-<cs:chartStyle xmlns:cs="http://schemas.microsoft.com/office/drawing/2012/chartStyle" xmlns:a="http://schemas.openxmlformats.org/drawingml/2006/main" id="302">
-  <cs:axisTitle>
-    <cs:lnRef idx="0"/>
-    <cs:fillRef idx="0"/>
-    <cs:effectRef idx="0"/>
-    <cs:fontRef idx="minor">
-      <a:schemeClr val="tx2"/>
-    </cs:fontRef>
-    <cs:defRPr sz="1197" b="1" kern="1200"/>
-  </cs:axisTitle>
-  <cs:categoryAxis>
-    <cs:lnRef idx="0"/>
-    <cs:fillRef idx="0"/>
-    <cs:effectRef idx="0"/>
-    <cs:fontRef idx="minor">
-      <a:schemeClr val="tx2"/>
-    </cs:fontRef>
-    <cs:spPr>
-      <a:ln w="9525" cap="flat" cmpd="sng" algn="ctr">
-        <a:solidFill>
-          <a:schemeClr val="tx2">
-            <a:lumMod val="15000"/>
-            <a:lumOff val="85000"/>
-          </a:schemeClr>
-        </a:solidFill>
-        <a:round/>
-      </a:ln>
-    </cs:spPr>
-    <cs:defRPr sz="1197" kern="1200"/>
-  </cs:categoryAxis>
-  <cs:chartArea mods="allowNoFillOverride allowNoLineOverride">
-    <cs:lnRef idx="0"/>
-    <cs:fillRef idx="0"/>
-    <cs:effectRef idx="0"/>
-    <cs:fontRef idx="minor">
-      <a:schemeClr val="tx2"/>
-    </cs:fontRef>
-    <cs:spPr>
-      <a:solidFill>
-        <a:schemeClr val="bg1"/>
-      </a:solidFill>
-      <a:ln w="9525" cap="flat" cmpd="sng" algn="ctr">
-        <a:solidFill>
-          <a:schemeClr val="tx2">
-            <a:lumMod val="15000"/>
-            <a:lumOff val="85000"/>
-          </a:schemeClr>
-        </a:solidFill>
-        <a:round/>
-      </a:ln>
-    </cs:spPr>
-    <cs:defRPr sz="1197" kern="1200"/>
-  </cs:chartArea>
-  <cs:dataLabel>
-    <cs:lnRef idx="0"/>
-    <cs:fillRef idx="0"/>
-    <cs:effectRef idx="0"/>
-    <cs:fontRef idx="minor">
-      <a:schemeClr val="tx2"/>
-    </cs:fontRef>
-    <cs:defRPr sz="1197" kern="1200"/>
-  </cs:dataLabel>
-  <cs:dataLabelCallout>
-    <cs:lnRef idx="0"/>
-    <cs:fillRef idx="0"/>
-    <cs:effectRef idx="0"/>
-    <cs:fontRef idx="minor">
-      <a:schemeClr val="dk2">
-        <a:lumMod val="75000"/>
-      </a:schemeClr>
-    </cs:fontRef>
-    <cs:spPr>
-      <a:solidFill>
-        <a:schemeClr val="lt1"/>
-      </a:solidFill>
-      <a:ln>
-        <a:solidFill>
-          <a:schemeClr val="dk1">
-            <a:lumMod val="25000"/>
-            <a:lumOff val="75000"/>
-          </a:schemeClr>
-        </a:solidFill>
-      </a:ln>
-    </cs:spPr>
-    <cs:defRPr sz="1197" kern="1200"/>
-    <cs:bodyPr rot="0" spcFirstLastPara="1" vertOverflow="clip" horzOverflow="clip" vert="horz" wrap="square" lIns="36576" tIns="18288" rIns="36576" bIns="18288" anchor="ctr" anchorCtr="1">
-      <a:spAutoFit/>
-    </cs:bodyPr>
-  </cs:dataLabelCallout>
-  <cs:dataPoint>
-    <cs:lnRef idx="0"/>
-    <cs:fillRef idx="3">
-      <cs:styleClr val="auto"/>
-    </cs:fillRef>
-    <cs:effectRef idx="2"/>
-    <cs:fontRef idx="minor">
-      <a:schemeClr val="tx2"/>
-    </cs:fontRef>
-  </cs:dataPoint>
-  <cs:dataPoint3D>
-    <cs:lnRef idx="0"/>
-    <cs:fillRef idx="3">
-      <cs:styleClr val="auto"/>
-    </cs:fillRef>
-    <cs:effectRef idx="2"/>
-    <cs:fontRef idx="minor">
-      <a:schemeClr val="tx2"/>
-    </cs:fontRef>
-  </cs:dataPoint3D>
-  <cs:dataPointLine>
-    <cs:lnRef idx="0">
-      <cs:styleClr val="auto"/>
-    </cs:lnRef>
-    <cs:fillRef idx="3"/>
-    <cs:effectRef idx="2"/>
-    <cs:fontRef idx="minor">
-      <a:schemeClr val="tx2"/>
-    </cs:fontRef>
-    <cs:spPr>
-      <a:ln w="31750" cap="rnd">
-        <a:solidFill>
-          <a:schemeClr val="phClr"/>
-        </a:solidFill>
-        <a:round/>
-      </a:ln>
-    </cs:spPr>
-  </cs:dataPointLine>
-  <cs:dataPointMarker>
-    <cs:lnRef idx="0"/>
-    <cs:fillRef idx="3">
-      <cs:styleClr val="auto"/>
-    </cs:fillRef>
-    <cs:effectRef idx="2"/>
-    <cs:fontRef idx="minor">
-      <a:schemeClr val="tx2"/>
-    </cs:fontRef>
-    <cs:spPr>
-      <a:ln w="12700">
-        <a:solidFill>
-          <a:schemeClr val="lt2"/>
-        </a:solidFill>
-        <a:round/>
-      </a:ln>
-    </cs:spPr>
-  </cs:dataPointMarker>
-  <cs:dataPointMarkerLayout symbol="circle" size="6"/>
-  <cs:dataPointWireframe>
-    <cs:lnRef idx="0">
-      <cs:styleClr val="auto"/>
-    </cs:lnRef>
-    <cs:fillRef idx="3"/>
-    <cs:effectRef idx="2"/>
-    <cs:fontRef idx="minor">
-      <a:schemeClr val="tx2"/>
-    </cs:fontRef>
-    <cs:spPr>
-      <a:ln w="9525" cap="rnd">
-        <a:solidFill>
-          <a:schemeClr val="phClr"/>
-        </a:solidFill>
-        <a:round/>
-      </a:ln>
-    </cs:spPr>
-  </cs:dataPointWireframe>
-  <cs:dataTable>
-    <cs:lnRef idx="0"/>
-    <cs:fillRef idx="0"/>
-    <cs:effectRef idx="0"/>
-    <cs:fontRef idx="minor">
-      <a:schemeClr val="tx2"/>
-    </cs:fontRef>
-    <cs:spPr>
-      <a:ln w="9525">
-        <a:solidFill>
-          <a:schemeClr val="tx2">
-            <a:lumMod val="15000"/>
-            <a:lumOff val="85000"/>
-          </a:schemeClr>
-        </a:solidFill>
-      </a:ln>
-    </cs:spPr>
-    <cs:defRPr sz="1197" kern="1200"/>
-  </cs:dataTable>
-  <cs:downBar>
-    <cs:lnRef idx="0"/>
-    <cs:fillRef idx="0"/>
-    <cs:effectRef idx="0"/>
-    <cs:fontRef idx="minor">
-      <a:schemeClr val="dk1"/>
-    </cs:fontRef>
-    <cs:spPr>
-      <a:solidFill>
-        <a:schemeClr val="dk1">
-          <a:lumMod val="65000"/>
-          <a:lumOff val="35000"/>
-        </a:schemeClr>
-      </a:solidFill>
-      <a:ln w="9525">
-        <a:solidFill>
-          <a:schemeClr val="tx1">
-            <a:lumMod val="65000"/>
-            <a:lumOff val="35000"/>
-          </a:schemeClr>
-        </a:solidFill>
-      </a:ln>
-    </cs:spPr>
-  </cs:downBar>
-  <cs:dropLine>
-    <cs:lnRef idx="0"/>
-    <cs:fillRef idx="0"/>
-    <cs:effectRef idx="0"/>
-    <cs:fontRef idx="minor">
-      <a:schemeClr val="tx2"/>
-    </cs:fontRef>
-    <cs:spPr>
-      <a:ln w="9525">
-        <a:solidFill>
-          <a:schemeClr val="tx2">
-            <a:lumMod val="60000"/>
-            <a:lumOff val="40000"/>
-          </a:schemeClr>
-        </a:solidFill>
-        <a:prstDash val="dash"/>
-      </a:ln>
-    </cs:spPr>
-  </cs:dropLine>
-  <cs:errorBar>
-    <cs:lnRef idx="0"/>
-    <cs:fillRef idx="0"/>
-    <cs:effectRef idx="0"/>
-    <cs:fontRef idx="minor">
-      <a:schemeClr val="tx2"/>
-    </cs:fontRef>
-    <cs:spPr>
-      <a:ln w="9525">
-        <a:solidFill>
-          <a:schemeClr val="tx2">
-            <a:lumMod val="75000"/>
-          </a:schemeClr>
-        </a:solidFill>
-        <a:round/>
-      </a:ln>
-    </cs:spPr>
-  </cs:errorBar>
-  <cs:floor>
-    <cs:lnRef idx="0"/>
-    <cs:fillRef idx="0"/>
-    <cs:effectRef idx="0"/>
-    <cs:fontRef idx="minor">
-      <a:schemeClr val="tx2"/>
-    </cs:fontRef>
-  </cs:floor>
-  <cs:gridlineMajor>
-    <cs:lnRef idx="0"/>
-    <cs:fillRef idx="0"/>
-    <cs:effectRef idx="0"/>
-    <cs:fontRef idx="minor">
-      <a:schemeClr val="tx2"/>
-    </cs:fontRef>
-    <cs:spPr>
-      <a:ln w="9525" cap="flat" cmpd="sng" algn="ctr">
-        <a:solidFill>
-          <a:schemeClr val="tx2">
-            <a:lumMod val="15000"/>
-            <a:lumOff val="85000"/>
-          </a:schemeClr>
-        </a:solidFill>
-        <a:round/>
-      </a:ln>
-    </cs:spPr>
-  </cs:gridlineMajor>
-  <cs:gridlineMinor>
-    <cs:lnRef idx="0"/>
-    <cs:fillRef idx="0"/>
-    <cs:effectRef idx="0"/>
-    <cs:fontRef idx="minor">
-      <a:schemeClr val="tx2"/>
-    </cs:fontRef>
-    <cs:spPr>
-      <a:ln>
-        <a:solidFill>
-          <a:schemeClr val="tx2">
-            <a:lumMod val="5000"/>
-            <a:lumOff val="95000"/>
-          </a:schemeClr>
-        </a:solidFill>
-      </a:ln>
-    </cs:spPr>
-  </cs:gridlineMinor>
-  <cs:hiLoLine>
-    <cs:lnRef idx="0"/>
-    <cs:fillRef idx="0"/>
-    <cs:effectRef idx="0"/>
-    <cs:fontRef idx="minor">
-      <a:schemeClr val="tx2"/>
-    </cs:fontRef>
-    <cs:spPr>
-      <a:ln w="9525">
-        <a:solidFill>
-          <a:schemeClr val="tx2">
-            <a:lumMod val="60000"/>
-            <a:lumOff val="40000"/>
-          </a:schemeClr>
-        </a:solidFill>
-        <a:prstDash val="dash"/>
-      </a:ln>
-    </cs:spPr>
-  </cs:hiLoLine>
-  <cs:leaderLine>
-    <cs:lnRef idx="0"/>
-    <cs:fillRef idx="0"/>
-    <cs:effectRef idx="0"/>
-    <cs:fontRef idx="minor">
-      <a:schemeClr val="tx2"/>
-    </cs:fontRef>
-    <cs:spPr>
-      <a:ln w="9525">
-        <a:solidFill>
-          <a:schemeClr val="tx2">
-            <a:lumMod val="35000"/>
-            <a:lumOff val="65000"/>
-          </a:schemeClr>
-        </a:solidFill>
-      </a:ln>
-    </cs:spPr>
-  </cs:leaderLine>
-  <cs:legend>
-    <cs:lnRef idx="0"/>
-    <cs:fillRef idx="0"/>
-    <cs:effectRef idx="0"/>
-    <cs:fontRef idx="minor">
-      <a:schemeClr val="tx2"/>
-    </cs:fontRef>
-    <cs:defRPr sz="1197" kern="1200"/>
-  </cs:legend>
-  <cs:plotArea>
-    <cs:lnRef idx="0"/>
-    <cs:fillRef idx="0"/>
-    <cs:effectRef idx="0"/>
-    <cs:fontRef idx="minor">
-      <a:schemeClr val="tx2"/>
-    </cs:fontRef>
-  </cs:plotArea>
-  <cs:plotArea3D>
-    <cs:lnRef idx="0"/>
-    <cs:fillRef idx="0"/>
-    <cs:effectRef idx="0"/>
-    <cs:fontRef idx="minor">
-      <a:schemeClr val="tx2"/>
-    </cs:fontRef>
-  </cs:plotArea3D>
-  <cs:seriesAxis>
-    <cs:lnRef idx="0"/>
-    <cs:fillRef idx="0"/>
-    <cs:effectRef idx="0"/>
-    <cs:fontRef idx="minor">
-      <a:schemeClr val="tx2"/>
-    </cs:fontRef>
-    <cs:spPr>
-      <a:ln w="9525" cap="flat" cmpd="sng" algn="ctr">
-        <a:solidFill>
-          <a:schemeClr val="tx2">
-            <a:lumMod val="15000"/>
-            <a:lumOff val="85000"/>
-          </a:schemeClr>
-        </a:solidFill>
-        <a:round/>
-      </a:ln>
-    </cs:spPr>
-    <cs:defRPr sz="1197" kern="1200"/>
-  </cs:seriesAxis>
-  <cs:seriesLine>
-    <cs:lnRef idx="0"/>
-    <cs:fillRef idx="0"/>
-    <cs:effectRef idx="0"/>
-    <cs:fontRef idx="minor">
-      <a:schemeClr val="tx2"/>
-    </cs:fontRef>
-    <cs:spPr>
-      <a:ln w="9525">
-        <a:solidFill>
-          <a:schemeClr val="tx2">
-            <a:lumMod val="60000"/>
-            <a:lumOff val="40000"/>
-          </a:schemeClr>
-        </a:solidFill>
-        <a:prstDash val="dash"/>
-      </a:ln>
-    </cs:spPr>
-  </cs:seriesLine>
-  <cs:title>
-    <cs:lnRef idx="0"/>
-    <cs:fillRef idx="0"/>
-    <cs:effectRef idx="0"/>
-    <cs:fontRef idx="minor">
-      <a:schemeClr val="tx2"/>
-    </cs:fontRef>
-    <cs:defRPr sz="2128" b="1" kern="1200"/>
-  </cs:title>
-  <cs:trendline>
-    <cs:lnRef idx="0">
-      <cs:styleClr val="auto"/>
-    </cs:lnRef>
-    <cs:fillRef idx="0"/>
-    <cs:effectRef idx="0"/>
-    <cs:fontRef idx="minor">
-      <a:schemeClr val="tx2"/>
-    </cs:fontRef>
-    <cs:spPr>
-      <a:ln w="19050" cap="rnd">
-        <a:solidFill>
-          <a:schemeClr val="phClr"/>
-        </a:solidFill>
-        <a:prstDash val="sysDash"/>
-      </a:ln>
-    </cs:spPr>
-  </cs:trendline>
-  <cs:trendlineLabel>
-    <cs:lnRef idx="0"/>
-    <cs:fillRef idx="0"/>
-    <cs:effectRef idx="0"/>
-    <cs:fontRef idx="minor">
-      <a:schemeClr val="tx2"/>
-    </cs:fontRef>
-    <cs:defRPr sz="1197" kern="1200"/>
-  </cs:trendlineLabel>
-  <cs:upBar>
-    <cs:lnRef idx="0"/>
-    <cs:fillRef idx="0"/>
-    <cs:effectRef idx="0"/>
-    <cs:fontRef idx="minor">
-      <a:schemeClr val="tx2"/>
-    </cs:fontRef>
-    <cs:spPr>
-      <a:solidFill>
-        <a:schemeClr val="lt1"/>
-      </a:solidFill>
-      <a:ln w="9525">
-        <a:solidFill>
-          <a:schemeClr val="tx1">
-            <a:lumMod val="15000"/>
-            <a:lumOff val="85000"/>
-          </a:schemeClr>
-        </a:solidFill>
-      </a:ln>
-    </cs:spPr>
-  </cs:upBar>
-  <cs:valueAxis>
-    <cs:lnRef idx="0"/>
-    <cs:fillRef idx="0"/>
-    <cs:effectRef idx="0"/>
-    <cs:fontRef idx="minor">
-      <a:schemeClr val="tx2"/>
-    </cs:fontRef>
-    <cs:defRPr sz="1197" kern="1200"/>
-  </cs:valueAxis>
-  <cs:wall>
-    <cs:lnRef idx="0"/>
-    <cs:fillRef idx="0"/>
-    <cs:effectRef idx="0"/>
-    <cs:fontRef idx="minor">
-      <a:schemeClr val="tx2"/>
-    </cs:fontRef>
-  </cs:wall>
-</cs:chartStyle>
-</file>
-
-<file path=ppt/charts/style3.xml><?xml version="1.0" encoding="utf-8"?>
-<cs:chartStyle xmlns:cs="http://schemas.microsoft.com/office/drawing/2012/chartStyle" xmlns:a="http://schemas.openxmlformats.org/drawingml/2006/main" id="302">
-  <cs:axisTitle>
-    <cs:lnRef idx="0"/>
-    <cs:fillRef idx="0"/>
-    <cs:effectRef idx="0"/>
-    <cs:fontRef idx="minor">
-      <a:schemeClr val="tx2"/>
-    </cs:fontRef>
-    <cs:defRPr sz="1197" b="1" kern="1200"/>
-  </cs:axisTitle>
-  <cs:categoryAxis>
-    <cs:lnRef idx="0"/>
-    <cs:fillRef idx="0"/>
-    <cs:effectRef idx="0"/>
-    <cs:fontRef idx="minor">
-      <a:schemeClr val="tx2"/>
-    </cs:fontRef>
-    <cs:spPr>
-      <a:ln w="9525" cap="flat" cmpd="sng" algn="ctr">
-        <a:solidFill>
-          <a:schemeClr val="tx2">
-            <a:lumMod val="15000"/>
-            <a:lumOff val="85000"/>
-          </a:schemeClr>
-        </a:solidFill>
-        <a:round/>
-      </a:ln>
-    </cs:spPr>
-    <cs:defRPr sz="1197" kern="1200"/>
-  </cs:categoryAxis>
-  <cs:chartArea mods="allowNoFillOverride allowNoLineOverride">
-    <cs:lnRef idx="0"/>
-    <cs:fillRef idx="0"/>
-    <cs:effectRef idx="0"/>
-    <cs:fontRef idx="minor">
-      <a:schemeClr val="tx2"/>
-    </cs:fontRef>
-    <cs:spPr>
-      <a:solidFill>
-        <a:schemeClr val="bg1"/>
-      </a:solidFill>
-      <a:ln w="9525" cap="flat" cmpd="sng" algn="ctr">
-        <a:solidFill>
-          <a:schemeClr val="tx2">
-            <a:lumMod val="15000"/>
-            <a:lumOff val="85000"/>
-          </a:schemeClr>
-        </a:solidFill>
-        <a:round/>
-      </a:ln>
-    </cs:spPr>
-    <cs:defRPr sz="1197" kern="1200"/>
-  </cs:chartArea>
-  <cs:dataLabel>
-    <cs:lnRef idx="0"/>
-    <cs:fillRef idx="0"/>
-    <cs:effectRef idx="0"/>
-    <cs:fontRef idx="minor">
-      <a:schemeClr val="tx2"/>
-    </cs:fontRef>
-    <cs:defRPr sz="1197" kern="1200"/>
-  </cs:dataLabel>
-  <cs:dataLabelCallout>
-    <cs:lnRef idx="0"/>
-    <cs:fillRef idx="0"/>
-    <cs:effectRef idx="0"/>
-    <cs:fontRef idx="minor">
-      <a:schemeClr val="dk2">
-        <a:lumMod val="75000"/>
-      </a:schemeClr>
-    </cs:fontRef>
-    <cs:spPr>
-      <a:solidFill>
-        <a:schemeClr val="lt1"/>
-      </a:solidFill>
-      <a:ln>
-        <a:solidFill>
-          <a:schemeClr val="dk1">
-            <a:lumMod val="25000"/>
-            <a:lumOff val="75000"/>
-          </a:schemeClr>
-        </a:solidFill>
-      </a:ln>
-    </cs:spPr>
-    <cs:defRPr sz="1197" kern="1200"/>
-    <cs:bodyPr rot="0" spcFirstLastPara="1" vertOverflow="clip" horzOverflow="clip" vert="horz" wrap="square" lIns="36576" tIns="18288" rIns="36576" bIns="18288" anchor="ctr" anchorCtr="1">
-      <a:spAutoFit/>
-    </cs:bodyPr>
-  </cs:dataLabelCallout>
-  <cs:dataPoint>
-    <cs:lnRef idx="0"/>
-    <cs:fillRef idx="3">
-      <cs:styleClr val="auto"/>
-    </cs:fillRef>
-    <cs:effectRef idx="2"/>
-    <cs:fontRef idx="minor">
-      <a:schemeClr val="tx2"/>
-    </cs:fontRef>
-  </cs:dataPoint>
-  <cs:dataPoint3D>
-    <cs:lnRef idx="0"/>
-    <cs:fillRef idx="3">
-      <cs:styleClr val="auto"/>
-    </cs:fillRef>
-    <cs:effectRef idx="2"/>
-    <cs:fontRef idx="minor">
-      <a:schemeClr val="tx2"/>
-    </cs:fontRef>
-  </cs:dataPoint3D>
-  <cs:dataPointLine>
-    <cs:lnRef idx="0">
-      <cs:styleClr val="auto"/>
-    </cs:lnRef>
-    <cs:fillRef idx="3"/>
-    <cs:effectRef idx="2"/>
-    <cs:fontRef idx="minor">
-      <a:schemeClr val="tx2"/>
-    </cs:fontRef>
-    <cs:spPr>
-      <a:ln w="31750" cap="rnd">
-        <a:solidFill>
-          <a:schemeClr val="phClr"/>
-        </a:solidFill>
-        <a:round/>
-      </a:ln>
-    </cs:spPr>
-  </cs:dataPointLine>
-  <cs:dataPointMarker>
-    <cs:lnRef idx="0"/>
-    <cs:fillRef idx="3">
-      <cs:styleClr val="auto"/>
-    </cs:fillRef>
-    <cs:effectRef idx="2"/>
-    <cs:fontRef idx="minor">
-      <a:schemeClr val="tx2"/>
-    </cs:fontRef>
-    <cs:spPr>
-      <a:ln w="12700">
-        <a:solidFill>
-          <a:schemeClr val="lt2"/>
-        </a:solidFill>
-        <a:round/>
-      </a:ln>
-    </cs:spPr>
-  </cs:dataPointMarker>
-  <cs:dataPointMarkerLayout symbol="circle" size="6"/>
-  <cs:dataPointWireframe>
-    <cs:lnRef idx="0">
-      <cs:styleClr val="auto"/>
-    </cs:lnRef>
-    <cs:fillRef idx="3"/>
-    <cs:effectRef idx="2"/>
-    <cs:fontRef idx="minor">
-      <a:schemeClr val="tx2"/>
-    </cs:fontRef>
-    <cs:spPr>
-      <a:ln w="9525" cap="rnd">
-        <a:solidFill>
-          <a:schemeClr val="phClr"/>
-        </a:solidFill>
-        <a:round/>
-      </a:ln>
-    </cs:spPr>
-  </cs:dataPointWireframe>
-  <cs:dataTable>
-    <cs:lnRef idx="0"/>
-    <cs:fillRef idx="0"/>
-    <cs:effectRef idx="0"/>
-    <cs:fontRef idx="minor">
-      <a:schemeClr val="tx2"/>
-    </cs:fontRef>
-    <cs:spPr>
-      <a:ln w="9525">
-        <a:solidFill>
-          <a:schemeClr val="tx2">
-            <a:lumMod val="15000"/>
-            <a:lumOff val="85000"/>
-          </a:schemeClr>
-        </a:solidFill>
-      </a:ln>
-    </cs:spPr>
-    <cs:defRPr sz="1197" kern="1200"/>
-  </cs:dataTable>
-  <cs:downBar>
-    <cs:lnRef idx="0"/>
-    <cs:fillRef idx="0"/>
-    <cs:effectRef idx="0"/>
-    <cs:fontRef idx="minor">
-      <a:schemeClr val="dk1"/>
-    </cs:fontRef>
-    <cs:spPr>
-      <a:solidFill>
-        <a:schemeClr val="dk1">
-          <a:lumMod val="65000"/>
-          <a:lumOff val="35000"/>
-        </a:schemeClr>
-      </a:solidFill>
-      <a:ln w="9525">
-        <a:solidFill>
-          <a:schemeClr val="tx1">
-            <a:lumMod val="65000"/>
-            <a:lumOff val="35000"/>
-          </a:schemeClr>
-        </a:solidFill>
-      </a:ln>
-    </cs:spPr>
-  </cs:downBar>
-  <cs:dropLine>
-    <cs:lnRef idx="0"/>
-    <cs:fillRef idx="0"/>
-    <cs:effectRef idx="0"/>
-    <cs:fontRef idx="minor">
-      <a:schemeClr val="tx2"/>
-    </cs:fontRef>
-    <cs:spPr>
-      <a:ln w="9525">
-        <a:solidFill>
-          <a:schemeClr val="tx2">
-            <a:lumMod val="60000"/>
-            <a:lumOff val="40000"/>
-          </a:schemeClr>
-        </a:solidFill>
-        <a:prstDash val="dash"/>
-      </a:ln>
-    </cs:spPr>
-  </cs:dropLine>
-  <cs:errorBar>
-    <cs:lnRef idx="0"/>
-    <cs:fillRef idx="0"/>
-    <cs:effectRef idx="0"/>
-    <cs:fontRef idx="minor">
-      <a:schemeClr val="tx2"/>
-    </cs:fontRef>
-    <cs:spPr>
-      <a:ln w="9525">
-        <a:solidFill>
-          <a:schemeClr val="tx2">
-            <a:lumMod val="75000"/>
-          </a:schemeClr>
-        </a:solidFill>
-        <a:round/>
-      </a:ln>
-    </cs:spPr>
-  </cs:errorBar>
-  <cs:floor>
-    <cs:lnRef idx="0"/>
-    <cs:fillRef idx="0"/>
-    <cs:effectRef idx="0"/>
-    <cs:fontRef idx="minor">
-      <a:schemeClr val="tx2"/>
-    </cs:fontRef>
-  </cs:floor>
-  <cs:gridlineMajor>
-    <cs:lnRef idx="0"/>
-    <cs:fillRef idx="0"/>
-    <cs:effectRef idx="0"/>
-    <cs:fontRef idx="minor">
-      <a:schemeClr val="tx2"/>
-    </cs:fontRef>
-    <cs:spPr>
-      <a:ln w="9525" cap="flat" cmpd="sng" algn="ctr">
-        <a:solidFill>
-          <a:schemeClr val="tx2">
-            <a:lumMod val="15000"/>
-            <a:lumOff val="85000"/>
-          </a:schemeClr>
-        </a:solidFill>
-        <a:round/>
-      </a:ln>
-    </cs:spPr>
-  </cs:gridlineMajor>
-  <cs:gridlineMinor>
-    <cs:lnRef idx="0"/>
-    <cs:fillRef idx="0"/>
-    <cs:effectRef idx="0"/>
-    <cs:fontRef idx="minor">
-      <a:schemeClr val="tx2"/>
-    </cs:fontRef>
-    <cs:spPr>
-      <a:ln>
-        <a:solidFill>
-          <a:schemeClr val="tx2">
-            <a:lumMod val="5000"/>
-            <a:lumOff val="95000"/>
-          </a:schemeClr>
-        </a:solidFill>
-      </a:ln>
-    </cs:spPr>
-  </cs:gridlineMinor>
-  <cs:hiLoLine>
-    <cs:lnRef idx="0"/>
-    <cs:fillRef idx="0"/>
-    <cs:effectRef idx="0"/>
-    <cs:fontRef idx="minor">
-      <a:schemeClr val="tx2"/>
-    </cs:fontRef>
-    <cs:spPr>
-      <a:ln w="9525">
-        <a:solidFill>
-          <a:schemeClr val="tx2">
-            <a:lumMod val="60000"/>
-            <a:lumOff val="40000"/>
-          </a:schemeClr>
-        </a:solidFill>
-        <a:prstDash val="dash"/>
-      </a:ln>
-    </cs:spPr>
-  </cs:hiLoLine>
-  <cs:leaderLine>
-    <cs:lnRef idx="0"/>
-    <cs:fillRef idx="0"/>
-    <cs:effectRef idx="0"/>
-    <cs:fontRef idx="minor">
-      <a:schemeClr val="tx2"/>
-    </cs:fontRef>
-    <cs:spPr>
-      <a:ln w="9525">
-        <a:solidFill>
-          <a:schemeClr val="tx2">
-            <a:lumMod val="35000"/>
-            <a:lumOff val="65000"/>
-          </a:schemeClr>
-        </a:solidFill>
-      </a:ln>
-    </cs:spPr>
-  </cs:leaderLine>
-  <cs:legend>
-    <cs:lnRef idx="0"/>
-    <cs:fillRef idx="0"/>
-    <cs:effectRef idx="0"/>
-    <cs:fontRef idx="minor">
-      <a:schemeClr val="tx2"/>
-    </cs:fontRef>
-    <cs:defRPr sz="1197" kern="1200"/>
-  </cs:legend>
-  <cs:plotArea>
-    <cs:lnRef idx="0"/>
-    <cs:fillRef idx="0"/>
-    <cs:effectRef idx="0"/>
-    <cs:fontRef idx="minor">
-      <a:schemeClr val="tx2"/>
-    </cs:fontRef>
-  </cs:plotArea>
-  <cs:plotArea3D>
-    <cs:lnRef idx="0"/>
-    <cs:fillRef idx="0"/>
-    <cs:effectRef idx="0"/>
-    <cs:fontRef idx="minor">
-      <a:schemeClr val="tx2"/>
-    </cs:fontRef>
-  </cs:plotArea3D>
-  <cs:seriesAxis>
-    <cs:lnRef idx="0"/>
-    <cs:fillRef idx="0"/>
-    <cs:effectRef idx="0"/>
-    <cs:fontRef idx="minor">
-      <a:schemeClr val="tx2"/>
-    </cs:fontRef>
-    <cs:spPr>
-      <a:ln w="9525" cap="flat" cmpd="sng" algn="ctr">
-        <a:solidFill>
-          <a:schemeClr val="tx2">
-            <a:lumMod val="15000"/>
-            <a:lumOff val="85000"/>
-          </a:schemeClr>
-        </a:solidFill>
-        <a:round/>
-      </a:ln>
-    </cs:spPr>
-    <cs:defRPr sz="1197" kern="1200"/>
-  </cs:seriesAxis>
-  <cs:seriesLine>
-    <cs:lnRef idx="0"/>
-    <cs:fillRef idx="0"/>
-    <cs:effectRef idx="0"/>
-    <cs:fontRef idx="minor">
-      <a:schemeClr val="tx2"/>
-    </cs:fontRef>
-    <cs:spPr>
-      <a:ln w="9525">
-        <a:solidFill>
-          <a:schemeClr val="tx2">
-            <a:lumMod val="60000"/>
-            <a:lumOff val="40000"/>
-          </a:schemeClr>
-        </a:solidFill>
-        <a:prstDash val="dash"/>
-      </a:ln>
-    </cs:spPr>
-  </cs:seriesLine>
-  <cs:title>
-    <cs:lnRef idx="0"/>
-    <cs:fillRef idx="0"/>
-    <cs:effectRef idx="0"/>
-    <cs:fontRef idx="minor">
-      <a:schemeClr val="tx2"/>
-    </cs:fontRef>
-    <cs:defRPr sz="2128" b="1" kern="1200"/>
-  </cs:title>
-  <cs:trendline>
-    <cs:lnRef idx="0">
-      <cs:styleClr val="auto"/>
-    </cs:lnRef>
-    <cs:fillRef idx="0"/>
-    <cs:effectRef idx="0"/>
-    <cs:fontRef idx="minor">
-      <a:schemeClr val="tx2"/>
-    </cs:fontRef>
-    <cs:spPr>
-      <a:ln w="19050" cap="rnd">
-        <a:solidFill>
-          <a:schemeClr val="phClr"/>
-        </a:solidFill>
-        <a:prstDash val="sysDash"/>
-      </a:ln>
-    </cs:spPr>
-  </cs:trendline>
-  <cs:trendlineLabel>
-    <cs:lnRef idx="0"/>
-    <cs:fillRef idx="0"/>
-    <cs:effectRef idx="0"/>
-    <cs:fontRef idx="minor">
-      <a:schemeClr val="tx2"/>
-    </cs:fontRef>
-    <cs:defRPr sz="1197" kern="1200"/>
-  </cs:trendlineLabel>
-  <cs:upBar>
-    <cs:lnRef idx="0"/>
-    <cs:fillRef idx="0"/>
-    <cs:effectRef idx="0"/>
-    <cs:fontRef idx="minor">
-      <a:schemeClr val="tx2"/>
-    </cs:fontRef>
-    <cs:spPr>
-      <a:solidFill>
-        <a:schemeClr val="lt1"/>
-      </a:solidFill>
-      <a:ln w="9525">
-        <a:solidFill>
-          <a:schemeClr val="tx1">
-            <a:lumMod val="15000"/>
-            <a:lumOff val="85000"/>
-          </a:schemeClr>
-        </a:solidFill>
-      </a:ln>
-    </cs:spPr>
-  </cs:upBar>
-  <cs:valueAxis>
-    <cs:lnRef idx="0"/>
-    <cs:fillRef idx="0"/>
-    <cs:effectRef idx="0"/>
-    <cs:fontRef idx="minor">
-      <a:schemeClr val="tx2"/>
-    </cs:fontRef>
-    <cs:defRPr sz="1197" kern="1200"/>
-  </cs:valueAxis>
-  <cs:wall>
-    <cs:lnRef idx="0"/>
-    <cs:fillRef idx="0"/>
-    <cs:effectRef idx="0"/>
-    <cs:fontRef idx="minor">
-      <a:schemeClr val="tx2"/>
-    </cs:fontRef>
-  </cs:wall>
-</cs:chartStyle>
-</file>
-
-<file path=ppt/charts/style4.xml><?xml version="1.0" encoding="utf-8"?>
-<cs:chartStyle xmlns:cs="http://schemas.microsoft.com/office/drawing/2012/chartStyle" xmlns:a="http://schemas.openxmlformats.org/drawingml/2006/main" id="302">
-  <cs:axisTitle>
-    <cs:lnRef idx="0"/>
-    <cs:fillRef idx="0"/>
-    <cs:effectRef idx="0"/>
-    <cs:fontRef idx="minor">
-      <a:schemeClr val="tx2"/>
-    </cs:fontRef>
-    <cs:defRPr sz="1197" b="1" kern="1200"/>
-  </cs:axisTitle>
-  <cs:categoryAxis>
-    <cs:lnRef idx="0"/>
-    <cs:fillRef idx="0"/>
-    <cs:effectRef idx="0"/>
-    <cs:fontRef idx="minor">
-      <a:schemeClr val="tx2"/>
-    </cs:fontRef>
-    <cs:spPr>
-      <a:ln w="9525" cap="flat" cmpd="sng" algn="ctr">
-        <a:solidFill>
-          <a:schemeClr val="tx2">
-            <a:lumMod val="15000"/>
-            <a:lumOff val="85000"/>
-          </a:schemeClr>
-        </a:solidFill>
-        <a:round/>
-      </a:ln>
-    </cs:spPr>
-    <cs:defRPr sz="1197" kern="1200"/>
-  </cs:categoryAxis>
-  <cs:chartArea mods="allowNoFillOverride allowNoLineOverride">
-    <cs:lnRef idx="0"/>
-    <cs:fillRef idx="0"/>
-    <cs:effectRef idx="0"/>
-    <cs:fontRef idx="minor">
-      <a:schemeClr val="tx2"/>
-    </cs:fontRef>
-    <cs:spPr>
-      <a:solidFill>
-        <a:schemeClr val="bg1"/>
-      </a:solidFill>
-      <a:ln w="9525" cap="flat" cmpd="sng" algn="ctr">
-        <a:solidFill>
-          <a:schemeClr val="tx2">
-            <a:lumMod val="15000"/>
-            <a:lumOff val="85000"/>
-          </a:schemeClr>
-        </a:solidFill>
-        <a:round/>
-      </a:ln>
-    </cs:spPr>
-    <cs:defRPr sz="1197" kern="1200"/>
-  </cs:chartArea>
-  <cs:dataLabel>
-    <cs:lnRef idx="0"/>
-    <cs:fillRef idx="0"/>
-    <cs:effectRef idx="0"/>
-    <cs:fontRef idx="minor">
-      <a:schemeClr val="tx2"/>
-    </cs:fontRef>
-    <cs:defRPr sz="1197" kern="1200"/>
-  </cs:dataLabel>
-  <cs:dataLabelCallout>
-    <cs:lnRef idx="0"/>
-    <cs:fillRef idx="0"/>
-    <cs:effectRef idx="0"/>
-    <cs:fontRef idx="minor">
-      <a:schemeClr val="dk2">
-        <a:lumMod val="75000"/>
-      </a:schemeClr>
-    </cs:fontRef>
-    <cs:spPr>
-      <a:solidFill>
-        <a:schemeClr val="lt1"/>
-      </a:solidFill>
-      <a:ln>
-        <a:solidFill>
-          <a:schemeClr val="dk1">
-            <a:lumMod val="25000"/>
-            <a:lumOff val="75000"/>
-          </a:schemeClr>
-        </a:solidFill>
-      </a:ln>
-    </cs:spPr>
-    <cs:defRPr sz="1197" kern="1200"/>
-    <cs:bodyPr rot="0" spcFirstLastPara="1" vertOverflow="clip" horzOverflow="clip" vert="horz" wrap="square" lIns="36576" tIns="18288" rIns="36576" bIns="18288" anchor="ctr" anchorCtr="1">
-      <a:spAutoFit/>
-    </cs:bodyPr>
-  </cs:dataLabelCallout>
-  <cs:dataPoint>
-    <cs:lnRef idx="0"/>
-    <cs:fillRef idx="3">
-      <cs:styleClr val="auto"/>
-    </cs:fillRef>
-    <cs:effectRef idx="2"/>
-    <cs:fontRef idx="minor">
-      <a:schemeClr val="tx2"/>
-    </cs:fontRef>
-  </cs:dataPoint>
-  <cs:dataPoint3D>
-    <cs:lnRef idx="0"/>
-    <cs:fillRef idx="3">
-      <cs:styleClr val="auto"/>
-    </cs:fillRef>
-    <cs:effectRef idx="2"/>
-    <cs:fontRef idx="minor">
-      <a:schemeClr val="tx2"/>
-    </cs:fontRef>
-  </cs:dataPoint3D>
-  <cs:dataPointLine>
-    <cs:lnRef idx="0">
-      <cs:styleClr val="auto"/>
-    </cs:lnRef>
-    <cs:fillRef idx="3"/>
-    <cs:effectRef idx="2"/>
-    <cs:fontRef idx="minor">
-      <a:schemeClr val="tx2"/>
-    </cs:fontRef>
-    <cs:spPr>
-      <a:ln w="31750" cap="rnd">
-        <a:solidFill>
-          <a:schemeClr val="phClr"/>
-        </a:solidFill>
-        <a:round/>
-      </a:ln>
-    </cs:spPr>
-  </cs:dataPointLine>
-  <cs:dataPointMarker>
-    <cs:lnRef idx="0"/>
-    <cs:fillRef idx="3">
-      <cs:styleClr val="auto"/>
-    </cs:fillRef>
-    <cs:effectRef idx="2"/>
-    <cs:fontRef idx="minor">
-      <a:schemeClr val="tx2"/>
-    </cs:fontRef>
-    <cs:spPr>
-      <a:ln w="12700">
-        <a:solidFill>
-          <a:schemeClr val="lt2"/>
-        </a:solidFill>
-        <a:round/>
-      </a:ln>
-    </cs:spPr>
-  </cs:dataPointMarker>
-  <cs:dataPointMarkerLayout symbol="circle" size="6"/>
-  <cs:dataPointWireframe>
-    <cs:lnRef idx="0">
-      <cs:styleClr val="auto"/>
-    </cs:lnRef>
-    <cs:fillRef idx="3"/>
-    <cs:effectRef idx="2"/>
-    <cs:fontRef idx="minor">
-      <a:schemeClr val="tx2"/>
-    </cs:fontRef>
-    <cs:spPr>
-      <a:ln w="9525" cap="rnd">
-        <a:solidFill>
-          <a:schemeClr val="phClr"/>
-        </a:solidFill>
-        <a:round/>
-      </a:ln>
-    </cs:spPr>
-  </cs:dataPointWireframe>
-  <cs:dataTable>
-    <cs:lnRef idx="0"/>
-    <cs:fillRef idx="0"/>
-    <cs:effectRef idx="0"/>
-    <cs:fontRef idx="minor">
-      <a:schemeClr val="tx2"/>
-    </cs:fontRef>
-    <cs:spPr>
-      <a:ln w="9525">
-        <a:solidFill>
-          <a:schemeClr val="tx2">
-            <a:lumMod val="15000"/>
-            <a:lumOff val="85000"/>
-          </a:schemeClr>
-        </a:solidFill>
-      </a:ln>
-    </cs:spPr>
-    <cs:defRPr sz="1197" kern="1200"/>
-  </cs:dataTable>
-  <cs:downBar>
-    <cs:lnRef idx="0"/>
-    <cs:fillRef idx="0"/>
-    <cs:effectRef idx="0"/>
-    <cs:fontRef idx="minor">
-      <a:schemeClr val="dk1"/>
-    </cs:fontRef>
-    <cs:spPr>
-      <a:solidFill>
-        <a:schemeClr val="dk1">
-          <a:lumMod val="65000"/>
-          <a:lumOff val="35000"/>
-        </a:schemeClr>
-      </a:solidFill>
-      <a:ln w="9525">
-        <a:solidFill>
-          <a:schemeClr val="tx1">
-            <a:lumMod val="65000"/>
-            <a:lumOff val="35000"/>
-          </a:schemeClr>
-        </a:solidFill>
-      </a:ln>
-    </cs:spPr>
-  </cs:downBar>
-  <cs:dropLine>
-    <cs:lnRef idx="0"/>
-    <cs:fillRef idx="0"/>
-    <cs:effectRef idx="0"/>
-    <cs:fontRef idx="minor">
-      <a:schemeClr val="tx2"/>
-    </cs:fontRef>
-    <cs:spPr>
-      <a:ln w="9525">
-        <a:solidFill>
-          <a:schemeClr val="tx2">
-            <a:lumMod val="60000"/>
-            <a:lumOff val="40000"/>
-          </a:schemeClr>
-        </a:solidFill>
-        <a:prstDash val="dash"/>
-      </a:ln>
-    </cs:spPr>
-  </cs:dropLine>
-  <cs:errorBar>
-    <cs:lnRef idx="0"/>
-    <cs:fillRef idx="0"/>
-    <cs:effectRef idx="0"/>
-    <cs:fontRef idx="minor">
-      <a:schemeClr val="tx2"/>
-    </cs:fontRef>
-    <cs:spPr>
-      <a:ln w="9525">
-        <a:solidFill>
-          <a:schemeClr val="tx2">
-            <a:lumMod val="75000"/>
-          </a:schemeClr>
-        </a:solidFill>
-        <a:round/>
-      </a:ln>
-    </cs:spPr>
-  </cs:errorBar>
-  <cs:floor>
-    <cs:lnRef idx="0"/>
-    <cs:fillRef idx="0"/>
-    <cs:effectRef idx="0"/>
-    <cs:fontRef idx="minor">
-      <a:schemeClr val="tx2"/>
-    </cs:fontRef>
-  </cs:floor>
-  <cs:gridlineMajor>
-    <cs:lnRef idx="0"/>
-    <cs:fillRef idx="0"/>
-    <cs:effectRef idx="0"/>
-    <cs:fontRef idx="minor">
-      <a:schemeClr val="tx2"/>
-    </cs:fontRef>
-    <cs:spPr>
-      <a:ln w="9525" cap="flat" cmpd="sng" algn="ctr">
-        <a:solidFill>
-          <a:schemeClr val="tx2">
-            <a:lumMod val="15000"/>
-            <a:lumOff val="85000"/>
-          </a:schemeClr>
-        </a:solidFill>
-        <a:round/>
-      </a:ln>
-    </cs:spPr>
-  </cs:gridlineMajor>
-  <cs:gridlineMinor>
-    <cs:lnRef idx="0"/>
-    <cs:fillRef idx="0"/>
-    <cs:effectRef idx="0"/>
-    <cs:fontRef idx="minor">
-      <a:schemeClr val="tx2"/>
-    </cs:fontRef>
-    <cs:spPr>
-      <a:ln>
-        <a:solidFill>
-          <a:schemeClr val="tx2">
-            <a:lumMod val="5000"/>
-            <a:lumOff val="95000"/>
-          </a:schemeClr>
-        </a:solidFill>
-      </a:ln>
-    </cs:spPr>
-  </cs:gridlineMinor>
-  <cs:hiLoLine>
-    <cs:lnRef idx="0"/>
-    <cs:fillRef idx="0"/>
-    <cs:effectRef idx="0"/>
-    <cs:fontRef idx="minor">
-      <a:schemeClr val="tx2"/>
-    </cs:fontRef>
-    <cs:spPr>
-      <a:ln w="9525">
-        <a:solidFill>
-          <a:schemeClr val="tx2">
-            <a:lumMod val="60000"/>
-            <a:lumOff val="40000"/>
-          </a:schemeClr>
-        </a:solidFill>
-        <a:prstDash val="dash"/>
-      </a:ln>
-    </cs:spPr>
-  </cs:hiLoLine>
-  <cs:leaderLine>
-    <cs:lnRef idx="0"/>
-    <cs:fillRef idx="0"/>
-    <cs:effectRef idx="0"/>
-    <cs:fontRef idx="minor">
-      <a:schemeClr val="tx2"/>
-    </cs:fontRef>
-    <cs:spPr>
-      <a:ln w="9525">
-        <a:solidFill>
-          <a:schemeClr val="tx2">
-            <a:lumMod val="35000"/>
-            <a:lumOff val="65000"/>
-          </a:schemeClr>
-        </a:solidFill>
-      </a:ln>
-    </cs:spPr>
-  </cs:leaderLine>
-  <cs:legend>
-    <cs:lnRef idx="0"/>
-    <cs:fillRef idx="0"/>
-    <cs:effectRef idx="0"/>
-    <cs:fontRef idx="minor">
-      <a:schemeClr val="tx2"/>
-    </cs:fontRef>
-    <cs:defRPr sz="1197" kern="1200"/>
-  </cs:legend>
-  <cs:plotArea>
-    <cs:lnRef idx="0"/>
-    <cs:fillRef idx="0"/>
-    <cs:effectRef idx="0"/>
-    <cs:fontRef idx="minor">
-      <a:schemeClr val="tx2"/>
-    </cs:fontRef>
-  </cs:plotArea>
-  <cs:plotArea3D>
-    <cs:lnRef idx="0"/>
-    <cs:fillRef idx="0"/>
-    <cs:effectRef idx="0"/>
-    <cs:fontRef idx="minor">
-      <a:schemeClr val="tx2"/>
-    </cs:fontRef>
-  </cs:plotArea3D>
-  <cs:seriesAxis>
-    <cs:lnRef idx="0"/>
-    <cs:fillRef idx="0"/>
-    <cs:effectRef idx="0"/>
-    <cs:fontRef idx="minor">
-      <a:schemeClr val="tx2"/>
-    </cs:fontRef>
-    <cs:spPr>
-      <a:ln w="9525" cap="flat" cmpd="sng" algn="ctr">
-        <a:solidFill>
-          <a:schemeClr val="tx2">
-            <a:lumMod val="15000"/>
-            <a:lumOff val="85000"/>
-          </a:schemeClr>
-        </a:solidFill>
-        <a:round/>
-      </a:ln>
-    </cs:spPr>
-    <cs:defRPr sz="1197" kern="1200"/>
-  </cs:seriesAxis>
-  <cs:seriesLine>
-    <cs:lnRef idx="0"/>
-    <cs:fillRef idx="0"/>
-    <cs:effectRef idx="0"/>
-    <cs:fontRef idx="minor">
-      <a:schemeClr val="tx2"/>
-    </cs:fontRef>
-    <cs:spPr>
-      <a:ln w="9525">
-        <a:solidFill>
-          <a:schemeClr val="tx2">
-            <a:lumMod val="60000"/>
-            <a:lumOff val="40000"/>
-          </a:schemeClr>
-        </a:solidFill>
-        <a:prstDash val="dash"/>
-      </a:ln>
-    </cs:spPr>
-  </cs:seriesLine>
-  <cs:title>
-    <cs:lnRef idx="0"/>
-    <cs:fillRef idx="0"/>
-    <cs:effectRef idx="0"/>
-    <cs:fontRef idx="minor">
-      <a:schemeClr val="tx2"/>
-    </cs:fontRef>
-    <cs:defRPr sz="2128" b="1" kern="1200"/>
-  </cs:title>
-  <cs:trendline>
-    <cs:lnRef idx="0">
-      <cs:styleClr val="auto"/>
-    </cs:lnRef>
-    <cs:fillRef idx="0"/>
-    <cs:effectRef idx="0"/>
-    <cs:fontRef idx="minor">
-      <a:schemeClr val="tx2"/>
-    </cs:fontRef>
-    <cs:spPr>
-      <a:ln w="19050" cap="rnd">
-        <a:solidFill>
-          <a:schemeClr val="phClr"/>
-        </a:solidFill>
-        <a:prstDash val="sysDash"/>
-      </a:ln>
-    </cs:spPr>
-  </cs:trendline>
-  <cs:trendlineLabel>
-    <cs:lnRef idx="0"/>
-    <cs:fillRef idx="0"/>
-    <cs:effectRef idx="0"/>
-    <cs:fontRef idx="minor">
-      <a:schemeClr val="tx2"/>
-    </cs:fontRef>
-    <cs:defRPr sz="1197" kern="1200"/>
-  </cs:trendlineLabel>
-  <cs:upBar>
-    <cs:lnRef idx="0"/>
-    <cs:fillRef idx="0"/>
-    <cs:effectRef idx="0"/>
-    <cs:fontRef idx="minor">
-      <a:schemeClr val="tx2"/>
-    </cs:fontRef>
-    <cs:spPr>
-      <a:solidFill>
-        <a:schemeClr val="lt1"/>
-      </a:solidFill>
-      <a:ln w="9525">
-        <a:solidFill>
-          <a:schemeClr val="tx1">
-            <a:lumMod val="15000"/>
-            <a:lumOff val="85000"/>
-          </a:schemeClr>
-        </a:solidFill>
-      </a:ln>
-    </cs:spPr>
-  </cs:upBar>
-  <cs:valueAxis>
-    <cs:lnRef idx="0"/>
-    <cs:fillRef idx="0"/>
-    <cs:effectRef idx="0"/>
-    <cs:fontRef idx="minor">
-      <a:schemeClr val="tx2"/>
-    </cs:fontRef>
-    <cs:defRPr sz="1197" kern="1200"/>
-  </cs:valueAxis>
-  <cs:wall>
-    <cs:lnRef idx="0"/>
-    <cs:fillRef idx="0"/>
-    <cs:effectRef idx="0"/>
-    <cs:fontRef idx="minor">
-      <a:schemeClr val="tx2"/>
-    </cs:fontRef>
-  </cs:wall>
-</cs:chartStyle>
-</file>
-
-<file path=ppt/charts/style5.xml><?xml version="1.0" encoding="utf-8"?>
-<cs:chartStyle xmlns:cs="http://schemas.microsoft.com/office/drawing/2012/chartStyle" xmlns:a="http://schemas.openxmlformats.org/drawingml/2006/main" id="302">
-  <cs:axisTitle>
-    <cs:lnRef idx="0"/>
-    <cs:fillRef idx="0"/>
-    <cs:effectRef idx="0"/>
-    <cs:fontRef idx="minor">
-      <a:schemeClr val="tx2"/>
-    </cs:fontRef>
-    <cs:defRPr sz="1197" b="1" kern="1200"/>
-  </cs:axisTitle>
-  <cs:categoryAxis>
-    <cs:lnRef idx="0"/>
-    <cs:fillRef idx="0"/>
-    <cs:effectRef idx="0"/>
-    <cs:fontRef idx="minor">
-      <a:schemeClr val="tx2"/>
-    </cs:fontRef>
-    <cs:spPr>
-      <a:ln w="9525" cap="flat" cmpd="sng" algn="ctr">
-        <a:solidFill>
-          <a:schemeClr val="tx2">
-            <a:lumMod val="15000"/>
-            <a:lumOff val="85000"/>
-          </a:schemeClr>
-        </a:solidFill>
-        <a:round/>
-      </a:ln>
-    </cs:spPr>
-    <cs:defRPr sz="1197" kern="1200"/>
-  </cs:categoryAxis>
-  <cs:chartArea mods="allowNoFillOverride allowNoLineOverride">
-    <cs:lnRef idx="0"/>
-    <cs:fillRef idx="0"/>
-    <cs:effectRef idx="0"/>
-    <cs:fontRef idx="minor">
-      <a:schemeClr val="tx2"/>
-    </cs:fontRef>
-    <cs:spPr>
-      <a:solidFill>
-        <a:schemeClr val="bg1"/>
-      </a:solidFill>
-      <a:ln w="9525" cap="flat" cmpd="sng" algn="ctr">
-        <a:solidFill>
-          <a:schemeClr val="tx2">
-            <a:lumMod val="15000"/>
-            <a:lumOff val="85000"/>
-          </a:schemeClr>
-        </a:solidFill>
-        <a:round/>
-      </a:ln>
-    </cs:spPr>
-    <cs:defRPr sz="1197" kern="1200"/>
-  </cs:chartArea>
-  <cs:dataLabel>
-    <cs:lnRef idx="0"/>
-    <cs:fillRef idx="0"/>
-    <cs:effectRef idx="0"/>
-    <cs:fontRef idx="minor">
-      <a:schemeClr val="tx2"/>
-    </cs:fontRef>
-    <cs:defRPr sz="1197" kern="1200"/>
-  </cs:dataLabel>
-  <cs:dataLabelCallout>
-    <cs:lnRef idx="0"/>
-    <cs:fillRef idx="0"/>
-    <cs:effectRef idx="0"/>
-    <cs:fontRef idx="minor">
-      <a:schemeClr val="dk2">
-        <a:lumMod val="75000"/>
-      </a:schemeClr>
-    </cs:fontRef>
-    <cs:spPr>
-      <a:solidFill>
-        <a:schemeClr val="lt1"/>
-      </a:solidFill>
-      <a:ln>
-        <a:solidFill>
-          <a:schemeClr val="dk1">
-            <a:lumMod val="25000"/>
-            <a:lumOff val="75000"/>
-          </a:schemeClr>
-        </a:solidFill>
-      </a:ln>
-    </cs:spPr>
-    <cs:defRPr sz="1197" kern="1200"/>
-    <cs:bodyPr rot="0" spcFirstLastPara="1" vertOverflow="clip" horzOverflow="clip" vert="horz" wrap="square" lIns="36576" tIns="18288" rIns="36576" bIns="18288" anchor="ctr" anchorCtr="1">
-      <a:spAutoFit/>
-    </cs:bodyPr>
-  </cs:dataLabelCallout>
-  <cs:dataPoint>
-    <cs:lnRef idx="0"/>
-    <cs:fillRef idx="3">
-      <cs:styleClr val="auto"/>
-    </cs:fillRef>
-    <cs:effectRef idx="2"/>
-    <cs:fontRef idx="minor">
-      <a:schemeClr val="tx2"/>
-    </cs:fontRef>
-  </cs:dataPoint>
-  <cs:dataPoint3D>
-    <cs:lnRef idx="0"/>
-    <cs:fillRef idx="3">
-      <cs:styleClr val="auto"/>
-    </cs:fillRef>
-    <cs:effectRef idx="2"/>
-    <cs:fontRef idx="minor">
-      <a:schemeClr val="tx2"/>
-    </cs:fontRef>
-  </cs:dataPoint3D>
-  <cs:dataPointLine>
-    <cs:lnRef idx="0">
-      <cs:styleClr val="auto"/>
-    </cs:lnRef>
-    <cs:fillRef idx="3"/>
-    <cs:effectRef idx="2"/>
-    <cs:fontRef idx="minor">
-      <a:schemeClr val="tx2"/>
-    </cs:fontRef>
-    <cs:spPr>
-      <a:ln w="31750" cap="rnd">
-        <a:solidFill>
-          <a:schemeClr val="phClr"/>
-        </a:solidFill>
-        <a:round/>
-      </a:ln>
-    </cs:spPr>
-  </cs:dataPointLine>
-  <cs:dataPointMarker>
-    <cs:lnRef idx="0"/>
-    <cs:fillRef idx="3">
-      <cs:styleClr val="auto"/>
-    </cs:fillRef>
-    <cs:effectRef idx="2"/>
-    <cs:fontRef idx="minor">
-      <a:schemeClr val="tx2"/>
-    </cs:fontRef>
-    <cs:spPr>
-      <a:ln w="12700">
-        <a:solidFill>
-          <a:schemeClr val="lt2"/>
-        </a:solidFill>
-        <a:round/>
-      </a:ln>
-    </cs:spPr>
-  </cs:dataPointMarker>
-  <cs:dataPointMarkerLayout symbol="circle" size="6"/>
-  <cs:dataPointWireframe>
-    <cs:lnRef idx="0">
-      <cs:styleClr val="auto"/>
-    </cs:lnRef>
-    <cs:fillRef idx="3"/>
-    <cs:effectRef idx="2"/>
-    <cs:fontRef idx="minor">
-      <a:schemeClr val="tx2"/>
-    </cs:fontRef>
-    <cs:spPr>
-      <a:ln w="9525" cap="rnd">
-        <a:solidFill>
-          <a:schemeClr val="phClr"/>
-        </a:solidFill>
-        <a:round/>
-      </a:ln>
-    </cs:spPr>
-  </cs:dataPointWireframe>
-  <cs:dataTable>
-    <cs:lnRef idx="0"/>
-    <cs:fillRef idx="0"/>
-    <cs:effectRef idx="0"/>
-    <cs:fontRef idx="minor">
-      <a:schemeClr val="tx2"/>
-    </cs:fontRef>
-    <cs:spPr>
-      <a:ln w="9525">
-        <a:solidFill>
-          <a:schemeClr val="tx2">
-            <a:lumMod val="15000"/>
-            <a:lumOff val="85000"/>
-          </a:schemeClr>
-        </a:solidFill>
-      </a:ln>
-    </cs:spPr>
-    <cs:defRPr sz="1197" kern="1200"/>
-  </cs:dataTable>
-  <cs:downBar>
-    <cs:lnRef idx="0"/>
-    <cs:fillRef idx="0"/>
-    <cs:effectRef idx="0"/>
-    <cs:fontRef idx="minor">
-      <a:schemeClr val="dk1"/>
-    </cs:fontRef>
-    <cs:spPr>
-      <a:solidFill>
-        <a:schemeClr val="dk1">
-          <a:lumMod val="65000"/>
-          <a:lumOff val="35000"/>
-        </a:schemeClr>
-      </a:solidFill>
-      <a:ln w="9525">
-        <a:solidFill>
-          <a:schemeClr val="tx1">
-            <a:lumMod val="65000"/>
-            <a:lumOff val="35000"/>
-          </a:schemeClr>
-        </a:solidFill>
-      </a:ln>
-    </cs:spPr>
-  </cs:downBar>
-  <cs:dropLine>
-    <cs:lnRef idx="0"/>
-    <cs:fillRef idx="0"/>
-    <cs:effectRef idx="0"/>
-    <cs:fontRef idx="minor">
-      <a:schemeClr val="tx2"/>
-    </cs:fontRef>
-    <cs:spPr>
-      <a:ln w="9525">
-        <a:solidFill>
-          <a:schemeClr val="tx2">
-            <a:lumMod val="60000"/>
-            <a:lumOff val="40000"/>
-          </a:schemeClr>
-        </a:solidFill>
-        <a:prstDash val="dash"/>
-      </a:ln>
-    </cs:spPr>
-  </cs:dropLine>
-  <cs:errorBar>
-    <cs:lnRef idx="0"/>
-    <cs:fillRef idx="0"/>
-    <cs:effectRef idx="0"/>
-    <cs:fontRef idx="minor">
-      <a:schemeClr val="tx2"/>
-    </cs:fontRef>
-    <cs:spPr>
-      <a:ln w="9525">
-        <a:solidFill>
-          <a:schemeClr val="tx2">
-            <a:lumMod val="75000"/>
-          </a:schemeClr>
-        </a:solidFill>
-        <a:round/>
-      </a:ln>
-    </cs:spPr>
-  </cs:errorBar>
-  <cs:floor>
-    <cs:lnRef idx="0"/>
-    <cs:fillRef idx="0"/>
-    <cs:effectRef idx="0"/>
-    <cs:fontRef idx="minor">
-      <a:schemeClr val="tx2"/>
-    </cs:fontRef>
-  </cs:floor>
-  <cs:gridlineMajor>
-    <cs:lnRef idx="0"/>
-    <cs:fillRef idx="0"/>
-    <cs:effectRef idx="0"/>
-    <cs:fontRef idx="minor">
-      <a:schemeClr val="tx2"/>
-    </cs:fontRef>
-    <cs:spPr>
-      <a:ln w="9525" cap="flat" cmpd="sng" algn="ctr">
-        <a:solidFill>
-          <a:schemeClr val="tx2">
-            <a:lumMod val="15000"/>
-            <a:lumOff val="85000"/>
-          </a:schemeClr>
-        </a:solidFill>
-        <a:round/>
-      </a:ln>
-    </cs:spPr>
-  </cs:gridlineMajor>
-  <cs:gridlineMinor>
-    <cs:lnRef idx="0"/>
-    <cs:fillRef idx="0"/>
-    <cs:effectRef idx="0"/>
-    <cs:fontRef idx="minor">
-      <a:schemeClr val="tx2"/>
-    </cs:fontRef>
-    <cs:spPr>
-      <a:ln>
-        <a:solidFill>
-          <a:schemeClr val="tx2">
-            <a:lumMod val="5000"/>
-            <a:lumOff val="95000"/>
-          </a:schemeClr>
-        </a:solidFill>
-      </a:ln>
-    </cs:spPr>
-  </cs:gridlineMinor>
-  <cs:hiLoLine>
-    <cs:lnRef idx="0"/>
-    <cs:fillRef idx="0"/>
-    <cs:effectRef idx="0"/>
-    <cs:fontRef idx="minor">
-      <a:schemeClr val="tx2"/>
-    </cs:fontRef>
-    <cs:spPr>
-      <a:ln w="9525">
-        <a:solidFill>
-          <a:schemeClr val="tx2">
-            <a:lumMod val="60000"/>
-            <a:lumOff val="40000"/>
-          </a:schemeClr>
-        </a:solidFill>
-        <a:prstDash val="dash"/>
-      </a:ln>
-    </cs:spPr>
-  </cs:hiLoLine>
-  <cs:leaderLine>
-    <cs:lnRef idx="0"/>
-    <cs:fillRef idx="0"/>
-    <cs:effectRef idx="0"/>
-    <cs:fontRef idx="minor">
-      <a:schemeClr val="tx2"/>
-    </cs:fontRef>
-    <cs:spPr>
-      <a:ln w="9525">
-        <a:solidFill>
-          <a:schemeClr val="tx2">
-            <a:lumMod val="35000"/>
-            <a:lumOff val="65000"/>
-          </a:schemeClr>
-        </a:solidFill>
-      </a:ln>
-    </cs:spPr>
-  </cs:leaderLine>
-  <cs:legend>
-    <cs:lnRef idx="0"/>
-    <cs:fillRef idx="0"/>
-    <cs:effectRef idx="0"/>
-    <cs:fontRef idx="minor">
-      <a:schemeClr val="tx2"/>
-    </cs:fontRef>
-    <cs:defRPr sz="1197" kern="1200"/>
-  </cs:legend>
-  <cs:plotArea>
-    <cs:lnRef idx="0"/>
-    <cs:fillRef idx="0"/>
-    <cs:effectRef idx="0"/>
-    <cs:fontRef idx="minor">
-      <a:schemeClr val="tx2"/>
-    </cs:fontRef>
-  </cs:plotArea>
-  <cs:plotArea3D>
-    <cs:lnRef idx="0"/>
-    <cs:fillRef idx="0"/>
-    <cs:effectRef idx="0"/>
-    <cs:fontRef idx="minor">
-      <a:schemeClr val="tx2"/>
-    </cs:fontRef>
-  </cs:plotArea3D>
-  <cs:seriesAxis>
-    <cs:lnRef idx="0"/>
-    <cs:fillRef idx="0"/>
-    <cs:effectRef idx="0"/>
-    <cs:fontRef idx="minor">
-      <a:schemeClr val="tx2"/>
-    </cs:fontRef>
-    <cs:spPr>
-      <a:ln w="9525" cap="flat" cmpd="sng" algn="ctr">
-        <a:solidFill>
-          <a:schemeClr val="tx2">
-            <a:lumMod val="15000"/>
-            <a:lumOff val="85000"/>
-          </a:schemeClr>
-        </a:solidFill>
-        <a:round/>
-      </a:ln>
-    </cs:spPr>
-    <cs:defRPr sz="1197" kern="1200"/>
-  </cs:seriesAxis>
-  <cs:seriesLine>
-    <cs:lnRef idx="0"/>
-    <cs:fillRef idx="0"/>
-    <cs:effectRef idx="0"/>
-    <cs:fontRef idx="minor">
-      <a:schemeClr val="tx2"/>
-    </cs:fontRef>
-    <cs:spPr>
-      <a:ln w="9525">
-        <a:solidFill>
-          <a:schemeClr val="tx2">
-            <a:lumMod val="60000"/>
-            <a:lumOff val="40000"/>
-          </a:schemeClr>
-        </a:solidFill>
-        <a:prstDash val="dash"/>
-      </a:ln>
-    </cs:spPr>
-  </cs:seriesLine>
-  <cs:title>
-    <cs:lnRef idx="0"/>
-    <cs:fillRef idx="0"/>
-    <cs:effectRef idx="0"/>
-    <cs:fontRef idx="minor">
-      <a:schemeClr val="tx2"/>
-    </cs:fontRef>
-    <cs:defRPr sz="2128" b="1" kern="1200"/>
-  </cs:title>
-  <cs:trendline>
-    <cs:lnRef idx="0">
-      <cs:styleClr val="auto"/>
-    </cs:lnRef>
-    <cs:fillRef idx="0"/>
-    <cs:effectRef idx="0"/>
-    <cs:fontRef idx="minor">
-      <a:schemeClr val="tx2"/>
-    </cs:fontRef>
-    <cs:spPr>
-      <a:ln w="19050" cap="rnd">
-        <a:solidFill>
-          <a:schemeClr val="phClr"/>
-        </a:solidFill>
-        <a:prstDash val="sysDash"/>
-      </a:ln>
-    </cs:spPr>
-  </cs:trendline>
-  <cs:trendlineLabel>
-    <cs:lnRef idx="0"/>
-    <cs:fillRef idx="0"/>
-    <cs:effectRef idx="0"/>
-    <cs:fontRef idx="minor">
-      <a:schemeClr val="tx2"/>
-    </cs:fontRef>
-    <cs:defRPr sz="1197" kern="1200"/>
-  </cs:trendlineLabel>
-  <cs:upBar>
-    <cs:lnRef idx="0"/>
-    <cs:fillRef idx="0"/>
-    <cs:effectRef idx="0"/>
-    <cs:fontRef idx="minor">
-      <a:schemeClr val="tx2"/>
-    </cs:fontRef>
-    <cs:spPr>
-      <a:solidFill>
-        <a:schemeClr val="lt1"/>
-      </a:solidFill>
-      <a:ln w="9525">
-        <a:solidFill>
-          <a:schemeClr val="tx1">
-            <a:lumMod val="15000"/>
-            <a:lumOff val="85000"/>
-          </a:schemeClr>
-        </a:solidFill>
-      </a:ln>
-    </cs:spPr>
-  </cs:upBar>
-  <cs:valueAxis>
-    <cs:lnRef idx="0"/>
-    <cs:fillRef idx="0"/>
-    <cs:effectRef idx="0"/>
-    <cs:fontRef idx="minor">
-      <a:schemeClr val="tx2"/>
-    </cs:fontRef>
-    <cs:defRPr sz="1197" kern="1200"/>
-  </cs:valueAxis>
-  <cs:wall>
-    <cs:lnRef idx="0"/>
-    <cs:fillRef idx="0"/>
-    <cs:effectRef idx="0"/>
-    <cs:fontRef idx="minor">
-      <a:schemeClr val="tx2"/>
-    </cs:fontRef>
-  </cs:wall>
-</cs:chartStyle>
-</file>
-
 <file path=ppt/handoutMasters/handoutMaster1.xml><?xml version="1.0" encoding="utf-8"?>
 <p:handoutMaster xmlns:a="http://schemas.openxmlformats.org/drawingml/2006/main" xmlns:r="http://schemas.openxmlformats.org/officeDocument/2006/relationships" xmlns:p="http://schemas.openxmlformats.org/presentationml/2006/main">
   <p:cSld>
@@ -5181,7 +250,7 @@
             <a:pPr rtl="0"/>
             <a:fld id="{23AEF8A9-CFB5-40C0-BAE2-5B4633EC9F63}" type="datetime1">
               <a:rPr lang="it-IT" smtClean="0"/>
-              <a:t>24/01/2023</a:t>
+              <a:t>31/01/2023</a:t>
             </a:fld>
             <a:endParaRPr lang="it-IT" dirty="0"/>
           </a:p>
@@ -5358,7 +427,7 @@
             <a:fld id="{09F431D3-F76B-41A6-8072-4F6D884C46F8}" type="datetime1">
               <a:rPr lang="it-IT" smtClean="0"/>
               <a:pPr/>
-              <a:t>24/01/2023</a:t>
+              <a:t>31/01/2023</a:t>
             </a:fld>
             <a:endParaRPr lang="it-IT" dirty="0"/>
           </a:p>
@@ -5876,7 +945,7 @@
             <a:fld id="{841221E5-7225-48EB-A4EE-420E7BFCF705}" type="slidenum">
               <a:rPr lang="it-IT" smtClean="0"/>
               <a:pPr rtl="0"/>
-              <a:t>3</a:t>
+              <a:t>11</a:t>
             </a:fld>
             <a:endParaRPr lang="it-IT" dirty="0"/>
           </a:p>
@@ -5962,7 +1031,7 @@
             <a:fld id="{841221E5-7225-48EB-A4EE-420E7BFCF705}" type="slidenum">
               <a:rPr lang="it-IT" smtClean="0"/>
               <a:pPr rtl="0"/>
-              <a:t>4</a:t>
+              <a:t>12</a:t>
             </a:fld>
             <a:endParaRPr lang="it-IT" dirty="0"/>
           </a:p>
@@ -5971,7 +1040,7 @@
     </p:spTree>
     <p:extLst>
       <p:ext uri="{BB962C8B-B14F-4D97-AF65-F5344CB8AC3E}">
-        <p14:creationId xmlns:p14="http://schemas.microsoft.com/office/powerpoint/2010/main" val="1150035042"/>
+        <p14:creationId xmlns:p14="http://schemas.microsoft.com/office/powerpoint/2010/main" val="2808405268"/>
       </p:ext>
     </p:extLst>
   </p:cSld>
@@ -6048,7 +1117,7 @@
             <a:fld id="{841221E5-7225-48EB-A4EE-420E7BFCF705}" type="slidenum">
               <a:rPr lang="it-IT" smtClean="0"/>
               <a:pPr rtl="0"/>
-              <a:t>5</a:t>
+              <a:t>13</a:t>
             </a:fld>
             <a:endParaRPr lang="it-IT" dirty="0"/>
           </a:p>
@@ -6057,7 +1126,7 @@
     </p:spTree>
     <p:extLst>
       <p:ext uri="{BB962C8B-B14F-4D97-AF65-F5344CB8AC3E}">
-        <p14:creationId xmlns:p14="http://schemas.microsoft.com/office/powerpoint/2010/main" val="747016258"/>
+        <p14:creationId xmlns:p14="http://schemas.microsoft.com/office/powerpoint/2010/main" val="934095635"/>
       </p:ext>
     </p:extLst>
   </p:cSld>
@@ -6134,7 +1203,7 @@
             <a:fld id="{841221E5-7225-48EB-A4EE-420E7BFCF705}" type="slidenum">
               <a:rPr lang="it-IT" smtClean="0"/>
               <a:pPr rtl="0"/>
-              <a:t>6</a:t>
+              <a:t>14</a:t>
             </a:fld>
             <a:endParaRPr lang="it-IT" dirty="0"/>
           </a:p>
@@ -6143,7 +1212,7 @@
     </p:spTree>
     <p:extLst>
       <p:ext uri="{BB962C8B-B14F-4D97-AF65-F5344CB8AC3E}">
-        <p14:creationId xmlns:p14="http://schemas.microsoft.com/office/powerpoint/2010/main" val="1564529216"/>
+        <p14:creationId xmlns:p14="http://schemas.microsoft.com/office/powerpoint/2010/main" val="3340411729"/>
       </p:ext>
     </p:extLst>
   </p:cSld>
@@ -6220,7 +1289,7 @@
             <a:fld id="{841221E5-7225-48EB-A4EE-420E7BFCF705}" type="slidenum">
               <a:rPr lang="it-IT" smtClean="0"/>
               <a:pPr rtl="0"/>
-              <a:t>7</a:t>
+              <a:t>15</a:t>
             </a:fld>
             <a:endParaRPr lang="it-IT" dirty="0"/>
           </a:p>
@@ -6306,7 +1375,7 @@
             <a:fld id="{841221E5-7225-48EB-A4EE-420E7BFCF705}" type="slidenum">
               <a:rPr lang="it-IT" smtClean="0"/>
               <a:pPr rtl="0"/>
-              <a:t>8</a:t>
+              <a:t>17</a:t>
             </a:fld>
             <a:endParaRPr lang="it-IT" dirty="0"/>
           </a:p>
@@ -6392,7 +1461,7 @@
             <a:fld id="{841221E5-7225-48EB-A4EE-420E7BFCF705}" type="slidenum">
               <a:rPr lang="it-IT" smtClean="0"/>
               <a:pPr rtl="0"/>
-              <a:t>9</a:t>
+              <a:t>18</a:t>
             </a:fld>
             <a:endParaRPr lang="it-IT" dirty="0"/>
           </a:p>
@@ -7330,7 +2399,7 @@
             <a:fld id="{982DBDC9-B003-41F0-B8B2-2F0AA2C1B651}" type="datetime1">
               <a:rPr lang="it-IT" smtClean="0"/>
               <a:pPr/>
-              <a:t>24/01/2023</a:t>
+              <a:t>31/01/2023</a:t>
             </a:fld>
             <a:endParaRPr lang="it-IT" dirty="0"/>
           </a:p>
@@ -7561,7 +2630,7 @@
             <a:fld id="{07E64E86-02CD-4AD8-8F6E-73FB87F29031}" type="datetime1">
               <a:rPr lang="it-IT" smtClean="0"/>
               <a:pPr/>
-              <a:t>24/01/2023</a:t>
+              <a:t>31/01/2023</a:t>
             </a:fld>
             <a:endParaRPr lang="it-IT" dirty="0"/>
           </a:p>
@@ -8387,7 +3456,7 @@
             <a:fld id="{56884175-B988-418C-8366-CD8114C73802}" type="datetime1">
               <a:rPr lang="it-IT" smtClean="0"/>
               <a:pPr/>
-              <a:t>24/01/2023</a:t>
+              <a:t>31/01/2023</a:t>
             </a:fld>
             <a:endParaRPr lang="it-IT" dirty="0"/>
           </a:p>
@@ -8596,7 +3665,7 @@
             <a:fld id="{07EF584B-7CE1-48A1-AB7A-1EEAB5F615CD}" type="datetime1">
               <a:rPr lang="it-IT" smtClean="0"/>
               <a:pPr/>
-              <a:t>24/01/2023</a:t>
+              <a:t>31/01/2023</a:t>
             </a:fld>
             <a:endParaRPr lang="it-IT" dirty="0"/>
           </a:p>
@@ -9865,7 +4934,7 @@
             <a:fld id="{2F956552-D53A-4557-8C38-42CBEA2EE1F9}" type="datetime1">
               <a:rPr lang="it-IT" smtClean="0"/>
               <a:pPr/>
-              <a:t>24/01/2023</a:t>
+              <a:t>31/01/2023</a:t>
             </a:fld>
             <a:endParaRPr lang="it-IT" dirty="0"/>
           </a:p>
@@ -10198,7 +5267,7 @@
             <a:fld id="{F68A04E6-3A63-4A5D-901F-B7E0EE19AFD7}" type="datetime1">
               <a:rPr lang="it-IT" smtClean="0"/>
               <a:pPr/>
-              <a:t>24/01/2023</a:t>
+              <a:t>31/01/2023</a:t>
             </a:fld>
             <a:endParaRPr lang="it-IT" dirty="0"/>
           </a:p>
@@ -10657,7 +5726,7 @@
             <a:fld id="{E89D5404-FB42-4B9E-BE7A-7821366B0BBC}" type="datetime1">
               <a:rPr lang="it-IT" smtClean="0"/>
               <a:pPr/>
-              <a:t>24/01/2023</a:t>
+              <a:t>31/01/2023</a:t>
             </a:fld>
             <a:endParaRPr lang="it-IT" dirty="0"/>
           </a:p>
@@ -10798,7 +5867,7 @@
             <a:fld id="{DA63B92F-6927-4909-8675-8FB028AE3CD8}" type="datetime1">
               <a:rPr lang="it-IT" smtClean="0"/>
               <a:pPr/>
-              <a:t>24/01/2023</a:t>
+              <a:t>31/01/2023</a:t>
             </a:fld>
             <a:endParaRPr lang="it-IT" dirty="0"/>
           </a:p>
@@ -11143,7 +6212,7 @@
             <a:fld id="{ACB5D043-5A31-4D67-9FB4-6681AB6A05C6}" type="datetime1">
               <a:rPr lang="it-IT" smtClean="0"/>
               <a:pPr/>
-              <a:t>24/01/2023</a:t>
+              <a:t>31/01/2023</a:t>
             </a:fld>
             <a:endParaRPr lang="it-IT" dirty="0"/>
           </a:p>
@@ -11646,7 +6715,7 @@
             <a:fld id="{7B44B99B-722F-4DC5-AC4D-948C49352303}" type="datetime1">
               <a:rPr lang="it-IT" smtClean="0"/>
               <a:pPr/>
-              <a:t>24/01/2023</a:t>
+              <a:t>31/01/2023</a:t>
             </a:fld>
             <a:endParaRPr lang="it-IT" dirty="0"/>
           </a:p>
@@ -12102,7 +7171,7 @@
             <a:fld id="{239C2E7C-B484-43C6-BE81-E8A28A90F8D9}" type="datetime1">
               <a:rPr lang="it-IT" smtClean="0"/>
               <a:pPr/>
-              <a:t>24/01/2023</a:t>
+              <a:t>31/01/2023</a:t>
             </a:fld>
             <a:endParaRPr lang="it-IT" dirty="0"/>
           </a:p>
@@ -13005,7 +8074,7 @@
             <a:fld id="{62DE71F0-C68A-46D7-94E0-C7A236B6AC63}" type="datetime1">
               <a:rPr lang="it-IT" smtClean="0"/>
               <a:pPr/>
-              <a:t>24/01/2023</a:t>
+              <a:t>31/01/2023</a:t>
             </a:fld>
             <a:endParaRPr lang="it-IT" dirty="0"/>
           </a:p>
@@ -13587,6 +8656,1485 @@
           <p:cNvPr id="2" name="Titolo 1">
             <a:extLst>
               <a:ext uri="{FF2B5EF4-FFF2-40B4-BE49-F238E27FC236}">
+                <a16:creationId xmlns:a16="http://schemas.microsoft.com/office/drawing/2014/main" id="{17EEA294-FD40-79A4-FA8F-67FB27099B80}"/>
+              </a:ext>
+            </a:extLst>
+          </p:cNvPr>
+          <p:cNvSpPr>
+            <a:spLocks noGrp="1"/>
+          </p:cNvSpPr>
+          <p:nvPr>
+            <p:ph type="title"/>
+          </p:nvPr>
+        </p:nvSpPr>
+        <p:spPr/>
+        <p:txBody>
+          <a:bodyPr/>
+          <a:lstStyle/>
+          <a:p>
+            <a:r>
+              <a:rPr lang="it-IT" dirty="0"/>
+              <a:t>System </a:t>
+            </a:r>
+            <a:r>
+              <a:rPr lang="it-IT" dirty="0" err="1"/>
+              <a:t>Matrices</a:t>
+            </a:r>
+            <a:endParaRPr lang="it-IT" dirty="0"/>
+          </a:p>
+        </p:txBody>
+      </p:sp>
+      <p:pic>
+        <p:nvPicPr>
+          <p:cNvPr id="6" name="Segnaposto contenuto 5">
+            <a:extLst>
+              <a:ext uri="{FF2B5EF4-FFF2-40B4-BE49-F238E27FC236}">
+                <a16:creationId xmlns:a16="http://schemas.microsoft.com/office/drawing/2014/main" id="{9208F8DC-6FA4-6980-71A5-FBC68DB1A054}"/>
+              </a:ext>
+            </a:extLst>
+          </p:cNvPr>
+          <p:cNvPicPr>
+            <a:picLocks noGrp="1" noChangeAspect="1"/>
+          </p:cNvPicPr>
+          <p:nvPr>
+            <p:ph idx="1"/>
+          </p:nvPr>
+        </p:nvPicPr>
+        <p:blipFill>
+          <a:blip r:embed="rId2"/>
+          <a:stretch>
+            <a:fillRect/>
+          </a:stretch>
+        </p:blipFill>
+        <p:spPr>
+          <a:xfrm>
+            <a:off x="1701923" y="1916832"/>
+            <a:ext cx="2529953" cy="792088"/>
+          </a:xfrm>
+        </p:spPr>
+      </p:pic>
+      <p:pic>
+        <p:nvPicPr>
+          <p:cNvPr id="10" name="Immagine 9">
+            <a:extLst>
+              <a:ext uri="{FF2B5EF4-FFF2-40B4-BE49-F238E27FC236}">
+                <a16:creationId xmlns:a16="http://schemas.microsoft.com/office/drawing/2014/main" id="{7F4F952A-D746-14C9-CCAE-530B2E6A497E}"/>
+              </a:ext>
+            </a:extLst>
+          </p:cNvPr>
+          <p:cNvPicPr>
+            <a:picLocks noChangeAspect="1"/>
+          </p:cNvPicPr>
+          <p:nvPr/>
+        </p:nvPicPr>
+        <p:blipFill>
+          <a:blip r:embed="rId3"/>
+          <a:stretch>
+            <a:fillRect/>
+          </a:stretch>
+        </p:blipFill>
+        <p:spPr>
+          <a:xfrm>
+            <a:off x="1701922" y="3404383"/>
+            <a:ext cx="1800201" cy="540060"/>
+          </a:xfrm>
+          <a:prstGeom prst="rect">
+            <a:avLst/>
+          </a:prstGeom>
+        </p:spPr>
+      </p:pic>
+    </p:spTree>
+    <p:extLst>
+      <p:ext uri="{BB962C8B-B14F-4D97-AF65-F5344CB8AC3E}">
+        <p14:creationId xmlns:p14="http://schemas.microsoft.com/office/powerpoint/2010/main" val="1068414832"/>
+      </p:ext>
+    </p:extLst>
+  </p:cSld>
+  <p:clrMapOvr>
+    <a:masterClrMapping/>
+  </p:clrMapOvr>
+  <mc:AlternateContent xmlns:mc="http://schemas.openxmlformats.org/markup-compatibility/2006">
+    <mc:Choice xmlns:p14="http://schemas.microsoft.com/office/powerpoint/2010/main" Requires="p14">
+      <p:transition spd="med" p14:dur="700">
+        <p:fade/>
+      </p:transition>
+    </mc:Choice>
+    <mc:Fallback>
+      <p:transition spd="med">
+        <p:fade/>
+      </p:transition>
+    </mc:Fallback>
+  </mc:AlternateContent>
+</p:sld>
+</file>
+
+<file path=ppt/slides/slide11.xml><?xml version="1.0" encoding="utf-8"?>
+<p:sld xmlns:a="http://schemas.openxmlformats.org/drawingml/2006/main" xmlns:r="http://schemas.openxmlformats.org/officeDocument/2006/relationships" xmlns:p="http://schemas.openxmlformats.org/presentationml/2006/main">
+  <p:cSld>
+    <p:spTree>
+      <p:nvGrpSpPr>
+        <p:cNvPr id="1" name=""/>
+        <p:cNvGrpSpPr/>
+        <p:nvPr/>
+      </p:nvGrpSpPr>
+      <p:grpSpPr>
+        <a:xfrm>
+          <a:off x="0" y="0"/>
+          <a:ext cx="0" cy="0"/>
+          <a:chOff x="0" y="0"/>
+          <a:chExt cx="0" cy="0"/>
+        </a:xfrm>
+      </p:grpSpPr>
+      <p:sp>
+        <p:nvSpPr>
+          <p:cNvPr id="2" name="Titolo 1"/>
+          <p:cNvSpPr>
+            <a:spLocks noGrp="1"/>
+          </p:cNvSpPr>
+          <p:nvPr>
+            <p:ph type="title"/>
+          </p:nvPr>
+        </p:nvSpPr>
+        <p:spPr/>
+        <p:txBody>
+          <a:bodyPr rtlCol="0"/>
+          <a:lstStyle/>
+          <a:p>
+            <a:pPr rtl="0"/>
+            <a:r>
+              <a:rPr lang="it-IT" dirty="0" err="1"/>
+              <a:t>Stationary</a:t>
+            </a:r>
+            <a:r>
+              <a:rPr lang="it-IT" dirty="0"/>
+              <a:t> Stokes</a:t>
+            </a:r>
+          </a:p>
+        </p:txBody>
+      </p:sp>
+      <p:pic>
+        <p:nvPicPr>
+          <p:cNvPr id="6" name="Segnaposto contenuto 5" descr="Immagine che contiene testo&#10;&#10;Descrizione generata automaticamente">
+            <a:extLst>
+              <a:ext uri="{FF2B5EF4-FFF2-40B4-BE49-F238E27FC236}">
+                <a16:creationId xmlns:a16="http://schemas.microsoft.com/office/drawing/2014/main" id="{4FB1DD92-B449-B336-09C7-598F3E3F80FA}"/>
+              </a:ext>
+            </a:extLst>
+          </p:cNvPr>
+          <p:cNvPicPr>
+            <a:picLocks noGrp="1" noChangeAspect="1"/>
+          </p:cNvPicPr>
+          <p:nvPr>
+            <p:ph idx="1"/>
+          </p:nvPr>
+        </p:nvPicPr>
+        <p:blipFill>
+          <a:blip r:embed="rId3"/>
+          <a:stretch>
+            <a:fillRect/>
+          </a:stretch>
+        </p:blipFill>
+        <p:spPr>
+          <a:xfrm>
+            <a:off x="1634379" y="1600200"/>
+            <a:ext cx="9701117" cy="4572000"/>
+          </a:xfrm>
+        </p:spPr>
+      </p:pic>
+    </p:spTree>
+    <p:extLst>
+      <p:ext uri="{BB962C8B-B14F-4D97-AF65-F5344CB8AC3E}">
+        <p14:creationId xmlns:p14="http://schemas.microsoft.com/office/powerpoint/2010/main" val="571916843"/>
+      </p:ext>
+    </p:extLst>
+  </p:cSld>
+  <p:clrMapOvr>
+    <a:masterClrMapping/>
+  </p:clrMapOvr>
+  <mc:AlternateContent xmlns:mc="http://schemas.openxmlformats.org/markup-compatibility/2006" xmlns:p14="http://schemas.microsoft.com/office/powerpoint/2010/main">
+    <mc:Choice Requires="p14">
+      <p:transition spd="med" p14:dur="700">
+        <p:fade/>
+      </p:transition>
+    </mc:Choice>
+    <mc:Fallback xmlns="">
+      <p:transition spd="med">
+        <p:fade/>
+      </p:transition>
+    </mc:Fallback>
+  </mc:AlternateContent>
+</p:sld>
+</file>
+
+<file path=ppt/slides/slide12.xml><?xml version="1.0" encoding="utf-8"?>
+<p:sld xmlns:a="http://schemas.openxmlformats.org/drawingml/2006/main" xmlns:r="http://schemas.openxmlformats.org/officeDocument/2006/relationships" xmlns:p="http://schemas.openxmlformats.org/presentationml/2006/main">
+  <p:cSld>
+    <p:spTree>
+      <p:nvGrpSpPr>
+        <p:cNvPr id="1" name=""/>
+        <p:cNvGrpSpPr/>
+        <p:nvPr/>
+      </p:nvGrpSpPr>
+      <p:grpSpPr>
+        <a:xfrm>
+          <a:off x="0" y="0"/>
+          <a:ext cx="0" cy="0"/>
+          <a:chOff x="0" y="0"/>
+          <a:chExt cx="0" cy="0"/>
+        </a:xfrm>
+      </p:grpSpPr>
+      <p:sp>
+        <p:nvSpPr>
+          <p:cNvPr id="2" name="Titolo 1"/>
+          <p:cNvSpPr>
+            <a:spLocks noGrp="1"/>
+          </p:cNvSpPr>
+          <p:nvPr>
+            <p:ph type="title"/>
+          </p:nvPr>
+        </p:nvSpPr>
+        <p:spPr/>
+        <p:txBody>
+          <a:bodyPr rtlCol="0"/>
+          <a:lstStyle/>
+          <a:p>
+            <a:pPr rtl="0"/>
+            <a:r>
+              <a:rPr lang="it-IT" dirty="0"/>
+              <a:t>Time-</a:t>
+            </a:r>
+            <a:r>
+              <a:rPr lang="it-IT" dirty="0" err="1"/>
+              <a:t>Dependent</a:t>
+            </a:r>
+            <a:r>
+              <a:rPr lang="it-IT" dirty="0"/>
+              <a:t> Stokes</a:t>
+            </a:r>
+          </a:p>
+        </p:txBody>
+      </p:sp>
+      <p:pic>
+        <p:nvPicPr>
+          <p:cNvPr id="7" name="Segnaposto contenuto 6" descr="Immagine che contiene testo, interni, computer&#10;&#10;Descrizione generata automaticamente">
+            <a:extLst>
+              <a:ext uri="{FF2B5EF4-FFF2-40B4-BE49-F238E27FC236}">
+                <a16:creationId xmlns:a16="http://schemas.microsoft.com/office/drawing/2014/main" id="{D8BA3480-B2AD-A36A-2B32-744DE51FFDDD}"/>
+              </a:ext>
+            </a:extLst>
+          </p:cNvPr>
+          <p:cNvPicPr>
+            <a:picLocks noGrp="1" noChangeAspect="1"/>
+          </p:cNvPicPr>
+          <p:nvPr>
+            <p:ph idx="1"/>
+          </p:nvPr>
+        </p:nvPicPr>
+        <p:blipFill rotWithShape="1">
+          <a:blip r:embed="rId3"/>
+          <a:srcRect l="23208" r="23997"/>
+          <a:stretch/>
+        </p:blipFill>
+        <p:spPr>
+          <a:xfrm>
+            <a:off x="1701924" y="1772816"/>
+            <a:ext cx="4678560" cy="4176464"/>
+          </a:xfrm>
+        </p:spPr>
+      </p:pic>
+      <p:pic>
+        <p:nvPicPr>
+          <p:cNvPr id="9" name="Immagine 8" descr="Immagine che contiene testo, interni, elettronico&#10;&#10;Descrizione generata automaticamente">
+            <a:extLst>
+              <a:ext uri="{FF2B5EF4-FFF2-40B4-BE49-F238E27FC236}">
+                <a16:creationId xmlns:a16="http://schemas.microsoft.com/office/drawing/2014/main" id="{D05F4BF2-A2EC-1E92-EDF8-D85CA0E950E6}"/>
+              </a:ext>
+            </a:extLst>
+          </p:cNvPr>
+          <p:cNvPicPr>
+            <a:picLocks noChangeAspect="1"/>
+          </p:cNvPicPr>
+          <p:nvPr/>
+        </p:nvPicPr>
+        <p:blipFill rotWithShape="1">
+          <a:blip r:embed="rId4"/>
+          <a:srcRect l="22804" r="24401"/>
+          <a:stretch/>
+        </p:blipFill>
+        <p:spPr>
+          <a:xfrm>
+            <a:off x="6484836" y="1772816"/>
+            <a:ext cx="4678560" cy="4176464"/>
+          </a:xfrm>
+          <a:prstGeom prst="rect">
+            <a:avLst/>
+          </a:prstGeom>
+        </p:spPr>
+      </p:pic>
+    </p:spTree>
+    <p:extLst>
+      <p:ext uri="{BB962C8B-B14F-4D97-AF65-F5344CB8AC3E}">
+        <p14:creationId xmlns:p14="http://schemas.microsoft.com/office/powerpoint/2010/main" val="3469311463"/>
+      </p:ext>
+    </p:extLst>
+  </p:cSld>
+  <p:clrMapOvr>
+    <a:masterClrMapping/>
+  </p:clrMapOvr>
+  <mc:AlternateContent xmlns:mc="http://schemas.openxmlformats.org/markup-compatibility/2006">
+    <mc:Choice xmlns:p14="http://schemas.microsoft.com/office/powerpoint/2010/main" Requires="p14">
+      <p:transition spd="med" p14:dur="700">
+        <p:fade/>
+      </p:transition>
+    </mc:Choice>
+    <mc:Fallback>
+      <p:transition spd="med">
+        <p:fade/>
+      </p:transition>
+    </mc:Fallback>
+  </mc:AlternateContent>
+</p:sld>
+</file>
+
+<file path=ppt/slides/slide13.xml><?xml version="1.0" encoding="utf-8"?>
+<p:sld xmlns:a="http://schemas.openxmlformats.org/drawingml/2006/main" xmlns:r="http://schemas.openxmlformats.org/officeDocument/2006/relationships" xmlns:p="http://schemas.openxmlformats.org/presentationml/2006/main">
+  <p:cSld>
+    <p:spTree>
+      <p:nvGrpSpPr>
+        <p:cNvPr id="1" name=""/>
+        <p:cNvGrpSpPr/>
+        <p:nvPr/>
+      </p:nvGrpSpPr>
+      <p:grpSpPr>
+        <a:xfrm>
+          <a:off x="0" y="0"/>
+          <a:ext cx="0" cy="0"/>
+          <a:chOff x="0" y="0"/>
+          <a:chExt cx="0" cy="0"/>
+        </a:xfrm>
+      </p:grpSpPr>
+      <p:sp>
+        <p:nvSpPr>
+          <p:cNvPr id="2" name="Titolo 1"/>
+          <p:cNvSpPr>
+            <a:spLocks noGrp="1"/>
+          </p:cNvSpPr>
+          <p:nvPr>
+            <p:ph type="title"/>
+          </p:nvPr>
+        </p:nvSpPr>
+        <p:spPr/>
+        <p:txBody>
+          <a:bodyPr rtlCol="0"/>
+          <a:lstStyle/>
+          <a:p>
+            <a:pPr rtl="0"/>
+            <a:r>
+              <a:rPr lang="it-IT" dirty="0" err="1"/>
+              <a:t>Stationary</a:t>
+            </a:r>
+            <a:r>
+              <a:rPr lang="it-IT" dirty="0"/>
+              <a:t> </a:t>
+            </a:r>
+            <a:r>
+              <a:rPr lang="it-IT" dirty="0" err="1"/>
+              <a:t>Navier</a:t>
+            </a:r>
+            <a:r>
+              <a:rPr lang="it-IT" dirty="0"/>
+              <a:t>-Stokes</a:t>
+            </a:r>
+          </a:p>
+        </p:txBody>
+      </p:sp>
+      <p:pic>
+        <p:nvPicPr>
+          <p:cNvPr id="6" name="Segnaposto contenuto 5" descr="Immagine che contiene testo, screenshot&#10;&#10;Descrizione generata automaticamente">
+            <a:extLst>
+              <a:ext uri="{FF2B5EF4-FFF2-40B4-BE49-F238E27FC236}">
+                <a16:creationId xmlns:a16="http://schemas.microsoft.com/office/drawing/2014/main" id="{6D1E3A72-DDBD-B642-9D86-34FED5A91297}"/>
+              </a:ext>
+            </a:extLst>
+          </p:cNvPr>
+          <p:cNvPicPr>
+            <a:picLocks noGrp="1" noChangeAspect="1"/>
+          </p:cNvPicPr>
+          <p:nvPr>
+            <p:ph idx="1"/>
+          </p:nvPr>
+        </p:nvPicPr>
+        <p:blipFill>
+          <a:blip r:embed="rId3"/>
+          <a:stretch>
+            <a:fillRect/>
+          </a:stretch>
+        </p:blipFill>
+        <p:spPr>
+          <a:xfrm>
+            <a:off x="1641115" y="1600200"/>
+            <a:ext cx="9687644" cy="4565650"/>
+          </a:xfrm>
+        </p:spPr>
+      </p:pic>
+    </p:spTree>
+    <p:extLst>
+      <p:ext uri="{BB962C8B-B14F-4D97-AF65-F5344CB8AC3E}">
+        <p14:creationId xmlns:p14="http://schemas.microsoft.com/office/powerpoint/2010/main" val="205954513"/>
+      </p:ext>
+    </p:extLst>
+  </p:cSld>
+  <p:clrMapOvr>
+    <a:masterClrMapping/>
+  </p:clrMapOvr>
+  <mc:AlternateContent xmlns:mc="http://schemas.openxmlformats.org/markup-compatibility/2006">
+    <mc:Choice xmlns:p14="http://schemas.microsoft.com/office/powerpoint/2010/main" Requires="p14">
+      <p:transition spd="med" p14:dur="700">
+        <p:fade/>
+      </p:transition>
+    </mc:Choice>
+    <mc:Fallback>
+      <p:transition spd="med">
+        <p:fade/>
+      </p:transition>
+    </mc:Fallback>
+  </mc:AlternateContent>
+</p:sld>
+</file>
+
+<file path=ppt/slides/slide14.xml><?xml version="1.0" encoding="utf-8"?>
+<p:sld xmlns:a="http://schemas.openxmlformats.org/drawingml/2006/main" xmlns:r="http://schemas.openxmlformats.org/officeDocument/2006/relationships" xmlns:p="http://schemas.openxmlformats.org/presentationml/2006/main">
+  <p:cSld>
+    <p:spTree>
+      <p:nvGrpSpPr>
+        <p:cNvPr id="1" name=""/>
+        <p:cNvGrpSpPr/>
+        <p:nvPr/>
+      </p:nvGrpSpPr>
+      <p:grpSpPr>
+        <a:xfrm>
+          <a:off x="0" y="0"/>
+          <a:ext cx="0" cy="0"/>
+          <a:chOff x="0" y="0"/>
+          <a:chExt cx="0" cy="0"/>
+        </a:xfrm>
+      </p:grpSpPr>
+      <p:sp>
+        <p:nvSpPr>
+          <p:cNvPr id="2" name="Titolo 1"/>
+          <p:cNvSpPr>
+            <a:spLocks noGrp="1"/>
+          </p:cNvSpPr>
+          <p:nvPr>
+            <p:ph type="title"/>
+          </p:nvPr>
+        </p:nvSpPr>
+        <p:spPr/>
+        <p:txBody>
+          <a:bodyPr rtlCol="0"/>
+          <a:lstStyle/>
+          <a:p>
+            <a:pPr rtl="0"/>
+            <a:r>
+              <a:rPr lang="it-IT" dirty="0"/>
+              <a:t>Time-</a:t>
+            </a:r>
+            <a:r>
+              <a:rPr lang="it-IT" dirty="0" err="1"/>
+              <a:t>Dependent</a:t>
+            </a:r>
+            <a:r>
+              <a:rPr lang="it-IT" dirty="0"/>
+              <a:t> </a:t>
+            </a:r>
+            <a:r>
+              <a:rPr lang="it-IT" dirty="0" err="1"/>
+              <a:t>Navier</a:t>
+            </a:r>
+            <a:r>
+              <a:rPr lang="it-IT" dirty="0"/>
+              <a:t>-Stokes</a:t>
+            </a:r>
+          </a:p>
+        </p:txBody>
+      </p:sp>
+      <p:pic>
+        <p:nvPicPr>
+          <p:cNvPr id="13" name="Segnaposto contenuto 12">
+            <a:extLst>
+              <a:ext uri="{FF2B5EF4-FFF2-40B4-BE49-F238E27FC236}">
+                <a16:creationId xmlns:a16="http://schemas.microsoft.com/office/drawing/2014/main" id="{47260429-A0B1-AF3E-B882-6FDC83832ECE}"/>
+              </a:ext>
+            </a:extLst>
+          </p:cNvPr>
+          <p:cNvPicPr>
+            <a:picLocks noGrp="1" noChangeAspect="1"/>
+          </p:cNvPicPr>
+          <p:nvPr>
+            <p:ph idx="1"/>
+          </p:nvPr>
+        </p:nvPicPr>
+        <p:blipFill rotWithShape="1">
+          <a:blip r:embed="rId3"/>
+          <a:srcRect l="29081" t="4317" r="26266"/>
+          <a:stretch/>
+        </p:blipFill>
+        <p:spPr>
+          <a:xfrm>
+            <a:off x="1593436" y="2156425"/>
+            <a:ext cx="4068928" cy="4109078"/>
+          </a:xfrm>
+        </p:spPr>
+      </p:pic>
+      <p:pic>
+        <p:nvPicPr>
+          <p:cNvPr id="15" name="Immagine 14">
+            <a:extLst>
+              <a:ext uri="{FF2B5EF4-FFF2-40B4-BE49-F238E27FC236}">
+                <a16:creationId xmlns:a16="http://schemas.microsoft.com/office/drawing/2014/main" id="{B85B6D27-BABF-9E2D-336F-D59BA72BC58B}"/>
+              </a:ext>
+            </a:extLst>
+          </p:cNvPr>
+          <p:cNvPicPr>
+            <a:picLocks noChangeAspect="1"/>
+          </p:cNvPicPr>
+          <p:nvPr/>
+        </p:nvPicPr>
+        <p:blipFill rotWithShape="1">
+          <a:blip r:embed="rId4"/>
+          <a:srcRect l="29267" t="4568" r="26197"/>
+          <a:stretch/>
+        </p:blipFill>
+        <p:spPr>
+          <a:xfrm>
+            <a:off x="6526462" y="2159740"/>
+            <a:ext cx="4068928" cy="4109080"/>
+          </a:xfrm>
+          <a:prstGeom prst="rect">
+            <a:avLst/>
+          </a:prstGeom>
+        </p:spPr>
+      </p:pic>
+    </p:spTree>
+    <p:extLst>
+      <p:ext uri="{BB962C8B-B14F-4D97-AF65-F5344CB8AC3E}">
+        <p14:creationId xmlns:p14="http://schemas.microsoft.com/office/powerpoint/2010/main" val="3013175933"/>
+      </p:ext>
+    </p:extLst>
+  </p:cSld>
+  <p:clrMapOvr>
+    <a:masterClrMapping/>
+  </p:clrMapOvr>
+  <mc:AlternateContent xmlns:mc="http://schemas.openxmlformats.org/markup-compatibility/2006">
+    <mc:Choice xmlns:p14="http://schemas.microsoft.com/office/powerpoint/2010/main" Requires="p14">
+      <p:transition spd="med" p14:dur="700">
+        <p:fade/>
+      </p:transition>
+    </mc:Choice>
+    <mc:Fallback>
+      <p:transition spd="med">
+        <p:fade/>
+      </p:transition>
+    </mc:Fallback>
+  </mc:AlternateContent>
+</p:sld>
+</file>
+
+<file path=ppt/slides/slide15.xml><?xml version="1.0" encoding="utf-8"?>
+<p:sld xmlns:a="http://schemas.openxmlformats.org/drawingml/2006/main" xmlns:r="http://schemas.openxmlformats.org/officeDocument/2006/relationships" xmlns:p="http://schemas.openxmlformats.org/presentationml/2006/main">
+  <p:cSld>
+    <p:spTree>
+      <p:nvGrpSpPr>
+        <p:cNvPr id="1" name=""/>
+        <p:cNvGrpSpPr/>
+        <p:nvPr/>
+      </p:nvGrpSpPr>
+      <p:grpSpPr>
+        <a:xfrm>
+          <a:off x="0" y="0"/>
+          <a:ext cx="0" cy="0"/>
+          <a:chOff x="0" y="0"/>
+          <a:chExt cx="0" cy="0"/>
+        </a:xfrm>
+      </p:grpSpPr>
+      <p:sp>
+        <p:nvSpPr>
+          <p:cNvPr id="2" name="Titolo 1"/>
+          <p:cNvSpPr>
+            <a:spLocks noGrp="1"/>
+          </p:cNvSpPr>
+          <p:nvPr>
+            <p:ph type="title"/>
+          </p:nvPr>
+        </p:nvSpPr>
+        <p:spPr/>
+        <p:txBody>
+          <a:bodyPr rtlCol="0"/>
+          <a:lstStyle/>
+          <a:p>
+            <a:pPr rtl="0"/>
+            <a:r>
+              <a:rPr lang="it-IT" dirty="0"/>
+              <a:t>Study of Reynolds </a:t>
+            </a:r>
+            <a:r>
+              <a:rPr lang="it-IT" dirty="0" err="1"/>
+              <a:t>Number</a:t>
+            </a:r>
+            <a:endParaRPr lang="it-IT" dirty="0"/>
+          </a:p>
+        </p:txBody>
+      </p:sp>
+      <p:sp>
+        <p:nvSpPr>
+          <p:cNvPr id="4" name="Segnaposto contenuto 3">
+            <a:extLst>
+              <a:ext uri="{FF2B5EF4-FFF2-40B4-BE49-F238E27FC236}">
+                <a16:creationId xmlns:a16="http://schemas.microsoft.com/office/drawing/2014/main" id="{D9240AE8-4C1E-00B7-71CC-4EDB8B118DE3}"/>
+              </a:ext>
+            </a:extLst>
+          </p:cNvPr>
+          <p:cNvSpPr>
+            <a:spLocks noGrp="1"/>
+          </p:cNvSpPr>
+          <p:nvPr>
+            <p:ph idx="1"/>
+          </p:nvPr>
+        </p:nvSpPr>
+        <p:spPr/>
+        <p:txBody>
+          <a:bodyPr/>
+          <a:lstStyle/>
+          <a:p>
+            <a:endParaRPr lang="it-IT"/>
+          </a:p>
+        </p:txBody>
+      </p:sp>
+    </p:spTree>
+    <p:extLst>
+      <p:ext uri="{BB962C8B-B14F-4D97-AF65-F5344CB8AC3E}">
+        <p14:creationId xmlns:p14="http://schemas.microsoft.com/office/powerpoint/2010/main" val="12878743"/>
+      </p:ext>
+    </p:extLst>
+  </p:cSld>
+  <p:clrMapOvr>
+    <a:masterClrMapping/>
+  </p:clrMapOvr>
+  <mc:AlternateContent xmlns:mc="http://schemas.openxmlformats.org/markup-compatibility/2006" xmlns:p14="http://schemas.microsoft.com/office/powerpoint/2010/main">
+    <mc:Choice Requires="p14">
+      <p:transition spd="med" p14:dur="700">
+        <p:fade/>
+      </p:transition>
+    </mc:Choice>
+    <mc:Fallback xmlns="">
+      <p:transition spd="med">
+        <p:fade/>
+      </p:transition>
+    </mc:Fallback>
+  </mc:AlternateContent>
+</p:sld>
+</file>
+
+<file path=ppt/slides/slide16.xml><?xml version="1.0" encoding="utf-8"?>
+<p:sld xmlns:a="http://schemas.openxmlformats.org/drawingml/2006/main" xmlns:r="http://schemas.openxmlformats.org/officeDocument/2006/relationships" xmlns:p="http://schemas.openxmlformats.org/presentationml/2006/main">
+  <p:cSld>
+    <p:spTree>
+      <p:nvGrpSpPr>
+        <p:cNvPr id="1" name=""/>
+        <p:cNvGrpSpPr/>
+        <p:nvPr/>
+      </p:nvGrpSpPr>
+      <p:grpSpPr>
+        <a:xfrm>
+          <a:off x="0" y="0"/>
+          <a:ext cx="0" cy="0"/>
+          <a:chOff x="0" y="0"/>
+          <a:chExt cx="0" cy="0"/>
+        </a:xfrm>
+      </p:grpSpPr>
+      <p:sp>
+        <p:nvSpPr>
+          <p:cNvPr id="2" name="Titolo 1">
+            <a:extLst>
+              <a:ext uri="{FF2B5EF4-FFF2-40B4-BE49-F238E27FC236}">
+                <a16:creationId xmlns:a16="http://schemas.microsoft.com/office/drawing/2014/main" id="{76E410CF-BB57-2020-3076-A67DE8CFC121}"/>
+              </a:ext>
+            </a:extLst>
+          </p:cNvPr>
+          <p:cNvSpPr>
+            <a:spLocks noGrp="1"/>
+          </p:cNvSpPr>
+          <p:nvPr>
+            <p:ph type="title"/>
+          </p:nvPr>
+        </p:nvSpPr>
+        <p:spPr/>
+        <p:txBody>
+          <a:bodyPr>
+            <a:normAutofit/>
+          </a:bodyPr>
+          <a:lstStyle/>
+          <a:p>
+            <a:r>
+              <a:rPr lang="it-IT" sz="3200" dirty="0" err="1"/>
+              <a:t>Comparison</a:t>
+            </a:r>
+            <a:r>
+              <a:rPr lang="it-IT" sz="3200" dirty="0"/>
+              <a:t> </a:t>
+            </a:r>
+            <a:r>
+              <a:rPr lang="it-IT" sz="3200" dirty="0" err="1"/>
+              <a:t>between</a:t>
+            </a:r>
+            <a:r>
+              <a:rPr lang="it-IT" sz="3200" dirty="0"/>
+              <a:t> linear and non-linear </a:t>
+            </a:r>
+            <a:r>
+              <a:rPr lang="it-IT" sz="3200" dirty="0" err="1"/>
+              <a:t>problem</a:t>
+            </a:r>
+            <a:endParaRPr lang="it-IT" sz="3200" dirty="0"/>
+          </a:p>
+        </p:txBody>
+      </p:sp>
+      <p:sp>
+        <p:nvSpPr>
+          <p:cNvPr id="3" name="Segnaposto contenuto 2">
+            <a:extLst>
+              <a:ext uri="{FF2B5EF4-FFF2-40B4-BE49-F238E27FC236}">
+                <a16:creationId xmlns:a16="http://schemas.microsoft.com/office/drawing/2014/main" id="{7C1260B8-1021-2FA1-D578-03B1ABABA901}"/>
+              </a:ext>
+            </a:extLst>
+          </p:cNvPr>
+          <p:cNvSpPr>
+            <a:spLocks noGrp="1"/>
+          </p:cNvSpPr>
+          <p:nvPr>
+            <p:ph idx="1"/>
+          </p:nvPr>
+        </p:nvSpPr>
+        <p:spPr/>
+        <p:txBody>
+          <a:bodyPr/>
+          <a:lstStyle/>
+          <a:p>
+            <a:pPr marL="0" indent="0">
+              <a:buNone/>
+            </a:pPr>
+            <a:r>
+              <a:rPr lang="it-IT" dirty="0"/>
+              <a:t>To be </a:t>
+            </a:r>
+            <a:r>
+              <a:rPr lang="it-IT" dirty="0" err="1"/>
+              <a:t>able</a:t>
+            </a:r>
+            <a:r>
+              <a:rPr lang="it-IT" dirty="0"/>
+              <a:t> to </a:t>
+            </a:r>
+            <a:r>
+              <a:rPr lang="it-IT" dirty="0" err="1"/>
+              <a:t>appreciate</a:t>
+            </a:r>
+            <a:r>
+              <a:rPr lang="it-IT" dirty="0"/>
+              <a:t> the </a:t>
+            </a:r>
+            <a:r>
+              <a:rPr lang="it-IT" dirty="0" err="1"/>
+              <a:t>difference</a:t>
+            </a:r>
+            <a:r>
+              <a:rPr lang="it-IT" dirty="0"/>
+              <a:t> </a:t>
+            </a:r>
+            <a:r>
+              <a:rPr lang="it-IT" dirty="0" err="1"/>
+              <a:t>between</a:t>
+            </a:r>
+            <a:r>
+              <a:rPr lang="it-IT" dirty="0"/>
+              <a:t> the linear and the non-linear </a:t>
+            </a:r>
+            <a:r>
+              <a:rPr lang="it-IT" dirty="0" err="1"/>
+              <a:t>problem</a:t>
+            </a:r>
+            <a:r>
+              <a:rPr lang="it-IT" dirty="0"/>
+              <a:t> </a:t>
+            </a:r>
+            <a:r>
+              <a:rPr lang="it-IT" dirty="0" err="1"/>
+              <a:t>we</a:t>
+            </a:r>
+            <a:r>
+              <a:rPr lang="it-IT" dirty="0"/>
+              <a:t> </a:t>
+            </a:r>
+            <a:r>
+              <a:rPr lang="it-IT" dirty="0" err="1"/>
+              <a:t>decided</a:t>
+            </a:r>
+            <a:r>
+              <a:rPr lang="it-IT" dirty="0"/>
+              <a:t> to plot the </a:t>
+            </a:r>
+            <a:r>
+              <a:rPr lang="it-IT" dirty="0" err="1"/>
+              <a:t>magnitude</a:t>
+            </a:r>
+            <a:r>
+              <a:rPr lang="it-IT" dirty="0"/>
+              <a:t> of the </a:t>
+            </a:r>
+            <a:r>
+              <a:rPr lang="it-IT" dirty="0" err="1"/>
+              <a:t>velocity</a:t>
+            </a:r>
+            <a:r>
+              <a:rPr lang="it-IT" dirty="0"/>
+              <a:t> </a:t>
+            </a:r>
+            <a:r>
+              <a:rPr lang="it-IT" dirty="0" err="1"/>
+              <a:t>along</a:t>
+            </a:r>
+            <a:r>
+              <a:rPr lang="it-IT" dirty="0"/>
+              <a:t> the </a:t>
+            </a:r>
+            <a:r>
+              <a:rPr lang="it-IT" dirty="0" err="1"/>
+              <a:t>central</a:t>
+            </a:r>
+            <a:r>
+              <a:rPr lang="it-IT" dirty="0"/>
+              <a:t> line of the </a:t>
+            </a:r>
+            <a:r>
+              <a:rPr lang="it-IT" dirty="0" err="1"/>
+              <a:t>problem</a:t>
+            </a:r>
+            <a:r>
+              <a:rPr lang="it-IT" dirty="0"/>
+              <a:t>. </a:t>
+            </a:r>
+          </a:p>
+          <a:p>
+            <a:pPr marL="0" indent="0">
+              <a:buNone/>
+            </a:pPr>
+            <a:endParaRPr lang="it-IT" dirty="0"/>
+          </a:p>
+          <a:p>
+            <a:pPr marL="0" indent="0">
+              <a:buNone/>
+            </a:pPr>
+            <a:r>
+              <a:rPr lang="it-IT" dirty="0"/>
+              <a:t>In </a:t>
+            </a:r>
+            <a:r>
+              <a:rPr lang="it-IT" dirty="0" err="1"/>
+              <a:t>both</a:t>
+            </a:r>
+            <a:r>
+              <a:rPr lang="it-IT" dirty="0"/>
+              <a:t> </a:t>
+            </a:r>
+            <a:r>
+              <a:rPr lang="it-IT" dirty="0" err="1"/>
+              <a:t>problems</a:t>
+            </a:r>
+            <a:r>
+              <a:rPr lang="it-IT" dirty="0"/>
+              <a:t> </a:t>
+            </a:r>
+            <a:r>
+              <a:rPr lang="it-IT" dirty="0" err="1"/>
+              <a:t>we</a:t>
+            </a:r>
+            <a:r>
+              <a:rPr lang="it-IT" dirty="0"/>
+              <a:t> </a:t>
+            </a:r>
+            <a:r>
+              <a:rPr lang="it-IT" dirty="0" err="1"/>
+              <a:t>will</a:t>
+            </a:r>
+            <a:r>
+              <a:rPr lang="it-IT" dirty="0"/>
+              <a:t> </a:t>
+            </a:r>
+            <a:r>
+              <a:rPr lang="it-IT" dirty="0" err="1"/>
+              <a:t>see</a:t>
+            </a:r>
+            <a:r>
+              <a:rPr lang="it-IT" dirty="0"/>
+              <a:t> </a:t>
+            </a:r>
+            <a:r>
+              <a:rPr lang="it-IT" dirty="0" err="1"/>
+              <a:t>what</a:t>
+            </a:r>
+            <a:r>
+              <a:rPr lang="it-IT" dirty="0"/>
+              <a:t> </a:t>
+            </a:r>
+            <a:r>
+              <a:rPr lang="it-IT" dirty="0" err="1"/>
+              <a:t>happens</a:t>
+            </a:r>
+            <a:r>
+              <a:rPr lang="it-IT" dirty="0"/>
+              <a:t> </a:t>
+            </a:r>
+            <a:r>
+              <a:rPr lang="it-IT" dirty="0" err="1"/>
+              <a:t>when</a:t>
+            </a:r>
+            <a:r>
+              <a:rPr lang="it-IT" dirty="0"/>
+              <a:t> the flow </a:t>
+            </a:r>
+            <a:r>
+              <a:rPr lang="it-IT" dirty="0" err="1"/>
+              <a:t>goes</a:t>
+            </a:r>
+            <a:r>
+              <a:rPr lang="it-IT" dirty="0"/>
+              <a:t> </a:t>
+            </a:r>
+            <a:r>
+              <a:rPr lang="it-IT" dirty="0" err="1"/>
+              <a:t>past</a:t>
+            </a:r>
+            <a:r>
+              <a:rPr lang="it-IT" dirty="0"/>
+              <a:t> the </a:t>
+            </a:r>
+            <a:r>
+              <a:rPr lang="it-IT" dirty="0" err="1"/>
+              <a:t>cylinder</a:t>
+            </a:r>
+            <a:r>
+              <a:rPr lang="it-IT" dirty="0"/>
+              <a:t> and </a:t>
+            </a:r>
+            <a:r>
+              <a:rPr lang="it-IT" dirty="0" err="1"/>
+              <a:t>we</a:t>
+            </a:r>
+            <a:r>
+              <a:rPr lang="it-IT" dirty="0"/>
+              <a:t> </a:t>
+            </a:r>
+            <a:r>
+              <a:rPr lang="it-IT" dirty="0" err="1"/>
+              <a:t>will</a:t>
+            </a:r>
+            <a:r>
+              <a:rPr lang="it-IT" dirty="0"/>
+              <a:t> </a:t>
+            </a:r>
+            <a:r>
+              <a:rPr lang="it-IT" dirty="0" err="1"/>
+              <a:t>see</a:t>
+            </a:r>
+            <a:r>
+              <a:rPr lang="it-IT" dirty="0"/>
+              <a:t> the </a:t>
+            </a:r>
+            <a:r>
+              <a:rPr lang="it-IT" dirty="0" err="1"/>
+              <a:t>difference</a:t>
+            </a:r>
+            <a:r>
+              <a:rPr lang="it-IT" dirty="0"/>
+              <a:t> </a:t>
+            </a:r>
+            <a:r>
+              <a:rPr lang="it-IT" dirty="0" err="1"/>
+              <a:t>between</a:t>
+            </a:r>
+            <a:r>
+              <a:rPr lang="it-IT" dirty="0"/>
+              <a:t> the </a:t>
+            </a:r>
+            <a:r>
+              <a:rPr lang="it-IT" dirty="0" err="1"/>
+              <a:t>symmetric</a:t>
+            </a:r>
+            <a:r>
+              <a:rPr lang="it-IT" dirty="0"/>
+              <a:t> and regular Stokes </a:t>
+            </a:r>
+            <a:r>
+              <a:rPr lang="it-IT" dirty="0" err="1"/>
+              <a:t>problem</a:t>
+            </a:r>
+            <a:r>
+              <a:rPr lang="it-IT" dirty="0"/>
+              <a:t> and the non-</a:t>
+            </a:r>
+            <a:r>
+              <a:rPr lang="it-IT" dirty="0" err="1"/>
+              <a:t>symmetric</a:t>
+            </a:r>
+            <a:r>
+              <a:rPr lang="it-IT" dirty="0"/>
+              <a:t> </a:t>
+            </a:r>
+            <a:r>
+              <a:rPr lang="it-IT" dirty="0" err="1"/>
+              <a:t>Navier</a:t>
+            </a:r>
+            <a:r>
+              <a:rPr lang="it-IT" dirty="0"/>
+              <a:t>-Stokes one.</a:t>
+            </a:r>
+          </a:p>
+        </p:txBody>
+      </p:sp>
+    </p:spTree>
+    <p:extLst>
+      <p:ext uri="{BB962C8B-B14F-4D97-AF65-F5344CB8AC3E}">
+        <p14:creationId xmlns:p14="http://schemas.microsoft.com/office/powerpoint/2010/main" val="223978858"/>
+      </p:ext>
+    </p:extLst>
+  </p:cSld>
+  <p:clrMapOvr>
+    <a:masterClrMapping/>
+  </p:clrMapOvr>
+  <mc:AlternateContent xmlns:mc="http://schemas.openxmlformats.org/markup-compatibility/2006" xmlns:p14="http://schemas.microsoft.com/office/powerpoint/2010/main">
+    <mc:Choice Requires="p14">
+      <p:transition spd="med" p14:dur="700">
+        <p:fade/>
+      </p:transition>
+    </mc:Choice>
+    <mc:Fallback xmlns="">
+      <p:transition spd="med">
+        <p:fade/>
+      </p:transition>
+    </mc:Fallback>
+  </mc:AlternateContent>
+</p:sld>
+</file>
+
+<file path=ppt/slides/slide17.xml><?xml version="1.0" encoding="utf-8"?>
+<p:sld xmlns:a="http://schemas.openxmlformats.org/drawingml/2006/main" xmlns:r="http://schemas.openxmlformats.org/officeDocument/2006/relationships" xmlns:p="http://schemas.openxmlformats.org/presentationml/2006/main">
+  <p:cSld>
+    <p:spTree>
+      <p:nvGrpSpPr>
+        <p:cNvPr id="1" name=""/>
+        <p:cNvGrpSpPr/>
+        <p:nvPr/>
+      </p:nvGrpSpPr>
+      <p:grpSpPr>
+        <a:xfrm>
+          <a:off x="0" y="0"/>
+          <a:ext cx="0" cy="0"/>
+          <a:chOff x="0" y="0"/>
+          <a:chExt cx="0" cy="0"/>
+        </a:xfrm>
+      </p:grpSpPr>
+      <p:sp>
+        <p:nvSpPr>
+          <p:cNvPr id="2" name="Titolo 1"/>
+          <p:cNvSpPr>
+            <a:spLocks noGrp="1"/>
+          </p:cNvSpPr>
+          <p:nvPr>
+            <p:ph type="title"/>
+          </p:nvPr>
+        </p:nvSpPr>
+        <p:spPr/>
+        <p:txBody>
+          <a:bodyPr rtlCol="0">
+            <a:normAutofit/>
+          </a:bodyPr>
+          <a:lstStyle/>
+          <a:p>
+            <a:pPr rtl="0"/>
+            <a:r>
+              <a:rPr lang="it-IT" sz="3200" dirty="0" err="1"/>
+              <a:t>Comparison</a:t>
+            </a:r>
+            <a:r>
+              <a:rPr lang="it-IT" sz="3200" dirty="0"/>
+              <a:t> </a:t>
+            </a:r>
+            <a:r>
+              <a:rPr lang="it-IT" sz="3200" dirty="0" err="1"/>
+              <a:t>between</a:t>
+            </a:r>
+            <a:r>
+              <a:rPr lang="it-IT" sz="3200" dirty="0"/>
+              <a:t> linear and non-linear </a:t>
+            </a:r>
+            <a:r>
+              <a:rPr lang="it-IT" sz="3200" dirty="0" err="1"/>
+              <a:t>problem</a:t>
+            </a:r>
+            <a:endParaRPr lang="it-IT" sz="3200" dirty="0"/>
+          </a:p>
+        </p:txBody>
+      </p:sp>
+      <p:sp>
+        <p:nvSpPr>
+          <p:cNvPr id="4" name="Segnaposto testo 3"/>
+          <p:cNvSpPr>
+            <a:spLocks noGrp="1"/>
+          </p:cNvSpPr>
+          <p:nvPr>
+            <p:ph type="body" idx="1"/>
+          </p:nvPr>
+        </p:nvSpPr>
+        <p:spPr/>
+        <p:txBody>
+          <a:bodyPr rtlCol="0"/>
+          <a:lstStyle/>
+          <a:p>
+            <a:pPr rtl="0"/>
+            <a:r>
+              <a:rPr lang="it-IT" dirty="0"/>
+              <a:t>stokes</a:t>
+            </a:r>
+          </a:p>
+        </p:txBody>
+      </p:sp>
+      <p:sp>
+        <p:nvSpPr>
+          <p:cNvPr id="6" name="Segnaposto testo 5"/>
+          <p:cNvSpPr>
+            <a:spLocks noGrp="1"/>
+          </p:cNvSpPr>
+          <p:nvPr>
+            <p:ph type="body" sz="quarter" idx="3"/>
+          </p:nvPr>
+        </p:nvSpPr>
+        <p:spPr/>
+        <p:txBody>
+          <a:bodyPr rtlCol="0"/>
+          <a:lstStyle/>
+          <a:p>
+            <a:pPr rtl="0"/>
+            <a:r>
+              <a:rPr lang="it-IT" dirty="0" err="1"/>
+              <a:t>Navier</a:t>
+            </a:r>
+            <a:r>
+              <a:rPr lang="it-IT" dirty="0"/>
+              <a:t>-stokes</a:t>
+            </a:r>
+          </a:p>
+        </p:txBody>
+      </p:sp>
+      <p:pic>
+        <p:nvPicPr>
+          <p:cNvPr id="8" name="Segnaposto contenuto 7">
+            <a:extLst>
+              <a:ext uri="{FF2B5EF4-FFF2-40B4-BE49-F238E27FC236}">
+                <a16:creationId xmlns:a16="http://schemas.microsoft.com/office/drawing/2014/main" id="{27393DD5-238D-BDCB-F03D-952C399F8CC9}"/>
+              </a:ext>
+            </a:extLst>
+          </p:cNvPr>
+          <p:cNvPicPr>
+            <a:picLocks noGrp="1" noChangeAspect="1"/>
+          </p:cNvPicPr>
+          <p:nvPr>
+            <p:ph sz="quarter" idx="4"/>
+          </p:nvPr>
+        </p:nvPicPr>
+        <p:blipFill>
+          <a:blip r:embed="rId3"/>
+          <a:stretch>
+            <a:fillRect/>
+          </a:stretch>
+        </p:blipFill>
+        <p:spPr>
+          <a:xfrm>
+            <a:off x="7039718" y="2514600"/>
+            <a:ext cx="3854551" cy="3656013"/>
+          </a:xfrm>
+        </p:spPr>
+      </p:pic>
+      <p:pic>
+        <p:nvPicPr>
+          <p:cNvPr id="13" name="Segnaposto contenuto 12">
+            <a:extLst>
+              <a:ext uri="{FF2B5EF4-FFF2-40B4-BE49-F238E27FC236}">
+                <a16:creationId xmlns:a16="http://schemas.microsoft.com/office/drawing/2014/main" id="{7961C097-CAC6-BC39-B118-2BAFA929AE50}"/>
+              </a:ext>
+            </a:extLst>
+          </p:cNvPr>
+          <p:cNvPicPr>
+            <a:picLocks noGrp="1" noChangeAspect="1"/>
+          </p:cNvPicPr>
+          <p:nvPr>
+            <p:ph sz="half" idx="2"/>
+          </p:nvPr>
+        </p:nvPicPr>
+        <p:blipFill>
+          <a:blip r:embed="rId4"/>
+          <a:stretch>
+            <a:fillRect/>
+          </a:stretch>
+        </p:blipFill>
+        <p:spPr>
+          <a:xfrm>
+            <a:off x="2073182" y="2514600"/>
+            <a:ext cx="3856224" cy="3657600"/>
+          </a:xfrm>
+        </p:spPr>
+      </p:pic>
+    </p:spTree>
+    <p:extLst>
+      <p:ext uri="{BB962C8B-B14F-4D97-AF65-F5344CB8AC3E}">
+        <p14:creationId xmlns:p14="http://schemas.microsoft.com/office/powerpoint/2010/main" val="1061194279"/>
+      </p:ext>
+    </p:extLst>
+  </p:cSld>
+  <p:clrMapOvr>
+    <a:masterClrMapping/>
+  </p:clrMapOvr>
+  <mc:AlternateContent xmlns:mc="http://schemas.openxmlformats.org/markup-compatibility/2006" xmlns:p14="http://schemas.microsoft.com/office/powerpoint/2010/main">
+    <mc:Choice Requires="p14">
+      <p:transition spd="med" p14:dur="700">
+        <p:fade/>
+      </p:transition>
+    </mc:Choice>
+    <mc:Fallback xmlns="">
+      <p:transition spd="med">
+        <p:fade/>
+      </p:transition>
+    </mc:Fallback>
+  </mc:AlternateContent>
+</p:sld>
+</file>
+
+<file path=ppt/slides/slide18.xml><?xml version="1.0" encoding="utf-8"?>
+<p:sld xmlns:a="http://schemas.openxmlformats.org/drawingml/2006/main" xmlns:r="http://schemas.openxmlformats.org/officeDocument/2006/relationships" xmlns:p="http://schemas.openxmlformats.org/presentationml/2006/main">
+  <p:cSld>
+    <p:spTree>
+      <p:nvGrpSpPr>
+        <p:cNvPr id="1" name=""/>
+        <p:cNvGrpSpPr/>
+        <p:nvPr/>
+      </p:nvGrpSpPr>
+      <p:grpSpPr>
+        <a:xfrm>
+          <a:off x="0" y="0"/>
+          <a:ext cx="0" cy="0"/>
+          <a:chOff x="0" y="0"/>
+          <a:chExt cx="0" cy="0"/>
+        </a:xfrm>
+      </p:grpSpPr>
+      <p:sp>
+        <p:nvSpPr>
+          <p:cNvPr id="2" name="Titolo 1"/>
+          <p:cNvSpPr>
+            <a:spLocks noGrp="1"/>
+          </p:cNvSpPr>
+          <p:nvPr>
+            <p:ph type="title"/>
+          </p:nvPr>
+        </p:nvSpPr>
+        <p:spPr/>
+        <p:txBody>
+          <a:bodyPr rtlCol="0">
+            <a:normAutofit/>
+          </a:bodyPr>
+          <a:lstStyle/>
+          <a:p>
+            <a:pPr rtl="0"/>
+            <a:r>
+              <a:rPr lang="it-IT" sz="3200" dirty="0"/>
+              <a:t>Brief </a:t>
+            </a:r>
+            <a:r>
+              <a:rPr lang="it-IT" sz="3200" dirty="0" err="1"/>
+              <a:t>discussion</a:t>
+            </a:r>
+            <a:r>
+              <a:rPr lang="it-IT" sz="3200" dirty="0"/>
+              <a:t> on </a:t>
+            </a:r>
+            <a:r>
+              <a:rPr lang="it-IT" sz="3200" dirty="0" err="1"/>
+              <a:t>Preconditioners</a:t>
+            </a:r>
+            <a:endParaRPr lang="it-IT" sz="3200" dirty="0"/>
+          </a:p>
+        </p:txBody>
+      </p:sp>
+      <p:sp>
+        <p:nvSpPr>
+          <p:cNvPr id="4" name="Segnaposto testo 3"/>
+          <p:cNvSpPr>
+            <a:spLocks noGrp="1"/>
+          </p:cNvSpPr>
+          <p:nvPr>
+            <p:ph type="body" idx="1"/>
+          </p:nvPr>
+        </p:nvSpPr>
+        <p:spPr/>
+        <p:txBody>
+          <a:bodyPr rtlCol="0"/>
+          <a:lstStyle/>
+          <a:p>
+            <a:pPr rtl="0"/>
+            <a:r>
+              <a:rPr lang="it-IT" dirty="0"/>
+              <a:t>stokes</a:t>
+            </a:r>
+          </a:p>
+        </p:txBody>
+      </p:sp>
+      <p:sp>
+        <p:nvSpPr>
+          <p:cNvPr id="5" name="Segnaposto contenuto 4"/>
+          <p:cNvSpPr>
+            <a:spLocks noGrp="1"/>
+          </p:cNvSpPr>
+          <p:nvPr>
+            <p:ph sz="half" idx="2"/>
+          </p:nvPr>
+        </p:nvSpPr>
+        <p:spPr/>
+        <p:txBody>
+          <a:bodyPr rtlCol="0"/>
+          <a:lstStyle/>
+          <a:p>
+            <a:pPr rtl="0"/>
+            <a:r>
+              <a:rPr lang="it-IT" dirty="0" err="1"/>
+              <a:t>Diagonal</a:t>
+            </a:r>
+            <a:r>
+              <a:rPr lang="it-IT" dirty="0"/>
+              <a:t> + CG</a:t>
+            </a:r>
+          </a:p>
+          <a:p>
+            <a:pPr rtl="0"/>
+            <a:r>
+              <a:rPr lang="it-IT" dirty="0" err="1"/>
+              <a:t>Triangular</a:t>
+            </a:r>
+            <a:r>
+              <a:rPr lang="it-IT" dirty="0"/>
+              <a:t> + GMRES</a:t>
+            </a:r>
+          </a:p>
+        </p:txBody>
+      </p:sp>
+      <p:sp>
+        <p:nvSpPr>
+          <p:cNvPr id="6" name="Segnaposto testo 5"/>
+          <p:cNvSpPr>
+            <a:spLocks noGrp="1"/>
+          </p:cNvSpPr>
+          <p:nvPr>
+            <p:ph type="body" sz="quarter" idx="3"/>
+          </p:nvPr>
+        </p:nvSpPr>
+        <p:spPr/>
+        <p:txBody>
+          <a:bodyPr rtlCol="0"/>
+          <a:lstStyle/>
+          <a:p>
+            <a:pPr rtl="0"/>
+            <a:r>
+              <a:rPr lang="it-IT" dirty="0" err="1"/>
+              <a:t>Navier</a:t>
+            </a:r>
+            <a:r>
+              <a:rPr lang="it-IT" dirty="0"/>
+              <a:t>-stokes</a:t>
+            </a:r>
+          </a:p>
+        </p:txBody>
+      </p:sp>
+      <p:sp>
+        <p:nvSpPr>
+          <p:cNvPr id="11" name="Segnaposto contenuto 10"/>
+          <p:cNvSpPr>
+            <a:spLocks noGrp="1"/>
+          </p:cNvSpPr>
+          <p:nvPr>
+            <p:ph sz="quarter" idx="4"/>
+          </p:nvPr>
+        </p:nvSpPr>
+        <p:spPr/>
+        <p:txBody>
+          <a:bodyPr rtlCol="0"/>
+          <a:lstStyle/>
+          <a:p>
+            <a:pPr rtl="0"/>
+            <a:r>
+              <a:rPr lang="it-IT" dirty="0" err="1"/>
+              <a:t>Triangular</a:t>
+            </a:r>
+            <a:r>
+              <a:rPr lang="it-IT" dirty="0"/>
+              <a:t> + GMRES</a:t>
+            </a:r>
+          </a:p>
+        </p:txBody>
+      </p:sp>
+    </p:spTree>
+    <p:extLst>
+      <p:ext uri="{BB962C8B-B14F-4D97-AF65-F5344CB8AC3E}">
+        <p14:creationId xmlns:p14="http://schemas.microsoft.com/office/powerpoint/2010/main" val="2358682874"/>
+      </p:ext>
+    </p:extLst>
+  </p:cSld>
+  <p:clrMapOvr>
+    <a:masterClrMapping/>
+  </p:clrMapOvr>
+  <mc:AlternateContent xmlns:mc="http://schemas.openxmlformats.org/markup-compatibility/2006" xmlns:p14="http://schemas.microsoft.com/office/powerpoint/2010/main">
+    <mc:Choice Requires="p14">
+      <p:transition spd="med" p14:dur="700">
+        <p:fade/>
+      </p:transition>
+    </mc:Choice>
+    <mc:Fallback xmlns="">
+      <p:transition spd="med">
+        <p:fade/>
+      </p:transition>
+    </mc:Fallback>
+  </mc:AlternateContent>
+</p:sld>
+</file>
+
+<file path=ppt/slides/slide19.xml><?xml version="1.0" encoding="utf-8"?>
+<p:sld xmlns:a="http://schemas.openxmlformats.org/drawingml/2006/main" xmlns:r="http://schemas.openxmlformats.org/officeDocument/2006/relationships" xmlns:p="http://schemas.openxmlformats.org/presentationml/2006/main">
+  <p:cSld>
+    <p:spTree>
+      <p:nvGrpSpPr>
+        <p:cNvPr id="1" name=""/>
+        <p:cNvGrpSpPr/>
+        <p:nvPr/>
+      </p:nvGrpSpPr>
+      <p:grpSpPr>
+        <a:xfrm>
+          <a:off x="0" y="0"/>
+          <a:ext cx="0" cy="0"/>
+          <a:chOff x="0" y="0"/>
+          <a:chExt cx="0" cy="0"/>
+        </a:xfrm>
+      </p:grpSpPr>
+      <p:sp>
+        <p:nvSpPr>
+          <p:cNvPr id="2" name="Titolo 1">
+            <a:extLst>
+              <a:ext uri="{FF2B5EF4-FFF2-40B4-BE49-F238E27FC236}">
                 <a16:creationId xmlns:a16="http://schemas.microsoft.com/office/drawing/2014/main" id="{72C26F89-B319-D3E3-EB6F-43DF9B331C9C}"/>
               </a:ext>
             </a:extLst>
@@ -13862,7 +10410,13 @@
       </p:grpSpPr>
       <p:sp>
         <p:nvSpPr>
-          <p:cNvPr id="2" name="Titolo 1"/>
+          <p:cNvPr id="2" name="Titolo 1">
+            <a:extLst>
+              <a:ext uri="{FF2B5EF4-FFF2-40B4-BE49-F238E27FC236}">
+                <a16:creationId xmlns:a16="http://schemas.microsoft.com/office/drawing/2014/main" id="{00A4F686-C753-22C1-F7D6-E34C5D79569A}"/>
+              </a:ext>
+            </a:extLst>
+          </p:cNvPr>
           <p:cNvSpPr>
             <a:spLocks noGrp="1"/>
           </p:cNvSpPr>
@@ -13872,50 +10426,54 @@
         </p:nvSpPr>
         <p:spPr/>
         <p:txBody>
-          <a:bodyPr rtlCol="0"/>
+          <a:bodyPr/>
           <a:lstStyle/>
           <a:p>
-            <a:pPr rtl="0"/>
+            <a:r>
+              <a:rPr lang="it-IT" dirty="0"/>
+              <a:t>Strong Stokes </a:t>
+            </a:r>
             <a:r>
               <a:rPr lang="it-IT" dirty="0" err="1"/>
-              <a:t>Stationary</a:t>
-            </a:r>
-            <a:r>
-              <a:rPr lang="it-IT" dirty="0"/>
-              <a:t> Stokes</a:t>
-            </a:r>
-          </a:p>
-        </p:txBody>
-      </p:sp>
-      <p:graphicFrame>
-        <p:nvGraphicFramePr>
-          <p:cNvPr id="7" name="Segnaposto contenuto 6" descr="Grafico a barre in pila che rappresenta&#10;3 serie e 4 categorie"/>
-          <p:cNvGraphicFramePr>
-            <a:graphicFrameLocks noGrp="1"/>
-          </p:cNvGraphicFramePr>
+              <a:t>problem</a:t>
+            </a:r>
+            <a:endParaRPr lang="it-IT" dirty="0"/>
+          </a:p>
+        </p:txBody>
+      </p:sp>
+      <p:pic>
+        <p:nvPicPr>
+          <p:cNvPr id="5" name="Segnaposto contenuto 4">
+            <a:extLst>
+              <a:ext uri="{FF2B5EF4-FFF2-40B4-BE49-F238E27FC236}">
+                <a16:creationId xmlns:a16="http://schemas.microsoft.com/office/drawing/2014/main" id="{E79B7849-9E63-11F4-F08C-01C202B31817}"/>
+              </a:ext>
+            </a:extLst>
+          </p:cNvPr>
+          <p:cNvPicPr>
+            <a:picLocks noGrp="1" noChangeAspect="1"/>
+          </p:cNvPicPr>
           <p:nvPr>
             <p:ph idx="1"/>
-            <p:extLst>
-              <p:ext uri="{D42A27DB-BD31-4B8C-83A1-F6EECF244321}">
-                <p14:modId xmlns:p14="http://schemas.microsoft.com/office/powerpoint/2010/main" val="2740186132"/>
-              </p:ext>
-            </p:extLst>
-          </p:nvPr>
-        </p:nvGraphicFramePr>
-        <p:xfrm>
-          <a:off x="1593850" y="1600200"/>
-          <a:ext cx="9782175" cy="4572000"/>
-        </p:xfrm>
-        <a:graphic>
-          <a:graphicData uri="http://schemas.openxmlformats.org/drawingml/2006/chart">
-            <c:chart xmlns:c="http://schemas.openxmlformats.org/drawingml/2006/chart" xmlns:r="http://schemas.openxmlformats.org/officeDocument/2006/relationships" r:id="rId3"/>
-          </a:graphicData>
-        </a:graphic>
-      </p:graphicFrame>
+          </p:nvPr>
+        </p:nvPicPr>
+        <p:blipFill>
+          <a:blip r:embed="rId2"/>
+          <a:stretch>
+            <a:fillRect/>
+          </a:stretch>
+        </p:blipFill>
+        <p:spPr>
+          <a:xfrm>
+            <a:off x="1593436" y="1981200"/>
+            <a:ext cx="4913196" cy="2023864"/>
+          </a:xfrm>
+        </p:spPr>
+      </p:pic>
     </p:spTree>
     <p:extLst>
       <p:ext uri="{BB962C8B-B14F-4D97-AF65-F5344CB8AC3E}">
-        <p14:creationId xmlns:p14="http://schemas.microsoft.com/office/powerpoint/2010/main" val="571916843"/>
+        <p14:creationId xmlns:p14="http://schemas.microsoft.com/office/powerpoint/2010/main" val="3416454850"/>
       </p:ext>
     </p:extLst>
   </p:cSld>
@@ -13956,7 +10514,13 @@
       </p:grpSpPr>
       <p:sp>
         <p:nvSpPr>
-          <p:cNvPr id="2" name="Titolo 1"/>
+          <p:cNvPr id="2" name="Titolo 1">
+            <a:extLst>
+              <a:ext uri="{FF2B5EF4-FFF2-40B4-BE49-F238E27FC236}">
+                <a16:creationId xmlns:a16="http://schemas.microsoft.com/office/drawing/2014/main" id="{831295F2-6CED-B294-1847-DD89A923C539}"/>
+              </a:ext>
+            </a:extLst>
+          </p:cNvPr>
           <p:cNvSpPr>
             <a:spLocks noGrp="1"/>
           </p:cNvSpPr>
@@ -13966,62 +10530,311 @@
         </p:nvSpPr>
         <p:spPr/>
         <p:txBody>
-          <a:bodyPr rtlCol="0"/>
+          <a:bodyPr/>
           <a:lstStyle/>
           <a:p>
-            <a:pPr rtl="0"/>
-            <a:r>
-              <a:rPr lang="it-IT" dirty="0"/>
-              <a:t>Time-</a:t>
+            <a:r>
+              <a:rPr lang="it-IT" dirty="0"/>
+              <a:t>Semi-Discrete </a:t>
             </a:r>
             <a:r>
               <a:rPr lang="it-IT" dirty="0" err="1"/>
-              <a:t>Dependent</a:t>
-            </a:r>
-            <a:r>
-              <a:rPr lang="it-IT" dirty="0"/>
-              <a:t> Stokes</a:t>
-            </a:r>
-          </a:p>
-        </p:txBody>
-      </p:sp>
-      <p:graphicFrame>
-        <p:nvGraphicFramePr>
-          <p:cNvPr id="7" name="Segnaposto contenuto 6" descr="Grafico a barre in pila che rappresenta&#10;3 serie e 4 categorie"/>
-          <p:cNvGraphicFramePr>
-            <a:graphicFrameLocks noGrp="1"/>
-          </p:cNvGraphicFramePr>
+              <a:t>Weak</a:t>
+            </a:r>
+            <a:r>
+              <a:rPr lang="it-IT" dirty="0"/>
+              <a:t> </a:t>
+            </a:r>
+            <a:r>
+              <a:rPr lang="it-IT" dirty="0" err="1"/>
+              <a:t>Formulation</a:t>
+            </a:r>
+            <a:endParaRPr lang="it-IT" dirty="0"/>
+          </a:p>
+        </p:txBody>
+      </p:sp>
+      <p:sp>
+        <p:nvSpPr>
+          <p:cNvPr id="3" name="Segnaposto contenuto 2">
+            <a:extLst>
+              <a:ext uri="{FF2B5EF4-FFF2-40B4-BE49-F238E27FC236}">
+                <a16:creationId xmlns:a16="http://schemas.microsoft.com/office/drawing/2014/main" id="{789E5693-C46E-7FE3-BF3A-4961CA7B5B51}"/>
+              </a:ext>
+            </a:extLst>
+          </p:cNvPr>
+          <p:cNvSpPr>
+            <a:spLocks noGrp="1"/>
+          </p:cNvSpPr>
           <p:nvPr>
             <p:ph idx="1"/>
           </p:nvPr>
-        </p:nvGraphicFramePr>
-        <p:xfrm>
-          <a:off x="1593850" y="1600200"/>
-          <a:ext cx="9782175" cy="4572000"/>
-        </p:xfrm>
-        <a:graphic>
-          <a:graphicData uri="http://schemas.openxmlformats.org/drawingml/2006/chart">
-            <c:chart xmlns:c="http://schemas.openxmlformats.org/drawingml/2006/chart" xmlns:r="http://schemas.openxmlformats.org/officeDocument/2006/relationships" r:id="rId3"/>
-          </a:graphicData>
-        </a:graphic>
-      </p:graphicFrame>
+        </p:nvSpPr>
+        <p:spPr/>
+        <p:txBody>
+          <a:bodyPr/>
+          <a:lstStyle/>
+          <a:p>
+            <a:pPr marL="0" indent="0">
+              <a:buNone/>
+            </a:pPr>
+            <a:r>
+              <a:rPr lang="it-IT" dirty="0"/>
+              <a:t>Stokes:</a:t>
+            </a:r>
+          </a:p>
+          <a:p>
+            <a:pPr marL="0" indent="0">
+              <a:buNone/>
+            </a:pPr>
+            <a:endParaRPr lang="it-IT" dirty="0"/>
+          </a:p>
+          <a:p>
+            <a:pPr marL="0" indent="0">
+              <a:buNone/>
+            </a:pPr>
+            <a:endParaRPr lang="it-IT" dirty="0"/>
+          </a:p>
+          <a:p>
+            <a:pPr marL="0" indent="0">
+              <a:buNone/>
+            </a:pPr>
+            <a:r>
+              <a:rPr lang="it-IT" dirty="0" err="1"/>
+              <a:t>which</a:t>
+            </a:r>
+            <a:r>
+              <a:rPr lang="it-IT" dirty="0"/>
+              <a:t> </a:t>
+            </a:r>
+            <a:r>
+              <a:rPr lang="it-IT" dirty="0" err="1"/>
+              <a:t>we</a:t>
+            </a:r>
+            <a:r>
+              <a:rPr lang="it-IT" dirty="0"/>
+              <a:t> can </a:t>
+            </a:r>
+            <a:r>
+              <a:rPr lang="it-IT" dirty="0" err="1"/>
+              <a:t>write</a:t>
+            </a:r>
+            <a:r>
+              <a:rPr lang="it-IT" dirty="0"/>
+              <a:t> </a:t>
+            </a:r>
+            <a:r>
+              <a:rPr lang="it-IT" dirty="0" err="1"/>
+              <a:t>as</a:t>
+            </a:r>
+            <a:r>
+              <a:rPr lang="it-IT" dirty="0"/>
+              <a:t>:</a:t>
+            </a:r>
+          </a:p>
+          <a:p>
+            <a:pPr marL="0" indent="0">
+              <a:buNone/>
+            </a:pPr>
+            <a:endParaRPr lang="it-IT" dirty="0"/>
+          </a:p>
+          <a:p>
+            <a:pPr marL="0" indent="0">
+              <a:buNone/>
+            </a:pPr>
+            <a:endParaRPr lang="it-IT" dirty="0"/>
+          </a:p>
+          <a:p>
+            <a:pPr marL="0" indent="0">
+              <a:buNone/>
+            </a:pPr>
+            <a:r>
+              <a:rPr lang="it-IT" dirty="0" err="1"/>
+              <a:t>where</a:t>
+            </a:r>
+            <a:r>
+              <a:rPr lang="it-IT" dirty="0"/>
+              <a:t> </a:t>
+            </a:r>
+            <a:r>
+              <a:rPr lang="it-IT" dirty="0" err="1"/>
+              <a:t>a,c</a:t>
+            </a:r>
+            <a:r>
+              <a:rPr lang="it-IT" dirty="0"/>
+              <a:t> are </a:t>
+            </a:r>
+            <a:r>
+              <a:rPr lang="it-IT" dirty="0" err="1"/>
+              <a:t>bilinear</a:t>
+            </a:r>
+            <a:r>
+              <a:rPr lang="it-IT" dirty="0"/>
+              <a:t> </a:t>
+            </a:r>
+            <a:r>
+              <a:rPr lang="it-IT" dirty="0" err="1"/>
+              <a:t>forms</a:t>
+            </a:r>
+            <a:r>
+              <a:rPr lang="it-IT" dirty="0"/>
+              <a:t> </a:t>
+            </a:r>
+            <a:r>
+              <a:rPr lang="it-IT" dirty="0" err="1"/>
+              <a:t>such</a:t>
+            </a:r>
+            <a:r>
+              <a:rPr lang="it-IT" dirty="0"/>
+              <a:t> </a:t>
+            </a:r>
+            <a:r>
+              <a:rPr lang="it-IT" dirty="0" err="1"/>
+              <a:t>that</a:t>
+            </a:r>
+            <a:r>
+              <a:rPr lang="it-IT" dirty="0"/>
+              <a:t>:</a:t>
+            </a:r>
+          </a:p>
+        </p:txBody>
+      </p:sp>
+      <p:pic>
+        <p:nvPicPr>
+          <p:cNvPr id="9" name="Immagine 8">
+            <a:extLst>
+              <a:ext uri="{FF2B5EF4-FFF2-40B4-BE49-F238E27FC236}">
+                <a16:creationId xmlns:a16="http://schemas.microsoft.com/office/drawing/2014/main" id="{1A0A6486-C290-39A4-3EE6-8C8384E4C4DF}"/>
+              </a:ext>
+            </a:extLst>
+          </p:cNvPr>
+          <p:cNvPicPr>
+            <a:picLocks noChangeAspect="1"/>
+          </p:cNvPicPr>
+          <p:nvPr/>
+        </p:nvPicPr>
+        <p:blipFill>
+          <a:blip r:embed="rId2"/>
+          <a:stretch>
+            <a:fillRect/>
+          </a:stretch>
+        </p:blipFill>
+        <p:spPr>
+          <a:xfrm>
+            <a:off x="1593436" y="3961656"/>
+            <a:ext cx="5644983" cy="907504"/>
+          </a:xfrm>
+          <a:prstGeom prst="rect">
+            <a:avLst/>
+          </a:prstGeom>
+        </p:spPr>
+      </p:pic>
+      <p:pic>
+        <p:nvPicPr>
+          <p:cNvPr id="11" name="Immagine 10">
+            <a:extLst>
+              <a:ext uri="{FF2B5EF4-FFF2-40B4-BE49-F238E27FC236}">
+                <a16:creationId xmlns:a16="http://schemas.microsoft.com/office/drawing/2014/main" id="{1EDD06BF-85E0-FF7A-4C16-C87CE9BD5DA2}"/>
+              </a:ext>
+            </a:extLst>
+          </p:cNvPr>
+          <p:cNvPicPr>
+            <a:picLocks noChangeAspect="1"/>
+          </p:cNvPicPr>
+          <p:nvPr/>
+        </p:nvPicPr>
+        <p:blipFill>
+          <a:blip r:embed="rId3"/>
+          <a:stretch>
+            <a:fillRect/>
+          </a:stretch>
+        </p:blipFill>
+        <p:spPr>
+          <a:xfrm>
+            <a:off x="4006179" y="5728202"/>
+            <a:ext cx="1832931" cy="288032"/>
+          </a:xfrm>
+          <a:prstGeom prst="rect">
+            <a:avLst/>
+          </a:prstGeom>
+        </p:spPr>
+      </p:pic>
+      <p:pic>
+        <p:nvPicPr>
+          <p:cNvPr id="13" name="Immagine 12">
+            <a:extLst>
+              <a:ext uri="{FF2B5EF4-FFF2-40B4-BE49-F238E27FC236}">
+                <a16:creationId xmlns:a16="http://schemas.microsoft.com/office/drawing/2014/main" id="{9E902499-E02D-0295-1326-7C5539700699}"/>
+              </a:ext>
+            </a:extLst>
+          </p:cNvPr>
+          <p:cNvPicPr>
+            <a:picLocks noChangeAspect="1"/>
+          </p:cNvPicPr>
+          <p:nvPr/>
+        </p:nvPicPr>
+        <p:blipFill>
+          <a:blip r:embed="rId4"/>
+          <a:stretch>
+            <a:fillRect/>
+          </a:stretch>
+        </p:blipFill>
+        <p:spPr>
+          <a:xfrm>
+            <a:off x="1593436" y="5733256"/>
+            <a:ext cx="1859116" cy="288032"/>
+          </a:xfrm>
+          <a:prstGeom prst="rect">
+            <a:avLst/>
+          </a:prstGeom>
+        </p:spPr>
+      </p:pic>
+      <p:pic>
+        <p:nvPicPr>
+          <p:cNvPr id="17" name="Immagine 16">
+            <a:extLst>
+              <a:ext uri="{FF2B5EF4-FFF2-40B4-BE49-F238E27FC236}">
+                <a16:creationId xmlns:a16="http://schemas.microsoft.com/office/drawing/2014/main" id="{C7B9C1A5-D091-CFC9-D8FD-706825AE143D}"/>
+              </a:ext>
+            </a:extLst>
+          </p:cNvPr>
+          <p:cNvPicPr>
+            <a:picLocks noChangeAspect="1"/>
+          </p:cNvPicPr>
+          <p:nvPr/>
+        </p:nvPicPr>
+        <p:blipFill>
+          <a:blip r:embed="rId5"/>
+          <a:stretch>
+            <a:fillRect/>
+          </a:stretch>
+        </p:blipFill>
+        <p:spPr>
+          <a:xfrm>
+            <a:off x="1593436" y="2215754"/>
+            <a:ext cx="8654445" cy="875903"/>
+          </a:xfrm>
+          <a:prstGeom prst="rect">
+            <a:avLst/>
+          </a:prstGeom>
+        </p:spPr>
+      </p:pic>
     </p:spTree>
     <p:extLst>
       <p:ext uri="{BB962C8B-B14F-4D97-AF65-F5344CB8AC3E}">
-        <p14:creationId xmlns:p14="http://schemas.microsoft.com/office/powerpoint/2010/main" val="1324385113"/>
+        <p14:creationId xmlns:p14="http://schemas.microsoft.com/office/powerpoint/2010/main" val="2790140652"/>
       </p:ext>
     </p:extLst>
   </p:cSld>
   <p:clrMapOvr>
     <a:masterClrMapping/>
   </p:clrMapOvr>
-  <mc:AlternateContent xmlns:mc="http://schemas.openxmlformats.org/markup-compatibility/2006">
-    <mc:Choice xmlns:p14="http://schemas.microsoft.com/office/powerpoint/2010/main" Requires="p14">
+  <mc:AlternateContent xmlns:mc="http://schemas.openxmlformats.org/markup-compatibility/2006" xmlns:p14="http://schemas.microsoft.com/office/powerpoint/2010/main">
+    <mc:Choice Requires="p14">
       <p:transition spd="med" p14:dur="700">
         <p:fade/>
       </p:transition>
     </mc:Choice>
-    <mc:Fallback>
+    <mc:Fallback xmlns="">
       <p:transition spd="med">
         <p:fade/>
       </p:transition>
@@ -14049,7 +10862,13 @@
       </p:grpSpPr>
       <p:sp>
         <p:nvSpPr>
-          <p:cNvPr id="2" name="Titolo 1"/>
+          <p:cNvPr id="2" name="Titolo 1">
+            <a:extLst>
+              <a:ext uri="{FF2B5EF4-FFF2-40B4-BE49-F238E27FC236}">
+                <a16:creationId xmlns:a16="http://schemas.microsoft.com/office/drawing/2014/main" id="{00A4F686-C753-22C1-F7D6-E34C5D79569A}"/>
+              </a:ext>
+            </a:extLst>
+          </p:cNvPr>
           <p:cNvSpPr>
             <a:spLocks noGrp="1"/>
           </p:cNvSpPr>
@@ -14059,17 +10878,12 @@
         </p:nvSpPr>
         <p:spPr/>
         <p:txBody>
-          <a:bodyPr rtlCol="0"/>
+          <a:bodyPr/>
           <a:lstStyle/>
           <a:p>
-            <a:pPr rtl="0"/>
-            <a:r>
-              <a:rPr lang="it-IT" dirty="0" err="1"/>
-              <a:t>Stationary</a:t>
-            </a:r>
-            <a:r>
-              <a:rPr lang="it-IT" dirty="0"/>
-              <a:t> </a:t>
+            <a:r>
+              <a:rPr lang="it-IT" dirty="0"/>
+              <a:t>Strong </a:t>
             </a:r>
             <a:r>
               <a:rPr lang="it-IT" dirty="0" err="1"/>
@@ -14077,35 +10891,49 @@
             </a:r>
             <a:r>
               <a:rPr lang="it-IT" dirty="0"/>
-              <a:t>-Stokes</a:t>
-            </a:r>
-          </a:p>
-        </p:txBody>
-      </p:sp>
-      <p:graphicFrame>
-        <p:nvGraphicFramePr>
-          <p:cNvPr id="7" name="Segnaposto contenuto 6" descr="Grafico a barre in pila che rappresenta&#10;3 serie e 4 categorie"/>
-          <p:cNvGraphicFramePr>
-            <a:graphicFrameLocks noGrp="1"/>
-          </p:cNvGraphicFramePr>
+              <a:t>-Stokes </a:t>
+            </a:r>
+            <a:r>
+              <a:rPr lang="it-IT" dirty="0" err="1"/>
+              <a:t>problem</a:t>
+            </a:r>
+            <a:endParaRPr lang="it-IT" dirty="0"/>
+          </a:p>
+        </p:txBody>
+      </p:sp>
+      <p:pic>
+        <p:nvPicPr>
+          <p:cNvPr id="7" name="Segnaposto contenuto 6">
+            <a:extLst>
+              <a:ext uri="{FF2B5EF4-FFF2-40B4-BE49-F238E27FC236}">
+                <a16:creationId xmlns:a16="http://schemas.microsoft.com/office/drawing/2014/main" id="{31AC1918-A38A-2134-0BBB-48F03CC79BD0}"/>
+              </a:ext>
+            </a:extLst>
+          </p:cNvPr>
+          <p:cNvPicPr>
+            <a:picLocks noGrp="1" noChangeAspect="1"/>
+          </p:cNvPicPr>
           <p:nvPr>
             <p:ph idx="1"/>
           </p:nvPr>
-        </p:nvGraphicFramePr>
-        <p:xfrm>
-          <a:off x="1593850" y="1600200"/>
-          <a:ext cx="9782175" cy="4572000"/>
-        </p:xfrm>
-        <a:graphic>
-          <a:graphicData uri="http://schemas.openxmlformats.org/drawingml/2006/chart">
-            <c:chart xmlns:c="http://schemas.openxmlformats.org/drawingml/2006/chart" xmlns:r="http://schemas.openxmlformats.org/officeDocument/2006/relationships" r:id="rId3"/>
-          </a:graphicData>
-        </a:graphic>
-      </p:graphicFrame>
+        </p:nvPicPr>
+        <p:blipFill>
+          <a:blip r:embed="rId2"/>
+          <a:stretch>
+            <a:fillRect/>
+          </a:stretch>
+        </p:blipFill>
+        <p:spPr>
+          <a:xfrm>
+            <a:off x="1596311" y="1844824"/>
+            <a:ext cx="5556933" cy="2160240"/>
+          </a:xfrm>
+        </p:spPr>
+      </p:pic>
     </p:spTree>
     <p:extLst>
       <p:ext uri="{BB962C8B-B14F-4D97-AF65-F5344CB8AC3E}">
-        <p14:creationId xmlns:p14="http://schemas.microsoft.com/office/powerpoint/2010/main" val="2942830506"/>
+        <p14:creationId xmlns:p14="http://schemas.microsoft.com/office/powerpoint/2010/main" val="1576489918"/>
       </p:ext>
     </p:extLst>
   </p:cSld>
@@ -14146,7 +10974,13 @@
       </p:grpSpPr>
       <p:sp>
         <p:nvSpPr>
-          <p:cNvPr id="2" name="Titolo 1"/>
+          <p:cNvPr id="2" name="Titolo 1">
+            <a:extLst>
+              <a:ext uri="{FF2B5EF4-FFF2-40B4-BE49-F238E27FC236}">
+                <a16:creationId xmlns:a16="http://schemas.microsoft.com/office/drawing/2014/main" id="{831295F2-6CED-B294-1847-DD89A923C539}"/>
+              </a:ext>
+            </a:extLst>
+          </p:cNvPr>
           <p:cNvSpPr>
             <a:spLocks noGrp="1"/>
           </p:cNvSpPr>
@@ -14156,17 +10990,16 @@
         </p:nvSpPr>
         <p:spPr/>
         <p:txBody>
-          <a:bodyPr rtlCol="0"/>
+          <a:bodyPr/>
           <a:lstStyle/>
           <a:p>
-            <a:pPr rtl="0"/>
-            <a:r>
-              <a:rPr lang="it-IT" dirty="0"/>
-              <a:t>Time-</a:t>
+            <a:r>
+              <a:rPr lang="it-IT" dirty="0"/>
+              <a:t>Semi-Discrete </a:t>
             </a:r>
             <a:r>
               <a:rPr lang="it-IT" dirty="0" err="1"/>
-              <a:t>Depedent</a:t>
+              <a:t>Weak</a:t>
             </a:r>
             <a:r>
               <a:rPr lang="it-IT" dirty="0"/>
@@ -14174,39 +11007,265 @@
             </a:r>
             <a:r>
               <a:rPr lang="it-IT" dirty="0" err="1"/>
+              <a:t>Formulation</a:t>
+            </a:r>
+            <a:endParaRPr lang="it-IT" dirty="0"/>
+          </a:p>
+        </p:txBody>
+      </p:sp>
+      <p:sp>
+        <p:nvSpPr>
+          <p:cNvPr id="3" name="Segnaposto contenuto 2">
+            <a:extLst>
+              <a:ext uri="{FF2B5EF4-FFF2-40B4-BE49-F238E27FC236}">
+                <a16:creationId xmlns:a16="http://schemas.microsoft.com/office/drawing/2014/main" id="{789E5693-C46E-7FE3-BF3A-4961CA7B5B51}"/>
+              </a:ext>
+            </a:extLst>
+          </p:cNvPr>
+          <p:cNvSpPr>
+            <a:spLocks noGrp="1"/>
+          </p:cNvSpPr>
+          <p:nvPr>
+            <p:ph idx="1"/>
+          </p:nvPr>
+        </p:nvSpPr>
+        <p:spPr/>
+        <p:txBody>
+          <a:bodyPr>
+            <a:normAutofit/>
+          </a:bodyPr>
+          <a:lstStyle/>
+          <a:p>
+            <a:pPr marL="0" indent="0">
+              <a:buNone/>
+            </a:pPr>
+            <a:r>
+              <a:rPr lang="it-IT" sz="2400" dirty="0" err="1"/>
               <a:t>Navier</a:t>
             </a:r>
             <a:r>
-              <a:rPr lang="it-IT" dirty="0"/>
-              <a:t>-Stokes</a:t>
-            </a:r>
-          </a:p>
-        </p:txBody>
-      </p:sp>
-      <p:graphicFrame>
-        <p:nvGraphicFramePr>
-          <p:cNvPr id="7" name="Segnaposto contenuto 6" descr="Grafico a barre in pila che rappresenta&#10;3 serie e 4 categorie"/>
-          <p:cNvGraphicFramePr>
-            <a:graphicFrameLocks noGrp="1"/>
-          </p:cNvGraphicFramePr>
-          <p:nvPr>
-            <p:ph idx="1"/>
-          </p:nvPr>
-        </p:nvGraphicFramePr>
-        <p:xfrm>
-          <a:off x="1593850" y="1600200"/>
-          <a:ext cx="9782175" cy="4572000"/>
-        </p:xfrm>
-        <a:graphic>
-          <a:graphicData uri="http://schemas.openxmlformats.org/drawingml/2006/chart">
-            <c:chart xmlns:c="http://schemas.openxmlformats.org/drawingml/2006/chart" xmlns:r="http://schemas.openxmlformats.org/officeDocument/2006/relationships" r:id="rId3"/>
-          </a:graphicData>
-        </a:graphic>
-      </p:graphicFrame>
+              <a:rPr lang="it-IT" sz="2400" dirty="0"/>
+              <a:t>-Stokes:</a:t>
+            </a:r>
+          </a:p>
+          <a:p>
+            <a:pPr marL="0" indent="0">
+              <a:buNone/>
+            </a:pPr>
+            <a:endParaRPr lang="it-IT" sz="2400" dirty="0"/>
+          </a:p>
+          <a:p>
+            <a:pPr marL="0" indent="0">
+              <a:buNone/>
+            </a:pPr>
+            <a:endParaRPr lang="it-IT" sz="2400" dirty="0"/>
+          </a:p>
+          <a:p>
+            <a:pPr marL="0" indent="0">
+              <a:buNone/>
+            </a:pPr>
+            <a:r>
+              <a:rPr lang="it-IT" sz="2400" dirty="0" err="1"/>
+              <a:t>which</a:t>
+            </a:r>
+            <a:r>
+              <a:rPr lang="it-IT" sz="2400" dirty="0"/>
+              <a:t> </a:t>
+            </a:r>
+            <a:r>
+              <a:rPr lang="it-IT" sz="2400" dirty="0" err="1"/>
+              <a:t>we</a:t>
+            </a:r>
+            <a:r>
+              <a:rPr lang="it-IT" sz="2400" dirty="0"/>
+              <a:t> can </a:t>
+            </a:r>
+            <a:r>
+              <a:rPr lang="it-IT" sz="2400" dirty="0" err="1"/>
+              <a:t>write</a:t>
+            </a:r>
+            <a:r>
+              <a:rPr lang="it-IT" sz="2400" dirty="0"/>
+              <a:t> </a:t>
+            </a:r>
+            <a:r>
+              <a:rPr lang="it-IT" sz="2400" dirty="0" err="1"/>
+              <a:t>as</a:t>
+            </a:r>
+            <a:r>
+              <a:rPr lang="it-IT" sz="2400" dirty="0"/>
+              <a:t>:</a:t>
+            </a:r>
+          </a:p>
+          <a:p>
+            <a:pPr marL="0" indent="0">
+              <a:buNone/>
+            </a:pPr>
+            <a:endParaRPr lang="it-IT" sz="2400" dirty="0"/>
+          </a:p>
+          <a:p>
+            <a:pPr marL="0" indent="0">
+              <a:buNone/>
+            </a:pPr>
+            <a:endParaRPr lang="it-IT" sz="2400" dirty="0"/>
+          </a:p>
+          <a:p>
+            <a:pPr marL="0" indent="0">
+              <a:buNone/>
+            </a:pPr>
+            <a:r>
+              <a:rPr lang="it-IT" sz="2400" dirty="0" err="1"/>
+              <a:t>where</a:t>
+            </a:r>
+            <a:r>
+              <a:rPr lang="it-IT" sz="2400" dirty="0"/>
+              <a:t> </a:t>
+            </a:r>
+            <a:r>
+              <a:rPr lang="it-IT" sz="2400" dirty="0" err="1"/>
+              <a:t>a,c</a:t>
+            </a:r>
+            <a:r>
+              <a:rPr lang="it-IT" sz="2400" dirty="0"/>
+              <a:t> are </a:t>
+            </a:r>
+            <a:r>
+              <a:rPr lang="it-IT" sz="2400" dirty="0" err="1"/>
+              <a:t>defined</a:t>
+            </a:r>
+            <a:r>
+              <a:rPr lang="it-IT" sz="2400" dirty="0"/>
+              <a:t> like </a:t>
+            </a:r>
+            <a:r>
+              <a:rPr lang="it-IT" sz="2400" dirty="0" err="1"/>
+              <a:t>before</a:t>
+            </a:r>
+            <a:r>
+              <a:rPr lang="it-IT" sz="2400" dirty="0"/>
+              <a:t> and b </a:t>
+            </a:r>
+            <a:r>
+              <a:rPr lang="it-IT" sz="2400" dirty="0" err="1"/>
+              <a:t>is</a:t>
+            </a:r>
+            <a:r>
+              <a:rPr lang="it-IT" sz="2400" dirty="0"/>
+              <a:t> the </a:t>
+            </a:r>
+            <a:r>
+              <a:rPr lang="it-IT" sz="2400" dirty="0" err="1"/>
+              <a:t>nonlinear</a:t>
+            </a:r>
+            <a:r>
+              <a:rPr lang="it-IT" sz="2400" dirty="0"/>
+              <a:t> </a:t>
+            </a:r>
+            <a:r>
+              <a:rPr lang="it-IT" sz="2400" dirty="0" err="1"/>
+              <a:t>form</a:t>
+            </a:r>
+            <a:r>
+              <a:rPr lang="it-IT" sz="2400" dirty="0"/>
+              <a:t>:</a:t>
+            </a:r>
+          </a:p>
+        </p:txBody>
+      </p:sp>
+      <p:pic>
+        <p:nvPicPr>
+          <p:cNvPr id="5" name="Immagine 4">
+            <a:extLst>
+              <a:ext uri="{FF2B5EF4-FFF2-40B4-BE49-F238E27FC236}">
+                <a16:creationId xmlns:a16="http://schemas.microsoft.com/office/drawing/2014/main" id="{3AB61074-1CB7-B3C5-3C49-0AC2882C28B4}"/>
+              </a:ext>
+            </a:extLst>
+          </p:cNvPr>
+          <p:cNvPicPr>
+            <a:picLocks noChangeAspect="1"/>
+          </p:cNvPicPr>
+          <p:nvPr/>
+        </p:nvPicPr>
+        <p:blipFill>
+          <a:blip r:embed="rId2"/>
+          <a:stretch>
+            <a:fillRect/>
+          </a:stretch>
+        </p:blipFill>
+        <p:spPr>
+          <a:xfrm>
+            <a:off x="1593436" y="2234345"/>
+            <a:ext cx="9435839" cy="762607"/>
+          </a:xfrm>
+          <a:prstGeom prst="rect">
+            <a:avLst/>
+          </a:prstGeom>
+        </p:spPr>
+      </p:pic>
+      <p:pic>
+        <p:nvPicPr>
+          <p:cNvPr id="7" name="Immagine 6">
+            <a:extLst>
+              <a:ext uri="{FF2B5EF4-FFF2-40B4-BE49-F238E27FC236}">
+                <a16:creationId xmlns:a16="http://schemas.microsoft.com/office/drawing/2014/main" id="{39D38131-7DF8-0B94-8290-7BA5A973D72B}"/>
+              </a:ext>
+            </a:extLst>
+          </p:cNvPr>
+          <p:cNvPicPr>
+            <a:picLocks noChangeAspect="1"/>
+          </p:cNvPicPr>
+          <p:nvPr/>
+        </p:nvPicPr>
+        <p:blipFill>
+          <a:blip r:embed="rId3"/>
+          <a:stretch>
+            <a:fillRect/>
+          </a:stretch>
+        </p:blipFill>
+        <p:spPr>
+          <a:xfrm>
+            <a:off x="1593436" y="5257800"/>
+            <a:ext cx="1832934" cy="288032"/>
+          </a:xfrm>
+          <a:prstGeom prst="rect">
+            <a:avLst/>
+          </a:prstGeom>
+        </p:spPr>
+      </p:pic>
+      <p:pic>
+        <p:nvPicPr>
+          <p:cNvPr id="10" name="Immagine 9">
+            <a:extLst>
+              <a:ext uri="{FF2B5EF4-FFF2-40B4-BE49-F238E27FC236}">
+                <a16:creationId xmlns:a16="http://schemas.microsoft.com/office/drawing/2014/main" id="{1BEF6848-3275-B287-9EAB-F44DB437762C}"/>
+              </a:ext>
+            </a:extLst>
+          </p:cNvPr>
+          <p:cNvPicPr>
+            <a:picLocks noChangeAspect="1"/>
+          </p:cNvPicPr>
+          <p:nvPr/>
+        </p:nvPicPr>
+        <p:blipFill>
+          <a:blip r:embed="rId4"/>
+          <a:stretch>
+            <a:fillRect/>
+          </a:stretch>
+        </p:blipFill>
+        <p:spPr>
+          <a:xfrm>
+            <a:off x="1594725" y="3597053"/>
+            <a:ext cx="6578089" cy="840059"/>
+          </a:xfrm>
+          <a:prstGeom prst="rect">
+            <a:avLst/>
+          </a:prstGeom>
+        </p:spPr>
+      </p:pic>
     </p:spTree>
     <p:extLst>
       <p:ext uri="{BB962C8B-B14F-4D97-AF65-F5344CB8AC3E}">
-        <p14:creationId xmlns:p14="http://schemas.microsoft.com/office/powerpoint/2010/main" val="1993683317"/>
+        <p14:creationId xmlns:p14="http://schemas.microsoft.com/office/powerpoint/2010/main" val="3011272926"/>
       </p:ext>
     </p:extLst>
   </p:cSld>
@@ -14247,7 +11306,13 @@
       </p:grpSpPr>
       <p:sp>
         <p:nvSpPr>
-          <p:cNvPr id="2" name="Titolo 1"/>
+          <p:cNvPr id="2" name="Titolo 1">
+            <a:extLst>
+              <a:ext uri="{FF2B5EF4-FFF2-40B4-BE49-F238E27FC236}">
+                <a16:creationId xmlns:a16="http://schemas.microsoft.com/office/drawing/2014/main" id="{831295F2-6CED-B294-1847-DD89A923C539}"/>
+              </a:ext>
+            </a:extLst>
+          </p:cNvPr>
           <p:cNvSpPr>
             <a:spLocks noGrp="1"/>
           </p:cNvSpPr>
@@ -14257,46 +11322,193 @@
         </p:nvSpPr>
         <p:spPr/>
         <p:txBody>
-          <a:bodyPr rtlCol="0"/>
+          <a:bodyPr/>
           <a:lstStyle/>
           <a:p>
-            <a:pPr rtl="0"/>
-            <a:r>
-              <a:rPr lang="it-IT" dirty="0"/>
-              <a:t>Study of Reynolds </a:t>
-            </a:r>
             <a:r>
               <a:rPr lang="it-IT" dirty="0" err="1"/>
-              <a:t>Number</a:t>
+              <a:t>Fully</a:t>
+            </a:r>
+            <a:r>
+              <a:rPr lang="it-IT" dirty="0"/>
+              <a:t>-Discrete </a:t>
+            </a:r>
+            <a:r>
+              <a:rPr lang="it-IT" dirty="0" err="1"/>
+              <a:t>Weak</a:t>
+            </a:r>
+            <a:r>
+              <a:rPr lang="it-IT" dirty="0"/>
+              <a:t> </a:t>
+            </a:r>
+            <a:r>
+              <a:rPr lang="it-IT" dirty="0" err="1"/>
+              <a:t>Formulation</a:t>
             </a:r>
             <a:endParaRPr lang="it-IT" dirty="0"/>
           </a:p>
         </p:txBody>
       </p:sp>
-      <p:graphicFrame>
-        <p:nvGraphicFramePr>
-          <p:cNvPr id="7" name="Segnaposto contenuto 6" descr="Grafico a barre in pila che rappresenta&#10;3 serie e 4 categorie"/>
-          <p:cNvGraphicFramePr>
-            <a:graphicFrameLocks noGrp="1"/>
-          </p:cNvGraphicFramePr>
+      <p:sp>
+        <p:nvSpPr>
+          <p:cNvPr id="3" name="Segnaposto contenuto 2">
+            <a:extLst>
+              <a:ext uri="{FF2B5EF4-FFF2-40B4-BE49-F238E27FC236}">
+                <a16:creationId xmlns:a16="http://schemas.microsoft.com/office/drawing/2014/main" id="{789E5693-C46E-7FE3-BF3A-4961CA7B5B51}"/>
+              </a:ext>
+            </a:extLst>
+          </p:cNvPr>
+          <p:cNvSpPr>
+            <a:spLocks noGrp="1"/>
+          </p:cNvSpPr>
           <p:nvPr>
             <p:ph idx="1"/>
           </p:nvPr>
-        </p:nvGraphicFramePr>
-        <p:xfrm>
-          <a:off x="1593850" y="1600200"/>
-          <a:ext cx="9782175" cy="4572000"/>
-        </p:xfrm>
-        <a:graphic>
-          <a:graphicData uri="http://schemas.openxmlformats.org/drawingml/2006/chart">
-            <c:chart xmlns:c="http://schemas.openxmlformats.org/drawingml/2006/chart" xmlns:r="http://schemas.openxmlformats.org/officeDocument/2006/relationships" r:id="rId3"/>
-          </a:graphicData>
-        </a:graphic>
-      </p:graphicFrame>
+        </p:nvSpPr>
+        <p:spPr/>
+        <p:txBody>
+          <a:bodyPr>
+            <a:normAutofit/>
+          </a:bodyPr>
+          <a:lstStyle/>
+          <a:p>
+            <a:pPr marL="0" indent="0">
+              <a:buNone/>
+            </a:pPr>
+            <a:r>
+              <a:rPr lang="it-IT" sz="2400" dirty="0" err="1"/>
+              <a:t>We</a:t>
+            </a:r>
+            <a:r>
+              <a:rPr lang="it-IT" sz="2400" dirty="0"/>
+              <a:t> call:</a:t>
+            </a:r>
+          </a:p>
+          <a:p>
+            <a:pPr marL="0" indent="0">
+              <a:buNone/>
+            </a:pPr>
+            <a:endParaRPr lang="it-IT" sz="2400" dirty="0"/>
+          </a:p>
+          <a:p>
+            <a:pPr marL="0" indent="0">
+              <a:buNone/>
+            </a:pPr>
+            <a:endParaRPr lang="it-IT" sz="2400" dirty="0"/>
+          </a:p>
+          <a:p>
+            <a:pPr marL="0" indent="0">
+              <a:buNone/>
+            </a:pPr>
+            <a:r>
+              <a:rPr lang="it-IT" sz="2400" dirty="0"/>
+              <a:t>And </a:t>
+            </a:r>
+            <a:r>
+              <a:rPr lang="it-IT" sz="2400" dirty="0" err="1"/>
+              <a:t>we</a:t>
+            </a:r>
+            <a:r>
+              <a:rPr lang="it-IT" sz="2400" dirty="0"/>
+              <a:t> compute </a:t>
+            </a:r>
+            <a:r>
+              <a:rPr lang="it-IT" sz="2400" dirty="0" err="1"/>
+              <a:t>its</a:t>
+            </a:r>
+            <a:r>
+              <a:rPr lang="it-IT" sz="2400" dirty="0"/>
+              <a:t> </a:t>
+            </a:r>
+            <a:r>
+              <a:rPr lang="it-IT" sz="2400" dirty="0" err="1"/>
+              <a:t>Fréchet</a:t>
+            </a:r>
+            <a:r>
+              <a:rPr lang="it-IT" sz="2400" dirty="0"/>
+              <a:t> derivative </a:t>
+            </a:r>
+            <a:r>
+              <a:rPr lang="it-IT" sz="2400" dirty="0" err="1"/>
+              <a:t>as</a:t>
+            </a:r>
+            <a:r>
+              <a:rPr lang="it-IT" sz="2400" dirty="0"/>
+              <a:t>:</a:t>
+            </a:r>
+          </a:p>
+          <a:p>
+            <a:pPr marL="0" indent="0">
+              <a:buNone/>
+            </a:pPr>
+            <a:endParaRPr lang="it-IT" sz="2400" dirty="0"/>
+          </a:p>
+        </p:txBody>
+      </p:sp>
+      <p:pic>
+        <p:nvPicPr>
+          <p:cNvPr id="6" name="Immagine 5">
+            <a:extLst>
+              <a:ext uri="{FF2B5EF4-FFF2-40B4-BE49-F238E27FC236}">
+                <a16:creationId xmlns:a16="http://schemas.microsoft.com/office/drawing/2014/main" id="{598D2038-0AB4-8AAD-648E-1DD3002CDC88}"/>
+              </a:ext>
+            </a:extLst>
+          </p:cNvPr>
+          <p:cNvPicPr>
+            <a:picLocks noChangeAspect="1"/>
+          </p:cNvPicPr>
+          <p:nvPr/>
+        </p:nvPicPr>
+        <p:blipFill>
+          <a:blip r:embed="rId2"/>
+          <a:stretch>
+            <a:fillRect/>
+          </a:stretch>
+        </p:blipFill>
+        <p:spPr>
+          <a:xfrm>
+            <a:off x="1773931" y="2060848"/>
+            <a:ext cx="7078753" cy="720080"/>
+          </a:xfrm>
+          <a:prstGeom prst="rect">
+            <a:avLst/>
+          </a:prstGeom>
+        </p:spPr>
+      </p:pic>
+      <p:pic>
+        <p:nvPicPr>
+          <p:cNvPr id="12" name="Immagine 11">
+            <a:extLst>
+              <a:ext uri="{FF2B5EF4-FFF2-40B4-BE49-F238E27FC236}">
+                <a16:creationId xmlns:a16="http://schemas.microsoft.com/office/drawing/2014/main" id="{BF4C1336-E68C-9472-ACBE-5150E76629E9}"/>
+              </a:ext>
+            </a:extLst>
+          </p:cNvPr>
+          <p:cNvPicPr>
+            <a:picLocks noChangeAspect="1"/>
+          </p:cNvPicPr>
+          <p:nvPr/>
+        </p:nvPicPr>
+        <p:blipFill>
+          <a:blip r:embed="rId3"/>
+          <a:stretch>
+            <a:fillRect/>
+          </a:stretch>
+        </p:blipFill>
+        <p:spPr>
+          <a:xfrm>
+            <a:off x="1485900" y="3861048"/>
+            <a:ext cx="10106361" cy="574810"/>
+          </a:xfrm>
+          <a:prstGeom prst="rect">
+            <a:avLst/>
+          </a:prstGeom>
+        </p:spPr>
+      </p:pic>
     </p:spTree>
     <p:extLst>
       <p:ext uri="{BB962C8B-B14F-4D97-AF65-F5344CB8AC3E}">
-        <p14:creationId xmlns:p14="http://schemas.microsoft.com/office/powerpoint/2010/main" val="12878743"/>
+        <p14:creationId xmlns:p14="http://schemas.microsoft.com/office/powerpoint/2010/main" val="998933658"/>
       </p:ext>
     </p:extLst>
   </p:cSld>
@@ -14337,7 +11549,13 @@
       </p:grpSpPr>
       <p:sp>
         <p:nvSpPr>
-          <p:cNvPr id="2" name="Titolo 1"/>
+          <p:cNvPr id="2" name="Titolo 1">
+            <a:extLst>
+              <a:ext uri="{FF2B5EF4-FFF2-40B4-BE49-F238E27FC236}">
+                <a16:creationId xmlns:a16="http://schemas.microsoft.com/office/drawing/2014/main" id="{AF4B5093-FB13-D4CD-63E8-993200977588}"/>
+              </a:ext>
+            </a:extLst>
+          </p:cNvPr>
           <p:cNvSpPr>
             <a:spLocks noGrp="1"/>
           </p:cNvSpPr>
@@ -14347,130 +11565,201 @@
         </p:nvSpPr>
         <p:spPr/>
         <p:txBody>
-          <a:bodyPr rtlCol="0">
-            <a:normAutofit/>
-          </a:bodyPr>
+          <a:bodyPr/>
           <a:lstStyle/>
           <a:p>
-            <a:pPr rtl="0"/>
-            <a:r>
-              <a:rPr lang="it-IT" sz="3200" dirty="0" err="1"/>
-              <a:t>Comparison</a:t>
-            </a:r>
-            <a:r>
-              <a:rPr lang="it-IT" sz="3200" dirty="0"/>
+            <a:r>
+              <a:rPr lang="it-IT" dirty="0" err="1"/>
+              <a:t>Fully</a:t>
+            </a:r>
+            <a:r>
+              <a:rPr lang="it-IT" dirty="0"/>
+              <a:t>-Discrete </a:t>
+            </a:r>
+            <a:r>
+              <a:rPr lang="it-IT" dirty="0" err="1"/>
+              <a:t>Problem</a:t>
+            </a:r>
+            <a:endParaRPr lang="it-IT" dirty="0"/>
+          </a:p>
+        </p:txBody>
+      </p:sp>
+      <p:sp>
+        <p:nvSpPr>
+          <p:cNvPr id="3" name="Segnaposto contenuto 2">
+            <a:extLst>
+              <a:ext uri="{FF2B5EF4-FFF2-40B4-BE49-F238E27FC236}">
+                <a16:creationId xmlns:a16="http://schemas.microsoft.com/office/drawing/2014/main" id="{5EBB0415-B926-280D-6A8B-093A8C4D85CF}"/>
+              </a:ext>
+            </a:extLst>
+          </p:cNvPr>
+          <p:cNvSpPr>
+            <a:spLocks noGrp="1"/>
+          </p:cNvSpPr>
+          <p:nvPr>
+            <p:ph idx="1"/>
+          </p:nvPr>
+        </p:nvSpPr>
+        <p:spPr/>
+        <p:txBody>
+          <a:bodyPr/>
+          <a:lstStyle/>
+          <a:p>
+            <a:r>
+              <a:rPr lang="it-IT" dirty="0" err="1"/>
+              <a:t>Now</a:t>
+            </a:r>
+            <a:r>
+              <a:rPr lang="it-IT" dirty="0"/>
+              <a:t> for </a:t>
+            </a:r>
+            <a:r>
+              <a:rPr lang="it-IT" dirty="0" err="1"/>
+              <a:t>each</a:t>
+            </a:r>
+            <a:r>
+              <a:rPr lang="it-IT" dirty="0"/>
               <a:t> </a:t>
             </a:r>
             <a:r>
-              <a:rPr lang="it-IT" sz="3200" dirty="0" err="1"/>
-              <a:t>between</a:t>
-            </a:r>
-            <a:r>
-              <a:rPr lang="it-IT" sz="3200" dirty="0"/>
-              <a:t> linear and non-linear </a:t>
-            </a:r>
-            <a:r>
-              <a:rPr lang="it-IT" sz="3200" dirty="0" err="1"/>
+              <a:rPr lang="it-IT" dirty="0" err="1"/>
+              <a:t>timestep</a:t>
+            </a:r>
+            <a:r>
+              <a:rPr lang="it-IT" dirty="0"/>
+              <a:t> </a:t>
+            </a:r>
+            <a:r>
+              <a:rPr lang="it-IT" dirty="0" err="1"/>
+              <a:t>we</a:t>
+            </a:r>
+            <a:r>
+              <a:rPr lang="it-IT" dirty="0"/>
+              <a:t> </a:t>
+            </a:r>
+            <a:r>
+              <a:rPr lang="it-IT" dirty="0" err="1"/>
+              <a:t>want</a:t>
+            </a:r>
+            <a:r>
+              <a:rPr lang="it-IT" dirty="0"/>
+              <a:t> to solve the Newton </a:t>
+            </a:r>
+            <a:r>
+              <a:rPr lang="it-IT" dirty="0" err="1"/>
               <a:t>problem</a:t>
             </a:r>
-            <a:endParaRPr lang="it-IT" sz="3200" dirty="0"/>
-          </a:p>
-        </p:txBody>
-      </p:sp>
-      <p:sp>
-        <p:nvSpPr>
-          <p:cNvPr id="4" name="Segnaposto testo 3"/>
-          <p:cNvSpPr>
-            <a:spLocks noGrp="1"/>
-          </p:cNvSpPr>
-          <p:nvPr>
-            <p:ph type="body" idx="1"/>
-          </p:nvPr>
-        </p:nvSpPr>
-        <p:spPr/>
-        <p:txBody>
-          <a:bodyPr rtlCol="0"/>
-          <a:lstStyle/>
-          <a:p>
-            <a:pPr rtl="0"/>
-            <a:r>
-              <a:rPr lang="it-IT" dirty="0"/>
-              <a:t>stokes</a:t>
-            </a:r>
-          </a:p>
-        </p:txBody>
-      </p:sp>
-      <p:sp>
-        <p:nvSpPr>
-          <p:cNvPr id="5" name="Segnaposto contenuto 4"/>
-          <p:cNvSpPr>
-            <a:spLocks noGrp="1"/>
-          </p:cNvSpPr>
-          <p:nvPr>
-            <p:ph sz="half" idx="2"/>
-          </p:nvPr>
-        </p:nvSpPr>
-        <p:spPr/>
-        <p:txBody>
-          <a:bodyPr rtlCol="0"/>
-          <a:lstStyle/>
-          <a:p>
-            <a:pPr rtl="0"/>
+            <a:r>
+              <a:rPr lang="it-IT" dirty="0"/>
+              <a:t>:</a:t>
+            </a:r>
+          </a:p>
+          <a:p>
             <a:endParaRPr lang="it-IT" dirty="0"/>
           </a:p>
-        </p:txBody>
-      </p:sp>
-      <p:sp>
-        <p:nvSpPr>
-          <p:cNvPr id="6" name="Segnaposto testo 5"/>
-          <p:cNvSpPr>
-            <a:spLocks noGrp="1"/>
-          </p:cNvSpPr>
-          <p:nvPr>
-            <p:ph type="body" sz="quarter" idx="3"/>
-          </p:nvPr>
-        </p:nvSpPr>
-        <p:spPr/>
-        <p:txBody>
-          <a:bodyPr rtlCol="0"/>
-          <a:lstStyle/>
-          <a:p>
-            <a:pPr rtl="0"/>
+          <a:p>
+            <a:endParaRPr lang="it-IT" dirty="0"/>
+          </a:p>
+          <a:p>
+            <a:pPr marL="0" indent="0">
+              <a:buNone/>
+            </a:pPr>
             <a:r>
               <a:rPr lang="it-IT" dirty="0" err="1"/>
-              <a:t>Navier</a:t>
-            </a:r>
-            <a:r>
-              <a:rPr lang="it-IT" dirty="0"/>
-              <a:t>-stokes</a:t>
-            </a:r>
-          </a:p>
-        </p:txBody>
-      </p:sp>
-      <p:sp>
-        <p:nvSpPr>
-          <p:cNvPr id="11" name="Segnaposto contenuto 10"/>
-          <p:cNvSpPr>
-            <a:spLocks noGrp="1"/>
-          </p:cNvSpPr>
-          <p:nvPr>
-            <p:ph sz="quarter" idx="4"/>
-          </p:nvPr>
-        </p:nvSpPr>
-        <p:spPr/>
-        <p:txBody>
-          <a:bodyPr rtlCol="0"/>
-          <a:lstStyle/>
-          <a:p>
-            <a:pPr rtl="0"/>
+              <a:t>where</a:t>
+            </a:r>
+            <a:r>
+              <a:rPr lang="it-IT" dirty="0"/>
+              <a:t> </a:t>
+            </a:r>
+            <a:r>
+              <a:rPr lang="it-IT" dirty="0" err="1"/>
+              <a:t>we</a:t>
+            </a:r>
+            <a:r>
+              <a:rPr lang="it-IT" dirty="0"/>
+              <a:t> </a:t>
+            </a:r>
+            <a:r>
+              <a:rPr lang="it-IT" dirty="0" err="1"/>
+              <a:t>have</a:t>
+            </a:r>
+            <a:r>
+              <a:rPr lang="it-IT" dirty="0"/>
+              <a:t> the </a:t>
+            </a:r>
+            <a:r>
+              <a:rPr lang="it-IT" dirty="0" err="1"/>
+              <a:t>approximations</a:t>
+            </a:r>
+            <a:r>
+              <a:rPr lang="it-IT" dirty="0"/>
+              <a:t> of u </a:t>
+            </a:r>
+            <a:r>
+              <a:rPr lang="it-IT" dirty="0" err="1"/>
+              <a:t>at</a:t>
+            </a:r>
+            <a:r>
+              <a:rPr lang="it-IT" dirty="0"/>
+              <a:t> </a:t>
+            </a:r>
+            <a:r>
+              <a:rPr lang="it-IT" dirty="0" err="1"/>
+              <a:t>each</a:t>
+            </a:r>
+            <a:r>
+              <a:rPr lang="it-IT" dirty="0"/>
+              <a:t> </a:t>
+            </a:r>
+            <a:r>
+              <a:rPr lang="it-IT" dirty="0" err="1"/>
+              <a:t>timestep</a:t>
+            </a:r>
+            <a:r>
+              <a:rPr lang="it-IT" dirty="0"/>
+              <a:t>.</a:t>
+            </a:r>
+          </a:p>
+          <a:p>
             <a:endParaRPr lang="it-IT" dirty="0"/>
           </a:p>
         </p:txBody>
       </p:sp>
+      <p:pic>
+        <p:nvPicPr>
+          <p:cNvPr id="5" name="Immagine 4">
+            <a:extLst>
+              <a:ext uri="{FF2B5EF4-FFF2-40B4-BE49-F238E27FC236}">
+                <a16:creationId xmlns:a16="http://schemas.microsoft.com/office/drawing/2014/main" id="{2BB87FF0-3EB2-E636-DEE3-A7095C3AD7B9}"/>
+              </a:ext>
+            </a:extLst>
+          </p:cNvPr>
+          <p:cNvPicPr>
+            <a:picLocks noChangeAspect="1"/>
+          </p:cNvPicPr>
+          <p:nvPr/>
+        </p:nvPicPr>
+        <p:blipFill>
+          <a:blip r:embed="rId2"/>
+          <a:stretch>
+            <a:fillRect/>
+          </a:stretch>
+        </p:blipFill>
+        <p:spPr>
+          <a:xfrm>
+            <a:off x="1917947" y="2708920"/>
+            <a:ext cx="3973775" cy="360040"/>
+          </a:xfrm>
+          <a:prstGeom prst="rect">
+            <a:avLst/>
+          </a:prstGeom>
+        </p:spPr>
+      </p:pic>
     </p:spTree>
     <p:extLst>
       <p:ext uri="{BB962C8B-B14F-4D97-AF65-F5344CB8AC3E}">
-        <p14:creationId xmlns:p14="http://schemas.microsoft.com/office/powerpoint/2010/main" val="1061194279"/>
+        <p14:creationId xmlns:p14="http://schemas.microsoft.com/office/powerpoint/2010/main" val="3009485484"/>
       </p:ext>
     </p:extLst>
   </p:cSld>
@@ -14511,7 +11800,13 @@
       </p:grpSpPr>
       <p:sp>
         <p:nvSpPr>
-          <p:cNvPr id="2" name="Titolo 1"/>
+          <p:cNvPr id="2" name="Titolo 1">
+            <a:extLst>
+              <a:ext uri="{FF2B5EF4-FFF2-40B4-BE49-F238E27FC236}">
+                <a16:creationId xmlns:a16="http://schemas.microsoft.com/office/drawing/2014/main" id="{17EEA294-FD40-79A4-FA8F-67FB27099B80}"/>
+              </a:ext>
+            </a:extLst>
+          </p:cNvPr>
           <p:cNvSpPr>
             <a:spLocks noGrp="1"/>
           </p:cNvSpPr>
@@ -14521,164 +11816,311 @@
         </p:nvSpPr>
         <p:spPr/>
         <p:txBody>
-          <a:bodyPr rtlCol="0">
-            <a:normAutofit/>
-          </a:bodyPr>
+          <a:bodyPr/>
           <a:lstStyle/>
           <a:p>
-            <a:pPr rtl="0"/>
-            <a:r>
-              <a:rPr lang="it-IT" sz="3200" dirty="0"/>
-              <a:t>Brief </a:t>
-            </a:r>
-            <a:r>
-              <a:rPr lang="it-IT" sz="3200" dirty="0" err="1"/>
-              <a:t>discussion</a:t>
-            </a:r>
-            <a:r>
-              <a:rPr lang="it-IT" sz="3200" dirty="0"/>
-              <a:t> on </a:t>
-            </a:r>
-            <a:r>
-              <a:rPr lang="it-IT" sz="3200" dirty="0" err="1"/>
-              <a:t>Preconditioners</a:t>
-            </a:r>
-            <a:endParaRPr lang="it-IT" sz="3200" dirty="0"/>
-          </a:p>
-        </p:txBody>
-      </p:sp>
-      <p:sp>
-        <p:nvSpPr>
-          <p:cNvPr id="4" name="Segnaposto testo 3"/>
+            <a:r>
+              <a:rPr lang="it-IT" dirty="0" err="1"/>
+              <a:t>Galerkin</a:t>
+            </a:r>
+            <a:r>
+              <a:rPr lang="it-IT" dirty="0"/>
+              <a:t> </a:t>
+            </a:r>
+            <a:r>
+              <a:rPr lang="it-IT" dirty="0" err="1"/>
+              <a:t>Problem</a:t>
+            </a:r>
+            <a:endParaRPr lang="it-IT" dirty="0"/>
+          </a:p>
+        </p:txBody>
+      </p:sp>
+      <p:sp>
+        <p:nvSpPr>
+          <p:cNvPr id="3" name="Segnaposto contenuto 2">
+            <a:extLst>
+              <a:ext uri="{FF2B5EF4-FFF2-40B4-BE49-F238E27FC236}">
+                <a16:creationId xmlns:a16="http://schemas.microsoft.com/office/drawing/2014/main" id="{BBB58F3E-E17A-B809-1FD6-685B9F8C0624}"/>
+              </a:ext>
+            </a:extLst>
+          </p:cNvPr>
           <p:cNvSpPr>
             <a:spLocks noGrp="1"/>
           </p:cNvSpPr>
           <p:nvPr>
-            <p:ph type="body" idx="1"/>
+            <p:ph idx="1"/>
           </p:nvPr>
         </p:nvSpPr>
         <p:spPr/>
         <p:txBody>
-          <a:bodyPr rtlCol="0"/>
+          <a:bodyPr/>
           <a:lstStyle/>
           <a:p>
-            <a:pPr rtl="0"/>
-            <a:r>
-              <a:rPr lang="it-IT" dirty="0"/>
-              <a:t>stokes</a:t>
-            </a:r>
-          </a:p>
-        </p:txBody>
-      </p:sp>
-      <p:sp>
-        <p:nvSpPr>
-          <p:cNvPr id="5" name="Segnaposto contenuto 4"/>
-          <p:cNvSpPr>
-            <a:spLocks noGrp="1"/>
-          </p:cNvSpPr>
-          <p:nvPr>
-            <p:ph sz="half" idx="2"/>
-          </p:nvPr>
-        </p:nvSpPr>
-        <p:spPr/>
-        <p:txBody>
-          <a:bodyPr rtlCol="0"/>
-          <a:lstStyle/>
-          <a:p>
-            <a:pPr rtl="0"/>
+            <a:pPr marL="0" indent="0">
+              <a:buNone/>
+            </a:pPr>
+            <a:r>
+              <a:rPr lang="it-IT" dirty="0"/>
+              <a:t>By </a:t>
+            </a:r>
             <a:r>
               <a:rPr lang="it-IT" dirty="0" err="1"/>
-              <a:t>Diagonal</a:t>
-            </a:r>
-            <a:r>
-              <a:rPr lang="it-IT" dirty="0"/>
-              <a:t> + CG</a:t>
-            </a:r>
-          </a:p>
-          <a:p>
-            <a:pPr rtl="0"/>
+              <a:t>choosing</a:t>
+            </a:r>
+            <a:r>
+              <a:rPr lang="it-IT" dirty="0"/>
+              <a:t>:</a:t>
+            </a:r>
+          </a:p>
+          <a:p>
+            <a:pPr marL="0" indent="0">
+              <a:buNone/>
+            </a:pPr>
+            <a:endParaRPr lang="it-IT" dirty="0"/>
+          </a:p>
+          <a:p>
+            <a:pPr marL="0" indent="0">
+              <a:buNone/>
+            </a:pPr>
+            <a:r>
+              <a:rPr lang="it-IT" dirty="0"/>
+              <a:t>with </a:t>
+            </a:r>
             <a:r>
               <a:rPr lang="it-IT" dirty="0" err="1"/>
-              <a:t>Triangular</a:t>
-            </a:r>
-            <a:r>
-              <a:rPr lang="it-IT" dirty="0"/>
-              <a:t> + GMRES</a:t>
-            </a:r>
-          </a:p>
-        </p:txBody>
-      </p:sp>
-      <p:sp>
-        <p:nvSpPr>
-          <p:cNvPr id="6" name="Segnaposto testo 5"/>
-          <p:cNvSpPr>
-            <a:spLocks noGrp="1"/>
-          </p:cNvSpPr>
-          <p:nvPr>
-            <p:ph type="body" sz="quarter" idx="3"/>
-          </p:nvPr>
-        </p:nvSpPr>
-        <p:spPr/>
-        <p:txBody>
-          <a:bodyPr rtlCol="0"/>
-          <a:lstStyle/>
-          <a:p>
-            <a:pPr rtl="0"/>
+              <a:t>basis</a:t>
+            </a:r>
+            <a:r>
+              <a:rPr lang="it-IT" dirty="0"/>
+              <a:t> </a:t>
+            </a:r>
             <a:r>
               <a:rPr lang="it-IT" dirty="0" err="1"/>
-              <a:t>Navier</a:t>
-            </a:r>
-            <a:r>
-              <a:rPr lang="it-IT" dirty="0"/>
-              <a:t>-stokes</a:t>
-            </a:r>
-          </a:p>
-        </p:txBody>
-      </p:sp>
-      <p:sp>
-        <p:nvSpPr>
-          <p:cNvPr id="11" name="Segnaposto contenuto 10"/>
-          <p:cNvSpPr>
-            <a:spLocks noGrp="1"/>
-          </p:cNvSpPr>
-          <p:nvPr>
-            <p:ph sz="quarter" idx="4"/>
-          </p:nvPr>
-        </p:nvSpPr>
-        <p:spPr/>
-        <p:txBody>
-          <a:bodyPr rtlCol="0"/>
-          <a:lstStyle/>
-          <a:p>
-            <a:pPr rtl="0"/>
+              <a:t>functions</a:t>
+            </a:r>
+            <a:r>
+              <a:rPr lang="it-IT" dirty="0"/>
+              <a:t>:</a:t>
+            </a:r>
+          </a:p>
+          <a:p>
+            <a:pPr marL="0" indent="0">
+              <a:buNone/>
+            </a:pPr>
+            <a:endParaRPr lang="it-IT" dirty="0"/>
+          </a:p>
+          <a:p>
+            <a:pPr marL="0" indent="0">
+              <a:buNone/>
+            </a:pPr>
             <a:r>
               <a:rPr lang="it-IT" dirty="0" err="1"/>
-              <a:t>Triangular</a:t>
-            </a:r>
-            <a:r>
-              <a:rPr lang="it-IT" dirty="0"/>
-              <a:t> + GMRES</a:t>
-            </a:r>
-          </a:p>
-        </p:txBody>
-      </p:sp>
+              <a:t>we</a:t>
+            </a:r>
+            <a:r>
+              <a:rPr lang="it-IT" dirty="0"/>
+              <a:t> </a:t>
+            </a:r>
+            <a:r>
+              <a:rPr lang="it-IT" dirty="0" err="1"/>
+              <a:t>get</a:t>
+            </a:r>
+            <a:r>
+              <a:rPr lang="it-IT" dirty="0"/>
+              <a:t> the </a:t>
+            </a:r>
+            <a:r>
+              <a:rPr lang="it-IT" dirty="0" err="1"/>
+              <a:t>Galerkin</a:t>
+            </a:r>
+            <a:r>
+              <a:rPr lang="it-IT" dirty="0"/>
+              <a:t> </a:t>
+            </a:r>
+            <a:r>
+              <a:rPr lang="it-IT" dirty="0" err="1"/>
+              <a:t>Problem</a:t>
+            </a:r>
+            <a:r>
+              <a:rPr lang="it-IT" dirty="0"/>
+              <a:t>:</a:t>
+            </a:r>
+          </a:p>
+          <a:p>
+            <a:pPr marL="0" indent="0">
+              <a:buNone/>
+            </a:pPr>
+            <a:endParaRPr lang="it-IT" dirty="0"/>
+          </a:p>
+        </p:txBody>
+      </p:sp>
+      <p:pic>
+        <p:nvPicPr>
+          <p:cNvPr id="5" name="Immagine 4">
+            <a:extLst>
+              <a:ext uri="{FF2B5EF4-FFF2-40B4-BE49-F238E27FC236}">
+                <a16:creationId xmlns:a16="http://schemas.microsoft.com/office/drawing/2014/main" id="{983BB6B6-5C57-2545-E466-29289A833B8C}"/>
+              </a:ext>
+            </a:extLst>
+          </p:cNvPr>
+          <p:cNvPicPr>
+            <a:picLocks noChangeAspect="1"/>
+          </p:cNvPicPr>
+          <p:nvPr/>
+        </p:nvPicPr>
+        <p:blipFill>
+          <a:blip r:embed="rId2"/>
+          <a:stretch>
+            <a:fillRect/>
+          </a:stretch>
+        </p:blipFill>
+        <p:spPr>
+          <a:xfrm>
+            <a:off x="1701923" y="2276872"/>
+            <a:ext cx="2304257" cy="332837"/>
+          </a:xfrm>
+          <a:prstGeom prst="rect">
+            <a:avLst/>
+          </a:prstGeom>
+        </p:spPr>
+      </p:pic>
+      <p:pic>
+        <p:nvPicPr>
+          <p:cNvPr id="7" name="Immagine 6">
+            <a:extLst>
+              <a:ext uri="{FF2B5EF4-FFF2-40B4-BE49-F238E27FC236}">
+                <a16:creationId xmlns:a16="http://schemas.microsoft.com/office/drawing/2014/main" id="{E9BB2142-85D0-8C30-ADE4-11C2C39915AC}"/>
+              </a:ext>
+            </a:extLst>
+          </p:cNvPr>
+          <p:cNvPicPr>
+            <a:picLocks noChangeAspect="1"/>
+          </p:cNvPicPr>
+          <p:nvPr/>
+        </p:nvPicPr>
+        <p:blipFill>
+          <a:blip r:embed="rId3"/>
+          <a:stretch>
+            <a:fillRect/>
+          </a:stretch>
+        </p:blipFill>
+        <p:spPr>
+          <a:xfrm>
+            <a:off x="1701923" y="3230414"/>
+            <a:ext cx="929298" cy="414610"/>
+          </a:xfrm>
+          <a:prstGeom prst="rect">
+            <a:avLst/>
+          </a:prstGeom>
+        </p:spPr>
+      </p:pic>
+      <p:pic>
+        <p:nvPicPr>
+          <p:cNvPr id="9" name="Immagine 8">
+            <a:extLst>
+              <a:ext uri="{FF2B5EF4-FFF2-40B4-BE49-F238E27FC236}">
+                <a16:creationId xmlns:a16="http://schemas.microsoft.com/office/drawing/2014/main" id="{00FE4E52-DB1A-161F-A468-0C833DBEB3A4}"/>
+              </a:ext>
+            </a:extLst>
+          </p:cNvPr>
+          <p:cNvPicPr>
+            <a:picLocks noChangeAspect="1"/>
+          </p:cNvPicPr>
+          <p:nvPr/>
+        </p:nvPicPr>
+        <p:blipFill>
+          <a:blip r:embed="rId4"/>
+          <a:stretch>
+            <a:fillRect/>
+          </a:stretch>
+        </p:blipFill>
+        <p:spPr>
+          <a:xfrm>
+            <a:off x="4392609" y="3255744"/>
+            <a:ext cx="915001" cy="414610"/>
+          </a:xfrm>
+          <a:prstGeom prst="rect">
+            <a:avLst/>
+          </a:prstGeom>
+        </p:spPr>
+      </p:pic>
+      <p:pic>
+        <p:nvPicPr>
+          <p:cNvPr id="11" name="Immagine 10">
+            <a:extLst>
+              <a:ext uri="{FF2B5EF4-FFF2-40B4-BE49-F238E27FC236}">
+                <a16:creationId xmlns:a16="http://schemas.microsoft.com/office/drawing/2014/main" id="{97783009-246E-A431-229D-363644B07F8E}"/>
+              </a:ext>
+            </a:extLst>
+          </p:cNvPr>
+          <p:cNvPicPr>
+            <a:picLocks noChangeAspect="1"/>
+          </p:cNvPicPr>
+          <p:nvPr/>
+        </p:nvPicPr>
+        <p:blipFill>
+          <a:blip r:embed="rId5"/>
+          <a:stretch>
+            <a:fillRect/>
+          </a:stretch>
+        </p:blipFill>
+        <p:spPr>
+          <a:xfrm>
+            <a:off x="4387037" y="2276872"/>
+            <a:ext cx="2358801" cy="332837"/>
+          </a:xfrm>
+          <a:prstGeom prst="rect">
+            <a:avLst/>
+          </a:prstGeom>
+        </p:spPr>
+      </p:pic>
+      <p:pic>
+        <p:nvPicPr>
+          <p:cNvPr id="13" name="Immagine 12">
+            <a:extLst>
+              <a:ext uri="{FF2B5EF4-FFF2-40B4-BE49-F238E27FC236}">
+                <a16:creationId xmlns:a16="http://schemas.microsoft.com/office/drawing/2014/main" id="{D81D97E3-D681-F79D-F7FF-2353A2FFCC2F}"/>
+              </a:ext>
+            </a:extLst>
+          </p:cNvPr>
+          <p:cNvPicPr>
+            <a:picLocks noChangeAspect="1"/>
+          </p:cNvPicPr>
+          <p:nvPr/>
+        </p:nvPicPr>
+        <p:blipFill>
+          <a:blip r:embed="rId6"/>
+          <a:stretch>
+            <a:fillRect/>
+          </a:stretch>
+        </p:blipFill>
+        <p:spPr>
+          <a:xfrm>
+            <a:off x="1714405" y="4521226"/>
+            <a:ext cx="4886463" cy="414609"/>
+          </a:xfrm>
+          <a:prstGeom prst="rect">
+            <a:avLst/>
+          </a:prstGeom>
+        </p:spPr>
+      </p:pic>
     </p:spTree>
     <p:extLst>
       <p:ext uri="{BB962C8B-B14F-4D97-AF65-F5344CB8AC3E}">
-        <p14:creationId xmlns:p14="http://schemas.microsoft.com/office/powerpoint/2010/main" val="2358682874"/>
+        <p14:creationId xmlns:p14="http://schemas.microsoft.com/office/powerpoint/2010/main" val="1405463813"/>
       </p:ext>
     </p:extLst>
   </p:cSld>
   <p:clrMapOvr>
     <a:masterClrMapping/>
   </p:clrMapOvr>
-  <mc:AlternateContent xmlns:mc="http://schemas.openxmlformats.org/markup-compatibility/2006">
-    <mc:Choice xmlns:p14="http://schemas.microsoft.com/office/powerpoint/2010/main" Requires="p14">
+  <mc:AlternateContent xmlns:mc="http://schemas.openxmlformats.org/markup-compatibility/2006" xmlns:p14="http://schemas.microsoft.com/office/powerpoint/2010/main">
+    <mc:Choice Requires="p14">
       <p:transition spd="med" p14:dur="700">
         <p:fade/>
       </p:transition>
     </mc:Choice>
-    <mc:Fallback>
+    <mc:Fallback xmlns="">
       <p:transition spd="med">
         <p:fade/>
       </p:transition>

--- a/Presentatione_NMPDE_Navier_Stokes_temp.pptx
+++ b/Presentatione_NMPDE_Navier_Stokes_temp.pptx
@@ -5,10 +5,10 @@
     <p:sldMasterId id="2147483648" r:id="rId1"/>
   </p:sldMasterIdLst>
   <p:notesMasterIdLst>
-    <p:notesMasterId r:id="rId21"/>
+    <p:notesMasterId r:id="rId22"/>
   </p:notesMasterIdLst>
   <p:handoutMasterIdLst>
-    <p:handoutMasterId r:id="rId22"/>
+    <p:handoutMasterId r:id="rId23"/>
   </p:handoutMasterIdLst>
   <p:sldIdLst>
     <p:sldId id="256" r:id="rId2"/>
@@ -21,15 +21,16 @@
     <p:sldId id="284" r:id="rId9"/>
     <p:sldId id="285" r:id="rId10"/>
     <p:sldId id="286" r:id="rId11"/>
-    <p:sldId id="268" r:id="rId12"/>
-    <p:sldId id="287" r:id="rId13"/>
-    <p:sldId id="288" r:id="rId14"/>
-    <p:sldId id="290" r:id="rId15"/>
-    <p:sldId id="277" r:id="rId16"/>
-    <p:sldId id="289" r:id="rId17"/>
-    <p:sldId id="260" r:id="rId18"/>
-    <p:sldId id="276" r:id="rId19"/>
-    <p:sldId id="278" r:id="rId20"/>
+    <p:sldId id="291" r:id="rId12"/>
+    <p:sldId id="268" r:id="rId13"/>
+    <p:sldId id="287" r:id="rId14"/>
+    <p:sldId id="288" r:id="rId15"/>
+    <p:sldId id="290" r:id="rId16"/>
+    <p:sldId id="277" r:id="rId17"/>
+    <p:sldId id="289" r:id="rId18"/>
+    <p:sldId id="260" r:id="rId19"/>
+    <p:sldId id="276" r:id="rId20"/>
+    <p:sldId id="278" r:id="rId21"/>
   </p:sldIdLst>
   <p:sldSz cx="12188825" cy="6858000"/>
   <p:notesSz cx="6858000" cy="9144000"/>
@@ -250,7 +251,7 @@
             <a:pPr rtl="0"/>
             <a:fld id="{23AEF8A9-CFB5-40C0-BAE2-5B4633EC9F63}" type="datetime1">
               <a:rPr lang="it-IT" smtClean="0"/>
-              <a:t>31/01/2023</a:t>
+              <a:t>01/02/2023</a:t>
             </a:fld>
             <a:endParaRPr lang="it-IT" dirty="0"/>
           </a:p>
@@ -427,7 +428,7 @@
             <a:fld id="{09F431D3-F76B-41A6-8072-4F6D884C46F8}" type="datetime1">
               <a:rPr lang="it-IT" smtClean="0"/>
               <a:pPr/>
-              <a:t>31/01/2023</a:t>
+              <a:t>01/02/2023</a:t>
             </a:fld>
             <a:endParaRPr lang="it-IT" dirty="0"/>
           </a:p>
@@ -945,7 +946,7 @@
             <a:fld id="{841221E5-7225-48EB-A4EE-420E7BFCF705}" type="slidenum">
               <a:rPr lang="it-IT" smtClean="0"/>
               <a:pPr rtl="0"/>
-              <a:t>11</a:t>
+              <a:t>12</a:t>
             </a:fld>
             <a:endParaRPr lang="it-IT" dirty="0"/>
           </a:p>
@@ -1031,7 +1032,7 @@
             <a:fld id="{841221E5-7225-48EB-A4EE-420E7BFCF705}" type="slidenum">
               <a:rPr lang="it-IT" smtClean="0"/>
               <a:pPr rtl="0"/>
-              <a:t>12</a:t>
+              <a:t>13</a:t>
             </a:fld>
             <a:endParaRPr lang="it-IT" dirty="0"/>
           </a:p>
@@ -1117,7 +1118,7 @@
             <a:fld id="{841221E5-7225-48EB-A4EE-420E7BFCF705}" type="slidenum">
               <a:rPr lang="it-IT" smtClean="0"/>
               <a:pPr rtl="0"/>
-              <a:t>13</a:t>
+              <a:t>14</a:t>
             </a:fld>
             <a:endParaRPr lang="it-IT" dirty="0"/>
           </a:p>
@@ -1203,7 +1204,7 @@
             <a:fld id="{841221E5-7225-48EB-A4EE-420E7BFCF705}" type="slidenum">
               <a:rPr lang="it-IT" smtClean="0"/>
               <a:pPr rtl="0"/>
-              <a:t>14</a:t>
+              <a:t>15</a:t>
             </a:fld>
             <a:endParaRPr lang="it-IT" dirty="0"/>
           </a:p>
@@ -1289,7 +1290,7 @@
             <a:fld id="{841221E5-7225-48EB-A4EE-420E7BFCF705}" type="slidenum">
               <a:rPr lang="it-IT" smtClean="0"/>
               <a:pPr rtl="0"/>
-              <a:t>15</a:t>
+              <a:t>16</a:t>
             </a:fld>
             <a:endParaRPr lang="it-IT" dirty="0"/>
           </a:p>
@@ -1375,7 +1376,7 @@
             <a:fld id="{841221E5-7225-48EB-A4EE-420E7BFCF705}" type="slidenum">
               <a:rPr lang="it-IT" smtClean="0"/>
               <a:pPr rtl="0"/>
-              <a:t>17</a:t>
+              <a:t>18</a:t>
             </a:fld>
             <a:endParaRPr lang="it-IT" dirty="0"/>
           </a:p>
@@ -1461,7 +1462,7 @@
             <a:fld id="{841221E5-7225-48EB-A4EE-420E7BFCF705}" type="slidenum">
               <a:rPr lang="it-IT" smtClean="0"/>
               <a:pPr rtl="0"/>
-              <a:t>18</a:t>
+              <a:t>19</a:t>
             </a:fld>
             <a:endParaRPr lang="it-IT" dirty="0"/>
           </a:p>
@@ -2399,7 +2400,7 @@
             <a:fld id="{982DBDC9-B003-41F0-B8B2-2F0AA2C1B651}" type="datetime1">
               <a:rPr lang="it-IT" smtClean="0"/>
               <a:pPr/>
-              <a:t>31/01/2023</a:t>
+              <a:t>01/02/2023</a:t>
             </a:fld>
             <a:endParaRPr lang="it-IT" dirty="0"/>
           </a:p>
@@ -2630,7 +2631,7 @@
             <a:fld id="{07E64E86-02CD-4AD8-8F6E-73FB87F29031}" type="datetime1">
               <a:rPr lang="it-IT" smtClean="0"/>
               <a:pPr/>
-              <a:t>31/01/2023</a:t>
+              <a:t>01/02/2023</a:t>
             </a:fld>
             <a:endParaRPr lang="it-IT" dirty="0"/>
           </a:p>
@@ -3456,7 +3457,7 @@
             <a:fld id="{56884175-B988-418C-8366-CD8114C73802}" type="datetime1">
               <a:rPr lang="it-IT" smtClean="0"/>
               <a:pPr/>
-              <a:t>31/01/2023</a:t>
+              <a:t>01/02/2023</a:t>
             </a:fld>
             <a:endParaRPr lang="it-IT" dirty="0"/>
           </a:p>
@@ -3665,7 +3666,7 @@
             <a:fld id="{07EF584B-7CE1-48A1-AB7A-1EEAB5F615CD}" type="datetime1">
               <a:rPr lang="it-IT" smtClean="0"/>
               <a:pPr/>
-              <a:t>31/01/2023</a:t>
+              <a:t>01/02/2023</a:t>
             </a:fld>
             <a:endParaRPr lang="it-IT" dirty="0"/>
           </a:p>
@@ -4934,7 +4935,7 @@
             <a:fld id="{2F956552-D53A-4557-8C38-42CBEA2EE1F9}" type="datetime1">
               <a:rPr lang="it-IT" smtClean="0"/>
               <a:pPr/>
-              <a:t>31/01/2023</a:t>
+              <a:t>01/02/2023</a:t>
             </a:fld>
             <a:endParaRPr lang="it-IT" dirty="0"/>
           </a:p>
@@ -5267,7 +5268,7 @@
             <a:fld id="{F68A04E6-3A63-4A5D-901F-B7E0EE19AFD7}" type="datetime1">
               <a:rPr lang="it-IT" smtClean="0"/>
               <a:pPr/>
-              <a:t>31/01/2023</a:t>
+              <a:t>01/02/2023</a:t>
             </a:fld>
             <a:endParaRPr lang="it-IT" dirty="0"/>
           </a:p>
@@ -5726,7 +5727,7 @@
             <a:fld id="{E89D5404-FB42-4B9E-BE7A-7821366B0BBC}" type="datetime1">
               <a:rPr lang="it-IT" smtClean="0"/>
               <a:pPr/>
-              <a:t>31/01/2023</a:t>
+              <a:t>01/02/2023</a:t>
             </a:fld>
             <a:endParaRPr lang="it-IT" dirty="0"/>
           </a:p>
@@ -5867,7 +5868,7 @@
             <a:fld id="{DA63B92F-6927-4909-8675-8FB028AE3CD8}" type="datetime1">
               <a:rPr lang="it-IT" smtClean="0"/>
               <a:pPr/>
-              <a:t>31/01/2023</a:t>
+              <a:t>01/02/2023</a:t>
             </a:fld>
             <a:endParaRPr lang="it-IT" dirty="0"/>
           </a:p>
@@ -6212,7 +6213,7 @@
             <a:fld id="{ACB5D043-5A31-4D67-9FB4-6681AB6A05C6}" type="datetime1">
               <a:rPr lang="it-IT" smtClean="0"/>
               <a:pPr/>
-              <a:t>31/01/2023</a:t>
+              <a:t>01/02/2023</a:t>
             </a:fld>
             <a:endParaRPr lang="it-IT" dirty="0"/>
           </a:p>
@@ -6715,7 +6716,7 @@
             <a:fld id="{7B44B99B-722F-4DC5-AC4D-948C49352303}" type="datetime1">
               <a:rPr lang="it-IT" smtClean="0"/>
               <a:pPr/>
-              <a:t>31/01/2023</a:t>
+              <a:t>01/02/2023</a:t>
             </a:fld>
             <a:endParaRPr lang="it-IT" dirty="0"/>
           </a:p>
@@ -7171,7 +7172,7 @@
             <a:fld id="{239C2E7C-B484-43C6-BE81-E8A28A90F8D9}" type="datetime1">
               <a:rPr lang="it-IT" smtClean="0"/>
               <a:pPr/>
-              <a:t>31/01/2023</a:t>
+              <a:t>01/02/2023</a:t>
             </a:fld>
             <a:endParaRPr lang="it-IT" dirty="0"/>
           </a:p>
@@ -8074,7 +8075,7 @@
             <a:fld id="{62DE71F0-C68A-46D7-94E0-C7A236B6AC63}" type="datetime1">
               <a:rPr lang="it-IT" smtClean="0"/>
               <a:pPr/>
-              <a:t>31/01/2023</a:t>
+              <a:t>01/02/2023</a:t>
             </a:fld>
             <a:endParaRPr lang="it-IT" dirty="0"/>
           </a:p>
@@ -8708,7 +8709,7 @@
         </p:blipFill>
         <p:spPr>
           <a:xfrm>
-            <a:off x="1701923" y="1916832"/>
+            <a:off x="1611317" y="2780928"/>
             <a:ext cx="2529953" cy="792088"/>
           </a:xfrm>
         </p:spPr>
@@ -8735,7 +8736,7 @@
         </p:blipFill>
         <p:spPr>
           <a:xfrm>
-            <a:off x="1701922" y="3404383"/>
+            <a:off x="1611317" y="4121976"/>
             <a:ext cx="1800201" cy="540060"/>
           </a:xfrm>
           <a:prstGeom prst="rect">
@@ -8743,6 +8744,193 @@
           </a:prstGeom>
         </p:spPr>
       </p:pic>
+      <p:sp>
+        <p:nvSpPr>
+          <p:cNvPr id="3" name="CasellaDiTesto 2">
+            <a:extLst>
+              <a:ext uri="{FF2B5EF4-FFF2-40B4-BE49-F238E27FC236}">
+                <a16:creationId xmlns:a16="http://schemas.microsoft.com/office/drawing/2014/main" id="{B6DE69A1-E3E7-842B-9CE7-966310DE1BEB}"/>
+              </a:ext>
+            </a:extLst>
+          </p:cNvPr>
+          <p:cNvSpPr txBox="1"/>
+          <p:nvPr/>
+        </p:nvSpPr>
+        <p:spPr>
+          <a:xfrm>
+            <a:off x="1593436" y="2060848"/>
+            <a:ext cx="10078978" cy="3139321"/>
+          </a:xfrm>
+          <a:prstGeom prst="rect">
+            <a:avLst/>
+          </a:prstGeom>
+          <a:noFill/>
+        </p:spPr>
+        <p:txBody>
+          <a:bodyPr wrap="none" rtlCol="0">
+            <a:spAutoFit/>
+          </a:bodyPr>
+          <a:lstStyle/>
+          <a:p>
+            <a:r>
+              <a:rPr lang="it-IT" dirty="0"/>
+              <a:t>From the </a:t>
+            </a:r>
+            <a:r>
+              <a:rPr lang="it-IT" dirty="0" err="1"/>
+              <a:t>discretization</a:t>
+            </a:r>
+            <a:r>
+              <a:rPr lang="it-IT" dirty="0"/>
+              <a:t> of the </a:t>
+            </a:r>
+            <a:r>
+              <a:rPr lang="it-IT" dirty="0" err="1"/>
+              <a:t>problem</a:t>
+            </a:r>
+            <a:r>
+              <a:rPr lang="it-IT" dirty="0"/>
+              <a:t> </a:t>
+            </a:r>
+            <a:r>
+              <a:rPr lang="it-IT" dirty="0" err="1"/>
+              <a:t>we</a:t>
+            </a:r>
+            <a:r>
+              <a:rPr lang="it-IT" dirty="0"/>
+              <a:t> derive </a:t>
+            </a:r>
+            <a:r>
+              <a:rPr lang="it-IT" dirty="0" err="1"/>
+              <a:t>that</a:t>
+            </a:r>
+            <a:r>
+              <a:rPr lang="it-IT" dirty="0"/>
+              <a:t> </a:t>
+            </a:r>
+            <a:r>
+              <a:rPr lang="it-IT" dirty="0" err="1"/>
+              <a:t>we</a:t>
+            </a:r>
+            <a:r>
+              <a:rPr lang="it-IT" dirty="0"/>
+              <a:t> </a:t>
+            </a:r>
+            <a:r>
+              <a:rPr lang="it-IT" dirty="0" err="1"/>
+              <a:t>have</a:t>
+            </a:r>
+            <a:r>
+              <a:rPr lang="it-IT" dirty="0"/>
+              <a:t> to solve a linear system </a:t>
+            </a:r>
+            <a:r>
+              <a:rPr lang="it-IT" dirty="0" err="1"/>
+              <a:t>at</a:t>
+            </a:r>
+            <a:r>
+              <a:rPr lang="it-IT" dirty="0"/>
+              <a:t> </a:t>
+            </a:r>
+            <a:r>
+              <a:rPr lang="it-IT" dirty="0" err="1"/>
+              <a:t>each</a:t>
+            </a:r>
+            <a:endParaRPr lang="it-IT" dirty="0"/>
+          </a:p>
+          <a:p>
+            <a:r>
+              <a:rPr lang="it-IT" dirty="0"/>
+              <a:t>Newton </a:t>
+            </a:r>
+            <a:r>
+              <a:rPr lang="it-IT" dirty="0" err="1"/>
+              <a:t>iteration</a:t>
+            </a:r>
+            <a:r>
+              <a:rPr lang="it-IT" dirty="0"/>
+              <a:t>, in </a:t>
+            </a:r>
+            <a:r>
+              <a:rPr lang="it-IT" dirty="0" err="1"/>
+              <a:t>every</a:t>
+            </a:r>
+            <a:r>
+              <a:rPr lang="it-IT" dirty="0"/>
+              <a:t> time step. The linear system </a:t>
+            </a:r>
+            <a:r>
+              <a:rPr lang="it-IT" dirty="0" err="1"/>
+              <a:t>has</a:t>
+            </a:r>
+            <a:r>
+              <a:rPr lang="it-IT" dirty="0"/>
+              <a:t> </a:t>
+            </a:r>
+            <a:r>
+              <a:rPr lang="it-IT" dirty="0" err="1"/>
+              <a:t>blocks</a:t>
+            </a:r>
+            <a:r>
+              <a:rPr lang="it-IT" dirty="0"/>
+              <a:t>:</a:t>
+            </a:r>
+          </a:p>
+          <a:p>
+            <a:endParaRPr lang="it-IT" dirty="0"/>
+          </a:p>
+          <a:p>
+            <a:endParaRPr lang="it-IT" dirty="0"/>
+          </a:p>
+          <a:p>
+            <a:endParaRPr lang="it-IT" dirty="0"/>
+          </a:p>
+          <a:p>
+            <a:endParaRPr lang="it-IT" dirty="0"/>
+          </a:p>
+          <a:p>
+            <a:r>
+              <a:rPr lang="it-IT" dirty="0" err="1"/>
+              <a:t>where</a:t>
+            </a:r>
+            <a:r>
+              <a:rPr lang="it-IT" dirty="0"/>
+              <a:t>:</a:t>
+            </a:r>
+          </a:p>
+          <a:p>
+            <a:endParaRPr lang="it-IT" dirty="0"/>
+          </a:p>
+          <a:p>
+            <a:endParaRPr lang="it-IT" dirty="0"/>
+          </a:p>
+          <a:p>
+            <a:endParaRPr lang="it-IT" dirty="0"/>
+          </a:p>
+          <a:p>
+            <a:r>
+              <a:rPr lang="it-IT" dirty="0"/>
+              <a:t>and M </a:t>
+            </a:r>
+            <a:r>
+              <a:rPr lang="it-IT" dirty="0" err="1"/>
+              <a:t>is</a:t>
+            </a:r>
+            <a:r>
+              <a:rPr lang="it-IT" dirty="0"/>
+              <a:t> the mass </a:t>
+            </a:r>
+            <a:r>
+              <a:rPr lang="it-IT" dirty="0" err="1"/>
+              <a:t>matrix</a:t>
+            </a:r>
+            <a:r>
+              <a:rPr lang="it-IT" dirty="0"/>
+              <a:t>.</a:t>
+            </a:r>
+          </a:p>
+        </p:txBody>
+      </p:sp>
     </p:spTree>
     <p:extLst>
       <p:ext uri="{BB962C8B-B14F-4D97-AF65-F5344CB8AC3E}">
@@ -8753,13 +8941,13 @@
   <p:clrMapOvr>
     <a:masterClrMapping/>
   </p:clrMapOvr>
-  <mc:AlternateContent xmlns:mc="http://schemas.openxmlformats.org/markup-compatibility/2006">
-    <mc:Choice xmlns:p14="http://schemas.microsoft.com/office/powerpoint/2010/main" Requires="p14">
+  <mc:AlternateContent xmlns:mc="http://schemas.openxmlformats.org/markup-compatibility/2006" xmlns:p14="http://schemas.microsoft.com/office/powerpoint/2010/main">
+    <mc:Choice Requires="p14">
       <p:transition spd="med" p14:dur="700">
         <p:fade/>
       </p:transition>
     </mc:Choice>
-    <mc:Fallback>
+    <mc:Fallback xmlns="">
       <p:transition spd="med">
         <p:fade/>
       </p:transition>
@@ -8769,6 +8957,161 @@
 </file>
 
 <file path=ppt/slides/slide11.xml><?xml version="1.0" encoding="utf-8"?>
+<p:sld xmlns:a="http://schemas.openxmlformats.org/drawingml/2006/main" xmlns:r="http://schemas.openxmlformats.org/officeDocument/2006/relationships" xmlns:p="http://schemas.openxmlformats.org/presentationml/2006/main">
+  <p:cSld>
+    <p:spTree>
+      <p:nvGrpSpPr>
+        <p:cNvPr id="1" name=""/>
+        <p:cNvGrpSpPr/>
+        <p:nvPr/>
+      </p:nvGrpSpPr>
+      <p:grpSpPr>
+        <a:xfrm>
+          <a:off x="0" y="0"/>
+          <a:ext cx="0" cy="0"/>
+          <a:chOff x="0" y="0"/>
+          <a:chExt cx="0" cy="0"/>
+        </a:xfrm>
+      </p:grpSpPr>
+      <p:sp>
+        <p:nvSpPr>
+          <p:cNvPr id="2" name="Titolo 1">
+            <a:extLst>
+              <a:ext uri="{FF2B5EF4-FFF2-40B4-BE49-F238E27FC236}">
+                <a16:creationId xmlns:a16="http://schemas.microsoft.com/office/drawing/2014/main" id="{1784EA9B-43DC-C52B-D9A8-3EBEE83C7BD9}"/>
+              </a:ext>
+            </a:extLst>
+          </p:cNvPr>
+          <p:cNvSpPr>
+            <a:spLocks noGrp="1"/>
+          </p:cNvSpPr>
+          <p:nvPr>
+            <p:ph type="title"/>
+          </p:nvPr>
+        </p:nvSpPr>
+        <p:spPr/>
+        <p:txBody>
+          <a:bodyPr/>
+          <a:lstStyle/>
+          <a:p>
+            <a:r>
+              <a:rPr lang="it-IT" dirty="0" err="1"/>
+              <a:t>Visualization</a:t>
+            </a:r>
+            <a:r>
+              <a:rPr lang="it-IT" dirty="0"/>
+              <a:t> of </a:t>
+            </a:r>
+            <a:r>
+              <a:rPr lang="it-IT" dirty="0" err="1"/>
+              <a:t>results</a:t>
+            </a:r>
+            <a:endParaRPr lang="it-IT" dirty="0"/>
+          </a:p>
+        </p:txBody>
+      </p:sp>
+      <p:sp>
+        <p:nvSpPr>
+          <p:cNvPr id="3" name="Segnaposto contenuto 2">
+            <a:extLst>
+              <a:ext uri="{FF2B5EF4-FFF2-40B4-BE49-F238E27FC236}">
+                <a16:creationId xmlns:a16="http://schemas.microsoft.com/office/drawing/2014/main" id="{CB5CEB3B-F988-A11D-AF01-B52EB1E93DEB}"/>
+              </a:ext>
+            </a:extLst>
+          </p:cNvPr>
+          <p:cNvSpPr>
+            <a:spLocks noGrp="1"/>
+          </p:cNvSpPr>
+          <p:nvPr>
+            <p:ph idx="1"/>
+          </p:nvPr>
+        </p:nvSpPr>
+        <p:spPr/>
+        <p:txBody>
+          <a:bodyPr/>
+          <a:lstStyle/>
+          <a:p>
+            <a:pPr marL="0" indent="0">
+              <a:buNone/>
+            </a:pPr>
+            <a:r>
+              <a:rPr lang="it-IT" dirty="0"/>
+              <a:t>In the </a:t>
+            </a:r>
+            <a:r>
+              <a:rPr lang="it-IT" dirty="0" err="1"/>
+              <a:t>next</a:t>
+            </a:r>
+            <a:r>
+              <a:rPr lang="it-IT" dirty="0"/>
+              <a:t> slides </a:t>
+            </a:r>
+            <a:r>
+              <a:rPr lang="it-IT" dirty="0" err="1"/>
+              <a:t>we</a:t>
+            </a:r>
+            <a:r>
+              <a:rPr lang="it-IT" dirty="0"/>
+              <a:t> are </a:t>
+            </a:r>
+            <a:r>
+              <a:rPr lang="it-IT" dirty="0" err="1"/>
+              <a:t>going</a:t>
+            </a:r>
+            <a:r>
+              <a:rPr lang="it-IT" dirty="0"/>
+              <a:t> to show some </a:t>
+            </a:r>
+            <a:r>
+              <a:rPr lang="it-IT" dirty="0" err="1"/>
+              <a:t>results</a:t>
+            </a:r>
+            <a:r>
+              <a:rPr lang="it-IT" dirty="0"/>
+              <a:t>, </a:t>
+            </a:r>
+            <a:r>
+              <a:rPr lang="it-IT" dirty="0" err="1"/>
+              <a:t>visualized</a:t>
+            </a:r>
+            <a:r>
+              <a:rPr lang="it-IT" dirty="0"/>
+              <a:t> in </a:t>
+            </a:r>
+            <a:r>
+              <a:rPr lang="it-IT" dirty="0" err="1"/>
+              <a:t>Paraview</a:t>
+            </a:r>
+            <a:endParaRPr lang="it-IT" dirty="0"/>
+          </a:p>
+        </p:txBody>
+      </p:sp>
+    </p:spTree>
+    <p:extLst>
+      <p:ext uri="{BB962C8B-B14F-4D97-AF65-F5344CB8AC3E}">
+        <p14:creationId xmlns:p14="http://schemas.microsoft.com/office/powerpoint/2010/main" val="2175200307"/>
+      </p:ext>
+    </p:extLst>
+  </p:cSld>
+  <p:clrMapOvr>
+    <a:masterClrMapping/>
+  </p:clrMapOvr>
+  <mc:AlternateContent xmlns:mc="http://schemas.openxmlformats.org/markup-compatibility/2006" xmlns:p14="http://schemas.microsoft.com/office/powerpoint/2010/main">
+    <mc:Choice Requires="p14">
+      <p:transition spd="med" p14:dur="700">
+        <p:fade/>
+      </p:transition>
+    </mc:Choice>
+    <mc:Fallback xmlns="">
+      <p:transition spd="med">
+        <p:fade/>
+      </p:transition>
+    </mc:Fallback>
+  </mc:AlternateContent>
+</p:sld>
+</file>
+
+<file path=ppt/slides/slide12.xml><?xml version="1.0" encoding="utf-8"?>
 <p:sld xmlns:a="http://schemas.openxmlformats.org/drawingml/2006/main" xmlns:r="http://schemas.openxmlformats.org/officeDocument/2006/relationships" xmlns:p="http://schemas.openxmlformats.org/presentationml/2006/main">
   <p:cSld>
     <p:spTree>
@@ -8866,7 +9209,7 @@
 </p:sld>
 </file>
 
-<file path=ppt/slides/slide12.xml><?xml version="1.0" encoding="utf-8"?>
+<file path=ppt/slides/slide13.xml><?xml version="1.0" encoding="utf-8"?>
 <p:sld xmlns:a="http://schemas.openxmlformats.org/drawingml/2006/main" xmlns:r="http://schemas.openxmlformats.org/officeDocument/2006/relationships" xmlns:p="http://schemas.openxmlformats.org/presentationml/2006/main">
   <p:cSld>
     <p:spTree>
@@ -8981,13 +9324,13 @@
   <p:clrMapOvr>
     <a:masterClrMapping/>
   </p:clrMapOvr>
-  <mc:AlternateContent xmlns:mc="http://schemas.openxmlformats.org/markup-compatibility/2006">
-    <mc:Choice xmlns:p14="http://schemas.microsoft.com/office/powerpoint/2010/main" Requires="p14">
+  <mc:AlternateContent xmlns:mc="http://schemas.openxmlformats.org/markup-compatibility/2006" xmlns:p14="http://schemas.microsoft.com/office/powerpoint/2010/main">
+    <mc:Choice Requires="p14">
       <p:transition spd="med" p14:dur="700">
         <p:fade/>
       </p:transition>
     </mc:Choice>
-    <mc:Fallback>
+    <mc:Fallback xmlns="">
       <p:transition spd="med">
         <p:fade/>
       </p:transition>
@@ -8996,7 +9339,7 @@
 </p:sld>
 </file>
 
-<file path=ppt/slides/slide13.xml><?xml version="1.0" encoding="utf-8"?>
+<file path=ppt/slides/slide14.xml><?xml version="1.0" encoding="utf-8"?>
 <p:sld xmlns:a="http://schemas.openxmlformats.org/drawingml/2006/main" xmlns:r="http://schemas.openxmlformats.org/officeDocument/2006/relationships" xmlns:p="http://schemas.openxmlformats.org/presentationml/2006/main">
   <p:cSld>
     <p:spTree>
@@ -9087,13 +9430,13 @@
   <p:clrMapOvr>
     <a:masterClrMapping/>
   </p:clrMapOvr>
-  <mc:AlternateContent xmlns:mc="http://schemas.openxmlformats.org/markup-compatibility/2006">
-    <mc:Choice xmlns:p14="http://schemas.microsoft.com/office/powerpoint/2010/main" Requires="p14">
+  <mc:AlternateContent xmlns:mc="http://schemas.openxmlformats.org/markup-compatibility/2006" xmlns:p14="http://schemas.microsoft.com/office/powerpoint/2010/main">
+    <mc:Choice Requires="p14">
       <p:transition spd="med" p14:dur="700">
         <p:fade/>
       </p:transition>
     </mc:Choice>
-    <mc:Fallback>
+    <mc:Fallback xmlns="">
       <p:transition spd="med">
         <p:fade/>
       </p:transition>
@@ -9102,7 +9445,7 @@
 </p:sld>
 </file>
 
-<file path=ppt/slides/slide14.xml><?xml version="1.0" encoding="utf-8"?>
+<file path=ppt/slides/slide15.xml><?xml version="1.0" encoding="utf-8"?>
 <p:sld xmlns:a="http://schemas.openxmlformats.org/drawingml/2006/main" xmlns:r="http://schemas.openxmlformats.org/officeDocument/2006/relationships" xmlns:p="http://schemas.openxmlformats.org/presentationml/2006/main">
   <p:cSld>
     <p:spTree>
@@ -9225,101 +9568,6 @@
   <p:clrMapOvr>
     <a:masterClrMapping/>
   </p:clrMapOvr>
-  <mc:AlternateContent xmlns:mc="http://schemas.openxmlformats.org/markup-compatibility/2006">
-    <mc:Choice xmlns:p14="http://schemas.microsoft.com/office/powerpoint/2010/main" Requires="p14">
-      <p:transition spd="med" p14:dur="700">
-        <p:fade/>
-      </p:transition>
-    </mc:Choice>
-    <mc:Fallback>
-      <p:transition spd="med">
-        <p:fade/>
-      </p:transition>
-    </mc:Fallback>
-  </mc:AlternateContent>
-</p:sld>
-</file>
-
-<file path=ppt/slides/slide15.xml><?xml version="1.0" encoding="utf-8"?>
-<p:sld xmlns:a="http://schemas.openxmlformats.org/drawingml/2006/main" xmlns:r="http://schemas.openxmlformats.org/officeDocument/2006/relationships" xmlns:p="http://schemas.openxmlformats.org/presentationml/2006/main">
-  <p:cSld>
-    <p:spTree>
-      <p:nvGrpSpPr>
-        <p:cNvPr id="1" name=""/>
-        <p:cNvGrpSpPr/>
-        <p:nvPr/>
-      </p:nvGrpSpPr>
-      <p:grpSpPr>
-        <a:xfrm>
-          <a:off x="0" y="0"/>
-          <a:ext cx="0" cy="0"/>
-          <a:chOff x="0" y="0"/>
-          <a:chExt cx="0" cy="0"/>
-        </a:xfrm>
-      </p:grpSpPr>
-      <p:sp>
-        <p:nvSpPr>
-          <p:cNvPr id="2" name="Titolo 1"/>
-          <p:cNvSpPr>
-            <a:spLocks noGrp="1"/>
-          </p:cNvSpPr>
-          <p:nvPr>
-            <p:ph type="title"/>
-          </p:nvPr>
-        </p:nvSpPr>
-        <p:spPr/>
-        <p:txBody>
-          <a:bodyPr rtlCol="0"/>
-          <a:lstStyle/>
-          <a:p>
-            <a:pPr rtl="0"/>
-            <a:r>
-              <a:rPr lang="it-IT" dirty="0"/>
-              <a:t>Study of Reynolds </a:t>
-            </a:r>
-            <a:r>
-              <a:rPr lang="it-IT" dirty="0" err="1"/>
-              <a:t>Number</a:t>
-            </a:r>
-            <a:endParaRPr lang="it-IT" dirty="0"/>
-          </a:p>
-        </p:txBody>
-      </p:sp>
-      <p:sp>
-        <p:nvSpPr>
-          <p:cNvPr id="4" name="Segnaposto contenuto 3">
-            <a:extLst>
-              <a:ext uri="{FF2B5EF4-FFF2-40B4-BE49-F238E27FC236}">
-                <a16:creationId xmlns:a16="http://schemas.microsoft.com/office/drawing/2014/main" id="{D9240AE8-4C1E-00B7-71CC-4EDB8B118DE3}"/>
-              </a:ext>
-            </a:extLst>
-          </p:cNvPr>
-          <p:cNvSpPr>
-            <a:spLocks noGrp="1"/>
-          </p:cNvSpPr>
-          <p:nvPr>
-            <p:ph idx="1"/>
-          </p:nvPr>
-        </p:nvSpPr>
-        <p:spPr/>
-        <p:txBody>
-          <a:bodyPr/>
-          <a:lstStyle/>
-          <a:p>
-            <a:endParaRPr lang="it-IT"/>
-          </a:p>
-        </p:txBody>
-      </p:sp>
-    </p:spTree>
-    <p:extLst>
-      <p:ext uri="{BB962C8B-B14F-4D97-AF65-F5344CB8AC3E}">
-        <p14:creationId xmlns:p14="http://schemas.microsoft.com/office/powerpoint/2010/main" val="12878743"/>
-      </p:ext>
-    </p:extLst>
-  </p:cSld>
-  <p:clrMapOvr>
-    <a:masterClrMapping/>
-  </p:clrMapOvr>
   <mc:AlternateContent xmlns:mc="http://schemas.openxmlformats.org/markup-compatibility/2006" xmlns:p14="http://schemas.microsoft.com/office/powerpoint/2010/main">
     <mc:Choice Requires="p14">
       <p:transition spd="med" p14:dur="700">
@@ -9354,6 +9602,101 @@
       </p:grpSpPr>
       <p:sp>
         <p:nvSpPr>
+          <p:cNvPr id="2" name="Titolo 1"/>
+          <p:cNvSpPr>
+            <a:spLocks noGrp="1"/>
+          </p:cNvSpPr>
+          <p:nvPr>
+            <p:ph type="title"/>
+          </p:nvPr>
+        </p:nvSpPr>
+        <p:spPr/>
+        <p:txBody>
+          <a:bodyPr rtlCol="0"/>
+          <a:lstStyle/>
+          <a:p>
+            <a:pPr rtl="0"/>
+            <a:r>
+              <a:rPr lang="it-IT" dirty="0"/>
+              <a:t>Study of Reynolds </a:t>
+            </a:r>
+            <a:r>
+              <a:rPr lang="it-IT" dirty="0" err="1"/>
+              <a:t>Number</a:t>
+            </a:r>
+            <a:endParaRPr lang="it-IT" dirty="0"/>
+          </a:p>
+        </p:txBody>
+      </p:sp>
+      <p:sp>
+        <p:nvSpPr>
+          <p:cNvPr id="4" name="Segnaposto contenuto 3">
+            <a:extLst>
+              <a:ext uri="{FF2B5EF4-FFF2-40B4-BE49-F238E27FC236}">
+                <a16:creationId xmlns:a16="http://schemas.microsoft.com/office/drawing/2014/main" id="{D9240AE8-4C1E-00B7-71CC-4EDB8B118DE3}"/>
+              </a:ext>
+            </a:extLst>
+          </p:cNvPr>
+          <p:cNvSpPr>
+            <a:spLocks noGrp="1"/>
+          </p:cNvSpPr>
+          <p:nvPr>
+            <p:ph idx="1"/>
+          </p:nvPr>
+        </p:nvSpPr>
+        <p:spPr/>
+        <p:txBody>
+          <a:bodyPr/>
+          <a:lstStyle/>
+          <a:p>
+            <a:endParaRPr lang="it-IT"/>
+          </a:p>
+        </p:txBody>
+      </p:sp>
+    </p:spTree>
+    <p:extLst>
+      <p:ext uri="{BB962C8B-B14F-4D97-AF65-F5344CB8AC3E}">
+        <p14:creationId xmlns:p14="http://schemas.microsoft.com/office/powerpoint/2010/main" val="12878743"/>
+      </p:ext>
+    </p:extLst>
+  </p:cSld>
+  <p:clrMapOvr>
+    <a:masterClrMapping/>
+  </p:clrMapOvr>
+  <mc:AlternateContent xmlns:mc="http://schemas.openxmlformats.org/markup-compatibility/2006" xmlns:p14="http://schemas.microsoft.com/office/powerpoint/2010/main">
+    <mc:Choice Requires="p14">
+      <p:transition spd="med" p14:dur="700">
+        <p:fade/>
+      </p:transition>
+    </mc:Choice>
+    <mc:Fallback xmlns="">
+      <p:transition spd="med">
+        <p:fade/>
+      </p:transition>
+    </mc:Fallback>
+  </mc:AlternateContent>
+</p:sld>
+</file>
+
+<file path=ppt/slides/slide17.xml><?xml version="1.0" encoding="utf-8"?>
+<p:sld xmlns:a="http://schemas.openxmlformats.org/drawingml/2006/main" xmlns:r="http://schemas.openxmlformats.org/officeDocument/2006/relationships" xmlns:p="http://schemas.openxmlformats.org/presentationml/2006/main">
+  <p:cSld>
+    <p:spTree>
+      <p:nvGrpSpPr>
+        <p:cNvPr id="1" name=""/>
+        <p:cNvGrpSpPr/>
+        <p:nvPr/>
+      </p:nvGrpSpPr>
+      <p:grpSpPr>
+        <a:xfrm>
+          <a:off x="0" y="0"/>
+          <a:ext cx="0" cy="0"/>
+          <a:chOff x="0" y="0"/>
+          <a:chExt cx="0" cy="0"/>
+        </a:xfrm>
+      </p:grpSpPr>
+      <p:sp>
+        <p:nvSpPr>
           <p:cNvPr id="2" name="Titolo 1">
             <a:extLst>
               <a:ext uri="{FF2B5EF4-FFF2-40B4-BE49-F238E27FC236}">
@@ -9726,7 +10069,7 @@
 </p:sld>
 </file>
 
-<file path=ppt/slides/slide17.xml><?xml version="1.0" encoding="utf-8"?>
+<file path=ppt/slides/slide18.xml><?xml version="1.0" encoding="utf-8"?>
 <p:sld xmlns:a="http://schemas.openxmlformats.org/drawingml/2006/main" xmlns:r="http://schemas.openxmlformats.org/officeDocument/2006/relationships" xmlns:p="http://schemas.openxmlformats.org/presentationml/2006/main">
   <p:cSld>
     <p:spTree>
@@ -9918,201 +10261,6 @@
 </p:sld>
 </file>
 
-<file path=ppt/slides/slide18.xml><?xml version="1.0" encoding="utf-8"?>
-<p:sld xmlns:a="http://schemas.openxmlformats.org/drawingml/2006/main" xmlns:r="http://schemas.openxmlformats.org/officeDocument/2006/relationships" xmlns:p="http://schemas.openxmlformats.org/presentationml/2006/main">
-  <p:cSld>
-    <p:spTree>
-      <p:nvGrpSpPr>
-        <p:cNvPr id="1" name=""/>
-        <p:cNvGrpSpPr/>
-        <p:nvPr/>
-      </p:nvGrpSpPr>
-      <p:grpSpPr>
-        <a:xfrm>
-          <a:off x="0" y="0"/>
-          <a:ext cx="0" cy="0"/>
-          <a:chOff x="0" y="0"/>
-          <a:chExt cx="0" cy="0"/>
-        </a:xfrm>
-      </p:grpSpPr>
-      <p:sp>
-        <p:nvSpPr>
-          <p:cNvPr id="2" name="Titolo 1"/>
-          <p:cNvSpPr>
-            <a:spLocks noGrp="1"/>
-          </p:cNvSpPr>
-          <p:nvPr>
-            <p:ph type="title"/>
-          </p:nvPr>
-        </p:nvSpPr>
-        <p:spPr/>
-        <p:txBody>
-          <a:bodyPr rtlCol="0">
-            <a:normAutofit/>
-          </a:bodyPr>
-          <a:lstStyle/>
-          <a:p>
-            <a:pPr rtl="0"/>
-            <a:r>
-              <a:rPr lang="it-IT" sz="3200" dirty="0"/>
-              <a:t>Brief </a:t>
-            </a:r>
-            <a:r>
-              <a:rPr lang="it-IT" sz="3200" dirty="0" err="1"/>
-              <a:t>discussion</a:t>
-            </a:r>
-            <a:r>
-              <a:rPr lang="it-IT" sz="3200" dirty="0"/>
-              <a:t> on </a:t>
-            </a:r>
-            <a:r>
-              <a:rPr lang="it-IT" sz="3200" dirty="0" err="1"/>
-              <a:t>Preconditioners</a:t>
-            </a:r>
-            <a:endParaRPr lang="it-IT" sz="3200" dirty="0"/>
-          </a:p>
-        </p:txBody>
-      </p:sp>
-      <p:sp>
-        <p:nvSpPr>
-          <p:cNvPr id="4" name="Segnaposto testo 3"/>
-          <p:cNvSpPr>
-            <a:spLocks noGrp="1"/>
-          </p:cNvSpPr>
-          <p:nvPr>
-            <p:ph type="body" idx="1"/>
-          </p:nvPr>
-        </p:nvSpPr>
-        <p:spPr/>
-        <p:txBody>
-          <a:bodyPr rtlCol="0"/>
-          <a:lstStyle/>
-          <a:p>
-            <a:pPr rtl="0"/>
-            <a:r>
-              <a:rPr lang="it-IT" dirty="0"/>
-              <a:t>stokes</a:t>
-            </a:r>
-          </a:p>
-        </p:txBody>
-      </p:sp>
-      <p:sp>
-        <p:nvSpPr>
-          <p:cNvPr id="5" name="Segnaposto contenuto 4"/>
-          <p:cNvSpPr>
-            <a:spLocks noGrp="1"/>
-          </p:cNvSpPr>
-          <p:nvPr>
-            <p:ph sz="half" idx="2"/>
-          </p:nvPr>
-        </p:nvSpPr>
-        <p:spPr/>
-        <p:txBody>
-          <a:bodyPr rtlCol="0"/>
-          <a:lstStyle/>
-          <a:p>
-            <a:pPr rtl="0"/>
-            <a:r>
-              <a:rPr lang="it-IT" dirty="0" err="1"/>
-              <a:t>Diagonal</a:t>
-            </a:r>
-            <a:r>
-              <a:rPr lang="it-IT" dirty="0"/>
-              <a:t> + CG</a:t>
-            </a:r>
-          </a:p>
-          <a:p>
-            <a:pPr rtl="0"/>
-            <a:r>
-              <a:rPr lang="it-IT" dirty="0" err="1"/>
-              <a:t>Triangular</a:t>
-            </a:r>
-            <a:r>
-              <a:rPr lang="it-IT" dirty="0"/>
-              <a:t> + GMRES</a:t>
-            </a:r>
-          </a:p>
-        </p:txBody>
-      </p:sp>
-      <p:sp>
-        <p:nvSpPr>
-          <p:cNvPr id="6" name="Segnaposto testo 5"/>
-          <p:cNvSpPr>
-            <a:spLocks noGrp="1"/>
-          </p:cNvSpPr>
-          <p:nvPr>
-            <p:ph type="body" sz="quarter" idx="3"/>
-          </p:nvPr>
-        </p:nvSpPr>
-        <p:spPr/>
-        <p:txBody>
-          <a:bodyPr rtlCol="0"/>
-          <a:lstStyle/>
-          <a:p>
-            <a:pPr rtl="0"/>
-            <a:r>
-              <a:rPr lang="it-IT" dirty="0" err="1"/>
-              <a:t>Navier</a:t>
-            </a:r>
-            <a:r>
-              <a:rPr lang="it-IT" dirty="0"/>
-              <a:t>-stokes</a:t>
-            </a:r>
-          </a:p>
-        </p:txBody>
-      </p:sp>
-      <p:sp>
-        <p:nvSpPr>
-          <p:cNvPr id="11" name="Segnaposto contenuto 10"/>
-          <p:cNvSpPr>
-            <a:spLocks noGrp="1"/>
-          </p:cNvSpPr>
-          <p:nvPr>
-            <p:ph sz="quarter" idx="4"/>
-          </p:nvPr>
-        </p:nvSpPr>
-        <p:spPr/>
-        <p:txBody>
-          <a:bodyPr rtlCol="0"/>
-          <a:lstStyle/>
-          <a:p>
-            <a:pPr rtl="0"/>
-            <a:r>
-              <a:rPr lang="it-IT" dirty="0" err="1"/>
-              <a:t>Triangular</a:t>
-            </a:r>
-            <a:r>
-              <a:rPr lang="it-IT" dirty="0"/>
-              <a:t> + GMRES</a:t>
-            </a:r>
-          </a:p>
-        </p:txBody>
-      </p:sp>
-    </p:spTree>
-    <p:extLst>
-      <p:ext uri="{BB962C8B-B14F-4D97-AF65-F5344CB8AC3E}">
-        <p14:creationId xmlns:p14="http://schemas.microsoft.com/office/powerpoint/2010/main" val="2358682874"/>
-      </p:ext>
-    </p:extLst>
-  </p:cSld>
-  <p:clrMapOvr>
-    <a:masterClrMapping/>
-  </p:clrMapOvr>
-  <mc:AlternateContent xmlns:mc="http://schemas.openxmlformats.org/markup-compatibility/2006" xmlns:p14="http://schemas.microsoft.com/office/powerpoint/2010/main">
-    <mc:Choice Requires="p14">
-      <p:transition spd="med" p14:dur="700">
-        <p:fade/>
-      </p:transition>
-    </mc:Choice>
-    <mc:Fallback xmlns="">
-      <p:transition spd="med">
-        <p:fade/>
-      </p:transition>
-    </mc:Fallback>
-  </mc:AlternateContent>
-</p:sld>
-</file>
-
 <file path=ppt/slides/slide19.xml><?xml version="1.0" encoding="utf-8"?>
 <p:sld xmlns:a="http://schemas.openxmlformats.org/drawingml/2006/main" xmlns:r="http://schemas.openxmlformats.org/officeDocument/2006/relationships" xmlns:p="http://schemas.openxmlformats.org/presentationml/2006/main">
   <p:cSld>
@@ -10132,13 +10280,7 @@
       </p:grpSpPr>
       <p:sp>
         <p:nvSpPr>
-          <p:cNvPr id="2" name="Titolo 1">
-            <a:extLst>
-              <a:ext uri="{FF2B5EF4-FFF2-40B4-BE49-F238E27FC236}">
-                <a16:creationId xmlns:a16="http://schemas.microsoft.com/office/drawing/2014/main" id="{72C26F89-B319-D3E3-EB6F-43DF9B331C9C}"/>
-              </a:ext>
-            </a:extLst>
-          </p:cNvPr>
+          <p:cNvPr id="2" name="Titolo 1"/>
           <p:cNvSpPr>
             <a:spLocks noGrp="1"/>
           </p:cNvSpPr>
@@ -10148,35 +10290,151 @@
         </p:nvSpPr>
         <p:spPr/>
         <p:txBody>
-          <a:bodyPr>
+          <a:bodyPr rtlCol="0">
             <a:normAutofit/>
           </a:bodyPr>
           <a:lstStyle/>
           <a:p>
-            <a:r>
-              <a:rPr lang="it-IT" sz="4800" dirty="0"/>
-              <a:t>Thank </a:t>
-            </a:r>
-            <a:r>
-              <a:rPr lang="it-IT" sz="4800" dirty="0" err="1"/>
-              <a:t>you</a:t>
-            </a:r>
-            <a:r>
-              <a:rPr lang="it-IT" sz="4800" dirty="0"/>
-              <a:t> for the </a:t>
-            </a:r>
-            <a:r>
-              <a:rPr lang="it-IT" sz="4800" dirty="0" err="1"/>
-              <a:t>attention</a:t>
-            </a:r>
-            <a:endParaRPr lang="it-IT" sz="4800" dirty="0"/>
+            <a:pPr rtl="0"/>
+            <a:r>
+              <a:rPr lang="it-IT" sz="3200" dirty="0"/>
+              <a:t>Brief </a:t>
+            </a:r>
+            <a:r>
+              <a:rPr lang="it-IT" sz="3200" dirty="0" err="1"/>
+              <a:t>discussion</a:t>
+            </a:r>
+            <a:r>
+              <a:rPr lang="it-IT" sz="3200" dirty="0"/>
+              <a:t> on </a:t>
+            </a:r>
+            <a:r>
+              <a:rPr lang="it-IT" sz="3200" dirty="0" err="1"/>
+              <a:t>Preconditioners</a:t>
+            </a:r>
+            <a:endParaRPr lang="it-IT" sz="3200" dirty="0"/>
+          </a:p>
+        </p:txBody>
+      </p:sp>
+      <p:sp>
+        <p:nvSpPr>
+          <p:cNvPr id="4" name="Segnaposto testo 3"/>
+          <p:cNvSpPr>
+            <a:spLocks noGrp="1"/>
+          </p:cNvSpPr>
+          <p:nvPr>
+            <p:ph type="body" idx="1"/>
+          </p:nvPr>
+        </p:nvSpPr>
+        <p:spPr/>
+        <p:txBody>
+          <a:bodyPr rtlCol="0"/>
+          <a:lstStyle/>
+          <a:p>
+            <a:pPr rtl="0"/>
+            <a:r>
+              <a:rPr lang="it-IT" dirty="0"/>
+              <a:t>stokes</a:t>
+            </a:r>
+          </a:p>
+        </p:txBody>
+      </p:sp>
+      <p:sp>
+        <p:nvSpPr>
+          <p:cNvPr id="5" name="Segnaposto contenuto 4"/>
+          <p:cNvSpPr>
+            <a:spLocks noGrp="1"/>
+          </p:cNvSpPr>
+          <p:nvPr>
+            <p:ph sz="half" idx="2"/>
+          </p:nvPr>
+        </p:nvSpPr>
+        <p:spPr/>
+        <p:txBody>
+          <a:bodyPr rtlCol="0"/>
+          <a:lstStyle/>
+          <a:p>
+            <a:pPr rtl="0"/>
+            <a:r>
+              <a:rPr lang="it-IT" dirty="0" err="1"/>
+              <a:t>Diagonal</a:t>
+            </a:r>
+            <a:r>
+              <a:rPr lang="it-IT" dirty="0"/>
+              <a:t> + CG</a:t>
+            </a:r>
+          </a:p>
+          <a:p>
+            <a:pPr rtl="0"/>
+            <a:r>
+              <a:rPr lang="it-IT" dirty="0" err="1"/>
+              <a:t>Triangular</a:t>
+            </a:r>
+            <a:r>
+              <a:rPr lang="it-IT" dirty="0"/>
+              <a:t> + GMRES</a:t>
+            </a:r>
+          </a:p>
+        </p:txBody>
+      </p:sp>
+      <p:sp>
+        <p:nvSpPr>
+          <p:cNvPr id="6" name="Segnaposto testo 5"/>
+          <p:cNvSpPr>
+            <a:spLocks noGrp="1"/>
+          </p:cNvSpPr>
+          <p:nvPr>
+            <p:ph type="body" sz="quarter" idx="3"/>
+          </p:nvPr>
+        </p:nvSpPr>
+        <p:spPr/>
+        <p:txBody>
+          <a:bodyPr rtlCol="0"/>
+          <a:lstStyle/>
+          <a:p>
+            <a:pPr rtl="0"/>
+            <a:r>
+              <a:rPr lang="it-IT" dirty="0" err="1"/>
+              <a:t>Navier</a:t>
+            </a:r>
+            <a:r>
+              <a:rPr lang="it-IT" dirty="0"/>
+              <a:t>-stokes</a:t>
+            </a:r>
+          </a:p>
+        </p:txBody>
+      </p:sp>
+      <p:sp>
+        <p:nvSpPr>
+          <p:cNvPr id="11" name="Segnaposto contenuto 10"/>
+          <p:cNvSpPr>
+            <a:spLocks noGrp="1"/>
+          </p:cNvSpPr>
+          <p:nvPr>
+            <p:ph sz="quarter" idx="4"/>
+          </p:nvPr>
+        </p:nvSpPr>
+        <p:spPr/>
+        <p:txBody>
+          <a:bodyPr rtlCol="0"/>
+          <a:lstStyle/>
+          <a:p>
+            <a:pPr rtl="0"/>
+            <a:r>
+              <a:rPr lang="it-IT" dirty="0" err="1"/>
+              <a:t>Triangular</a:t>
+            </a:r>
+            <a:r>
+              <a:rPr lang="it-IT" dirty="0"/>
+              <a:t> + GMRES</a:t>
+            </a:r>
           </a:p>
         </p:txBody>
       </p:sp>
     </p:spTree>
     <p:extLst>
       <p:ext uri="{BB962C8B-B14F-4D97-AF65-F5344CB8AC3E}">
-        <p14:creationId xmlns:p14="http://schemas.microsoft.com/office/powerpoint/2010/main" val="363881606"/>
+        <p14:creationId xmlns:p14="http://schemas.microsoft.com/office/powerpoint/2010/main" val="2358682874"/>
       </p:ext>
     </p:extLst>
   </p:cSld>
@@ -10391,6 +10649,91 @@
 </p:sld>
 </file>
 
+<file path=ppt/slides/slide20.xml><?xml version="1.0" encoding="utf-8"?>
+<p:sld xmlns:a="http://schemas.openxmlformats.org/drawingml/2006/main" xmlns:r="http://schemas.openxmlformats.org/officeDocument/2006/relationships" xmlns:p="http://schemas.openxmlformats.org/presentationml/2006/main">
+  <p:cSld>
+    <p:spTree>
+      <p:nvGrpSpPr>
+        <p:cNvPr id="1" name=""/>
+        <p:cNvGrpSpPr/>
+        <p:nvPr/>
+      </p:nvGrpSpPr>
+      <p:grpSpPr>
+        <a:xfrm>
+          <a:off x="0" y="0"/>
+          <a:ext cx="0" cy="0"/>
+          <a:chOff x="0" y="0"/>
+          <a:chExt cx="0" cy="0"/>
+        </a:xfrm>
+      </p:grpSpPr>
+      <p:sp>
+        <p:nvSpPr>
+          <p:cNvPr id="2" name="Titolo 1">
+            <a:extLst>
+              <a:ext uri="{FF2B5EF4-FFF2-40B4-BE49-F238E27FC236}">
+                <a16:creationId xmlns:a16="http://schemas.microsoft.com/office/drawing/2014/main" id="{72C26F89-B319-D3E3-EB6F-43DF9B331C9C}"/>
+              </a:ext>
+            </a:extLst>
+          </p:cNvPr>
+          <p:cNvSpPr>
+            <a:spLocks noGrp="1"/>
+          </p:cNvSpPr>
+          <p:nvPr>
+            <p:ph type="title"/>
+          </p:nvPr>
+        </p:nvSpPr>
+        <p:spPr/>
+        <p:txBody>
+          <a:bodyPr>
+            <a:normAutofit/>
+          </a:bodyPr>
+          <a:lstStyle/>
+          <a:p>
+            <a:r>
+              <a:rPr lang="it-IT" sz="4800" dirty="0"/>
+              <a:t>Thank </a:t>
+            </a:r>
+            <a:r>
+              <a:rPr lang="it-IT" sz="4800" dirty="0" err="1"/>
+              <a:t>you</a:t>
+            </a:r>
+            <a:r>
+              <a:rPr lang="it-IT" sz="4800" dirty="0"/>
+              <a:t> for the </a:t>
+            </a:r>
+            <a:r>
+              <a:rPr lang="it-IT" sz="4800" dirty="0" err="1"/>
+              <a:t>attention</a:t>
+            </a:r>
+            <a:endParaRPr lang="it-IT" sz="4800" dirty="0"/>
+          </a:p>
+        </p:txBody>
+      </p:sp>
+    </p:spTree>
+    <p:extLst>
+      <p:ext uri="{BB962C8B-B14F-4D97-AF65-F5344CB8AC3E}">
+        <p14:creationId xmlns:p14="http://schemas.microsoft.com/office/powerpoint/2010/main" val="363881606"/>
+      </p:ext>
+    </p:extLst>
+  </p:cSld>
+  <p:clrMapOvr>
+    <a:masterClrMapping/>
+  </p:clrMapOvr>
+  <mc:AlternateContent xmlns:mc="http://schemas.openxmlformats.org/markup-compatibility/2006" xmlns:p14="http://schemas.microsoft.com/office/powerpoint/2010/main">
+    <mc:Choice Requires="p14">
+      <p:transition spd="med" p14:dur="700">
+        <p:fade/>
+      </p:transition>
+    </mc:Choice>
+    <mc:Fallback xmlns="">
+      <p:transition spd="med">
+        <p:fade/>
+      </p:transition>
+    </mc:Fallback>
+  </mc:AlternateContent>
+</p:sld>
+</file>
+
 <file path=ppt/slides/slide3.xml><?xml version="1.0" encoding="utf-8"?>
 <p:sld xmlns:a="http://schemas.openxmlformats.org/drawingml/2006/main" xmlns:r="http://schemas.openxmlformats.org/officeDocument/2006/relationships" xmlns:p="http://schemas.openxmlformats.org/presentationml/2006/main">
   <p:cSld>
@@ -10466,8 +10809,209 @@
         <p:spPr>
           <a:xfrm>
             <a:off x="1593436" y="1981200"/>
-            <a:ext cx="4913196" cy="2023864"/>
+            <a:ext cx="4068928" cy="1676090"/>
           </a:xfrm>
+        </p:spPr>
+      </p:pic>
+      <p:sp>
+        <p:nvSpPr>
+          <p:cNvPr id="4" name="CasellaDiTesto 3">
+            <a:extLst>
+              <a:ext uri="{FF2B5EF4-FFF2-40B4-BE49-F238E27FC236}">
+                <a16:creationId xmlns:a16="http://schemas.microsoft.com/office/drawing/2014/main" id="{3599EFDB-D44B-B152-0DE9-A95B72FC16DA}"/>
+              </a:ext>
+            </a:extLst>
+          </p:cNvPr>
+          <p:cNvSpPr txBox="1"/>
+          <p:nvPr/>
+        </p:nvSpPr>
+        <p:spPr>
+          <a:xfrm>
+            <a:off x="1701923" y="4005064"/>
+            <a:ext cx="9674313" cy="1754326"/>
+          </a:xfrm>
+          <a:prstGeom prst="rect">
+            <a:avLst/>
+          </a:prstGeom>
+          <a:noFill/>
+        </p:spPr>
+        <p:txBody>
+          <a:bodyPr wrap="square" rtlCol="0">
+            <a:spAutoFit/>
+          </a:bodyPr>
+          <a:lstStyle/>
+          <a:p>
+            <a:r>
+              <a:rPr lang="it-IT" dirty="0"/>
+              <a:t>For the </a:t>
+            </a:r>
+            <a:r>
+              <a:rPr lang="it-IT" dirty="0" err="1"/>
+              <a:t>weak</a:t>
+            </a:r>
+            <a:r>
+              <a:rPr lang="it-IT" dirty="0"/>
+              <a:t> </a:t>
+            </a:r>
+            <a:r>
+              <a:rPr lang="it-IT" dirty="0" err="1"/>
+              <a:t>formulation</a:t>
+            </a:r>
+            <a:r>
+              <a:rPr lang="it-IT" dirty="0"/>
+              <a:t> </a:t>
+            </a:r>
+            <a:r>
+              <a:rPr lang="it-IT" dirty="0" err="1"/>
+              <a:t>we</a:t>
+            </a:r>
+            <a:r>
+              <a:rPr lang="it-IT" dirty="0"/>
+              <a:t> introduce the following </a:t>
+            </a:r>
+            <a:r>
+              <a:rPr lang="it-IT" dirty="0" err="1"/>
+              <a:t>spaces</a:t>
+            </a:r>
+            <a:r>
+              <a:rPr lang="it-IT" dirty="0"/>
+              <a:t>:</a:t>
+            </a:r>
+          </a:p>
+          <a:p>
+            <a:endParaRPr lang="it-IT" dirty="0"/>
+          </a:p>
+          <a:p>
+            <a:endParaRPr lang="it-IT" dirty="0"/>
+          </a:p>
+          <a:p>
+            <a:endParaRPr lang="it-IT" dirty="0"/>
+          </a:p>
+          <a:p>
+            <a:endParaRPr lang="it-IT" dirty="0"/>
+          </a:p>
+          <a:p>
+            <a:r>
+              <a:rPr lang="it-IT" dirty="0"/>
+              <a:t>in </a:t>
+            </a:r>
+            <a:r>
+              <a:rPr lang="it-IT" dirty="0" err="1"/>
+              <a:t>which</a:t>
+            </a:r>
+            <a:r>
+              <a:rPr lang="it-IT" dirty="0"/>
+              <a:t> </a:t>
+            </a:r>
+            <a:r>
+              <a:rPr lang="it-IT" dirty="0" err="1"/>
+              <a:t>we</a:t>
+            </a:r>
+            <a:r>
+              <a:rPr lang="it-IT" dirty="0"/>
+              <a:t> </a:t>
+            </a:r>
+            <a:r>
+              <a:rPr lang="it-IT" dirty="0" err="1"/>
+              <a:t>want</a:t>
+            </a:r>
+            <a:r>
+              <a:rPr lang="it-IT" dirty="0"/>
+              <a:t> to </a:t>
+            </a:r>
+            <a:r>
+              <a:rPr lang="it-IT" dirty="0" err="1"/>
+              <a:t>find</a:t>
+            </a:r>
+            <a:r>
+              <a:rPr lang="it-IT" dirty="0"/>
+              <a:t> u in V and p in Q </a:t>
+            </a:r>
+            <a:r>
+              <a:rPr lang="it-IT" dirty="0" err="1"/>
+              <a:t>such</a:t>
+            </a:r>
+            <a:r>
+              <a:rPr lang="it-IT" dirty="0"/>
+              <a:t> </a:t>
+            </a:r>
+            <a:r>
+              <a:rPr lang="it-IT" dirty="0" err="1"/>
+              <a:t>that</a:t>
+            </a:r>
+            <a:r>
+              <a:rPr lang="it-IT" dirty="0"/>
+              <a:t> (</a:t>
+            </a:r>
+            <a:r>
+              <a:rPr lang="it-IT" dirty="0" err="1"/>
+              <a:t>next</a:t>
+            </a:r>
+            <a:r>
+              <a:rPr lang="it-IT" dirty="0"/>
+              <a:t> slide):</a:t>
+            </a:r>
+          </a:p>
+        </p:txBody>
+      </p:sp>
+      <p:pic>
+        <p:nvPicPr>
+          <p:cNvPr id="7" name="Immagine 6">
+            <a:extLst>
+              <a:ext uri="{FF2B5EF4-FFF2-40B4-BE49-F238E27FC236}">
+                <a16:creationId xmlns:a16="http://schemas.microsoft.com/office/drawing/2014/main" id="{1177DCF3-E031-FC68-436A-B0CA1CE7C11C}"/>
+              </a:ext>
+            </a:extLst>
+          </p:cNvPr>
+          <p:cNvPicPr>
+            <a:picLocks noChangeAspect="1"/>
+          </p:cNvPicPr>
+          <p:nvPr/>
+        </p:nvPicPr>
+        <p:blipFill>
+          <a:blip r:embed="rId3"/>
+          <a:stretch>
+            <a:fillRect/>
+          </a:stretch>
+        </p:blipFill>
+        <p:spPr>
+          <a:xfrm>
+            <a:off x="1701923" y="4603107"/>
+            <a:ext cx="3905658" cy="266053"/>
+          </a:xfrm>
+          <a:prstGeom prst="rect">
+            <a:avLst/>
+          </a:prstGeom>
+        </p:spPr>
+      </p:pic>
+      <p:pic>
+        <p:nvPicPr>
+          <p:cNvPr id="9" name="Immagine 8">
+            <a:extLst>
+              <a:ext uri="{FF2B5EF4-FFF2-40B4-BE49-F238E27FC236}">
+                <a16:creationId xmlns:a16="http://schemas.microsoft.com/office/drawing/2014/main" id="{E2B1AC51-D2A0-8457-67D9-F9CDC325BE63}"/>
+              </a:ext>
+            </a:extLst>
+          </p:cNvPr>
+          <p:cNvPicPr>
+            <a:picLocks noChangeAspect="1"/>
+          </p:cNvPicPr>
+          <p:nvPr/>
+        </p:nvPicPr>
+        <p:blipFill>
+          <a:blip r:embed="rId4"/>
+          <a:stretch>
+            <a:fillRect/>
+          </a:stretch>
+        </p:blipFill>
+        <p:spPr>
+          <a:xfrm>
+            <a:off x="1701923" y="4978808"/>
+            <a:ext cx="864097" cy="266697"/>
+          </a:xfrm>
+          <a:prstGeom prst="rect">
+            <a:avLst/>
+          </a:prstGeom>
         </p:spPr>
       </p:pic>
     </p:spTree>
@@ -10600,7 +11144,39 @@
             </a:pPr>
             <a:r>
               <a:rPr lang="it-IT" dirty="0" err="1"/>
-              <a:t>which</a:t>
+              <a:t>where</a:t>
+            </a:r>
+            <a:r>
+              <a:rPr lang="it-IT" dirty="0"/>
+              <a:t> v </a:t>
+            </a:r>
+            <a:r>
+              <a:rPr lang="it-IT" dirty="0" err="1"/>
+              <a:t>is</a:t>
+            </a:r>
+            <a:r>
+              <a:rPr lang="it-IT" dirty="0"/>
+              <a:t> in V and q </a:t>
+            </a:r>
+            <a:r>
+              <a:rPr lang="it-IT" dirty="0" err="1"/>
+              <a:t>is</a:t>
+            </a:r>
+            <a:r>
+              <a:rPr lang="it-IT" dirty="0"/>
+              <a:t> in Q, </a:t>
+            </a:r>
+            <a:r>
+              <a:rPr lang="it-IT" dirty="0" err="1"/>
+              <a:t>we</a:t>
+            </a:r>
+            <a:r>
+              <a:rPr lang="it-IT" dirty="0"/>
+              <a:t> can </a:t>
+            </a:r>
+            <a:r>
+              <a:rPr lang="it-IT" dirty="0" err="1"/>
+              <a:t>rewrite</a:t>
             </a:r>
             <a:r>
               <a:rPr lang="it-IT" dirty="0"/>
@@ -10608,15 +11184,7 @@
             </a:r>
             <a:r>
               <a:rPr lang="it-IT" dirty="0" err="1"/>
-              <a:t>we</a:t>
-            </a:r>
-            <a:r>
-              <a:rPr lang="it-IT" dirty="0"/>
-              <a:t> can </a:t>
-            </a:r>
-            <a:r>
-              <a:rPr lang="it-IT" dirty="0" err="1"/>
-              <a:t>write</a:t>
+              <a:t>it</a:t>
             </a:r>
             <a:r>
               <a:rPr lang="it-IT" dirty="0"/>
@@ -10926,10 +11494,157 @@
         <p:spPr>
           <a:xfrm>
             <a:off x="1596311" y="1844824"/>
-            <a:ext cx="5556933" cy="2160240"/>
+            <a:ext cx="4642117" cy="1804608"/>
           </a:xfrm>
         </p:spPr>
       </p:pic>
+      <p:sp>
+        <p:nvSpPr>
+          <p:cNvPr id="4" name="CasellaDiTesto 3">
+            <a:extLst>
+              <a:ext uri="{FF2B5EF4-FFF2-40B4-BE49-F238E27FC236}">
+                <a16:creationId xmlns:a16="http://schemas.microsoft.com/office/drawing/2014/main" id="{814BA5E9-DBD3-086D-462F-7E9C4C937E70}"/>
+              </a:ext>
+            </a:extLst>
+          </p:cNvPr>
+          <p:cNvSpPr txBox="1"/>
+          <p:nvPr/>
+        </p:nvSpPr>
+        <p:spPr>
+          <a:xfrm>
+            <a:off x="1593436" y="4221088"/>
+            <a:ext cx="6094428" cy="923330"/>
+          </a:xfrm>
+          <a:prstGeom prst="rect">
+            <a:avLst/>
+          </a:prstGeom>
+          <a:noFill/>
+        </p:spPr>
+        <p:txBody>
+          <a:bodyPr wrap="square">
+            <a:spAutoFit/>
+          </a:bodyPr>
+          <a:lstStyle/>
+          <a:p>
+            <a:r>
+              <a:rPr lang="it-IT" dirty="0"/>
+              <a:t>For the </a:t>
+            </a:r>
+            <a:r>
+              <a:rPr lang="it-IT" dirty="0" err="1"/>
+              <a:t>weak</a:t>
+            </a:r>
+            <a:r>
+              <a:rPr lang="it-IT" dirty="0"/>
+              <a:t> </a:t>
+            </a:r>
+            <a:r>
+              <a:rPr lang="it-IT" dirty="0" err="1"/>
+              <a:t>formulation</a:t>
+            </a:r>
+            <a:r>
+              <a:rPr lang="it-IT" dirty="0"/>
+              <a:t> </a:t>
+            </a:r>
+            <a:r>
+              <a:rPr lang="it-IT" dirty="0" err="1"/>
+              <a:t>we</a:t>
+            </a:r>
+            <a:r>
+              <a:rPr lang="it-IT" dirty="0"/>
+              <a:t> introduce the </a:t>
+            </a:r>
+            <a:r>
+              <a:rPr lang="it-IT" dirty="0" err="1"/>
+              <a:t>same</a:t>
+            </a:r>
+            <a:r>
+              <a:rPr lang="it-IT" dirty="0"/>
+              <a:t> </a:t>
+            </a:r>
+            <a:r>
+              <a:rPr lang="it-IT" dirty="0" err="1"/>
+              <a:t>spaces</a:t>
+            </a:r>
+            <a:r>
+              <a:rPr lang="it-IT" dirty="0"/>
+              <a:t> </a:t>
+            </a:r>
+            <a:r>
+              <a:rPr lang="it-IT" dirty="0" err="1"/>
+              <a:t>as</a:t>
+            </a:r>
+            <a:r>
+              <a:rPr lang="it-IT" dirty="0"/>
+              <a:t> </a:t>
+            </a:r>
+            <a:r>
+              <a:rPr lang="it-IT" dirty="0" err="1"/>
+              <a:t>before</a:t>
+            </a:r>
+            <a:r>
+              <a:rPr lang="it-IT" dirty="0"/>
+              <a:t>, in </a:t>
+            </a:r>
+            <a:r>
+              <a:rPr lang="it-IT" dirty="0" err="1"/>
+              <a:t>which</a:t>
+            </a:r>
+            <a:r>
+              <a:rPr lang="it-IT" dirty="0"/>
+              <a:t> </a:t>
+            </a:r>
+            <a:r>
+              <a:rPr lang="it-IT" dirty="0" err="1"/>
+              <a:t>we</a:t>
+            </a:r>
+            <a:r>
+              <a:rPr lang="it-IT" dirty="0"/>
+              <a:t> </a:t>
+            </a:r>
+            <a:r>
+              <a:rPr lang="it-IT" dirty="0" err="1"/>
+              <a:t>want</a:t>
+            </a:r>
+            <a:r>
+              <a:rPr lang="it-IT" dirty="0"/>
+              <a:t> to </a:t>
+            </a:r>
+            <a:r>
+              <a:rPr lang="it-IT" dirty="0" err="1"/>
+              <a:t>find</a:t>
+            </a:r>
+            <a:r>
+              <a:rPr lang="it-IT" dirty="0"/>
+              <a:t> u in V and p in Q </a:t>
+            </a:r>
+            <a:r>
+              <a:rPr lang="it-IT" dirty="0" err="1"/>
+              <a:t>such</a:t>
+            </a:r>
+            <a:r>
+              <a:rPr lang="it-IT" dirty="0"/>
+              <a:t> </a:t>
+            </a:r>
+            <a:r>
+              <a:rPr lang="it-IT" dirty="0" err="1"/>
+              <a:t>that</a:t>
+            </a:r>
+            <a:r>
+              <a:rPr lang="it-IT" dirty="0"/>
+              <a:t> (</a:t>
+            </a:r>
+            <a:r>
+              <a:rPr lang="it-IT" dirty="0" err="1"/>
+              <a:t>next</a:t>
+            </a:r>
+            <a:r>
+              <a:rPr lang="it-IT" dirty="0"/>
+              <a:t> slide):</a:t>
+            </a:r>
+          </a:p>
+        </p:txBody>
+      </p:sp>
     </p:spTree>
     <p:extLst>
       <p:ext uri="{BB962C8B-B14F-4D97-AF65-F5344CB8AC3E}">
@@ -10940,13 +11655,13 @@
   <p:clrMapOvr>
     <a:masterClrMapping/>
   </p:clrMapOvr>
-  <mc:AlternateContent xmlns:mc="http://schemas.openxmlformats.org/markup-compatibility/2006">
-    <mc:Choice xmlns:p14="http://schemas.microsoft.com/office/powerpoint/2010/main" Requires="p14">
+  <mc:AlternateContent xmlns:mc="http://schemas.openxmlformats.org/markup-compatibility/2006" xmlns:p14="http://schemas.microsoft.com/office/powerpoint/2010/main">
+    <mc:Choice Requires="p14">
       <p:transition spd="med" p14:dur="700">
         <p:fade/>
       </p:transition>
     </mc:Choice>
-    <mc:Fallback>
+    <mc:Fallback xmlns="">
       <p:transition spd="med">
         <p:fade/>
       </p:transition>
@@ -11094,7 +11809,7 @@
             </a:r>
             <a:r>
               <a:rPr lang="it-IT" sz="2400" dirty="0"/>
-              <a:t>:</a:t>
+              <a:t> (with v in V and q in Q):</a:t>
             </a:r>
           </a:p>
           <a:p>
@@ -11272,13 +11987,13 @@
   <p:clrMapOvr>
     <a:masterClrMapping/>
   </p:clrMapOvr>
-  <mc:AlternateContent xmlns:mc="http://schemas.openxmlformats.org/markup-compatibility/2006">
-    <mc:Choice xmlns:p14="http://schemas.microsoft.com/office/powerpoint/2010/main" Requires="p14">
+  <mc:AlternateContent xmlns:mc="http://schemas.openxmlformats.org/markup-compatibility/2006" xmlns:p14="http://schemas.microsoft.com/office/powerpoint/2010/main">
+    <mc:Choice Requires="p14">
       <p:transition spd="med" p14:dur="700">
         <p:fade/>
       </p:transition>
     </mc:Choice>
-    <mc:Fallback>
+    <mc:Fallback xmlns="">
       <p:transition spd="med">
         <p:fade/>
       </p:transition>
@@ -11515,13 +12230,13 @@
   <p:clrMapOvr>
     <a:masterClrMapping/>
   </p:clrMapOvr>
-  <mc:AlternateContent xmlns:mc="http://schemas.openxmlformats.org/markup-compatibility/2006">
-    <mc:Choice xmlns:p14="http://schemas.microsoft.com/office/powerpoint/2010/main" Requires="p14">
+  <mc:AlternateContent xmlns:mc="http://schemas.openxmlformats.org/markup-compatibility/2006" xmlns:p14="http://schemas.microsoft.com/office/powerpoint/2010/main">
+    <mc:Choice Requires="p14">
       <p:transition spd="med" p14:dur="700">
         <p:fade/>
       </p:transition>
     </mc:Choice>
-    <mc:Fallback>
+    <mc:Fallback xmlns="">
       <p:transition spd="med">
         <p:fade/>
       </p:transition>
@@ -11602,127 +12317,230 @@
         </p:nvSpPr>
         <p:spPr/>
         <p:txBody>
-          <a:bodyPr/>
+          <a:bodyPr>
+            <a:normAutofit lnSpcReduction="10000"/>
+          </a:bodyPr>
           <a:lstStyle/>
-          <a:p>
-            <a:r>
-              <a:rPr lang="it-IT" dirty="0" err="1"/>
-              <a:t>Now</a:t>
-            </a:r>
-            <a:r>
-              <a:rPr lang="it-IT" dirty="0"/>
-              <a:t> for </a:t>
-            </a:r>
-            <a:r>
-              <a:rPr lang="it-IT" dirty="0" err="1"/>
-              <a:t>each</a:t>
-            </a:r>
-            <a:r>
-              <a:rPr lang="it-IT" dirty="0"/>
-              <a:t> </a:t>
-            </a:r>
-            <a:r>
-              <a:rPr lang="it-IT" dirty="0" err="1"/>
-              <a:t>timestep</a:t>
-            </a:r>
-            <a:r>
-              <a:rPr lang="it-IT" dirty="0"/>
-              <a:t> </a:t>
-            </a:r>
-            <a:r>
-              <a:rPr lang="it-IT" dirty="0" err="1"/>
-              <a:t>we</a:t>
-            </a:r>
-            <a:r>
-              <a:rPr lang="it-IT" dirty="0"/>
-              <a:t> </a:t>
-            </a:r>
-            <a:r>
-              <a:rPr lang="it-IT" dirty="0" err="1"/>
-              <a:t>want</a:t>
-            </a:r>
-            <a:r>
-              <a:rPr lang="it-IT" dirty="0"/>
-              <a:t> to solve the Newton </a:t>
-            </a:r>
-            <a:r>
-              <a:rPr lang="it-IT" dirty="0" err="1"/>
-              <a:t>problem</a:t>
-            </a:r>
-            <a:r>
-              <a:rPr lang="it-IT" dirty="0"/>
-              <a:t>:</a:t>
-            </a:r>
-          </a:p>
-          <a:p>
-            <a:endParaRPr lang="it-IT" dirty="0"/>
-          </a:p>
-          <a:p>
-            <a:endParaRPr lang="it-IT" dirty="0"/>
-          </a:p>
           <a:p>
             <a:pPr marL="0" indent="0">
               <a:buNone/>
             </a:pPr>
             <a:r>
-              <a:rPr lang="it-IT" dirty="0" err="1"/>
+              <a:rPr lang="it-IT" sz="2400" dirty="0" err="1"/>
+              <a:t>Since</a:t>
+            </a:r>
+            <a:r>
+              <a:rPr lang="it-IT" sz="2400" dirty="0"/>
+              <a:t> the </a:t>
+            </a:r>
+            <a:r>
+              <a:rPr lang="it-IT" sz="2400" dirty="0" err="1"/>
+              <a:t>problem</a:t>
+            </a:r>
+            <a:r>
+              <a:rPr lang="it-IT" sz="2400" dirty="0"/>
+              <a:t> </a:t>
+            </a:r>
+            <a:r>
+              <a:rPr lang="it-IT" sz="2400" dirty="0" err="1"/>
+              <a:t>is</a:t>
+            </a:r>
+            <a:r>
+              <a:rPr lang="it-IT" sz="2400" dirty="0"/>
+              <a:t> non-linear, </a:t>
+            </a:r>
+            <a:r>
+              <a:rPr lang="it-IT" sz="2400" dirty="0" err="1"/>
+              <a:t>we</a:t>
+            </a:r>
+            <a:r>
+              <a:rPr lang="it-IT" sz="2400" dirty="0"/>
+              <a:t> </a:t>
+            </a:r>
+            <a:r>
+              <a:rPr lang="it-IT" sz="2400" dirty="0" err="1"/>
+              <a:t>adopt</a:t>
+            </a:r>
+            <a:r>
+              <a:rPr lang="it-IT" sz="2400" dirty="0"/>
+              <a:t> the Newton </a:t>
+            </a:r>
+            <a:r>
+              <a:rPr lang="it-IT" sz="2400" dirty="0" err="1"/>
+              <a:t>method</a:t>
+            </a:r>
+            <a:r>
+              <a:rPr lang="it-IT" sz="2400" dirty="0"/>
+              <a:t> for solving </a:t>
+            </a:r>
+            <a:r>
+              <a:rPr lang="it-IT" sz="2400" dirty="0" err="1"/>
+              <a:t>it</a:t>
+            </a:r>
+            <a:r>
+              <a:rPr lang="it-IT" sz="2400" dirty="0"/>
+              <a:t>. </a:t>
+            </a:r>
+            <a:r>
+              <a:rPr lang="it-IT" sz="2400" dirty="0" err="1"/>
+              <a:t>We</a:t>
+            </a:r>
+            <a:r>
+              <a:rPr lang="it-IT" sz="2400" dirty="0"/>
+              <a:t> split the time domain </a:t>
+            </a:r>
+            <a:r>
+              <a:rPr lang="it-IT" sz="2400" dirty="0" err="1"/>
+              <a:t>into</a:t>
+            </a:r>
+            <a:r>
+              <a:rPr lang="it-IT" sz="2400" dirty="0"/>
+              <a:t> N </a:t>
+            </a:r>
+            <a:r>
+              <a:rPr lang="it-IT" sz="2400" dirty="0" err="1"/>
+              <a:t>subintervals</a:t>
+            </a:r>
+            <a:r>
+              <a:rPr lang="it-IT" sz="2400" dirty="0"/>
+              <a:t> </a:t>
+            </a:r>
+            <a:r>
+              <a:rPr lang="it-IT" sz="2400" dirty="0" err="1"/>
+              <a:t>such</a:t>
+            </a:r>
+            <a:r>
+              <a:rPr lang="it-IT" sz="2400" dirty="0"/>
+              <a:t> </a:t>
+            </a:r>
+            <a:r>
+              <a:rPr lang="it-IT" sz="2400" dirty="0" err="1"/>
+              <a:t>that</a:t>
+            </a:r>
+            <a:r>
+              <a:rPr lang="it-IT" sz="2400" dirty="0"/>
+              <a:t> :</a:t>
+            </a:r>
+          </a:p>
+          <a:p>
+            <a:pPr marL="0" indent="0">
+              <a:buNone/>
+            </a:pPr>
+            <a:endParaRPr lang="it-IT" sz="2400" dirty="0"/>
+          </a:p>
+          <a:p>
+            <a:pPr marL="0" indent="0">
+              <a:buNone/>
+            </a:pPr>
+            <a:r>
+              <a:rPr lang="it-IT" sz="2400" dirty="0" err="1"/>
+              <a:t>Now</a:t>
+            </a:r>
+            <a:r>
+              <a:rPr lang="it-IT" sz="2400" dirty="0"/>
+              <a:t> for </a:t>
+            </a:r>
+            <a:r>
+              <a:rPr lang="it-IT" sz="2400" dirty="0" err="1"/>
+              <a:t>each</a:t>
+            </a:r>
+            <a:r>
+              <a:rPr lang="it-IT" sz="2400" dirty="0"/>
+              <a:t> </a:t>
+            </a:r>
+            <a:r>
+              <a:rPr lang="it-IT" sz="2400" dirty="0" err="1"/>
+              <a:t>timestep</a:t>
+            </a:r>
+            <a:r>
+              <a:rPr lang="it-IT" sz="2400" dirty="0"/>
+              <a:t> </a:t>
+            </a:r>
+            <a:r>
+              <a:rPr lang="it-IT" sz="2400" dirty="0" err="1"/>
+              <a:t>we</a:t>
+            </a:r>
+            <a:r>
+              <a:rPr lang="it-IT" sz="2400" dirty="0"/>
+              <a:t> </a:t>
+            </a:r>
+            <a:r>
+              <a:rPr lang="it-IT" sz="2400" dirty="0" err="1"/>
+              <a:t>want</a:t>
+            </a:r>
+            <a:r>
+              <a:rPr lang="it-IT" sz="2400" dirty="0"/>
+              <a:t> to solve the </a:t>
+            </a:r>
+            <a:r>
+              <a:rPr lang="it-IT" sz="2400" dirty="0" err="1"/>
+              <a:t>problem</a:t>
+            </a:r>
+            <a:r>
+              <a:rPr lang="it-IT" sz="2400" dirty="0"/>
+              <a:t> (</a:t>
+            </a:r>
+            <a:r>
+              <a:rPr lang="it-IT" sz="2400" dirty="0" err="1"/>
+              <a:t>using</a:t>
+            </a:r>
+            <a:r>
+              <a:rPr lang="it-IT" sz="2400" dirty="0"/>
+              <a:t> </a:t>
+            </a:r>
+            <a:r>
+              <a:rPr lang="it-IT" sz="2400" dirty="0" err="1"/>
+              <a:t>implicit</a:t>
+            </a:r>
+            <a:r>
+              <a:rPr lang="it-IT" sz="2400" dirty="0"/>
+              <a:t> Euler):</a:t>
+            </a:r>
+          </a:p>
+          <a:p>
+            <a:pPr marL="0" indent="0">
+              <a:buNone/>
+            </a:pPr>
+            <a:endParaRPr lang="it-IT" sz="2400" dirty="0"/>
+          </a:p>
+          <a:p>
+            <a:pPr marL="0" indent="0">
+              <a:buNone/>
+            </a:pPr>
+            <a:r>
+              <a:rPr lang="it-IT" sz="2400" dirty="0" err="1"/>
               <a:t>where</a:t>
             </a:r>
-            <a:r>
-              <a:rPr lang="it-IT" dirty="0"/>
-              <a:t> </a:t>
-            </a:r>
-            <a:r>
-              <a:rPr lang="it-IT" dirty="0" err="1"/>
+            <a:endParaRPr lang="it-IT" sz="2400" dirty="0"/>
+          </a:p>
+          <a:p>
+            <a:pPr marL="0" indent="0">
+              <a:buNone/>
+            </a:pPr>
+            <a:endParaRPr lang="it-IT" sz="2400" dirty="0"/>
+          </a:p>
+          <a:p>
+            <a:pPr marL="0" indent="0">
+              <a:buNone/>
+            </a:pPr>
+            <a:endParaRPr lang="it-IT" sz="2400" u="sng" dirty="0"/>
+          </a:p>
+          <a:p>
+            <a:pPr marL="0" indent="0">
+              <a:buNone/>
+            </a:pPr>
+            <a:r>
+              <a:rPr lang="it-IT" sz="2400" dirty="0"/>
+              <a:t>NB </a:t>
+            </a:r>
+            <a:r>
+              <a:rPr lang="it-IT" sz="2400" dirty="0" err="1"/>
               <a:t>we</a:t>
             </a:r>
             <a:r>
-              <a:rPr lang="it-IT" dirty="0"/>
-              <a:t> </a:t>
-            </a:r>
-            <a:r>
-              <a:rPr lang="it-IT" dirty="0" err="1"/>
-              <a:t>have</a:t>
-            </a:r>
-            <a:r>
-              <a:rPr lang="it-IT" dirty="0"/>
-              <a:t> the </a:t>
-            </a:r>
-            <a:r>
-              <a:rPr lang="it-IT" dirty="0" err="1"/>
-              <a:t>approximations</a:t>
-            </a:r>
-            <a:r>
-              <a:rPr lang="it-IT" dirty="0"/>
-              <a:t> of u </a:t>
-            </a:r>
-            <a:r>
-              <a:rPr lang="it-IT" dirty="0" err="1"/>
-              <a:t>at</a:t>
-            </a:r>
-            <a:r>
-              <a:rPr lang="it-IT" dirty="0"/>
-              <a:t> </a:t>
-            </a:r>
-            <a:r>
-              <a:rPr lang="it-IT" dirty="0" err="1"/>
-              <a:t>each</a:t>
-            </a:r>
-            <a:r>
-              <a:rPr lang="it-IT" dirty="0"/>
-              <a:t> </a:t>
-            </a:r>
-            <a:r>
-              <a:rPr lang="it-IT" dirty="0" err="1"/>
-              <a:t>timestep</a:t>
-            </a:r>
-            <a:r>
-              <a:rPr lang="it-IT" dirty="0"/>
-              <a:t>.</a:t>
-            </a:r>
-          </a:p>
-          <a:p>
-            <a:endParaRPr lang="it-IT" dirty="0"/>
+              <a:rPr lang="it-IT" sz="2400" dirty="0"/>
+              <a:t> call </a:t>
+            </a:r>
           </a:p>
         </p:txBody>
       </p:sp>
@@ -11748,8 +12566,98 @@
         </p:blipFill>
         <p:spPr>
           <a:xfrm>
-            <a:off x="1917947" y="2708920"/>
+            <a:off x="1593436" y="3586456"/>
             <a:ext cx="3973775" cy="360040"/>
+          </a:xfrm>
+          <a:prstGeom prst="rect">
+            <a:avLst/>
+          </a:prstGeom>
+        </p:spPr>
+      </p:pic>
+      <p:pic>
+        <p:nvPicPr>
+          <p:cNvPr id="6" name="Immagine 5">
+            <a:extLst>
+              <a:ext uri="{FF2B5EF4-FFF2-40B4-BE49-F238E27FC236}">
+                <a16:creationId xmlns:a16="http://schemas.microsoft.com/office/drawing/2014/main" id="{67347AE0-2F56-1B52-7391-BCD639A90E07}"/>
+              </a:ext>
+            </a:extLst>
+          </p:cNvPr>
+          <p:cNvPicPr>
+            <a:picLocks noChangeAspect="1"/>
+          </p:cNvPicPr>
+          <p:nvPr/>
+        </p:nvPicPr>
+        <p:blipFill>
+          <a:blip r:embed="rId3"/>
+          <a:stretch>
+            <a:fillRect/>
+          </a:stretch>
+        </p:blipFill>
+        <p:spPr>
+          <a:xfrm>
+            <a:off x="1593437" y="4595336"/>
+            <a:ext cx="1548648" cy="330779"/>
+          </a:xfrm>
+          <a:prstGeom prst="rect">
+            <a:avLst/>
+          </a:prstGeom>
+        </p:spPr>
+      </p:pic>
+      <p:pic>
+        <p:nvPicPr>
+          <p:cNvPr id="8" name="Immagine 7">
+            <a:extLst>
+              <a:ext uri="{FF2B5EF4-FFF2-40B4-BE49-F238E27FC236}">
+                <a16:creationId xmlns:a16="http://schemas.microsoft.com/office/drawing/2014/main" id="{D28671AC-E44C-AFCB-7982-7DB8CEE880F9}"/>
+              </a:ext>
+            </a:extLst>
+          </p:cNvPr>
+          <p:cNvPicPr>
+            <a:picLocks noChangeAspect="1"/>
+          </p:cNvPicPr>
+          <p:nvPr/>
+        </p:nvPicPr>
+        <p:blipFill>
+          <a:blip r:embed="rId4"/>
+          <a:stretch>
+            <a:fillRect/>
+          </a:stretch>
+        </p:blipFill>
+        <p:spPr>
+          <a:xfrm>
+            <a:off x="1593436" y="2406497"/>
+            <a:ext cx="2937918" cy="360039"/>
+          </a:xfrm>
+          <a:prstGeom prst="rect">
+            <a:avLst/>
+          </a:prstGeom>
+        </p:spPr>
+      </p:pic>
+      <p:pic>
+        <p:nvPicPr>
+          <p:cNvPr id="10" name="Immagine 9">
+            <a:extLst>
+              <a:ext uri="{FF2B5EF4-FFF2-40B4-BE49-F238E27FC236}">
+                <a16:creationId xmlns:a16="http://schemas.microsoft.com/office/drawing/2014/main" id="{D5EBC6AA-2760-6EB3-9F01-FFCA3FE7360F}"/>
+              </a:ext>
+            </a:extLst>
+          </p:cNvPr>
+          <p:cNvPicPr>
+            <a:picLocks noChangeAspect="1"/>
+          </p:cNvPicPr>
+          <p:nvPr/>
+        </p:nvPicPr>
+        <p:blipFill>
+          <a:blip r:embed="rId5"/>
+          <a:stretch>
+            <a:fillRect/>
+          </a:stretch>
+        </p:blipFill>
+        <p:spPr>
+          <a:xfrm>
+            <a:off x="3279073" y="5579598"/>
+            <a:ext cx="1780270" cy="313428"/>
           </a:xfrm>
           <a:prstGeom prst="rect">
             <a:avLst/>

--- a/Presentatione_NMPDE_Navier_Stokes_temp.pptx
+++ b/Presentatione_NMPDE_Navier_Stokes_temp.pptx
@@ -5,10 +5,10 @@
     <p:sldMasterId id="2147483648" r:id="rId1"/>
   </p:sldMasterIdLst>
   <p:notesMasterIdLst>
-    <p:notesMasterId r:id="rId22"/>
+    <p:notesMasterId r:id="rId23"/>
   </p:notesMasterIdLst>
   <p:handoutMasterIdLst>
-    <p:handoutMasterId r:id="rId23"/>
+    <p:handoutMasterId r:id="rId24"/>
   </p:handoutMasterIdLst>
   <p:sldIdLst>
     <p:sldId id="256" r:id="rId2"/>
@@ -25,12 +25,13 @@
     <p:sldId id="268" r:id="rId13"/>
     <p:sldId id="287" r:id="rId14"/>
     <p:sldId id="288" r:id="rId15"/>
-    <p:sldId id="290" r:id="rId16"/>
-    <p:sldId id="277" r:id="rId17"/>
-    <p:sldId id="289" r:id="rId18"/>
-    <p:sldId id="260" r:id="rId19"/>
-    <p:sldId id="276" r:id="rId20"/>
-    <p:sldId id="278" r:id="rId21"/>
+    <p:sldId id="292" r:id="rId16"/>
+    <p:sldId id="290" r:id="rId17"/>
+    <p:sldId id="277" r:id="rId18"/>
+    <p:sldId id="289" r:id="rId19"/>
+    <p:sldId id="260" r:id="rId20"/>
+    <p:sldId id="276" r:id="rId21"/>
+    <p:sldId id="278" r:id="rId22"/>
   </p:sldIdLst>
   <p:sldSz cx="12188825" cy="6858000"/>
   <p:notesSz cx="6858000" cy="9144000"/>
@@ -1204,7 +1205,7 @@
             <a:fld id="{841221E5-7225-48EB-A4EE-420E7BFCF705}" type="slidenum">
               <a:rPr lang="it-IT" smtClean="0"/>
               <a:pPr rtl="0"/>
-              <a:t>15</a:t>
+              <a:t>16</a:t>
             </a:fld>
             <a:endParaRPr lang="it-IT" dirty="0"/>
           </a:p>
@@ -1290,7 +1291,7 @@
             <a:fld id="{841221E5-7225-48EB-A4EE-420E7BFCF705}" type="slidenum">
               <a:rPr lang="it-IT" smtClean="0"/>
               <a:pPr rtl="0"/>
-              <a:t>16</a:t>
+              <a:t>17</a:t>
             </a:fld>
             <a:endParaRPr lang="it-IT" dirty="0"/>
           </a:p>
@@ -1376,7 +1377,7 @@
             <a:fld id="{841221E5-7225-48EB-A4EE-420E7BFCF705}" type="slidenum">
               <a:rPr lang="it-IT" smtClean="0"/>
               <a:pPr rtl="0"/>
-              <a:t>18</a:t>
+              <a:t>19</a:t>
             </a:fld>
             <a:endParaRPr lang="it-IT" dirty="0"/>
           </a:p>
@@ -1462,7 +1463,7 @@
             <a:fld id="{841221E5-7225-48EB-A4EE-420E7BFCF705}" type="slidenum">
               <a:rPr lang="it-IT" smtClean="0"/>
               <a:pPr rtl="0"/>
-              <a:t>19</a:t>
+              <a:t>20</a:t>
             </a:fld>
             <a:endParaRPr lang="it-IT" dirty="0"/>
           </a:p>
@@ -9464,6 +9465,473 @@
       </p:grpSpPr>
       <p:sp>
         <p:nvSpPr>
+          <p:cNvPr id="2" name="Titolo 1">
+            <a:extLst>
+              <a:ext uri="{FF2B5EF4-FFF2-40B4-BE49-F238E27FC236}">
+                <a16:creationId xmlns:a16="http://schemas.microsoft.com/office/drawing/2014/main" id="{33ED8202-C346-8142-B7FD-E9AA6B9183DA}"/>
+              </a:ext>
+            </a:extLst>
+          </p:cNvPr>
+          <p:cNvSpPr>
+            <a:spLocks noGrp="1"/>
+          </p:cNvSpPr>
+          <p:nvPr>
+            <p:ph type="title"/>
+          </p:nvPr>
+        </p:nvSpPr>
+        <p:spPr/>
+        <p:txBody>
+          <a:bodyPr/>
+          <a:lstStyle/>
+          <a:p>
+            <a:r>
+              <a:rPr lang="it-IT" dirty="0"/>
+              <a:t>Time-</a:t>
+            </a:r>
+            <a:r>
+              <a:rPr lang="it-IT" dirty="0" err="1"/>
+              <a:t>Dependent</a:t>
+            </a:r>
+            <a:r>
+              <a:rPr lang="it-IT" dirty="0"/>
+              <a:t> </a:t>
+            </a:r>
+            <a:r>
+              <a:rPr lang="it-IT" dirty="0" err="1"/>
+              <a:t>Navier</a:t>
+            </a:r>
+            <a:r>
+              <a:rPr lang="it-IT" dirty="0"/>
+              <a:t> Stokes</a:t>
+            </a:r>
+          </a:p>
+        </p:txBody>
+      </p:sp>
+      <p:sp>
+        <p:nvSpPr>
+          <p:cNvPr id="3" name="Segnaposto contenuto 2">
+            <a:extLst>
+              <a:ext uri="{FF2B5EF4-FFF2-40B4-BE49-F238E27FC236}">
+                <a16:creationId xmlns:a16="http://schemas.microsoft.com/office/drawing/2014/main" id="{62147A20-0C47-5864-59BA-6321BDF65FB1}"/>
+              </a:ext>
+            </a:extLst>
+          </p:cNvPr>
+          <p:cNvSpPr>
+            <a:spLocks noGrp="1"/>
+          </p:cNvSpPr>
+          <p:nvPr>
+            <p:ph idx="1"/>
+          </p:nvPr>
+        </p:nvSpPr>
+        <p:spPr/>
+        <p:txBody>
+          <a:bodyPr/>
+          <a:lstStyle/>
+          <a:p>
+            <a:pPr marL="0" indent="0">
+              <a:buNone/>
+            </a:pPr>
+            <a:r>
+              <a:rPr lang="it-IT" dirty="0"/>
+              <a:t>In the time-</a:t>
+            </a:r>
+            <a:r>
+              <a:rPr lang="it-IT" dirty="0" err="1"/>
+              <a:t>dependent</a:t>
+            </a:r>
+            <a:r>
+              <a:rPr lang="it-IT" dirty="0"/>
+              <a:t> </a:t>
+            </a:r>
+            <a:r>
+              <a:rPr lang="it-IT" dirty="0" err="1"/>
+              <a:t>version</a:t>
+            </a:r>
+            <a:r>
+              <a:rPr lang="it-IT" dirty="0"/>
+              <a:t> of the </a:t>
+            </a:r>
+            <a:r>
+              <a:rPr lang="it-IT" dirty="0" err="1"/>
+              <a:t>problem</a:t>
+            </a:r>
+            <a:r>
+              <a:rPr lang="it-IT" dirty="0"/>
+              <a:t> </a:t>
+            </a:r>
+            <a:r>
+              <a:rPr lang="it-IT" dirty="0" err="1"/>
+              <a:t>we</a:t>
+            </a:r>
+            <a:r>
+              <a:rPr lang="it-IT" dirty="0"/>
+              <a:t> </a:t>
+            </a:r>
+            <a:r>
+              <a:rPr lang="it-IT" dirty="0" err="1"/>
+              <a:t>have</a:t>
+            </a:r>
+            <a:r>
+              <a:rPr lang="it-IT" dirty="0"/>
+              <a:t> </a:t>
+            </a:r>
+            <a:r>
+              <a:rPr lang="it-IT" dirty="0" err="1"/>
+              <a:t>implemented</a:t>
+            </a:r>
+            <a:r>
+              <a:rPr lang="it-IT" dirty="0"/>
+              <a:t> </a:t>
+            </a:r>
+            <a:r>
+              <a:rPr lang="it-IT" dirty="0" err="1"/>
+              <a:t>different</a:t>
+            </a:r>
+            <a:r>
+              <a:rPr lang="it-IT" dirty="0"/>
+              <a:t> </a:t>
+            </a:r>
+            <a:r>
+              <a:rPr lang="it-IT" dirty="0" err="1"/>
+              <a:t>boundary</a:t>
+            </a:r>
+            <a:r>
+              <a:rPr lang="it-IT" dirty="0"/>
+              <a:t> </a:t>
+            </a:r>
+            <a:r>
+              <a:rPr lang="it-IT" dirty="0" err="1"/>
+              <a:t>conditions</a:t>
+            </a:r>
+            <a:r>
+              <a:rPr lang="it-IT" dirty="0"/>
+              <a:t>. </a:t>
+            </a:r>
+            <a:r>
+              <a:rPr lang="it-IT" dirty="0" err="1"/>
+              <a:t>Since</a:t>
+            </a:r>
+            <a:r>
+              <a:rPr lang="it-IT" dirty="0"/>
+              <a:t> </a:t>
+            </a:r>
+            <a:r>
+              <a:rPr lang="it-IT" dirty="0" err="1"/>
+              <a:t>until</a:t>
+            </a:r>
+            <a:r>
+              <a:rPr lang="it-IT" dirty="0"/>
+              <a:t> </a:t>
+            </a:r>
+            <a:r>
+              <a:rPr lang="it-IT" dirty="0" err="1"/>
+              <a:t>now</a:t>
+            </a:r>
+            <a:r>
+              <a:rPr lang="it-IT" dirty="0"/>
+              <a:t> </a:t>
+            </a:r>
+            <a:r>
+              <a:rPr lang="it-IT" dirty="0" err="1"/>
+              <a:t>we</a:t>
+            </a:r>
+            <a:r>
+              <a:rPr lang="it-IT" dirty="0"/>
+              <a:t> </a:t>
+            </a:r>
+            <a:r>
+              <a:rPr lang="it-IT" dirty="0" err="1"/>
+              <a:t>have</a:t>
+            </a:r>
+            <a:r>
+              <a:rPr lang="it-IT" dirty="0"/>
+              <a:t> </a:t>
+            </a:r>
+            <a:r>
+              <a:rPr lang="it-IT" dirty="0" err="1"/>
+              <a:t>simulated</a:t>
+            </a:r>
+            <a:r>
+              <a:rPr lang="it-IT" dirty="0"/>
+              <a:t> the flow inside a pipe with a </a:t>
+            </a:r>
+            <a:r>
+              <a:rPr lang="it-IT" dirty="0" err="1"/>
+              <a:t>cylindrical</a:t>
+            </a:r>
+            <a:r>
+              <a:rPr lang="it-IT" dirty="0"/>
+              <a:t> </a:t>
+            </a:r>
+            <a:r>
+              <a:rPr lang="it-IT" dirty="0" err="1"/>
+              <a:t>obstacle</a:t>
+            </a:r>
+            <a:r>
+              <a:rPr lang="it-IT" dirty="0"/>
+              <a:t>, </a:t>
+            </a:r>
+            <a:r>
+              <a:rPr lang="it-IT" dirty="0" err="1"/>
+              <a:t>now</a:t>
+            </a:r>
+            <a:r>
+              <a:rPr lang="it-IT" dirty="0"/>
+              <a:t> </a:t>
+            </a:r>
+            <a:r>
+              <a:rPr lang="it-IT" dirty="0" err="1"/>
+              <a:t>we</a:t>
+            </a:r>
+            <a:r>
+              <a:rPr lang="it-IT" dirty="0"/>
+              <a:t> </a:t>
+            </a:r>
+            <a:r>
+              <a:rPr lang="it-IT" dirty="0" err="1"/>
+              <a:t>want</a:t>
+            </a:r>
+            <a:r>
+              <a:rPr lang="it-IT" dirty="0"/>
+              <a:t> to simulate the flow of a </a:t>
+            </a:r>
+            <a:r>
+              <a:rPr lang="it-IT" dirty="0" err="1"/>
+              <a:t>section</a:t>
+            </a:r>
+            <a:r>
+              <a:rPr lang="it-IT" dirty="0"/>
+              <a:t> of a large </a:t>
+            </a:r>
+            <a:r>
+              <a:rPr lang="it-IT" dirty="0" err="1"/>
+              <a:t>fluid</a:t>
+            </a:r>
+            <a:r>
+              <a:rPr lang="it-IT" dirty="0"/>
+              <a:t> (e.g. the </a:t>
+            </a:r>
+            <a:r>
+              <a:rPr lang="it-IT" dirty="0" err="1"/>
+              <a:t>ocean</a:t>
+            </a:r>
+            <a:r>
+              <a:rPr lang="it-IT" dirty="0"/>
+              <a:t>) </a:t>
+            </a:r>
+            <a:r>
+              <a:rPr lang="it-IT" dirty="0" err="1"/>
+              <a:t>past</a:t>
+            </a:r>
+            <a:r>
+              <a:rPr lang="it-IT" dirty="0"/>
+              <a:t> a </a:t>
+            </a:r>
+            <a:r>
+              <a:rPr lang="it-IT" dirty="0" err="1"/>
+              <a:t>cylindrical</a:t>
+            </a:r>
+            <a:r>
+              <a:rPr lang="it-IT" dirty="0"/>
+              <a:t> </a:t>
+            </a:r>
+            <a:r>
+              <a:rPr lang="it-IT" dirty="0" err="1"/>
+              <a:t>object</a:t>
+            </a:r>
+            <a:r>
+              <a:rPr lang="it-IT" dirty="0"/>
+              <a:t>. To do so, </a:t>
+            </a:r>
+            <a:r>
+              <a:rPr lang="it-IT" dirty="0" err="1"/>
+              <a:t>we</a:t>
+            </a:r>
+            <a:r>
+              <a:rPr lang="it-IT" dirty="0"/>
+              <a:t> </a:t>
+            </a:r>
+            <a:r>
+              <a:rPr lang="it-IT" dirty="0" err="1"/>
+              <a:t>have</a:t>
+            </a:r>
+            <a:r>
+              <a:rPr lang="it-IT" dirty="0"/>
+              <a:t> </a:t>
+            </a:r>
+            <a:r>
+              <a:rPr lang="it-IT" dirty="0" err="1"/>
+              <a:t>removed</a:t>
+            </a:r>
+            <a:r>
+              <a:rPr lang="it-IT" dirty="0"/>
+              <a:t> the </a:t>
+            </a:r>
+            <a:r>
+              <a:rPr lang="it-IT" dirty="0" err="1"/>
+              <a:t>Dirichlet</a:t>
+            </a:r>
+            <a:r>
+              <a:rPr lang="it-IT" dirty="0"/>
+              <a:t> </a:t>
+            </a:r>
+            <a:r>
+              <a:rPr lang="it-IT" dirty="0" err="1"/>
+              <a:t>boundary</a:t>
+            </a:r>
+            <a:r>
+              <a:rPr lang="it-IT" dirty="0"/>
+              <a:t> </a:t>
+            </a:r>
+            <a:r>
+              <a:rPr lang="it-IT" dirty="0" err="1"/>
+              <a:t>conditions</a:t>
+            </a:r>
+            <a:r>
+              <a:rPr lang="it-IT" dirty="0"/>
+              <a:t> of u=0 on the </a:t>
+            </a:r>
+            <a:r>
+              <a:rPr lang="it-IT" dirty="0" err="1"/>
+              <a:t>wall</a:t>
+            </a:r>
+            <a:r>
+              <a:rPr lang="it-IT" dirty="0"/>
+              <a:t> and </a:t>
+            </a:r>
+            <a:r>
+              <a:rPr lang="it-IT" dirty="0" err="1"/>
+              <a:t>substituted</a:t>
+            </a:r>
+            <a:r>
+              <a:rPr lang="it-IT" dirty="0"/>
+              <a:t> </a:t>
+            </a:r>
+            <a:r>
+              <a:rPr lang="it-IT" dirty="0" err="1"/>
+              <a:t>them</a:t>
+            </a:r>
+            <a:r>
+              <a:rPr lang="it-IT" dirty="0"/>
+              <a:t> with Neumann </a:t>
+            </a:r>
+            <a:r>
+              <a:rPr lang="it-IT" dirty="0" err="1"/>
+              <a:t>conditions</a:t>
+            </a:r>
+            <a:r>
+              <a:rPr lang="it-IT" dirty="0"/>
+              <a:t>, </a:t>
+            </a:r>
+            <a:r>
+              <a:rPr lang="it-IT" dirty="0" err="1"/>
+              <a:t>which</a:t>
+            </a:r>
+            <a:r>
+              <a:rPr lang="it-IT" dirty="0"/>
+              <a:t> </a:t>
+            </a:r>
+            <a:r>
+              <a:rPr lang="it-IT" dirty="0" err="1"/>
+              <a:t>added</a:t>
+            </a:r>
+            <a:r>
+              <a:rPr lang="it-IT" dirty="0"/>
+              <a:t> a </a:t>
+            </a:r>
+            <a:r>
+              <a:rPr lang="it-IT" dirty="0" err="1"/>
+              <a:t>term</a:t>
+            </a:r>
+            <a:r>
+              <a:rPr lang="it-IT" dirty="0"/>
+              <a:t> in the </a:t>
+            </a:r>
+            <a:r>
+              <a:rPr lang="it-IT" dirty="0" err="1"/>
+              <a:t>right</a:t>
+            </a:r>
+            <a:r>
+              <a:rPr lang="it-IT" dirty="0"/>
+              <a:t> hand side:</a:t>
+            </a:r>
+          </a:p>
+        </p:txBody>
+      </p:sp>
+      <p:pic>
+        <p:nvPicPr>
+          <p:cNvPr id="5" name="Immagine 4">
+            <a:extLst>
+              <a:ext uri="{FF2B5EF4-FFF2-40B4-BE49-F238E27FC236}">
+                <a16:creationId xmlns:a16="http://schemas.microsoft.com/office/drawing/2014/main" id="{EEE0902D-FAEC-11EB-CA86-C7E85B2B9574}"/>
+              </a:ext>
+            </a:extLst>
+          </p:cNvPr>
+          <p:cNvPicPr>
+            <a:picLocks noChangeAspect="1"/>
+          </p:cNvPicPr>
+          <p:nvPr/>
+        </p:nvPicPr>
+        <p:blipFill>
+          <a:blip r:embed="rId2"/>
+          <a:stretch>
+            <a:fillRect/>
+          </a:stretch>
+        </p:blipFill>
+        <p:spPr>
+          <a:xfrm>
+            <a:off x="5194312" y="5013176"/>
+            <a:ext cx="1800200" cy="659228"/>
+          </a:xfrm>
+          <a:prstGeom prst="rect">
+            <a:avLst/>
+          </a:prstGeom>
+        </p:spPr>
+      </p:pic>
+    </p:spTree>
+    <p:extLst>
+      <p:ext uri="{BB962C8B-B14F-4D97-AF65-F5344CB8AC3E}">
+        <p14:creationId xmlns:p14="http://schemas.microsoft.com/office/powerpoint/2010/main" val="1623742763"/>
+      </p:ext>
+    </p:extLst>
+  </p:cSld>
+  <p:clrMapOvr>
+    <a:masterClrMapping/>
+  </p:clrMapOvr>
+  <mc:AlternateContent xmlns:mc="http://schemas.openxmlformats.org/markup-compatibility/2006" xmlns:p14="http://schemas.microsoft.com/office/powerpoint/2010/main">
+    <mc:Choice Requires="p14">
+      <p:transition spd="med" p14:dur="700">
+        <p:fade/>
+      </p:transition>
+    </mc:Choice>
+    <mc:Fallback xmlns="">
+      <p:transition spd="med">
+        <p:fade/>
+      </p:transition>
+    </mc:Fallback>
+  </mc:AlternateContent>
+</p:sld>
+</file>
+
+<file path=ppt/slides/slide16.xml><?xml version="1.0" encoding="utf-8"?>
+<p:sld xmlns:a="http://schemas.openxmlformats.org/drawingml/2006/main" xmlns:r="http://schemas.openxmlformats.org/officeDocument/2006/relationships" xmlns:p="http://schemas.openxmlformats.org/presentationml/2006/main">
+  <p:cSld>
+    <p:spTree>
+      <p:nvGrpSpPr>
+        <p:cNvPr id="1" name=""/>
+        <p:cNvGrpSpPr/>
+        <p:nvPr/>
+      </p:nvGrpSpPr>
+      <p:grpSpPr>
+        <a:xfrm>
+          <a:off x="0" y="0"/>
+          <a:ext cx="0" cy="0"/>
+          <a:chOff x="0" y="0"/>
+          <a:chExt cx="0" cy="0"/>
+        </a:xfrm>
+      </p:grpSpPr>
+      <p:sp>
+        <p:nvSpPr>
           <p:cNvPr id="2" name="Titolo 1"/>
           <p:cNvSpPr>
             <a:spLocks noGrp="1"/>
@@ -9583,7 +10051,7 @@
 </p:sld>
 </file>
 
-<file path=ppt/slides/slide16.xml><?xml version="1.0" encoding="utf-8"?>
+<file path=ppt/slides/slide17.xml><?xml version="1.0" encoding="utf-8"?>
 <p:sld xmlns:a="http://schemas.openxmlformats.org/drawingml/2006/main" xmlns:r="http://schemas.openxmlformats.org/officeDocument/2006/relationships" xmlns:p="http://schemas.openxmlformats.org/presentationml/2006/main">
   <p:cSld>
     <p:spTree>
@@ -9678,7 +10146,7 @@
 </p:sld>
 </file>
 
-<file path=ppt/slides/slide17.xml><?xml version="1.0" encoding="utf-8"?>
+<file path=ppt/slides/slide18.xml><?xml version="1.0" encoding="utf-8"?>
 <p:sld xmlns:a="http://schemas.openxmlformats.org/drawingml/2006/main" xmlns:r="http://schemas.openxmlformats.org/officeDocument/2006/relationships" xmlns:p="http://schemas.openxmlformats.org/presentationml/2006/main">
   <p:cSld>
     <p:spTree>
@@ -10069,7 +10537,7 @@
 </p:sld>
 </file>
 
-<file path=ppt/slides/slide18.xml><?xml version="1.0" encoding="utf-8"?>
+<file path=ppt/slides/slide19.xml><?xml version="1.0" encoding="utf-8"?>
 <p:sld xmlns:a="http://schemas.openxmlformats.org/drawingml/2006/main" xmlns:r="http://schemas.openxmlformats.org/officeDocument/2006/relationships" xmlns:p="http://schemas.openxmlformats.org/presentationml/2006/main">
   <p:cSld>
     <p:spTree>
@@ -10261,201 +10729,6 @@
 </p:sld>
 </file>
 
-<file path=ppt/slides/slide19.xml><?xml version="1.0" encoding="utf-8"?>
-<p:sld xmlns:a="http://schemas.openxmlformats.org/drawingml/2006/main" xmlns:r="http://schemas.openxmlformats.org/officeDocument/2006/relationships" xmlns:p="http://schemas.openxmlformats.org/presentationml/2006/main">
-  <p:cSld>
-    <p:spTree>
-      <p:nvGrpSpPr>
-        <p:cNvPr id="1" name=""/>
-        <p:cNvGrpSpPr/>
-        <p:nvPr/>
-      </p:nvGrpSpPr>
-      <p:grpSpPr>
-        <a:xfrm>
-          <a:off x="0" y="0"/>
-          <a:ext cx="0" cy="0"/>
-          <a:chOff x="0" y="0"/>
-          <a:chExt cx="0" cy="0"/>
-        </a:xfrm>
-      </p:grpSpPr>
-      <p:sp>
-        <p:nvSpPr>
-          <p:cNvPr id="2" name="Titolo 1"/>
-          <p:cNvSpPr>
-            <a:spLocks noGrp="1"/>
-          </p:cNvSpPr>
-          <p:nvPr>
-            <p:ph type="title"/>
-          </p:nvPr>
-        </p:nvSpPr>
-        <p:spPr/>
-        <p:txBody>
-          <a:bodyPr rtlCol="0">
-            <a:normAutofit/>
-          </a:bodyPr>
-          <a:lstStyle/>
-          <a:p>
-            <a:pPr rtl="0"/>
-            <a:r>
-              <a:rPr lang="it-IT" sz="3200" dirty="0"/>
-              <a:t>Brief </a:t>
-            </a:r>
-            <a:r>
-              <a:rPr lang="it-IT" sz="3200" dirty="0" err="1"/>
-              <a:t>discussion</a:t>
-            </a:r>
-            <a:r>
-              <a:rPr lang="it-IT" sz="3200" dirty="0"/>
-              <a:t> on </a:t>
-            </a:r>
-            <a:r>
-              <a:rPr lang="it-IT" sz="3200" dirty="0" err="1"/>
-              <a:t>Preconditioners</a:t>
-            </a:r>
-            <a:endParaRPr lang="it-IT" sz="3200" dirty="0"/>
-          </a:p>
-        </p:txBody>
-      </p:sp>
-      <p:sp>
-        <p:nvSpPr>
-          <p:cNvPr id="4" name="Segnaposto testo 3"/>
-          <p:cNvSpPr>
-            <a:spLocks noGrp="1"/>
-          </p:cNvSpPr>
-          <p:nvPr>
-            <p:ph type="body" idx="1"/>
-          </p:nvPr>
-        </p:nvSpPr>
-        <p:spPr/>
-        <p:txBody>
-          <a:bodyPr rtlCol="0"/>
-          <a:lstStyle/>
-          <a:p>
-            <a:pPr rtl="0"/>
-            <a:r>
-              <a:rPr lang="it-IT" dirty="0"/>
-              <a:t>stokes</a:t>
-            </a:r>
-          </a:p>
-        </p:txBody>
-      </p:sp>
-      <p:sp>
-        <p:nvSpPr>
-          <p:cNvPr id="5" name="Segnaposto contenuto 4"/>
-          <p:cNvSpPr>
-            <a:spLocks noGrp="1"/>
-          </p:cNvSpPr>
-          <p:nvPr>
-            <p:ph sz="half" idx="2"/>
-          </p:nvPr>
-        </p:nvSpPr>
-        <p:spPr/>
-        <p:txBody>
-          <a:bodyPr rtlCol="0"/>
-          <a:lstStyle/>
-          <a:p>
-            <a:pPr rtl="0"/>
-            <a:r>
-              <a:rPr lang="it-IT" dirty="0" err="1"/>
-              <a:t>Diagonal</a:t>
-            </a:r>
-            <a:r>
-              <a:rPr lang="it-IT" dirty="0"/>
-              <a:t> + CG</a:t>
-            </a:r>
-          </a:p>
-          <a:p>
-            <a:pPr rtl="0"/>
-            <a:r>
-              <a:rPr lang="it-IT" dirty="0" err="1"/>
-              <a:t>Triangular</a:t>
-            </a:r>
-            <a:r>
-              <a:rPr lang="it-IT" dirty="0"/>
-              <a:t> + GMRES</a:t>
-            </a:r>
-          </a:p>
-        </p:txBody>
-      </p:sp>
-      <p:sp>
-        <p:nvSpPr>
-          <p:cNvPr id="6" name="Segnaposto testo 5"/>
-          <p:cNvSpPr>
-            <a:spLocks noGrp="1"/>
-          </p:cNvSpPr>
-          <p:nvPr>
-            <p:ph type="body" sz="quarter" idx="3"/>
-          </p:nvPr>
-        </p:nvSpPr>
-        <p:spPr/>
-        <p:txBody>
-          <a:bodyPr rtlCol="0"/>
-          <a:lstStyle/>
-          <a:p>
-            <a:pPr rtl="0"/>
-            <a:r>
-              <a:rPr lang="it-IT" dirty="0" err="1"/>
-              <a:t>Navier</a:t>
-            </a:r>
-            <a:r>
-              <a:rPr lang="it-IT" dirty="0"/>
-              <a:t>-stokes</a:t>
-            </a:r>
-          </a:p>
-        </p:txBody>
-      </p:sp>
-      <p:sp>
-        <p:nvSpPr>
-          <p:cNvPr id="11" name="Segnaposto contenuto 10"/>
-          <p:cNvSpPr>
-            <a:spLocks noGrp="1"/>
-          </p:cNvSpPr>
-          <p:nvPr>
-            <p:ph sz="quarter" idx="4"/>
-          </p:nvPr>
-        </p:nvSpPr>
-        <p:spPr/>
-        <p:txBody>
-          <a:bodyPr rtlCol="0"/>
-          <a:lstStyle/>
-          <a:p>
-            <a:pPr rtl="0"/>
-            <a:r>
-              <a:rPr lang="it-IT" dirty="0" err="1"/>
-              <a:t>Triangular</a:t>
-            </a:r>
-            <a:r>
-              <a:rPr lang="it-IT" dirty="0"/>
-              <a:t> + GMRES</a:t>
-            </a:r>
-          </a:p>
-        </p:txBody>
-      </p:sp>
-    </p:spTree>
-    <p:extLst>
-      <p:ext uri="{BB962C8B-B14F-4D97-AF65-F5344CB8AC3E}">
-        <p14:creationId xmlns:p14="http://schemas.microsoft.com/office/powerpoint/2010/main" val="2358682874"/>
-      </p:ext>
-    </p:extLst>
-  </p:cSld>
-  <p:clrMapOvr>
-    <a:masterClrMapping/>
-  </p:clrMapOvr>
-  <mc:AlternateContent xmlns:mc="http://schemas.openxmlformats.org/markup-compatibility/2006" xmlns:p14="http://schemas.microsoft.com/office/powerpoint/2010/main">
-    <mc:Choice Requires="p14">
-      <p:transition spd="med" p14:dur="700">
-        <p:fade/>
-      </p:transition>
-    </mc:Choice>
-    <mc:Fallback xmlns="">
-      <p:transition spd="med">
-        <p:fade/>
-      </p:transition>
-    </mc:Fallback>
-  </mc:AlternateContent>
-</p:sld>
-</file>
-
 <file path=ppt/slides/slide2.xml><?xml version="1.0" encoding="utf-8"?>
 <p:sld xmlns:a="http://schemas.openxmlformats.org/drawingml/2006/main" xmlns:r="http://schemas.openxmlformats.org/officeDocument/2006/relationships" xmlns:p="http://schemas.openxmlformats.org/presentationml/2006/main">
   <p:cSld>
@@ -10650,6 +10923,213 @@
 </file>
 
 <file path=ppt/slides/slide20.xml><?xml version="1.0" encoding="utf-8"?>
+<p:sld xmlns:a="http://schemas.openxmlformats.org/drawingml/2006/main" xmlns:r="http://schemas.openxmlformats.org/officeDocument/2006/relationships" xmlns:p="http://schemas.openxmlformats.org/presentationml/2006/main">
+  <p:cSld>
+    <p:spTree>
+      <p:nvGrpSpPr>
+        <p:cNvPr id="1" name=""/>
+        <p:cNvGrpSpPr/>
+        <p:nvPr/>
+      </p:nvGrpSpPr>
+      <p:grpSpPr>
+        <a:xfrm>
+          <a:off x="0" y="0"/>
+          <a:ext cx="0" cy="0"/>
+          <a:chOff x="0" y="0"/>
+          <a:chExt cx="0" cy="0"/>
+        </a:xfrm>
+      </p:grpSpPr>
+      <p:sp>
+        <p:nvSpPr>
+          <p:cNvPr id="2" name="Titolo 1"/>
+          <p:cNvSpPr>
+            <a:spLocks noGrp="1"/>
+          </p:cNvSpPr>
+          <p:nvPr>
+            <p:ph type="title"/>
+          </p:nvPr>
+        </p:nvSpPr>
+        <p:spPr/>
+        <p:txBody>
+          <a:bodyPr rtlCol="0">
+            <a:normAutofit/>
+          </a:bodyPr>
+          <a:lstStyle/>
+          <a:p>
+            <a:pPr rtl="0"/>
+            <a:r>
+              <a:rPr lang="it-IT" sz="3200" dirty="0"/>
+              <a:t>Brief </a:t>
+            </a:r>
+            <a:r>
+              <a:rPr lang="it-IT" sz="3200" dirty="0" err="1"/>
+              <a:t>discussion</a:t>
+            </a:r>
+            <a:r>
+              <a:rPr lang="it-IT" sz="3200" dirty="0"/>
+              <a:t> on </a:t>
+            </a:r>
+            <a:r>
+              <a:rPr lang="it-IT" sz="3200" dirty="0" err="1"/>
+              <a:t>Preconditioners</a:t>
+            </a:r>
+            <a:endParaRPr lang="it-IT" sz="3200" dirty="0"/>
+          </a:p>
+        </p:txBody>
+      </p:sp>
+      <p:sp>
+        <p:nvSpPr>
+          <p:cNvPr id="4" name="Segnaposto testo 3"/>
+          <p:cNvSpPr>
+            <a:spLocks noGrp="1"/>
+          </p:cNvSpPr>
+          <p:nvPr>
+            <p:ph type="body" idx="1"/>
+          </p:nvPr>
+        </p:nvSpPr>
+        <p:spPr/>
+        <p:txBody>
+          <a:bodyPr rtlCol="0"/>
+          <a:lstStyle/>
+          <a:p>
+            <a:pPr rtl="0"/>
+            <a:r>
+              <a:rPr lang="it-IT" dirty="0"/>
+              <a:t>stokes</a:t>
+            </a:r>
+          </a:p>
+        </p:txBody>
+      </p:sp>
+      <p:sp>
+        <p:nvSpPr>
+          <p:cNvPr id="5" name="Segnaposto contenuto 4"/>
+          <p:cNvSpPr>
+            <a:spLocks noGrp="1"/>
+          </p:cNvSpPr>
+          <p:nvPr>
+            <p:ph sz="half" idx="2"/>
+          </p:nvPr>
+        </p:nvSpPr>
+        <p:spPr/>
+        <p:txBody>
+          <a:bodyPr rtlCol="0"/>
+          <a:lstStyle/>
+          <a:p>
+            <a:pPr rtl="0"/>
+            <a:r>
+              <a:rPr lang="it-IT" dirty="0"/>
+              <a:t>Block </a:t>
+            </a:r>
+            <a:r>
+              <a:rPr lang="it-IT" dirty="0" err="1"/>
+              <a:t>Diagonal</a:t>
+            </a:r>
+            <a:r>
+              <a:rPr lang="it-IT" dirty="0"/>
+              <a:t> + CG</a:t>
+            </a:r>
+          </a:p>
+          <a:p>
+            <a:pPr rtl="0"/>
+            <a:r>
+              <a:rPr lang="it-IT" dirty="0"/>
+              <a:t>Block </a:t>
+            </a:r>
+            <a:r>
+              <a:rPr lang="it-IT" dirty="0" err="1"/>
+              <a:t>Triangular</a:t>
+            </a:r>
+            <a:r>
+              <a:rPr lang="it-IT" dirty="0"/>
+              <a:t> + GMRES</a:t>
+            </a:r>
+          </a:p>
+        </p:txBody>
+      </p:sp>
+      <p:sp>
+        <p:nvSpPr>
+          <p:cNvPr id="6" name="Segnaposto testo 5"/>
+          <p:cNvSpPr>
+            <a:spLocks noGrp="1"/>
+          </p:cNvSpPr>
+          <p:nvPr>
+            <p:ph type="body" sz="quarter" idx="3"/>
+          </p:nvPr>
+        </p:nvSpPr>
+        <p:spPr/>
+        <p:txBody>
+          <a:bodyPr rtlCol="0"/>
+          <a:lstStyle/>
+          <a:p>
+            <a:pPr rtl="0"/>
+            <a:r>
+              <a:rPr lang="it-IT" dirty="0" err="1"/>
+              <a:t>Navier</a:t>
+            </a:r>
+            <a:r>
+              <a:rPr lang="it-IT" dirty="0"/>
+              <a:t>-stokes</a:t>
+            </a:r>
+          </a:p>
+        </p:txBody>
+      </p:sp>
+      <p:sp>
+        <p:nvSpPr>
+          <p:cNvPr id="11" name="Segnaposto contenuto 10"/>
+          <p:cNvSpPr>
+            <a:spLocks noGrp="1"/>
+          </p:cNvSpPr>
+          <p:nvPr>
+            <p:ph sz="quarter" idx="4"/>
+          </p:nvPr>
+        </p:nvSpPr>
+        <p:spPr/>
+        <p:txBody>
+          <a:bodyPr rtlCol="0"/>
+          <a:lstStyle/>
+          <a:p>
+            <a:pPr rtl="0"/>
+            <a:r>
+              <a:rPr lang="it-IT" dirty="0"/>
+              <a:t>Block </a:t>
+            </a:r>
+            <a:r>
+              <a:rPr lang="it-IT" dirty="0" err="1"/>
+              <a:t>Triangular</a:t>
+            </a:r>
+            <a:r>
+              <a:rPr lang="it-IT" dirty="0"/>
+              <a:t> + GMRES</a:t>
+            </a:r>
+          </a:p>
+        </p:txBody>
+      </p:sp>
+    </p:spTree>
+    <p:extLst>
+      <p:ext uri="{BB962C8B-B14F-4D97-AF65-F5344CB8AC3E}">
+        <p14:creationId xmlns:p14="http://schemas.microsoft.com/office/powerpoint/2010/main" val="2358682874"/>
+      </p:ext>
+    </p:extLst>
+  </p:cSld>
+  <p:clrMapOvr>
+    <a:masterClrMapping/>
+  </p:clrMapOvr>
+  <mc:AlternateContent xmlns:mc="http://schemas.openxmlformats.org/markup-compatibility/2006" xmlns:p14="http://schemas.microsoft.com/office/powerpoint/2010/main">
+    <mc:Choice Requires="p14">
+      <p:transition spd="med" p14:dur="700">
+        <p:fade/>
+      </p:transition>
+    </mc:Choice>
+    <mc:Fallback xmlns="">
+      <p:transition spd="med">
+        <p:fade/>
+      </p:transition>
+    </mc:Fallback>
+  </mc:AlternateContent>
+</p:sld>
+</file>
+
+<file path=ppt/slides/slide21.xml><?xml version="1.0" encoding="utf-8"?>
 <p:sld xmlns:a="http://schemas.openxmlformats.org/drawingml/2006/main" xmlns:r="http://schemas.openxmlformats.org/officeDocument/2006/relationships" xmlns:p="http://schemas.openxmlformats.org/presentationml/2006/main">
   <p:cSld>
     <p:spTree>

--- a/Presentatione_NMPDE_Navier_Stokes_temp.pptx
+++ b/Presentatione_NMPDE_Navier_Stokes_temp.pptx
@@ -10892,6 +10892,54 @@
             <a:r>
               <a:rPr lang="it-IT" dirty="0" err="1"/>
               <a:t>version</a:t>
+            </a:r>
+            <a:endParaRPr lang="it-IT" dirty="0"/>
+          </a:p>
+          <a:p>
+            <a:pPr rtl="0"/>
+            <a:r>
+              <a:rPr lang="it-IT" dirty="0" err="1"/>
+              <a:t>Analyze</a:t>
+            </a:r>
+            <a:r>
+              <a:rPr lang="it-IT" dirty="0"/>
+              <a:t> the </a:t>
+            </a:r>
+            <a:r>
+              <a:rPr lang="it-IT" dirty="0" err="1"/>
+              <a:t>final</a:t>
+            </a:r>
+            <a:r>
+              <a:rPr lang="it-IT" dirty="0"/>
+              <a:t> </a:t>
+            </a:r>
+            <a:r>
+              <a:rPr lang="it-IT" dirty="0" err="1"/>
+              <a:t>version</a:t>
+            </a:r>
+            <a:r>
+              <a:rPr lang="it-IT" dirty="0"/>
+              <a:t> </a:t>
+            </a:r>
+            <a:r>
+              <a:rPr lang="it-IT" dirty="0" err="1"/>
+              <a:t>changing</a:t>
+            </a:r>
+            <a:r>
+              <a:rPr lang="it-IT" dirty="0"/>
+              <a:t> the </a:t>
+            </a:r>
+            <a:r>
+              <a:rPr lang="it-IT" dirty="0" err="1"/>
+              <a:t>boundary</a:t>
+            </a:r>
+            <a:r>
+              <a:rPr lang="it-IT" dirty="0"/>
+              <a:t> </a:t>
+            </a:r>
+            <a:r>
+              <a:rPr lang="it-IT"/>
+              <a:t>conditions</a:t>
             </a:r>
             <a:endParaRPr lang="it-IT" dirty="0"/>
           </a:p>

--- a/Presentatione_NMPDE_Navier_Stokes_temp.pptx
+++ b/Presentatione_NMPDE_Navier_Stokes_temp.pptx
@@ -5,10 +5,10 @@
     <p:sldMasterId id="2147483648" r:id="rId1"/>
   </p:sldMasterIdLst>
   <p:notesMasterIdLst>
-    <p:notesMasterId r:id="rId23"/>
+    <p:notesMasterId r:id="rId27"/>
   </p:notesMasterIdLst>
   <p:handoutMasterIdLst>
-    <p:handoutMasterId r:id="rId24"/>
+    <p:handoutMasterId r:id="rId28"/>
   </p:handoutMasterIdLst>
   <p:sldIdLst>
     <p:sldId id="256" r:id="rId2"/>
@@ -18,8 +18,8 @@
     <p:sldId id="282" r:id="rId6"/>
     <p:sldId id="281" r:id="rId7"/>
     <p:sldId id="283" r:id="rId8"/>
-    <p:sldId id="284" r:id="rId9"/>
-    <p:sldId id="285" r:id="rId10"/>
+    <p:sldId id="285" r:id="rId9"/>
+    <p:sldId id="284" r:id="rId10"/>
     <p:sldId id="286" r:id="rId11"/>
     <p:sldId id="291" r:id="rId12"/>
     <p:sldId id="268" r:id="rId13"/>
@@ -27,11 +27,15 @@
     <p:sldId id="288" r:id="rId15"/>
     <p:sldId id="292" r:id="rId16"/>
     <p:sldId id="290" r:id="rId17"/>
-    <p:sldId id="277" r:id="rId18"/>
-    <p:sldId id="289" r:id="rId19"/>
-    <p:sldId id="260" r:id="rId20"/>
-    <p:sldId id="276" r:id="rId21"/>
-    <p:sldId id="278" r:id="rId22"/>
+    <p:sldId id="293" r:id="rId18"/>
+    <p:sldId id="277" r:id="rId19"/>
+    <p:sldId id="296" r:id="rId20"/>
+    <p:sldId id="294" r:id="rId21"/>
+    <p:sldId id="295" r:id="rId22"/>
+    <p:sldId id="289" r:id="rId23"/>
+    <p:sldId id="260" r:id="rId24"/>
+    <p:sldId id="276" r:id="rId25"/>
+    <p:sldId id="278" r:id="rId26"/>
   </p:sldIdLst>
   <p:sldSz cx="12188825" cy="6858000"/>
   <p:notesSz cx="6858000" cy="9144000"/>
@@ -794,6 +798,350 @@
 </p:notes>
 </file>
 
+<file path=ppt/notesSlides/notesSlide10.xml><?xml version="1.0" encoding="utf-8"?>
+<p:notes xmlns:a="http://schemas.openxmlformats.org/drawingml/2006/main" xmlns:r="http://schemas.openxmlformats.org/officeDocument/2006/relationships" xmlns:p="http://schemas.openxmlformats.org/presentationml/2006/main">
+  <p:cSld>
+    <p:spTree>
+      <p:nvGrpSpPr>
+        <p:cNvPr id="1" name=""/>
+        <p:cNvGrpSpPr/>
+        <p:nvPr/>
+      </p:nvGrpSpPr>
+      <p:grpSpPr>
+        <a:xfrm>
+          <a:off x="0" y="0"/>
+          <a:ext cx="0" cy="0"/>
+          <a:chOff x="0" y="0"/>
+          <a:chExt cx="0" cy="0"/>
+        </a:xfrm>
+      </p:grpSpPr>
+      <p:sp>
+        <p:nvSpPr>
+          <p:cNvPr id="2" name="Segnaposto immagine diapositiva 1"/>
+          <p:cNvSpPr>
+            <a:spLocks noGrp="1" noRot="1" noChangeAspect="1"/>
+          </p:cNvSpPr>
+          <p:nvPr>
+            <p:ph type="sldImg"/>
+          </p:nvPr>
+        </p:nvSpPr>
+        <p:spPr/>
+      </p:sp>
+      <p:sp>
+        <p:nvSpPr>
+          <p:cNvPr id="3" name="Segnaposto note 2"/>
+          <p:cNvSpPr>
+            <a:spLocks noGrp="1"/>
+          </p:cNvSpPr>
+          <p:nvPr>
+            <p:ph type="body" idx="1"/>
+          </p:nvPr>
+        </p:nvSpPr>
+        <p:spPr/>
+        <p:txBody>
+          <a:bodyPr/>
+          <a:lstStyle/>
+          <a:p>
+            <a:endParaRPr lang="it-IT"/>
+          </a:p>
+        </p:txBody>
+      </p:sp>
+      <p:sp>
+        <p:nvSpPr>
+          <p:cNvPr id="4" name="Segnaposto numero diapositiva 3"/>
+          <p:cNvSpPr>
+            <a:spLocks noGrp="1"/>
+          </p:cNvSpPr>
+          <p:nvPr>
+            <p:ph type="sldNum" sz="quarter" idx="10"/>
+          </p:nvPr>
+        </p:nvSpPr>
+        <p:spPr/>
+        <p:txBody>
+          <a:bodyPr/>
+          <a:lstStyle/>
+          <a:p>
+            <a:pPr rtl="0"/>
+            <a:fld id="{841221E5-7225-48EB-A4EE-420E7BFCF705}" type="slidenum">
+              <a:rPr lang="it-IT" smtClean="0"/>
+              <a:pPr rtl="0"/>
+              <a:t>20</a:t>
+            </a:fld>
+            <a:endParaRPr lang="it-IT" dirty="0"/>
+          </a:p>
+        </p:txBody>
+      </p:sp>
+    </p:spTree>
+    <p:extLst>
+      <p:ext uri="{BB962C8B-B14F-4D97-AF65-F5344CB8AC3E}">
+        <p14:creationId xmlns:p14="http://schemas.microsoft.com/office/powerpoint/2010/main" val="2944621125"/>
+      </p:ext>
+    </p:extLst>
+  </p:cSld>
+  <p:clrMapOvr>
+    <a:masterClrMapping/>
+  </p:clrMapOvr>
+</p:notes>
+</file>
+
+<file path=ppt/notesSlides/notesSlide11.xml><?xml version="1.0" encoding="utf-8"?>
+<p:notes xmlns:a="http://schemas.openxmlformats.org/drawingml/2006/main" xmlns:r="http://schemas.openxmlformats.org/officeDocument/2006/relationships" xmlns:p="http://schemas.openxmlformats.org/presentationml/2006/main">
+  <p:cSld>
+    <p:spTree>
+      <p:nvGrpSpPr>
+        <p:cNvPr id="1" name=""/>
+        <p:cNvGrpSpPr/>
+        <p:nvPr/>
+      </p:nvGrpSpPr>
+      <p:grpSpPr>
+        <a:xfrm>
+          <a:off x="0" y="0"/>
+          <a:ext cx="0" cy="0"/>
+          <a:chOff x="0" y="0"/>
+          <a:chExt cx="0" cy="0"/>
+        </a:xfrm>
+      </p:grpSpPr>
+      <p:sp>
+        <p:nvSpPr>
+          <p:cNvPr id="2" name="Segnaposto immagine diapositiva 1"/>
+          <p:cNvSpPr>
+            <a:spLocks noGrp="1" noRot="1" noChangeAspect="1"/>
+          </p:cNvSpPr>
+          <p:nvPr>
+            <p:ph type="sldImg"/>
+          </p:nvPr>
+        </p:nvSpPr>
+        <p:spPr/>
+      </p:sp>
+      <p:sp>
+        <p:nvSpPr>
+          <p:cNvPr id="3" name="Segnaposto note 2"/>
+          <p:cNvSpPr>
+            <a:spLocks noGrp="1"/>
+          </p:cNvSpPr>
+          <p:nvPr>
+            <p:ph type="body" idx="1"/>
+          </p:nvPr>
+        </p:nvSpPr>
+        <p:spPr/>
+        <p:txBody>
+          <a:bodyPr/>
+          <a:lstStyle/>
+          <a:p>
+            <a:endParaRPr lang="it-IT"/>
+          </a:p>
+        </p:txBody>
+      </p:sp>
+      <p:sp>
+        <p:nvSpPr>
+          <p:cNvPr id="4" name="Segnaposto numero diapositiva 3"/>
+          <p:cNvSpPr>
+            <a:spLocks noGrp="1"/>
+          </p:cNvSpPr>
+          <p:nvPr>
+            <p:ph type="sldNum" sz="quarter" idx="10"/>
+          </p:nvPr>
+        </p:nvSpPr>
+        <p:spPr/>
+        <p:txBody>
+          <a:bodyPr/>
+          <a:lstStyle/>
+          <a:p>
+            <a:pPr rtl="0"/>
+            <a:fld id="{841221E5-7225-48EB-A4EE-420E7BFCF705}" type="slidenum">
+              <a:rPr lang="it-IT" smtClean="0"/>
+              <a:pPr rtl="0"/>
+              <a:t>21</a:t>
+            </a:fld>
+            <a:endParaRPr lang="it-IT" dirty="0"/>
+          </a:p>
+        </p:txBody>
+      </p:sp>
+    </p:spTree>
+    <p:extLst>
+      <p:ext uri="{BB962C8B-B14F-4D97-AF65-F5344CB8AC3E}">
+        <p14:creationId xmlns:p14="http://schemas.microsoft.com/office/powerpoint/2010/main" val="2288726181"/>
+      </p:ext>
+    </p:extLst>
+  </p:cSld>
+  <p:clrMapOvr>
+    <a:masterClrMapping/>
+  </p:clrMapOvr>
+</p:notes>
+</file>
+
+<file path=ppt/notesSlides/notesSlide12.xml><?xml version="1.0" encoding="utf-8"?>
+<p:notes xmlns:a="http://schemas.openxmlformats.org/drawingml/2006/main" xmlns:r="http://schemas.openxmlformats.org/officeDocument/2006/relationships" xmlns:p="http://schemas.openxmlformats.org/presentationml/2006/main">
+  <p:cSld>
+    <p:spTree>
+      <p:nvGrpSpPr>
+        <p:cNvPr id="1" name=""/>
+        <p:cNvGrpSpPr/>
+        <p:nvPr/>
+      </p:nvGrpSpPr>
+      <p:grpSpPr>
+        <a:xfrm>
+          <a:off x="0" y="0"/>
+          <a:ext cx="0" cy="0"/>
+          <a:chOff x="0" y="0"/>
+          <a:chExt cx="0" cy="0"/>
+        </a:xfrm>
+      </p:grpSpPr>
+      <p:sp>
+        <p:nvSpPr>
+          <p:cNvPr id="2" name="Segnaposto immagine diapositiva 1"/>
+          <p:cNvSpPr>
+            <a:spLocks noGrp="1" noRot="1" noChangeAspect="1"/>
+          </p:cNvSpPr>
+          <p:nvPr>
+            <p:ph type="sldImg"/>
+          </p:nvPr>
+        </p:nvSpPr>
+        <p:spPr/>
+      </p:sp>
+      <p:sp>
+        <p:nvSpPr>
+          <p:cNvPr id="3" name="Segnaposto note 2"/>
+          <p:cNvSpPr>
+            <a:spLocks noGrp="1"/>
+          </p:cNvSpPr>
+          <p:nvPr>
+            <p:ph type="body" idx="1"/>
+          </p:nvPr>
+        </p:nvSpPr>
+        <p:spPr/>
+        <p:txBody>
+          <a:bodyPr/>
+          <a:lstStyle/>
+          <a:p>
+            <a:endParaRPr lang="it-IT"/>
+          </a:p>
+        </p:txBody>
+      </p:sp>
+      <p:sp>
+        <p:nvSpPr>
+          <p:cNvPr id="4" name="Segnaposto numero diapositiva 3"/>
+          <p:cNvSpPr>
+            <a:spLocks noGrp="1"/>
+          </p:cNvSpPr>
+          <p:nvPr>
+            <p:ph type="sldNum" sz="quarter" idx="10"/>
+          </p:nvPr>
+        </p:nvSpPr>
+        <p:spPr/>
+        <p:txBody>
+          <a:bodyPr/>
+          <a:lstStyle/>
+          <a:p>
+            <a:pPr rtl="0"/>
+            <a:fld id="{841221E5-7225-48EB-A4EE-420E7BFCF705}" type="slidenum">
+              <a:rPr lang="it-IT" smtClean="0"/>
+              <a:pPr rtl="0"/>
+              <a:t>23</a:t>
+            </a:fld>
+            <a:endParaRPr lang="it-IT" dirty="0"/>
+          </a:p>
+        </p:txBody>
+      </p:sp>
+    </p:spTree>
+    <p:extLst>
+      <p:ext uri="{BB962C8B-B14F-4D97-AF65-F5344CB8AC3E}">
+        <p14:creationId xmlns:p14="http://schemas.microsoft.com/office/powerpoint/2010/main" val="1494499960"/>
+      </p:ext>
+    </p:extLst>
+  </p:cSld>
+  <p:clrMapOvr>
+    <a:masterClrMapping/>
+  </p:clrMapOvr>
+</p:notes>
+</file>
+
+<file path=ppt/notesSlides/notesSlide13.xml><?xml version="1.0" encoding="utf-8"?>
+<p:notes xmlns:a="http://schemas.openxmlformats.org/drawingml/2006/main" xmlns:r="http://schemas.openxmlformats.org/officeDocument/2006/relationships" xmlns:p="http://schemas.openxmlformats.org/presentationml/2006/main">
+  <p:cSld>
+    <p:spTree>
+      <p:nvGrpSpPr>
+        <p:cNvPr id="1" name=""/>
+        <p:cNvGrpSpPr/>
+        <p:nvPr/>
+      </p:nvGrpSpPr>
+      <p:grpSpPr>
+        <a:xfrm>
+          <a:off x="0" y="0"/>
+          <a:ext cx="0" cy="0"/>
+          <a:chOff x="0" y="0"/>
+          <a:chExt cx="0" cy="0"/>
+        </a:xfrm>
+      </p:grpSpPr>
+      <p:sp>
+        <p:nvSpPr>
+          <p:cNvPr id="2" name="Segnaposto immagine diapositiva 1"/>
+          <p:cNvSpPr>
+            <a:spLocks noGrp="1" noRot="1" noChangeAspect="1"/>
+          </p:cNvSpPr>
+          <p:nvPr>
+            <p:ph type="sldImg"/>
+          </p:nvPr>
+        </p:nvSpPr>
+        <p:spPr/>
+      </p:sp>
+      <p:sp>
+        <p:nvSpPr>
+          <p:cNvPr id="3" name="Segnaposto note 2"/>
+          <p:cNvSpPr>
+            <a:spLocks noGrp="1"/>
+          </p:cNvSpPr>
+          <p:nvPr>
+            <p:ph type="body" idx="1"/>
+          </p:nvPr>
+        </p:nvSpPr>
+        <p:spPr/>
+        <p:txBody>
+          <a:bodyPr/>
+          <a:lstStyle/>
+          <a:p>
+            <a:endParaRPr lang="it-IT"/>
+          </a:p>
+        </p:txBody>
+      </p:sp>
+      <p:sp>
+        <p:nvSpPr>
+          <p:cNvPr id="4" name="Segnaposto numero diapositiva 3"/>
+          <p:cNvSpPr>
+            <a:spLocks noGrp="1"/>
+          </p:cNvSpPr>
+          <p:nvPr>
+            <p:ph type="sldNum" sz="quarter" idx="10"/>
+          </p:nvPr>
+        </p:nvSpPr>
+        <p:spPr/>
+        <p:txBody>
+          <a:bodyPr/>
+          <a:lstStyle/>
+          <a:p>
+            <a:pPr rtl="0"/>
+            <a:fld id="{841221E5-7225-48EB-A4EE-420E7BFCF705}" type="slidenum">
+              <a:rPr lang="it-IT" smtClean="0"/>
+              <a:pPr rtl="0"/>
+              <a:t>24</a:t>
+            </a:fld>
+            <a:endParaRPr lang="it-IT" dirty="0"/>
+          </a:p>
+        </p:txBody>
+      </p:sp>
+    </p:spTree>
+    <p:extLst>
+      <p:ext uri="{BB962C8B-B14F-4D97-AF65-F5344CB8AC3E}">
+        <p14:creationId xmlns:p14="http://schemas.microsoft.com/office/powerpoint/2010/main" val="2720160640"/>
+      </p:ext>
+    </p:extLst>
+  </p:cSld>
+  <p:clrMapOvr>
+    <a:masterClrMapping/>
+  </p:clrMapOvr>
+</p:notes>
+</file>
+
 <file path=ppt/notesSlides/notesSlide2.xml><?xml version="1.0" encoding="utf-8"?>
 <p:notes xmlns:a="http://schemas.openxmlformats.org/drawingml/2006/main" xmlns:r="http://schemas.openxmlformats.org/officeDocument/2006/relationships" xmlns:p="http://schemas.openxmlformats.org/presentationml/2006/main">
   <p:cSld>
@@ -1300,7 +1648,7 @@
     </p:spTree>
     <p:extLst>
       <p:ext uri="{BB962C8B-B14F-4D97-AF65-F5344CB8AC3E}">
-        <p14:creationId xmlns:p14="http://schemas.microsoft.com/office/powerpoint/2010/main" val="1440409674"/>
+        <p14:creationId xmlns:p14="http://schemas.microsoft.com/office/powerpoint/2010/main" val="1966953635"/>
       </p:ext>
     </p:extLst>
   </p:cSld>
@@ -1377,7 +1725,7 @@
             <a:fld id="{841221E5-7225-48EB-A4EE-420E7BFCF705}" type="slidenum">
               <a:rPr lang="it-IT" smtClean="0"/>
               <a:pPr rtl="0"/>
-              <a:t>19</a:t>
+              <a:t>18</a:t>
             </a:fld>
             <a:endParaRPr lang="it-IT" dirty="0"/>
           </a:p>
@@ -1386,7 +1734,7 @@
     </p:spTree>
     <p:extLst>
       <p:ext uri="{BB962C8B-B14F-4D97-AF65-F5344CB8AC3E}">
-        <p14:creationId xmlns:p14="http://schemas.microsoft.com/office/powerpoint/2010/main" val="1494499960"/>
+        <p14:creationId xmlns:p14="http://schemas.microsoft.com/office/powerpoint/2010/main" val="1440409674"/>
       </p:ext>
     </p:extLst>
   </p:cSld>
@@ -1463,7 +1811,7 @@
             <a:fld id="{841221E5-7225-48EB-A4EE-420E7BFCF705}" type="slidenum">
               <a:rPr lang="it-IT" smtClean="0"/>
               <a:pPr rtl="0"/>
-              <a:t>20</a:t>
+              <a:t>19</a:t>
             </a:fld>
             <a:endParaRPr lang="it-IT" dirty="0"/>
           </a:p>
@@ -1472,7 +1820,7 @@
     </p:spTree>
     <p:extLst>
       <p:ext uri="{BB962C8B-B14F-4D97-AF65-F5344CB8AC3E}">
-        <p14:creationId xmlns:p14="http://schemas.microsoft.com/office/powerpoint/2010/main" val="2720160640"/>
+        <p14:creationId xmlns:p14="http://schemas.microsoft.com/office/powerpoint/2010/main" val="443919991"/>
       </p:ext>
     </p:extLst>
   </p:cSld>
@@ -8686,12 +9034,203 @@
           </a:p>
         </p:txBody>
       </p:sp>
+      <p:sp>
+        <p:nvSpPr>
+          <p:cNvPr id="3" name="CasellaDiTesto 2">
+            <a:extLst>
+              <a:ext uri="{FF2B5EF4-FFF2-40B4-BE49-F238E27FC236}">
+                <a16:creationId xmlns:a16="http://schemas.microsoft.com/office/drawing/2014/main" id="{B6DE69A1-E3E7-842B-9CE7-966310DE1BEB}"/>
+              </a:ext>
+            </a:extLst>
+          </p:cNvPr>
+          <p:cNvSpPr txBox="1"/>
+          <p:nvPr/>
+        </p:nvSpPr>
+        <p:spPr>
+          <a:xfrm>
+            <a:off x="1593436" y="2060848"/>
+            <a:ext cx="10078978" cy="2308324"/>
+          </a:xfrm>
+          <a:prstGeom prst="rect">
+            <a:avLst/>
+          </a:prstGeom>
+          <a:noFill/>
+        </p:spPr>
+        <p:txBody>
+          <a:bodyPr wrap="none" rtlCol="0">
+            <a:spAutoFit/>
+          </a:bodyPr>
+          <a:lstStyle/>
+          <a:p>
+            <a:r>
+              <a:rPr lang="it-IT" dirty="0"/>
+              <a:t>From the </a:t>
+            </a:r>
+            <a:r>
+              <a:rPr lang="it-IT" dirty="0" err="1"/>
+              <a:t>discretization</a:t>
+            </a:r>
+            <a:r>
+              <a:rPr lang="it-IT" dirty="0"/>
+              <a:t> of the </a:t>
+            </a:r>
+            <a:r>
+              <a:rPr lang="it-IT" dirty="0" err="1"/>
+              <a:t>problem</a:t>
+            </a:r>
+            <a:r>
+              <a:rPr lang="it-IT" dirty="0"/>
+              <a:t> </a:t>
+            </a:r>
+            <a:r>
+              <a:rPr lang="it-IT" dirty="0" err="1"/>
+              <a:t>we</a:t>
+            </a:r>
+            <a:r>
+              <a:rPr lang="it-IT" dirty="0"/>
+              <a:t> derive </a:t>
+            </a:r>
+            <a:r>
+              <a:rPr lang="it-IT" dirty="0" err="1"/>
+              <a:t>that</a:t>
+            </a:r>
+            <a:r>
+              <a:rPr lang="it-IT" dirty="0"/>
+              <a:t> </a:t>
+            </a:r>
+            <a:r>
+              <a:rPr lang="it-IT" dirty="0" err="1"/>
+              <a:t>we</a:t>
+            </a:r>
+            <a:r>
+              <a:rPr lang="it-IT" dirty="0"/>
+              <a:t> </a:t>
+            </a:r>
+            <a:r>
+              <a:rPr lang="it-IT" dirty="0" err="1"/>
+              <a:t>have</a:t>
+            </a:r>
+            <a:r>
+              <a:rPr lang="it-IT" dirty="0"/>
+              <a:t> to solve a linear system </a:t>
+            </a:r>
+            <a:r>
+              <a:rPr lang="it-IT" dirty="0" err="1"/>
+              <a:t>at</a:t>
+            </a:r>
+            <a:r>
+              <a:rPr lang="it-IT" dirty="0"/>
+              <a:t> </a:t>
+            </a:r>
+            <a:r>
+              <a:rPr lang="it-IT" dirty="0" err="1"/>
+              <a:t>each</a:t>
+            </a:r>
+            <a:endParaRPr lang="it-IT" dirty="0"/>
+          </a:p>
+          <a:p>
+            <a:r>
+              <a:rPr lang="it-IT" dirty="0"/>
+              <a:t>Newton </a:t>
+            </a:r>
+            <a:r>
+              <a:rPr lang="it-IT" dirty="0" err="1"/>
+              <a:t>iteration</a:t>
+            </a:r>
+            <a:r>
+              <a:rPr lang="it-IT" dirty="0"/>
+              <a:t>, in </a:t>
+            </a:r>
+            <a:r>
+              <a:rPr lang="it-IT" dirty="0" err="1"/>
+              <a:t>every</a:t>
+            </a:r>
+            <a:r>
+              <a:rPr lang="it-IT" dirty="0"/>
+              <a:t> time step. The linear system </a:t>
+            </a:r>
+            <a:r>
+              <a:rPr lang="it-IT" dirty="0" err="1"/>
+              <a:t>has</a:t>
+            </a:r>
+            <a:r>
+              <a:rPr lang="it-IT" dirty="0"/>
+              <a:t> </a:t>
+            </a:r>
+            <a:r>
+              <a:rPr lang="it-IT" dirty="0" err="1"/>
+              <a:t>blocks</a:t>
+            </a:r>
+            <a:r>
+              <a:rPr lang="it-IT" dirty="0"/>
+              <a:t>:</a:t>
+            </a:r>
+          </a:p>
+          <a:p>
+            <a:endParaRPr lang="it-IT" dirty="0"/>
+          </a:p>
+          <a:p>
+            <a:endParaRPr lang="it-IT" dirty="0"/>
+          </a:p>
+          <a:p>
+            <a:endParaRPr lang="it-IT" dirty="0"/>
+          </a:p>
+          <a:p>
+            <a:endParaRPr lang="it-IT" dirty="0"/>
+          </a:p>
+          <a:p>
+            <a:endParaRPr lang="it-IT" dirty="0"/>
+          </a:p>
+          <a:p>
+            <a:r>
+              <a:rPr lang="it-IT" dirty="0" err="1"/>
+              <a:t>where</a:t>
+            </a:r>
+            <a:r>
+              <a:rPr lang="it-IT" dirty="0"/>
+              <a:t> the </a:t>
+            </a:r>
+            <a:r>
+              <a:rPr lang="it-IT" dirty="0" err="1"/>
+              <a:t>whole</a:t>
+            </a:r>
+            <a:r>
+              <a:rPr lang="it-IT" dirty="0"/>
+              <a:t> </a:t>
+            </a:r>
+            <a:r>
+              <a:rPr lang="it-IT" dirty="0" err="1"/>
+              <a:t>matrix</a:t>
+            </a:r>
+            <a:r>
+              <a:rPr lang="it-IT" dirty="0"/>
+              <a:t> </a:t>
+            </a:r>
+            <a:r>
+              <a:rPr lang="it-IT" dirty="0" err="1"/>
+              <a:t>represents</a:t>
+            </a:r>
+            <a:r>
+              <a:rPr lang="it-IT" dirty="0"/>
+              <a:t> the </a:t>
+            </a:r>
+            <a:r>
+              <a:rPr lang="it-IT" dirty="0" err="1"/>
+              <a:t>Jacobian</a:t>
+            </a:r>
+            <a:r>
+              <a:rPr lang="it-IT" dirty="0"/>
+              <a:t> of the system.</a:t>
+            </a:r>
+          </a:p>
+        </p:txBody>
+      </p:sp>
       <p:pic>
         <p:nvPicPr>
-          <p:cNvPr id="6" name="Segnaposto contenuto 5">
+          <p:cNvPr id="8" name="Segnaposto contenuto 7">
             <a:extLst>
               <a:ext uri="{FF2B5EF4-FFF2-40B4-BE49-F238E27FC236}">
-                <a16:creationId xmlns:a16="http://schemas.microsoft.com/office/drawing/2014/main" id="{9208F8DC-6FA4-6980-71A5-FBC68DB1A054}"/>
+                <a16:creationId xmlns:a16="http://schemas.microsoft.com/office/drawing/2014/main" id="{A27B0597-914E-06A0-DEEE-294D00E126B0}"/>
               </a:ext>
             </a:extLst>
           </p:cNvPr>
@@ -8710,228 +9249,11 @@
         </p:blipFill>
         <p:spPr>
           <a:xfrm>
-            <a:off x="1611317" y="2780928"/>
-            <a:ext cx="2529953" cy="792088"/>
+            <a:off x="1593435" y="2790826"/>
+            <a:ext cx="2844793" cy="843368"/>
           </a:xfrm>
         </p:spPr>
       </p:pic>
-      <p:pic>
-        <p:nvPicPr>
-          <p:cNvPr id="10" name="Immagine 9">
-            <a:extLst>
-              <a:ext uri="{FF2B5EF4-FFF2-40B4-BE49-F238E27FC236}">
-                <a16:creationId xmlns:a16="http://schemas.microsoft.com/office/drawing/2014/main" id="{7F4F952A-D746-14C9-CCAE-530B2E6A497E}"/>
-              </a:ext>
-            </a:extLst>
-          </p:cNvPr>
-          <p:cNvPicPr>
-            <a:picLocks noChangeAspect="1"/>
-          </p:cNvPicPr>
-          <p:nvPr/>
-        </p:nvPicPr>
-        <p:blipFill>
-          <a:blip r:embed="rId3"/>
-          <a:stretch>
-            <a:fillRect/>
-          </a:stretch>
-        </p:blipFill>
-        <p:spPr>
-          <a:xfrm>
-            <a:off x="1611317" y="4121976"/>
-            <a:ext cx="1800201" cy="540060"/>
-          </a:xfrm>
-          <a:prstGeom prst="rect">
-            <a:avLst/>
-          </a:prstGeom>
-        </p:spPr>
-      </p:pic>
-      <p:sp>
-        <p:nvSpPr>
-          <p:cNvPr id="3" name="CasellaDiTesto 2">
-            <a:extLst>
-              <a:ext uri="{FF2B5EF4-FFF2-40B4-BE49-F238E27FC236}">
-                <a16:creationId xmlns:a16="http://schemas.microsoft.com/office/drawing/2014/main" id="{B6DE69A1-E3E7-842B-9CE7-966310DE1BEB}"/>
-              </a:ext>
-            </a:extLst>
-          </p:cNvPr>
-          <p:cNvSpPr txBox="1"/>
-          <p:nvPr/>
-        </p:nvSpPr>
-        <p:spPr>
-          <a:xfrm>
-            <a:off x="1593436" y="2060848"/>
-            <a:ext cx="10078978" cy="3139321"/>
-          </a:xfrm>
-          <a:prstGeom prst="rect">
-            <a:avLst/>
-          </a:prstGeom>
-          <a:noFill/>
-        </p:spPr>
-        <p:txBody>
-          <a:bodyPr wrap="none" rtlCol="0">
-            <a:spAutoFit/>
-          </a:bodyPr>
-          <a:lstStyle/>
-          <a:p>
-            <a:r>
-              <a:rPr lang="it-IT" dirty="0"/>
-              <a:t>From the </a:t>
-            </a:r>
-            <a:r>
-              <a:rPr lang="it-IT" dirty="0" err="1"/>
-              <a:t>discretization</a:t>
-            </a:r>
-            <a:r>
-              <a:rPr lang="it-IT" dirty="0"/>
-              <a:t> of the </a:t>
-            </a:r>
-            <a:r>
-              <a:rPr lang="it-IT" dirty="0" err="1"/>
-              <a:t>problem</a:t>
-            </a:r>
-            <a:r>
-              <a:rPr lang="it-IT" dirty="0"/>
-              <a:t> </a:t>
-            </a:r>
-            <a:r>
-              <a:rPr lang="it-IT" dirty="0" err="1"/>
-              <a:t>we</a:t>
-            </a:r>
-            <a:r>
-              <a:rPr lang="it-IT" dirty="0"/>
-              <a:t> derive </a:t>
-            </a:r>
-            <a:r>
-              <a:rPr lang="it-IT" dirty="0" err="1"/>
-              <a:t>that</a:t>
-            </a:r>
-            <a:r>
-              <a:rPr lang="it-IT" dirty="0"/>
-              <a:t> </a:t>
-            </a:r>
-            <a:r>
-              <a:rPr lang="it-IT" dirty="0" err="1"/>
-              <a:t>we</a:t>
-            </a:r>
-            <a:r>
-              <a:rPr lang="it-IT" dirty="0"/>
-              <a:t> </a:t>
-            </a:r>
-            <a:r>
-              <a:rPr lang="it-IT" dirty="0" err="1"/>
-              <a:t>have</a:t>
-            </a:r>
-            <a:r>
-              <a:rPr lang="it-IT" dirty="0"/>
-              <a:t> to solve a linear system </a:t>
-            </a:r>
-            <a:r>
-              <a:rPr lang="it-IT" dirty="0" err="1"/>
-              <a:t>at</a:t>
-            </a:r>
-            <a:r>
-              <a:rPr lang="it-IT" dirty="0"/>
-              <a:t> </a:t>
-            </a:r>
-            <a:r>
-              <a:rPr lang="it-IT" dirty="0" err="1"/>
-              <a:t>each</a:t>
-            </a:r>
-            <a:endParaRPr lang="it-IT" dirty="0"/>
-          </a:p>
-          <a:p>
-            <a:r>
-              <a:rPr lang="it-IT" dirty="0"/>
-              <a:t>Newton </a:t>
-            </a:r>
-            <a:r>
-              <a:rPr lang="it-IT" dirty="0" err="1"/>
-              <a:t>iteration</a:t>
-            </a:r>
-            <a:r>
-              <a:rPr lang="it-IT" dirty="0"/>
-              <a:t>, in </a:t>
-            </a:r>
-            <a:r>
-              <a:rPr lang="it-IT" dirty="0" err="1"/>
-              <a:t>every</a:t>
-            </a:r>
-            <a:r>
-              <a:rPr lang="it-IT" dirty="0"/>
-              <a:t> time step. The linear system </a:t>
-            </a:r>
-            <a:r>
-              <a:rPr lang="it-IT" dirty="0" err="1"/>
-              <a:t>has</a:t>
-            </a:r>
-            <a:r>
-              <a:rPr lang="it-IT" dirty="0"/>
-              <a:t> </a:t>
-            </a:r>
-            <a:r>
-              <a:rPr lang="it-IT" dirty="0" err="1"/>
-              <a:t>blocks</a:t>
-            </a:r>
-            <a:r>
-              <a:rPr lang="it-IT" dirty="0"/>
-              <a:t>:</a:t>
-            </a:r>
-          </a:p>
-          <a:p>
-            <a:endParaRPr lang="it-IT" dirty="0"/>
-          </a:p>
-          <a:p>
-            <a:endParaRPr lang="it-IT" dirty="0"/>
-          </a:p>
-          <a:p>
-            <a:endParaRPr lang="it-IT" dirty="0"/>
-          </a:p>
-          <a:p>
-            <a:endParaRPr lang="it-IT" dirty="0"/>
-          </a:p>
-          <a:p>
-            <a:r>
-              <a:rPr lang="it-IT" dirty="0" err="1"/>
-              <a:t>where</a:t>
-            </a:r>
-            <a:r>
-              <a:rPr lang="it-IT" dirty="0"/>
-              <a:t>:</a:t>
-            </a:r>
-          </a:p>
-          <a:p>
-            <a:endParaRPr lang="it-IT" dirty="0"/>
-          </a:p>
-          <a:p>
-            <a:endParaRPr lang="it-IT" dirty="0"/>
-          </a:p>
-          <a:p>
-            <a:endParaRPr lang="it-IT" dirty="0"/>
-          </a:p>
-          <a:p>
-            <a:r>
-              <a:rPr lang="it-IT" dirty="0"/>
-              <a:t>and M </a:t>
-            </a:r>
-            <a:r>
-              <a:rPr lang="it-IT" dirty="0" err="1"/>
-              <a:t>is</a:t>
-            </a:r>
-            <a:r>
-              <a:rPr lang="it-IT" dirty="0"/>
-              <a:t> the mass </a:t>
-            </a:r>
-            <a:r>
-              <a:rPr lang="it-IT" dirty="0" err="1"/>
-              <a:t>matrix</a:t>
-            </a:r>
-            <a:r>
-              <a:rPr lang="it-IT" dirty="0"/>
-              <a:t>.</a:t>
-            </a:r>
-          </a:p>
-        </p:txBody>
-      </p:sp>
     </p:spTree>
     <p:extLst>
       <p:ext uri="{BB962C8B-B14F-4D97-AF65-F5344CB8AC3E}">
@@ -9880,8 +10202,38 @@
         </p:blipFill>
         <p:spPr>
           <a:xfrm>
-            <a:off x="5194312" y="5013176"/>
+            <a:off x="2926060" y="5013176"/>
             <a:ext cx="1800200" cy="659228"/>
+          </a:xfrm>
+          <a:prstGeom prst="rect">
+            <a:avLst/>
+          </a:prstGeom>
+        </p:spPr>
+      </p:pic>
+      <p:pic>
+        <p:nvPicPr>
+          <p:cNvPr id="6" name="Immagine 5">
+            <a:extLst>
+              <a:ext uri="{FF2B5EF4-FFF2-40B4-BE49-F238E27FC236}">
+                <a16:creationId xmlns:a16="http://schemas.microsoft.com/office/drawing/2014/main" id="{9EA04467-6F0E-DF0C-2959-B1B49083CD0B}"/>
+              </a:ext>
+            </a:extLst>
+          </p:cNvPr>
+          <p:cNvPicPr>
+            <a:picLocks noChangeAspect="1"/>
+          </p:cNvPicPr>
+          <p:nvPr/>
+        </p:nvPicPr>
+        <p:blipFill>
+          <a:blip r:embed="rId3"/>
+          <a:stretch>
+            <a:fillRect/>
+          </a:stretch>
+        </p:blipFill>
+        <p:spPr>
+          <a:xfrm>
+            <a:off x="8326660" y="5148529"/>
+            <a:ext cx="1581150" cy="523875"/>
           </a:xfrm>
           <a:prstGeom prst="rect">
             <a:avLst/>
@@ -10086,45 +10438,60 @@
             <a:pPr rtl="0"/>
             <a:r>
               <a:rPr lang="it-IT" dirty="0"/>
-              <a:t>Study of Reynolds </a:t>
-            </a:r>
-            <a:r>
-              <a:rPr lang="it-IT" dirty="0" err="1"/>
-              <a:t>Number</a:t>
-            </a:r>
-            <a:endParaRPr lang="it-IT" dirty="0"/>
-          </a:p>
-        </p:txBody>
-      </p:sp>
-      <p:sp>
-        <p:nvSpPr>
-          <p:cNvPr id="4" name="Segnaposto contenuto 3">
+              <a:t>Time-</a:t>
+            </a:r>
+            <a:r>
+              <a:rPr lang="it-IT" dirty="0" err="1"/>
+              <a:t>Dependent</a:t>
+            </a:r>
+            <a:r>
+              <a:rPr lang="it-IT" dirty="0"/>
+              <a:t> </a:t>
+            </a:r>
+            <a:r>
+              <a:rPr lang="it-IT" dirty="0" err="1"/>
+              <a:t>Navier</a:t>
+            </a:r>
+            <a:r>
+              <a:rPr lang="it-IT" dirty="0"/>
+              <a:t>-Stokes (Re = 1)</a:t>
+            </a:r>
+          </a:p>
+        </p:txBody>
+      </p:sp>
+      <p:pic>
+        <p:nvPicPr>
+          <p:cNvPr id="10" name="Segnaposto contenuto 9">
             <a:extLst>
               <a:ext uri="{FF2B5EF4-FFF2-40B4-BE49-F238E27FC236}">
-                <a16:creationId xmlns:a16="http://schemas.microsoft.com/office/drawing/2014/main" id="{D9240AE8-4C1E-00B7-71CC-4EDB8B118DE3}"/>
+                <a16:creationId xmlns:a16="http://schemas.microsoft.com/office/drawing/2014/main" id="{B1C66E91-377A-8EB8-AB5F-CB71015F106D}"/>
               </a:ext>
             </a:extLst>
           </p:cNvPr>
-          <p:cNvSpPr>
-            <a:spLocks noGrp="1"/>
-          </p:cNvSpPr>
+          <p:cNvPicPr>
+            <a:picLocks noGrp="1" noChangeAspect="1"/>
+          </p:cNvPicPr>
           <p:nvPr>
             <p:ph idx="1"/>
           </p:nvPr>
-        </p:nvSpPr>
-        <p:spPr/>
-        <p:txBody>
-          <a:bodyPr/>
-          <a:lstStyle/>
-          <a:p>
-            <a:endParaRPr lang="it-IT"/>
-          </a:p>
-        </p:txBody>
-      </p:sp>
+        </p:nvPicPr>
+        <p:blipFill>
+          <a:blip r:embed="rId3"/>
+          <a:stretch>
+            <a:fillRect/>
+          </a:stretch>
+        </p:blipFill>
+        <p:spPr>
+          <a:xfrm>
+            <a:off x="1634379" y="1600200"/>
+            <a:ext cx="9701117" cy="4572000"/>
+          </a:xfrm>
+        </p:spPr>
+      </p:pic>
     </p:spTree>
     <p:extLst>
       <p:ext uri="{BB962C8B-B14F-4D97-AF65-F5344CB8AC3E}">
-        <p14:creationId xmlns:p14="http://schemas.microsoft.com/office/powerpoint/2010/main" val="12878743"/>
+        <p14:creationId xmlns:p14="http://schemas.microsoft.com/office/powerpoint/2010/main" val="1110696227"/>
       </p:ext>
     </p:extLst>
   </p:cSld>
@@ -10165,10 +10532,38 @@
       </p:grpSpPr>
       <p:sp>
         <p:nvSpPr>
-          <p:cNvPr id="2" name="Titolo 1">
+          <p:cNvPr id="2" name="Titolo 1"/>
+          <p:cNvSpPr>
+            <a:spLocks noGrp="1"/>
+          </p:cNvSpPr>
+          <p:nvPr>
+            <p:ph type="title"/>
+          </p:nvPr>
+        </p:nvSpPr>
+        <p:spPr/>
+        <p:txBody>
+          <a:bodyPr rtlCol="0"/>
+          <a:lstStyle/>
+          <a:p>
+            <a:pPr rtl="0"/>
+            <a:r>
+              <a:rPr lang="it-IT" dirty="0"/>
+              <a:t>Study of Reynolds </a:t>
+            </a:r>
+            <a:r>
+              <a:rPr lang="it-IT" dirty="0" err="1"/>
+              <a:t>Number</a:t>
+            </a:r>
+            <a:endParaRPr lang="it-IT" dirty="0"/>
+          </a:p>
+        </p:txBody>
+      </p:sp>
+      <p:sp>
+        <p:nvSpPr>
+          <p:cNvPr id="4" name="Segnaposto contenuto 3">
             <a:extLst>
               <a:ext uri="{FF2B5EF4-FFF2-40B4-BE49-F238E27FC236}">
-                <a16:creationId xmlns:a16="http://schemas.microsoft.com/office/drawing/2014/main" id="{76E410CF-BB57-2020-3076-A67DE8CFC121}"/>
+                <a16:creationId xmlns:a16="http://schemas.microsoft.com/office/drawing/2014/main" id="{D9240AE8-4C1E-00B7-71CC-4EDB8B118DE3}"/>
               </a:ext>
             </a:extLst>
           </p:cNvPr>
@@ -10176,7 +10571,7 @@
             <a:spLocks noGrp="1"/>
           </p:cNvSpPr>
           <p:nvPr>
-            <p:ph type="title"/>
+            <p:ph idx="1"/>
           </p:nvPr>
         </p:nvSpPr>
         <p:spPr/>
@@ -10186,61 +10581,80 @@
           </a:bodyPr>
           <a:lstStyle/>
           <a:p>
-            <a:r>
-              <a:rPr lang="it-IT" sz="3200" dirty="0" err="1"/>
-              <a:t>Comparison</a:t>
-            </a:r>
-            <a:r>
-              <a:rPr lang="it-IT" sz="3200" dirty="0"/>
-              <a:t> </a:t>
-            </a:r>
-            <a:r>
-              <a:rPr lang="it-IT" sz="3200" dirty="0" err="1"/>
-              <a:t>between</a:t>
-            </a:r>
-            <a:r>
-              <a:rPr lang="it-IT" sz="3200" dirty="0"/>
-              <a:t> linear and non-linear </a:t>
-            </a:r>
-            <a:r>
-              <a:rPr lang="it-IT" sz="3200" dirty="0" err="1"/>
-              <a:t>problem</a:t>
-            </a:r>
-            <a:endParaRPr lang="it-IT" sz="3200" dirty="0"/>
-          </a:p>
-        </p:txBody>
-      </p:sp>
-      <p:sp>
-        <p:nvSpPr>
-          <p:cNvPr id="3" name="Segnaposto contenuto 2">
-            <a:extLst>
-              <a:ext uri="{FF2B5EF4-FFF2-40B4-BE49-F238E27FC236}">
-                <a16:creationId xmlns:a16="http://schemas.microsoft.com/office/drawing/2014/main" id="{7C1260B8-1021-2FA1-D578-03B1ABABA901}"/>
-              </a:ext>
-            </a:extLst>
-          </p:cNvPr>
-          <p:cNvSpPr>
-            <a:spLocks noGrp="1"/>
-          </p:cNvSpPr>
-          <p:nvPr>
-            <p:ph idx="1"/>
-          </p:nvPr>
-        </p:nvSpPr>
-        <p:spPr/>
-        <p:txBody>
-          <a:bodyPr/>
-          <a:lstStyle/>
-          <a:p>
             <a:pPr marL="0" indent="0">
               <a:buNone/>
             </a:pPr>
             <a:r>
               <a:rPr lang="it-IT" dirty="0"/>
-              <a:t>To be </a:t>
-            </a:r>
-            <a:r>
-              <a:rPr lang="it-IT" dirty="0" err="1"/>
-              <a:t>able</a:t>
+              <a:t>By keeping </a:t>
+            </a:r>
+            <a:r>
+              <a:rPr lang="it-IT" dirty="0" err="1"/>
+              <a:t>fixed</a:t>
+            </a:r>
+            <a:r>
+              <a:rPr lang="it-IT" dirty="0"/>
+              <a:t> the </a:t>
+            </a:r>
+            <a:r>
+              <a:rPr lang="it-IT" dirty="0" err="1"/>
+              <a:t>geometry</a:t>
+            </a:r>
+            <a:r>
+              <a:rPr lang="it-IT" dirty="0"/>
+              <a:t> of the </a:t>
+            </a:r>
+            <a:r>
+              <a:rPr lang="it-IT" dirty="0" err="1"/>
+              <a:t>structure</a:t>
+            </a:r>
+            <a:r>
+              <a:rPr lang="it-IT" dirty="0"/>
+              <a:t> and the data of the </a:t>
+            </a:r>
+            <a:r>
+              <a:rPr lang="it-IT" dirty="0" err="1"/>
+              <a:t>pyisical</a:t>
+            </a:r>
+            <a:r>
+              <a:rPr lang="it-IT" dirty="0"/>
+              <a:t> </a:t>
+            </a:r>
+            <a:r>
+              <a:rPr lang="it-IT" dirty="0" err="1"/>
+              <a:t>problem</a:t>
+            </a:r>
+            <a:r>
+              <a:rPr lang="it-IT" dirty="0"/>
+              <a:t>, </a:t>
+            </a:r>
+            <a:r>
+              <a:rPr lang="it-IT" dirty="0" err="1"/>
+              <a:t>we</a:t>
+            </a:r>
+            <a:r>
+              <a:rPr lang="it-IT" dirty="0"/>
+              <a:t> </a:t>
+            </a:r>
+            <a:r>
+              <a:rPr lang="it-IT" dirty="0" err="1"/>
+              <a:t>changed</a:t>
+            </a:r>
+            <a:r>
+              <a:rPr lang="it-IT" dirty="0"/>
+              <a:t> the </a:t>
+            </a:r>
+            <a:r>
+              <a:rPr lang="it-IT" dirty="0" err="1"/>
+              <a:t>fluid’s</a:t>
+            </a:r>
+            <a:r>
+              <a:rPr lang="it-IT" dirty="0"/>
+              <a:t> </a:t>
+            </a:r>
+            <a:r>
+              <a:rPr lang="it-IT" dirty="0" err="1"/>
+              <a:t>viscosity</a:t>
             </a:r>
             <a:r>
               <a:rPr lang="it-IT" dirty="0"/>
@@ -10248,7 +10662,7 @@
             </a:r>
             <a:r>
               <a:rPr lang="it-IT" dirty="0" err="1"/>
-              <a:t>appreciate</a:t>
+              <a:t>analyze</a:t>
             </a:r>
             <a:r>
               <a:rPr lang="it-IT" dirty="0"/>
@@ -10256,7 +10670,7 @@
             </a:r>
             <a:r>
               <a:rPr lang="it-IT" dirty="0" err="1"/>
-              <a:t>difference</a:t>
+              <a:t>different</a:t>
             </a:r>
             <a:r>
               <a:rPr lang="it-IT" dirty="0"/>
@@ -10264,15 +10678,15 @@
             </a:r>
             <a:r>
               <a:rPr lang="it-IT" dirty="0" err="1"/>
-              <a:t>between</a:t>
-            </a:r>
-            <a:r>
-              <a:rPr lang="it-IT" dirty="0"/>
-              <a:t> the linear and the non-linear </a:t>
-            </a:r>
-            <a:r>
-              <a:rPr lang="it-IT" dirty="0" err="1"/>
-              <a:t>problem</a:t>
+              <a:t>behaviour</a:t>
+            </a:r>
+            <a:r>
+              <a:rPr lang="it-IT" dirty="0"/>
+              <a:t> for </a:t>
+            </a:r>
+            <a:r>
+              <a:rPr lang="it-IT" dirty="0" err="1"/>
+              <a:t>different</a:t>
             </a:r>
             <a:r>
               <a:rPr lang="it-IT" dirty="0"/>
@@ -10280,7 +10694,7 @@
             </a:r>
             <a:r>
               <a:rPr lang="it-IT" dirty="0" err="1"/>
-              <a:t>we</a:t>
+              <a:t>Reynold’s</a:t>
             </a:r>
             <a:r>
               <a:rPr lang="it-IT" dirty="0"/>
@@ -10288,15 +10702,84 @@
             </a:r>
             <a:r>
               <a:rPr lang="it-IT" dirty="0" err="1"/>
-              <a:t>decided</a:t>
-            </a:r>
-            <a:r>
-              <a:rPr lang="it-IT" dirty="0"/>
-              <a:t> to plot the </a:t>
-            </a:r>
-            <a:r>
-              <a:rPr lang="it-IT" dirty="0" err="1"/>
-              <a:t>magnitude</a:t>
+              <a:t>numbers</a:t>
+            </a:r>
+            <a:r>
+              <a:rPr lang="it-IT" dirty="0"/>
+              <a:t>.</a:t>
+            </a:r>
+          </a:p>
+          <a:p>
+            <a:pPr marL="0" indent="0">
+              <a:buNone/>
+            </a:pPr>
+            <a:r>
+              <a:rPr lang="it-IT" dirty="0" err="1"/>
+              <a:t>We</a:t>
+            </a:r>
+            <a:r>
+              <a:rPr lang="it-IT" dirty="0"/>
+              <a:t> </a:t>
+            </a:r>
+            <a:r>
+              <a:rPr lang="it-IT" dirty="0" err="1"/>
+              <a:t>noticed</a:t>
+            </a:r>
+            <a:r>
+              <a:rPr lang="it-IT" dirty="0"/>
+              <a:t> </a:t>
+            </a:r>
+            <a:r>
+              <a:rPr lang="it-IT" dirty="0" err="1"/>
+              <a:t>that</a:t>
+            </a:r>
+            <a:r>
+              <a:rPr lang="it-IT" dirty="0"/>
+              <a:t> </a:t>
+            </a:r>
+            <a:r>
+              <a:rPr lang="it-IT" dirty="0" err="1"/>
+              <a:t>increasing</a:t>
+            </a:r>
+            <a:r>
+              <a:rPr lang="it-IT" dirty="0"/>
+              <a:t> Reynolds </a:t>
+            </a:r>
+            <a:r>
+              <a:rPr lang="it-IT" dirty="0" err="1"/>
+              <a:t>number</a:t>
+            </a:r>
+            <a:r>
+              <a:rPr lang="it-IT" dirty="0"/>
+              <a:t> </a:t>
+            </a:r>
+            <a:r>
+              <a:rPr lang="it-IT" dirty="0" err="1"/>
+              <a:t>produced</a:t>
+            </a:r>
+            <a:r>
+              <a:rPr lang="it-IT" dirty="0"/>
+              <a:t> an </a:t>
+            </a:r>
+            <a:r>
+              <a:rPr lang="it-IT" dirty="0" err="1"/>
+              <a:t>increase</a:t>
+            </a:r>
+            <a:r>
+              <a:rPr lang="it-IT" dirty="0"/>
+              <a:t> in the </a:t>
+            </a:r>
+            <a:r>
+              <a:rPr lang="it-IT" dirty="0" err="1"/>
+              <a:t>vorticity</a:t>
+            </a:r>
+            <a:r>
+              <a:rPr lang="it-IT" dirty="0"/>
+              <a:t> (</a:t>
+            </a:r>
+            <a:r>
+              <a:rPr lang="it-IT" dirty="0" err="1"/>
+              <a:t>curl</a:t>
             </a:r>
             <a:r>
               <a:rPr lang="it-IT" dirty="0"/>
@@ -10308,31 +10791,15 @@
             </a:r>
             <a:r>
               <a:rPr lang="it-IT" dirty="0"/>
-              <a:t> </a:t>
-            </a:r>
-            <a:r>
-              <a:rPr lang="it-IT" dirty="0" err="1"/>
-              <a:t>along</a:t>
-            </a:r>
-            <a:r>
-              <a:rPr lang="it-IT" dirty="0"/>
-              <a:t> the </a:t>
-            </a:r>
-            <a:r>
-              <a:rPr lang="it-IT" dirty="0" err="1"/>
-              <a:t>central</a:t>
-            </a:r>
-            <a:r>
-              <a:rPr lang="it-IT" dirty="0"/>
-              <a:t> line of the </a:t>
-            </a:r>
-            <a:r>
-              <a:rPr lang="it-IT" dirty="0" err="1"/>
-              <a:t>problem</a:t>
-            </a:r>
-            <a:r>
-              <a:rPr lang="it-IT" dirty="0"/>
-              <a:t>. </a:t>
+              <a:t> field) of the </a:t>
+            </a:r>
+            <a:r>
+              <a:rPr lang="it-IT" dirty="0" err="1"/>
+              <a:t>fluid</a:t>
+            </a:r>
+            <a:r>
+              <a:rPr lang="it-IT" dirty="0"/>
+              <a:t>.</a:t>
             </a:r>
           </a:p>
           <a:p>
@@ -10347,11 +10814,11 @@
             </a:pPr>
             <a:r>
               <a:rPr lang="it-IT" dirty="0"/>
-              <a:t>In </a:t>
-            </a:r>
-            <a:r>
-              <a:rPr lang="it-IT" dirty="0" err="1"/>
-              <a:t>both</a:t>
+              <a:t>Nb Put </a:t>
+            </a:r>
+            <a:r>
+              <a:rPr lang="it-IT" dirty="0" err="1"/>
+              <a:t>here</a:t>
             </a:r>
             <a:r>
               <a:rPr lang="it-IT" dirty="0"/>
@@ -10359,155 +10826,15 @@
             </a:r>
             <a:r>
               <a:rPr lang="it-IT" dirty="0" err="1"/>
-              <a:t>problems</a:t>
+              <a:t>reynolds</a:t>
             </a:r>
             <a:r>
               <a:rPr lang="it-IT" dirty="0"/>
               <a:t> </a:t>
             </a:r>
             <a:r>
-              <a:rPr lang="it-IT" dirty="0" err="1"/>
-              <a:t>we</a:t>
-            </a:r>
-            <a:r>
-              <a:rPr lang="it-IT" dirty="0"/>
-              <a:t> </a:t>
-            </a:r>
-            <a:r>
-              <a:rPr lang="it-IT" dirty="0" err="1"/>
-              <a:t>will</a:t>
-            </a:r>
-            <a:r>
-              <a:rPr lang="it-IT" dirty="0"/>
-              <a:t> </a:t>
-            </a:r>
-            <a:r>
-              <a:rPr lang="it-IT" dirty="0" err="1"/>
-              <a:t>see</a:t>
-            </a:r>
-            <a:r>
-              <a:rPr lang="it-IT" dirty="0"/>
-              <a:t> </a:t>
-            </a:r>
-            <a:r>
-              <a:rPr lang="it-IT" dirty="0" err="1"/>
-              <a:t>what</a:t>
-            </a:r>
-            <a:r>
-              <a:rPr lang="it-IT" dirty="0"/>
-              <a:t> </a:t>
-            </a:r>
-            <a:r>
-              <a:rPr lang="it-IT" dirty="0" err="1"/>
-              <a:t>happens</a:t>
-            </a:r>
-            <a:r>
-              <a:rPr lang="it-IT" dirty="0"/>
-              <a:t> </a:t>
-            </a:r>
-            <a:r>
-              <a:rPr lang="it-IT" dirty="0" err="1"/>
-              <a:t>when</a:t>
-            </a:r>
-            <a:r>
-              <a:rPr lang="it-IT" dirty="0"/>
-              <a:t> the flow </a:t>
-            </a:r>
-            <a:r>
-              <a:rPr lang="it-IT" dirty="0" err="1"/>
-              <a:t>goes</a:t>
-            </a:r>
-            <a:r>
-              <a:rPr lang="it-IT" dirty="0"/>
-              <a:t> </a:t>
-            </a:r>
-            <a:r>
-              <a:rPr lang="it-IT" dirty="0" err="1"/>
-              <a:t>past</a:t>
-            </a:r>
-            <a:r>
-              <a:rPr lang="it-IT" dirty="0"/>
-              <a:t> the </a:t>
-            </a:r>
-            <a:r>
-              <a:rPr lang="it-IT" dirty="0" err="1"/>
-              <a:t>cylinder</a:t>
-            </a:r>
-            <a:r>
-              <a:rPr lang="it-IT" dirty="0"/>
-              <a:t> and </a:t>
-            </a:r>
-            <a:r>
-              <a:rPr lang="it-IT" dirty="0" err="1"/>
-              <a:t>we</a:t>
-            </a:r>
-            <a:r>
-              <a:rPr lang="it-IT" dirty="0"/>
-              <a:t> </a:t>
-            </a:r>
-            <a:r>
-              <a:rPr lang="it-IT" dirty="0" err="1"/>
-              <a:t>will</a:t>
-            </a:r>
-            <a:r>
-              <a:rPr lang="it-IT" dirty="0"/>
-              <a:t> </a:t>
-            </a:r>
-            <a:r>
-              <a:rPr lang="it-IT" dirty="0" err="1"/>
-              <a:t>see</a:t>
-            </a:r>
-            <a:r>
-              <a:rPr lang="it-IT" dirty="0"/>
-              <a:t> the </a:t>
-            </a:r>
-            <a:r>
-              <a:rPr lang="it-IT" dirty="0" err="1"/>
-              <a:t>difference</a:t>
-            </a:r>
-            <a:r>
-              <a:rPr lang="it-IT" dirty="0"/>
-              <a:t> </a:t>
-            </a:r>
-            <a:r>
-              <a:rPr lang="it-IT" dirty="0" err="1"/>
-              <a:t>between</a:t>
-            </a:r>
-            <a:r>
-              <a:rPr lang="it-IT" dirty="0"/>
-              <a:t> the </a:t>
-            </a:r>
-            <a:r>
-              <a:rPr lang="it-IT" dirty="0" err="1"/>
-              <a:t>symmetric</a:t>
-            </a:r>
-            <a:r>
-              <a:rPr lang="it-IT" dirty="0"/>
-              <a:t> and regular Stokes </a:t>
-            </a:r>
-            <a:r>
-              <a:rPr lang="it-IT" dirty="0" err="1"/>
-              <a:t>problem</a:t>
-            </a:r>
-            <a:r>
-              <a:rPr lang="it-IT" dirty="0"/>
-              <a:t> and the non-</a:t>
-            </a:r>
-            <a:r>
-              <a:rPr lang="it-IT" dirty="0" err="1"/>
-              <a:t>symmetric</a:t>
-            </a:r>
-            <a:r>
-              <a:rPr lang="it-IT" dirty="0"/>
-              <a:t> </a:t>
-            </a:r>
-            <a:r>
-              <a:rPr lang="it-IT" dirty="0" err="1"/>
-              <a:t>Navier</a:t>
-            </a:r>
-            <a:r>
-              <a:rPr lang="it-IT" dirty="0"/>
-              <a:t>-Stokes one.</a:t>
+              <a:rPr lang="it-IT" u="sng" dirty="0"/>
+              <a:t>50-100-200</a:t>
             </a:r>
           </a:p>
         </p:txBody>
@@ -10515,7 +10842,7 @@
     </p:spTree>
     <p:extLst>
       <p:ext uri="{BB962C8B-B14F-4D97-AF65-F5344CB8AC3E}">
-        <p14:creationId xmlns:p14="http://schemas.microsoft.com/office/powerpoint/2010/main" val="223978858"/>
+        <p14:creationId xmlns:p14="http://schemas.microsoft.com/office/powerpoint/2010/main" val="12878743"/>
       </p:ext>
     </p:extLst>
   </p:cSld>
@@ -10566,161 +10893,75 @@
         </p:nvSpPr>
         <p:spPr/>
         <p:txBody>
-          <a:bodyPr rtlCol="0">
-            <a:normAutofit/>
-          </a:bodyPr>
-          <a:lstStyle/>
-          <a:p>
-            <a:pPr rtl="0"/>
-            <a:r>
-              <a:rPr lang="it-IT" sz="3200" dirty="0" err="1"/>
-              <a:t>Comparison</a:t>
-            </a:r>
-            <a:r>
-              <a:rPr lang="it-IT" sz="3200" dirty="0"/>
-              <a:t> </a:t>
-            </a:r>
-            <a:r>
-              <a:rPr lang="it-IT" sz="3200" dirty="0" err="1"/>
-              <a:t>between</a:t>
-            </a:r>
-            <a:r>
-              <a:rPr lang="it-IT" sz="3200" dirty="0"/>
-              <a:t> linear and non-linear </a:t>
-            </a:r>
-            <a:r>
-              <a:rPr lang="it-IT" sz="3200" dirty="0" err="1"/>
-              <a:t>problem</a:t>
-            </a:r>
-            <a:endParaRPr lang="it-IT" sz="3200" dirty="0"/>
-          </a:p>
-        </p:txBody>
-      </p:sp>
-      <p:sp>
-        <p:nvSpPr>
-          <p:cNvPr id="4" name="Segnaposto testo 3"/>
-          <p:cNvSpPr>
-            <a:spLocks noGrp="1"/>
-          </p:cNvSpPr>
-          <p:nvPr>
-            <p:ph type="body" idx="1"/>
-          </p:nvPr>
-        </p:nvSpPr>
-        <p:spPr/>
-        <p:txBody>
           <a:bodyPr rtlCol="0"/>
           <a:lstStyle/>
           <a:p>
             <a:pPr rtl="0"/>
             <a:r>
               <a:rPr lang="it-IT" dirty="0"/>
-              <a:t>stokes</a:t>
-            </a:r>
-          </a:p>
-        </p:txBody>
-      </p:sp>
-      <p:sp>
-        <p:nvSpPr>
-          <p:cNvPr id="6" name="Segnaposto testo 5"/>
-          <p:cNvSpPr>
-            <a:spLocks noGrp="1"/>
-          </p:cNvSpPr>
-          <p:nvPr>
-            <p:ph type="body" sz="quarter" idx="3"/>
-          </p:nvPr>
-        </p:nvSpPr>
-        <p:spPr/>
-        <p:txBody>
-          <a:bodyPr rtlCol="0"/>
-          <a:lstStyle/>
-          <a:p>
-            <a:pPr rtl="0"/>
+              <a:t>Time-</a:t>
+            </a:r>
+            <a:r>
+              <a:rPr lang="it-IT" dirty="0" err="1"/>
+              <a:t>Dependent</a:t>
+            </a:r>
+            <a:r>
+              <a:rPr lang="it-IT" dirty="0"/>
+              <a:t> </a:t>
+            </a:r>
             <a:r>
               <a:rPr lang="it-IT" dirty="0" err="1"/>
               <a:t>Navier</a:t>
             </a:r>
             <a:r>
               <a:rPr lang="it-IT" dirty="0"/>
-              <a:t>-stokes</a:t>
-            </a:r>
-          </a:p>
-        </p:txBody>
-      </p:sp>
-      <p:pic>
-        <p:nvPicPr>
-          <p:cNvPr id="8" name="Segnaposto contenuto 7">
+              <a:t>-Stokes (Re = 4)</a:t>
+            </a:r>
+          </a:p>
+        </p:txBody>
+      </p:sp>
+      <p:sp>
+        <p:nvSpPr>
+          <p:cNvPr id="4" name="Segnaposto contenuto 3">
             <a:extLst>
               <a:ext uri="{FF2B5EF4-FFF2-40B4-BE49-F238E27FC236}">
-                <a16:creationId xmlns:a16="http://schemas.microsoft.com/office/drawing/2014/main" id="{27393DD5-238D-BDCB-F03D-952C399F8CC9}"/>
+                <a16:creationId xmlns:a16="http://schemas.microsoft.com/office/drawing/2014/main" id="{CB951803-9CE4-E82F-003F-B4B390160D6B}"/>
               </a:ext>
             </a:extLst>
           </p:cNvPr>
-          <p:cNvPicPr>
-            <a:picLocks noGrp="1" noChangeAspect="1"/>
-          </p:cNvPicPr>
-          <p:nvPr>
-            <p:ph sz="quarter" idx="4"/>
-          </p:nvPr>
-        </p:nvPicPr>
-        <p:blipFill>
-          <a:blip r:embed="rId3"/>
-          <a:stretch>
-            <a:fillRect/>
-          </a:stretch>
-        </p:blipFill>
-        <p:spPr>
-          <a:xfrm>
-            <a:off x="7039718" y="2514600"/>
-            <a:ext cx="3854551" cy="3656013"/>
-          </a:xfrm>
-        </p:spPr>
-      </p:pic>
-      <p:pic>
-        <p:nvPicPr>
-          <p:cNvPr id="13" name="Segnaposto contenuto 12">
-            <a:extLst>
-              <a:ext uri="{FF2B5EF4-FFF2-40B4-BE49-F238E27FC236}">
-                <a16:creationId xmlns:a16="http://schemas.microsoft.com/office/drawing/2014/main" id="{7961C097-CAC6-BC39-B118-2BAFA929AE50}"/>
-              </a:ext>
-            </a:extLst>
-          </p:cNvPr>
-          <p:cNvPicPr>
-            <a:picLocks noGrp="1" noChangeAspect="1"/>
-          </p:cNvPicPr>
-          <p:nvPr>
-            <p:ph sz="half" idx="2"/>
-          </p:nvPr>
-        </p:nvPicPr>
-        <p:blipFill>
-          <a:blip r:embed="rId4"/>
-          <a:stretch>
-            <a:fillRect/>
-          </a:stretch>
-        </p:blipFill>
-        <p:spPr>
-          <a:xfrm>
-            <a:off x="2073182" y="2514600"/>
-            <a:ext cx="3856224" cy="3657600"/>
-          </a:xfrm>
-        </p:spPr>
-      </p:pic>
+          <p:cNvSpPr>
+            <a:spLocks noGrp="1"/>
+          </p:cNvSpPr>
+          <p:nvPr>
+            <p:ph idx="1"/>
+          </p:nvPr>
+        </p:nvSpPr>
+        <p:spPr/>
+        <p:txBody>
+          <a:bodyPr/>
+          <a:lstStyle/>
+          <a:p>
+            <a:endParaRPr lang="it-IT"/>
+          </a:p>
+        </p:txBody>
+      </p:sp>
     </p:spTree>
     <p:extLst>
       <p:ext uri="{BB962C8B-B14F-4D97-AF65-F5344CB8AC3E}">
-        <p14:creationId xmlns:p14="http://schemas.microsoft.com/office/powerpoint/2010/main" val="1061194279"/>
+        <p14:creationId xmlns:p14="http://schemas.microsoft.com/office/powerpoint/2010/main" val="1124663585"/>
       </p:ext>
     </p:extLst>
   </p:cSld>
   <p:clrMapOvr>
     <a:masterClrMapping/>
   </p:clrMapOvr>
-  <mc:AlternateContent xmlns:mc="http://schemas.openxmlformats.org/markup-compatibility/2006" xmlns:p14="http://schemas.microsoft.com/office/powerpoint/2010/main">
-    <mc:Choice Requires="p14">
+  <mc:AlternateContent xmlns:mc="http://schemas.openxmlformats.org/markup-compatibility/2006">
+    <mc:Choice xmlns:p14="http://schemas.microsoft.com/office/powerpoint/2010/main" Requires="p14">
       <p:transition spd="med" p14:dur="700">
         <p:fade/>
       </p:transition>
     </mc:Choice>
-    <mc:Fallback xmlns="">
+    <mc:Fallback>
       <p:transition spd="med">
         <p:fade/>
       </p:transition>
@@ -10999,6 +11240,805 @@
         </p:nvSpPr>
         <p:spPr/>
         <p:txBody>
+          <a:bodyPr rtlCol="0"/>
+          <a:lstStyle/>
+          <a:p>
+            <a:pPr rtl="0"/>
+            <a:r>
+              <a:rPr lang="it-IT" dirty="0"/>
+              <a:t>Time-</a:t>
+            </a:r>
+            <a:r>
+              <a:rPr lang="it-IT" dirty="0" err="1"/>
+              <a:t>Dependent</a:t>
+            </a:r>
+            <a:r>
+              <a:rPr lang="it-IT" dirty="0"/>
+              <a:t> </a:t>
+            </a:r>
+            <a:r>
+              <a:rPr lang="it-IT" dirty="0" err="1"/>
+              <a:t>Navier</a:t>
+            </a:r>
+            <a:r>
+              <a:rPr lang="it-IT" dirty="0"/>
+              <a:t>-Stokes (Re = 10)</a:t>
+            </a:r>
+          </a:p>
+        </p:txBody>
+      </p:sp>
+      <p:pic>
+        <p:nvPicPr>
+          <p:cNvPr id="6" name="Segnaposto contenuto 5">
+            <a:extLst>
+              <a:ext uri="{FF2B5EF4-FFF2-40B4-BE49-F238E27FC236}">
+                <a16:creationId xmlns:a16="http://schemas.microsoft.com/office/drawing/2014/main" id="{012CD3B6-5229-A45E-D022-7392F71FF2B2}"/>
+              </a:ext>
+            </a:extLst>
+          </p:cNvPr>
+          <p:cNvPicPr>
+            <a:picLocks noGrp="1" noChangeAspect="1"/>
+          </p:cNvPicPr>
+          <p:nvPr>
+            <p:ph idx="1"/>
+          </p:nvPr>
+        </p:nvPicPr>
+        <p:blipFill>
+          <a:blip r:embed="rId3"/>
+          <a:stretch>
+            <a:fillRect/>
+          </a:stretch>
+        </p:blipFill>
+        <p:spPr>
+          <a:xfrm>
+            <a:off x="1634379" y="1600200"/>
+            <a:ext cx="9701117" cy="4572000"/>
+          </a:xfrm>
+        </p:spPr>
+      </p:pic>
+    </p:spTree>
+    <p:extLst>
+      <p:ext uri="{BB962C8B-B14F-4D97-AF65-F5344CB8AC3E}">
+        <p14:creationId xmlns:p14="http://schemas.microsoft.com/office/powerpoint/2010/main" val="2051881959"/>
+      </p:ext>
+    </p:extLst>
+  </p:cSld>
+  <p:clrMapOvr>
+    <a:masterClrMapping/>
+  </p:clrMapOvr>
+  <mc:AlternateContent xmlns:mc="http://schemas.openxmlformats.org/markup-compatibility/2006" xmlns:p14="http://schemas.microsoft.com/office/powerpoint/2010/main">
+    <mc:Choice Requires="p14">
+      <p:transition spd="med" p14:dur="700">
+        <p:fade/>
+      </p:transition>
+    </mc:Choice>
+    <mc:Fallback xmlns="">
+      <p:transition spd="med">
+        <p:fade/>
+      </p:transition>
+    </mc:Fallback>
+  </mc:AlternateContent>
+</p:sld>
+</file>
+
+<file path=ppt/slides/slide21.xml><?xml version="1.0" encoding="utf-8"?>
+<p:sld xmlns:a="http://schemas.openxmlformats.org/drawingml/2006/main" xmlns:r="http://schemas.openxmlformats.org/officeDocument/2006/relationships" xmlns:p="http://schemas.openxmlformats.org/presentationml/2006/main">
+  <p:cSld>
+    <p:spTree>
+      <p:nvGrpSpPr>
+        <p:cNvPr id="1" name=""/>
+        <p:cNvGrpSpPr/>
+        <p:nvPr/>
+      </p:nvGrpSpPr>
+      <p:grpSpPr>
+        <a:xfrm>
+          <a:off x="0" y="0"/>
+          <a:ext cx="0" cy="0"/>
+          <a:chOff x="0" y="0"/>
+          <a:chExt cx="0" cy="0"/>
+        </a:xfrm>
+      </p:grpSpPr>
+      <p:sp>
+        <p:nvSpPr>
+          <p:cNvPr id="2" name="Titolo 1"/>
+          <p:cNvSpPr>
+            <a:spLocks noGrp="1"/>
+          </p:cNvSpPr>
+          <p:nvPr>
+            <p:ph type="title"/>
+          </p:nvPr>
+        </p:nvSpPr>
+        <p:spPr/>
+        <p:txBody>
+          <a:bodyPr rtlCol="0"/>
+          <a:lstStyle/>
+          <a:p>
+            <a:pPr rtl="0"/>
+            <a:r>
+              <a:rPr lang="it-IT" dirty="0"/>
+              <a:t>Time-</a:t>
+            </a:r>
+            <a:r>
+              <a:rPr lang="it-IT" dirty="0" err="1"/>
+              <a:t>Dependent</a:t>
+            </a:r>
+            <a:r>
+              <a:rPr lang="it-IT" dirty="0"/>
+              <a:t> </a:t>
+            </a:r>
+            <a:r>
+              <a:rPr lang="it-IT" dirty="0" err="1"/>
+              <a:t>Navier</a:t>
+            </a:r>
+            <a:r>
+              <a:rPr lang="it-IT" dirty="0"/>
+              <a:t>-Stokes (Re = 20)</a:t>
+            </a:r>
+          </a:p>
+        </p:txBody>
+      </p:sp>
+      <p:sp>
+        <p:nvSpPr>
+          <p:cNvPr id="4" name="Segnaposto contenuto 3">
+            <a:extLst>
+              <a:ext uri="{FF2B5EF4-FFF2-40B4-BE49-F238E27FC236}">
+                <a16:creationId xmlns:a16="http://schemas.microsoft.com/office/drawing/2014/main" id="{51905B58-EB4E-28D7-F245-7285F65479CC}"/>
+              </a:ext>
+            </a:extLst>
+          </p:cNvPr>
+          <p:cNvSpPr>
+            <a:spLocks noGrp="1"/>
+          </p:cNvSpPr>
+          <p:nvPr>
+            <p:ph idx="1"/>
+          </p:nvPr>
+        </p:nvSpPr>
+        <p:spPr/>
+        <p:txBody>
+          <a:bodyPr/>
+          <a:lstStyle/>
+          <a:p>
+            <a:endParaRPr lang="it-IT"/>
+          </a:p>
+        </p:txBody>
+      </p:sp>
+    </p:spTree>
+    <p:extLst>
+      <p:ext uri="{BB962C8B-B14F-4D97-AF65-F5344CB8AC3E}">
+        <p14:creationId xmlns:p14="http://schemas.microsoft.com/office/powerpoint/2010/main" val="2245301600"/>
+      </p:ext>
+    </p:extLst>
+  </p:cSld>
+  <p:clrMapOvr>
+    <a:masterClrMapping/>
+  </p:clrMapOvr>
+  <mc:AlternateContent xmlns:mc="http://schemas.openxmlformats.org/markup-compatibility/2006">
+    <mc:Choice xmlns:p14="http://schemas.microsoft.com/office/powerpoint/2010/main" Requires="p14">
+      <p:transition spd="med" p14:dur="700">
+        <p:fade/>
+      </p:transition>
+    </mc:Choice>
+    <mc:Fallback>
+      <p:transition spd="med">
+        <p:fade/>
+      </p:transition>
+    </mc:Fallback>
+  </mc:AlternateContent>
+</p:sld>
+</file>
+
+<file path=ppt/slides/slide22.xml><?xml version="1.0" encoding="utf-8"?>
+<p:sld xmlns:a="http://schemas.openxmlformats.org/drawingml/2006/main" xmlns:r="http://schemas.openxmlformats.org/officeDocument/2006/relationships" xmlns:p="http://schemas.openxmlformats.org/presentationml/2006/main">
+  <p:cSld>
+    <p:spTree>
+      <p:nvGrpSpPr>
+        <p:cNvPr id="1" name=""/>
+        <p:cNvGrpSpPr/>
+        <p:nvPr/>
+      </p:nvGrpSpPr>
+      <p:grpSpPr>
+        <a:xfrm>
+          <a:off x="0" y="0"/>
+          <a:ext cx="0" cy="0"/>
+          <a:chOff x="0" y="0"/>
+          <a:chExt cx="0" cy="0"/>
+        </a:xfrm>
+      </p:grpSpPr>
+      <p:sp>
+        <p:nvSpPr>
+          <p:cNvPr id="2" name="Titolo 1">
+            <a:extLst>
+              <a:ext uri="{FF2B5EF4-FFF2-40B4-BE49-F238E27FC236}">
+                <a16:creationId xmlns:a16="http://schemas.microsoft.com/office/drawing/2014/main" id="{76E410CF-BB57-2020-3076-A67DE8CFC121}"/>
+              </a:ext>
+            </a:extLst>
+          </p:cNvPr>
+          <p:cNvSpPr>
+            <a:spLocks noGrp="1"/>
+          </p:cNvSpPr>
+          <p:nvPr>
+            <p:ph type="title"/>
+          </p:nvPr>
+        </p:nvSpPr>
+        <p:spPr/>
+        <p:txBody>
+          <a:bodyPr>
+            <a:normAutofit/>
+          </a:bodyPr>
+          <a:lstStyle/>
+          <a:p>
+            <a:r>
+              <a:rPr lang="it-IT" sz="3200" dirty="0" err="1"/>
+              <a:t>Comparison</a:t>
+            </a:r>
+            <a:r>
+              <a:rPr lang="it-IT" sz="3200" dirty="0"/>
+              <a:t> </a:t>
+            </a:r>
+            <a:r>
+              <a:rPr lang="it-IT" sz="3200" dirty="0" err="1"/>
+              <a:t>between</a:t>
+            </a:r>
+            <a:r>
+              <a:rPr lang="it-IT" sz="3200" dirty="0"/>
+              <a:t> linear and non-linear </a:t>
+            </a:r>
+            <a:r>
+              <a:rPr lang="it-IT" sz="3200" dirty="0" err="1"/>
+              <a:t>problem</a:t>
+            </a:r>
+            <a:endParaRPr lang="it-IT" sz="3200" dirty="0"/>
+          </a:p>
+        </p:txBody>
+      </p:sp>
+      <p:sp>
+        <p:nvSpPr>
+          <p:cNvPr id="3" name="Segnaposto contenuto 2">
+            <a:extLst>
+              <a:ext uri="{FF2B5EF4-FFF2-40B4-BE49-F238E27FC236}">
+                <a16:creationId xmlns:a16="http://schemas.microsoft.com/office/drawing/2014/main" id="{7C1260B8-1021-2FA1-D578-03B1ABABA901}"/>
+              </a:ext>
+            </a:extLst>
+          </p:cNvPr>
+          <p:cNvSpPr>
+            <a:spLocks noGrp="1"/>
+          </p:cNvSpPr>
+          <p:nvPr>
+            <p:ph idx="1"/>
+          </p:nvPr>
+        </p:nvSpPr>
+        <p:spPr/>
+        <p:txBody>
+          <a:bodyPr/>
+          <a:lstStyle/>
+          <a:p>
+            <a:pPr marL="0" indent="0">
+              <a:buNone/>
+            </a:pPr>
+            <a:r>
+              <a:rPr lang="it-IT" dirty="0"/>
+              <a:t>To be </a:t>
+            </a:r>
+            <a:r>
+              <a:rPr lang="it-IT" dirty="0" err="1"/>
+              <a:t>able</a:t>
+            </a:r>
+            <a:r>
+              <a:rPr lang="it-IT" dirty="0"/>
+              <a:t> to </a:t>
+            </a:r>
+            <a:r>
+              <a:rPr lang="it-IT" dirty="0" err="1"/>
+              <a:t>appreciate</a:t>
+            </a:r>
+            <a:r>
+              <a:rPr lang="it-IT" dirty="0"/>
+              <a:t> the </a:t>
+            </a:r>
+            <a:r>
+              <a:rPr lang="it-IT" dirty="0" err="1"/>
+              <a:t>difference</a:t>
+            </a:r>
+            <a:r>
+              <a:rPr lang="it-IT" dirty="0"/>
+              <a:t> </a:t>
+            </a:r>
+            <a:r>
+              <a:rPr lang="it-IT" dirty="0" err="1"/>
+              <a:t>between</a:t>
+            </a:r>
+            <a:r>
+              <a:rPr lang="it-IT" dirty="0"/>
+              <a:t> the linear and the non-linear </a:t>
+            </a:r>
+            <a:r>
+              <a:rPr lang="it-IT" dirty="0" err="1"/>
+              <a:t>problem</a:t>
+            </a:r>
+            <a:r>
+              <a:rPr lang="it-IT" dirty="0"/>
+              <a:t> </a:t>
+            </a:r>
+            <a:r>
+              <a:rPr lang="it-IT" dirty="0" err="1"/>
+              <a:t>we</a:t>
+            </a:r>
+            <a:r>
+              <a:rPr lang="it-IT" dirty="0"/>
+              <a:t> </a:t>
+            </a:r>
+            <a:r>
+              <a:rPr lang="it-IT" dirty="0" err="1"/>
+              <a:t>decided</a:t>
+            </a:r>
+            <a:r>
+              <a:rPr lang="it-IT" dirty="0"/>
+              <a:t> to plot the </a:t>
+            </a:r>
+            <a:r>
+              <a:rPr lang="it-IT" dirty="0" err="1"/>
+              <a:t>magnitude</a:t>
+            </a:r>
+            <a:r>
+              <a:rPr lang="it-IT" dirty="0"/>
+              <a:t> of the </a:t>
+            </a:r>
+            <a:r>
+              <a:rPr lang="it-IT" dirty="0" err="1"/>
+              <a:t>velocity</a:t>
+            </a:r>
+            <a:r>
+              <a:rPr lang="it-IT" dirty="0"/>
+              <a:t> </a:t>
+            </a:r>
+            <a:r>
+              <a:rPr lang="it-IT" dirty="0" err="1"/>
+              <a:t>along</a:t>
+            </a:r>
+            <a:r>
+              <a:rPr lang="it-IT" dirty="0"/>
+              <a:t> the </a:t>
+            </a:r>
+            <a:r>
+              <a:rPr lang="it-IT" dirty="0" err="1"/>
+              <a:t>central</a:t>
+            </a:r>
+            <a:r>
+              <a:rPr lang="it-IT" dirty="0"/>
+              <a:t> line of the </a:t>
+            </a:r>
+            <a:r>
+              <a:rPr lang="it-IT" dirty="0" err="1"/>
+              <a:t>problem</a:t>
+            </a:r>
+            <a:r>
+              <a:rPr lang="it-IT" dirty="0"/>
+              <a:t>. </a:t>
+            </a:r>
+          </a:p>
+          <a:p>
+            <a:pPr marL="0" indent="0">
+              <a:buNone/>
+            </a:pPr>
+            <a:endParaRPr lang="it-IT" dirty="0"/>
+          </a:p>
+          <a:p>
+            <a:pPr marL="0" indent="0">
+              <a:buNone/>
+            </a:pPr>
+            <a:r>
+              <a:rPr lang="it-IT" dirty="0"/>
+              <a:t>In </a:t>
+            </a:r>
+            <a:r>
+              <a:rPr lang="it-IT" dirty="0" err="1"/>
+              <a:t>both</a:t>
+            </a:r>
+            <a:r>
+              <a:rPr lang="it-IT" dirty="0"/>
+              <a:t> </a:t>
+            </a:r>
+            <a:r>
+              <a:rPr lang="it-IT" dirty="0" err="1"/>
+              <a:t>problems</a:t>
+            </a:r>
+            <a:r>
+              <a:rPr lang="it-IT" dirty="0"/>
+              <a:t> </a:t>
+            </a:r>
+            <a:r>
+              <a:rPr lang="it-IT" dirty="0" err="1"/>
+              <a:t>we</a:t>
+            </a:r>
+            <a:r>
+              <a:rPr lang="it-IT" dirty="0"/>
+              <a:t> </a:t>
+            </a:r>
+            <a:r>
+              <a:rPr lang="it-IT" dirty="0" err="1"/>
+              <a:t>will</a:t>
+            </a:r>
+            <a:r>
+              <a:rPr lang="it-IT" dirty="0"/>
+              <a:t> </a:t>
+            </a:r>
+            <a:r>
+              <a:rPr lang="it-IT" dirty="0" err="1"/>
+              <a:t>see</a:t>
+            </a:r>
+            <a:r>
+              <a:rPr lang="it-IT" dirty="0"/>
+              <a:t> </a:t>
+            </a:r>
+            <a:r>
+              <a:rPr lang="it-IT" dirty="0" err="1"/>
+              <a:t>what</a:t>
+            </a:r>
+            <a:r>
+              <a:rPr lang="it-IT" dirty="0"/>
+              <a:t> </a:t>
+            </a:r>
+            <a:r>
+              <a:rPr lang="it-IT" dirty="0" err="1"/>
+              <a:t>happens</a:t>
+            </a:r>
+            <a:r>
+              <a:rPr lang="it-IT" dirty="0"/>
+              <a:t> </a:t>
+            </a:r>
+            <a:r>
+              <a:rPr lang="it-IT" dirty="0" err="1"/>
+              <a:t>when</a:t>
+            </a:r>
+            <a:r>
+              <a:rPr lang="it-IT" dirty="0"/>
+              <a:t> the flow </a:t>
+            </a:r>
+            <a:r>
+              <a:rPr lang="it-IT" dirty="0" err="1"/>
+              <a:t>goes</a:t>
+            </a:r>
+            <a:r>
+              <a:rPr lang="it-IT" dirty="0"/>
+              <a:t> </a:t>
+            </a:r>
+            <a:r>
+              <a:rPr lang="it-IT" dirty="0" err="1"/>
+              <a:t>past</a:t>
+            </a:r>
+            <a:r>
+              <a:rPr lang="it-IT" dirty="0"/>
+              <a:t> the </a:t>
+            </a:r>
+            <a:r>
+              <a:rPr lang="it-IT" dirty="0" err="1"/>
+              <a:t>cylinder</a:t>
+            </a:r>
+            <a:r>
+              <a:rPr lang="it-IT" dirty="0"/>
+              <a:t> and </a:t>
+            </a:r>
+            <a:r>
+              <a:rPr lang="it-IT" dirty="0" err="1"/>
+              <a:t>we</a:t>
+            </a:r>
+            <a:r>
+              <a:rPr lang="it-IT" dirty="0"/>
+              <a:t> </a:t>
+            </a:r>
+            <a:r>
+              <a:rPr lang="it-IT" dirty="0" err="1"/>
+              <a:t>will</a:t>
+            </a:r>
+            <a:r>
+              <a:rPr lang="it-IT" dirty="0"/>
+              <a:t> </a:t>
+            </a:r>
+            <a:r>
+              <a:rPr lang="it-IT" dirty="0" err="1"/>
+              <a:t>see</a:t>
+            </a:r>
+            <a:r>
+              <a:rPr lang="it-IT" dirty="0"/>
+              <a:t> the </a:t>
+            </a:r>
+            <a:r>
+              <a:rPr lang="it-IT" dirty="0" err="1"/>
+              <a:t>difference</a:t>
+            </a:r>
+            <a:r>
+              <a:rPr lang="it-IT" dirty="0"/>
+              <a:t> </a:t>
+            </a:r>
+            <a:r>
+              <a:rPr lang="it-IT" dirty="0" err="1"/>
+              <a:t>between</a:t>
+            </a:r>
+            <a:r>
+              <a:rPr lang="it-IT" dirty="0"/>
+              <a:t> the </a:t>
+            </a:r>
+            <a:r>
+              <a:rPr lang="it-IT" dirty="0" err="1"/>
+              <a:t>symmetric</a:t>
+            </a:r>
+            <a:r>
+              <a:rPr lang="it-IT" dirty="0"/>
+              <a:t> and regular Stokes </a:t>
+            </a:r>
+            <a:r>
+              <a:rPr lang="it-IT" dirty="0" err="1"/>
+              <a:t>problem</a:t>
+            </a:r>
+            <a:r>
+              <a:rPr lang="it-IT" dirty="0"/>
+              <a:t> and the non-</a:t>
+            </a:r>
+            <a:r>
+              <a:rPr lang="it-IT" dirty="0" err="1"/>
+              <a:t>symmetric</a:t>
+            </a:r>
+            <a:r>
+              <a:rPr lang="it-IT" dirty="0"/>
+              <a:t> </a:t>
+            </a:r>
+            <a:r>
+              <a:rPr lang="it-IT" dirty="0" err="1"/>
+              <a:t>Navier</a:t>
+            </a:r>
+            <a:r>
+              <a:rPr lang="it-IT" dirty="0"/>
+              <a:t>-Stokes one.</a:t>
+            </a:r>
+          </a:p>
+        </p:txBody>
+      </p:sp>
+    </p:spTree>
+    <p:extLst>
+      <p:ext uri="{BB962C8B-B14F-4D97-AF65-F5344CB8AC3E}">
+        <p14:creationId xmlns:p14="http://schemas.microsoft.com/office/powerpoint/2010/main" val="223978858"/>
+      </p:ext>
+    </p:extLst>
+  </p:cSld>
+  <p:clrMapOvr>
+    <a:masterClrMapping/>
+  </p:clrMapOvr>
+  <mc:AlternateContent xmlns:mc="http://schemas.openxmlformats.org/markup-compatibility/2006" xmlns:p14="http://schemas.microsoft.com/office/powerpoint/2010/main">
+    <mc:Choice Requires="p14">
+      <p:transition spd="med" p14:dur="700">
+        <p:fade/>
+      </p:transition>
+    </mc:Choice>
+    <mc:Fallback xmlns="">
+      <p:transition spd="med">
+        <p:fade/>
+      </p:transition>
+    </mc:Fallback>
+  </mc:AlternateContent>
+</p:sld>
+</file>
+
+<file path=ppt/slides/slide23.xml><?xml version="1.0" encoding="utf-8"?>
+<p:sld xmlns:a="http://schemas.openxmlformats.org/drawingml/2006/main" xmlns:r="http://schemas.openxmlformats.org/officeDocument/2006/relationships" xmlns:p="http://schemas.openxmlformats.org/presentationml/2006/main">
+  <p:cSld>
+    <p:spTree>
+      <p:nvGrpSpPr>
+        <p:cNvPr id="1" name=""/>
+        <p:cNvGrpSpPr/>
+        <p:nvPr/>
+      </p:nvGrpSpPr>
+      <p:grpSpPr>
+        <a:xfrm>
+          <a:off x="0" y="0"/>
+          <a:ext cx="0" cy="0"/>
+          <a:chOff x="0" y="0"/>
+          <a:chExt cx="0" cy="0"/>
+        </a:xfrm>
+      </p:grpSpPr>
+      <p:sp>
+        <p:nvSpPr>
+          <p:cNvPr id="2" name="Titolo 1"/>
+          <p:cNvSpPr>
+            <a:spLocks noGrp="1"/>
+          </p:cNvSpPr>
+          <p:nvPr>
+            <p:ph type="title"/>
+          </p:nvPr>
+        </p:nvSpPr>
+        <p:spPr/>
+        <p:txBody>
+          <a:bodyPr rtlCol="0">
+            <a:normAutofit/>
+          </a:bodyPr>
+          <a:lstStyle/>
+          <a:p>
+            <a:pPr rtl="0"/>
+            <a:r>
+              <a:rPr lang="it-IT" sz="3200" dirty="0" err="1"/>
+              <a:t>Comparison</a:t>
+            </a:r>
+            <a:r>
+              <a:rPr lang="it-IT" sz="3200" dirty="0"/>
+              <a:t> </a:t>
+            </a:r>
+            <a:r>
+              <a:rPr lang="it-IT" sz="3200" dirty="0" err="1"/>
+              <a:t>between</a:t>
+            </a:r>
+            <a:r>
+              <a:rPr lang="it-IT" sz="3200" dirty="0"/>
+              <a:t> linear and non-linear </a:t>
+            </a:r>
+            <a:r>
+              <a:rPr lang="it-IT" sz="3200" dirty="0" err="1"/>
+              <a:t>problem</a:t>
+            </a:r>
+            <a:endParaRPr lang="it-IT" sz="3200" dirty="0"/>
+          </a:p>
+        </p:txBody>
+      </p:sp>
+      <p:sp>
+        <p:nvSpPr>
+          <p:cNvPr id="4" name="Segnaposto testo 3"/>
+          <p:cNvSpPr>
+            <a:spLocks noGrp="1"/>
+          </p:cNvSpPr>
+          <p:nvPr>
+            <p:ph type="body" idx="1"/>
+          </p:nvPr>
+        </p:nvSpPr>
+        <p:spPr/>
+        <p:txBody>
+          <a:bodyPr rtlCol="0"/>
+          <a:lstStyle/>
+          <a:p>
+            <a:pPr rtl="0"/>
+            <a:r>
+              <a:rPr lang="it-IT" dirty="0"/>
+              <a:t>stokes</a:t>
+            </a:r>
+          </a:p>
+        </p:txBody>
+      </p:sp>
+      <p:sp>
+        <p:nvSpPr>
+          <p:cNvPr id="6" name="Segnaposto testo 5"/>
+          <p:cNvSpPr>
+            <a:spLocks noGrp="1"/>
+          </p:cNvSpPr>
+          <p:nvPr>
+            <p:ph type="body" sz="quarter" idx="3"/>
+          </p:nvPr>
+        </p:nvSpPr>
+        <p:spPr/>
+        <p:txBody>
+          <a:bodyPr rtlCol="0"/>
+          <a:lstStyle/>
+          <a:p>
+            <a:pPr rtl="0"/>
+            <a:r>
+              <a:rPr lang="it-IT" dirty="0" err="1"/>
+              <a:t>Navier</a:t>
+            </a:r>
+            <a:r>
+              <a:rPr lang="it-IT" dirty="0"/>
+              <a:t>-stokes</a:t>
+            </a:r>
+          </a:p>
+        </p:txBody>
+      </p:sp>
+      <p:pic>
+        <p:nvPicPr>
+          <p:cNvPr id="8" name="Segnaposto contenuto 7">
+            <a:extLst>
+              <a:ext uri="{FF2B5EF4-FFF2-40B4-BE49-F238E27FC236}">
+                <a16:creationId xmlns:a16="http://schemas.microsoft.com/office/drawing/2014/main" id="{27393DD5-238D-BDCB-F03D-952C399F8CC9}"/>
+              </a:ext>
+            </a:extLst>
+          </p:cNvPr>
+          <p:cNvPicPr>
+            <a:picLocks noGrp="1" noChangeAspect="1"/>
+          </p:cNvPicPr>
+          <p:nvPr>
+            <p:ph sz="quarter" idx="4"/>
+          </p:nvPr>
+        </p:nvPicPr>
+        <p:blipFill>
+          <a:blip r:embed="rId3"/>
+          <a:stretch>
+            <a:fillRect/>
+          </a:stretch>
+        </p:blipFill>
+        <p:spPr>
+          <a:xfrm>
+            <a:off x="7039718" y="2514600"/>
+            <a:ext cx="3854551" cy="3656013"/>
+          </a:xfrm>
+        </p:spPr>
+      </p:pic>
+      <p:pic>
+        <p:nvPicPr>
+          <p:cNvPr id="13" name="Segnaposto contenuto 12">
+            <a:extLst>
+              <a:ext uri="{FF2B5EF4-FFF2-40B4-BE49-F238E27FC236}">
+                <a16:creationId xmlns:a16="http://schemas.microsoft.com/office/drawing/2014/main" id="{7961C097-CAC6-BC39-B118-2BAFA929AE50}"/>
+              </a:ext>
+            </a:extLst>
+          </p:cNvPr>
+          <p:cNvPicPr>
+            <a:picLocks noGrp="1" noChangeAspect="1"/>
+          </p:cNvPicPr>
+          <p:nvPr>
+            <p:ph sz="half" idx="2"/>
+          </p:nvPr>
+        </p:nvPicPr>
+        <p:blipFill>
+          <a:blip r:embed="rId4"/>
+          <a:stretch>
+            <a:fillRect/>
+          </a:stretch>
+        </p:blipFill>
+        <p:spPr>
+          <a:xfrm>
+            <a:off x="2073182" y="2514600"/>
+            <a:ext cx="3856224" cy="3657600"/>
+          </a:xfrm>
+        </p:spPr>
+      </p:pic>
+    </p:spTree>
+    <p:extLst>
+      <p:ext uri="{BB962C8B-B14F-4D97-AF65-F5344CB8AC3E}">
+        <p14:creationId xmlns:p14="http://schemas.microsoft.com/office/powerpoint/2010/main" val="1061194279"/>
+      </p:ext>
+    </p:extLst>
+  </p:cSld>
+  <p:clrMapOvr>
+    <a:masterClrMapping/>
+  </p:clrMapOvr>
+  <mc:AlternateContent xmlns:mc="http://schemas.openxmlformats.org/markup-compatibility/2006" xmlns:p14="http://schemas.microsoft.com/office/powerpoint/2010/main">
+    <mc:Choice Requires="p14">
+      <p:transition spd="med" p14:dur="700">
+        <p:fade/>
+      </p:transition>
+    </mc:Choice>
+    <mc:Fallback xmlns="">
+      <p:transition spd="med">
+        <p:fade/>
+      </p:transition>
+    </mc:Fallback>
+  </mc:AlternateContent>
+</p:sld>
+</file>
+
+<file path=ppt/slides/slide24.xml><?xml version="1.0" encoding="utf-8"?>
+<p:sld xmlns:a="http://schemas.openxmlformats.org/drawingml/2006/main" xmlns:r="http://schemas.openxmlformats.org/officeDocument/2006/relationships" xmlns:p="http://schemas.openxmlformats.org/presentationml/2006/main">
+  <p:cSld>
+    <p:spTree>
+      <p:nvGrpSpPr>
+        <p:cNvPr id="1" name=""/>
+        <p:cNvGrpSpPr/>
+        <p:nvPr/>
+      </p:nvGrpSpPr>
+      <p:grpSpPr>
+        <a:xfrm>
+          <a:off x="0" y="0"/>
+          <a:ext cx="0" cy="0"/>
+          <a:chOff x="0" y="0"/>
+          <a:chExt cx="0" cy="0"/>
+        </a:xfrm>
+      </p:grpSpPr>
+      <p:sp>
+        <p:nvSpPr>
+          <p:cNvPr id="2" name="Titolo 1"/>
+          <p:cNvSpPr>
+            <a:spLocks noGrp="1"/>
+          </p:cNvSpPr>
+          <p:nvPr>
+            <p:ph type="title"/>
+          </p:nvPr>
+        </p:nvSpPr>
+        <p:spPr/>
+        <p:txBody>
           <a:bodyPr rtlCol="0">
             <a:normAutofit/>
           </a:bodyPr>
@@ -11177,7 +12217,7 @@
 </p:sld>
 </file>
 
-<file path=ppt/slides/slide21.xml><?xml version="1.0" encoding="utf-8"?>
+<file path=ppt/slides/slide25.xml><?xml version="1.0" encoding="utf-8"?>
 <p:sld xmlns:a="http://schemas.openxmlformats.org/drawingml/2006/main" xmlns:r="http://schemas.openxmlformats.org/officeDocument/2006/relationships" xmlns:p="http://schemas.openxmlformats.org/presentationml/2006/main">
   <p:cSld>
     <p:spTree>
@@ -11312,35 +12352,6 @@
           </a:p>
         </p:txBody>
       </p:sp>
-      <p:pic>
-        <p:nvPicPr>
-          <p:cNvPr id="5" name="Segnaposto contenuto 4">
-            <a:extLst>
-              <a:ext uri="{FF2B5EF4-FFF2-40B4-BE49-F238E27FC236}">
-                <a16:creationId xmlns:a16="http://schemas.microsoft.com/office/drawing/2014/main" id="{E79B7849-9E63-11F4-F08C-01C202B31817}"/>
-              </a:ext>
-            </a:extLst>
-          </p:cNvPr>
-          <p:cNvPicPr>
-            <a:picLocks noGrp="1" noChangeAspect="1"/>
-          </p:cNvPicPr>
-          <p:nvPr>
-            <p:ph idx="1"/>
-          </p:nvPr>
-        </p:nvPicPr>
-        <p:blipFill>
-          <a:blip r:embed="rId2"/>
-          <a:stretch>
-            <a:fillRect/>
-          </a:stretch>
-        </p:blipFill>
-        <p:spPr>
-          <a:xfrm>
-            <a:off x="1593436" y="1981200"/>
-            <a:ext cx="4068928" cy="1676090"/>
-          </a:xfrm>
-        </p:spPr>
-      </p:pic>
       <p:sp>
         <p:nvSpPr>
           <p:cNvPr id="4" name="CasellaDiTesto 3">
@@ -11488,6 +12499,36 @@
             <a:extLst>
               <a:ext uri="{FF2B5EF4-FFF2-40B4-BE49-F238E27FC236}">
                 <a16:creationId xmlns:a16="http://schemas.microsoft.com/office/drawing/2014/main" id="{1177DCF3-E031-FC68-436A-B0CA1CE7C11C}"/>
+              </a:ext>
+            </a:extLst>
+          </p:cNvPr>
+          <p:cNvPicPr>
+            <a:picLocks noChangeAspect="1"/>
+          </p:cNvPicPr>
+          <p:nvPr/>
+        </p:nvPicPr>
+        <p:blipFill>
+          <a:blip r:embed="rId2"/>
+          <a:stretch>
+            <a:fillRect/>
+          </a:stretch>
+        </p:blipFill>
+        <p:spPr>
+          <a:xfrm>
+            <a:off x="1701923" y="4603107"/>
+            <a:ext cx="3905658" cy="266053"/>
+          </a:xfrm>
+          <a:prstGeom prst="rect">
+            <a:avLst/>
+          </a:prstGeom>
+        </p:spPr>
+      </p:pic>
+      <p:pic>
+        <p:nvPicPr>
+          <p:cNvPr id="10" name="Immagine 9">
+            <a:extLst>
+              <a:ext uri="{FF2B5EF4-FFF2-40B4-BE49-F238E27FC236}">
+                <a16:creationId xmlns:a16="http://schemas.microsoft.com/office/drawing/2014/main" id="{1AF72C92-D5AD-1D30-C542-426876430ED4}"/>
               </a:ext>
             </a:extLst>
           </p:cNvPr>
@@ -11504,8 +12545,8 @@
         </p:blipFill>
         <p:spPr>
           <a:xfrm>
-            <a:off x="1701923" y="4603107"/>
-            <a:ext cx="3905658" cy="266053"/>
+            <a:off x="1736321" y="4978809"/>
+            <a:ext cx="1085850" cy="238125"/>
           </a:xfrm>
           <a:prstGeom prst="rect">
             <a:avLst/>
@@ -11514,10 +12555,39 @@
       </p:pic>
       <p:pic>
         <p:nvPicPr>
-          <p:cNvPr id="9" name="Immagine 8">
+          <p:cNvPr id="16" name="Segnaposto contenuto 15">
             <a:extLst>
               <a:ext uri="{FF2B5EF4-FFF2-40B4-BE49-F238E27FC236}">
-                <a16:creationId xmlns:a16="http://schemas.microsoft.com/office/drawing/2014/main" id="{E2B1AC51-D2A0-8457-67D9-F9CDC325BE63}"/>
+                <a16:creationId xmlns:a16="http://schemas.microsoft.com/office/drawing/2014/main" id="{AD8C9E9B-F633-C4F4-5D8F-4BE8153C0F14}"/>
+              </a:ext>
+            </a:extLst>
+          </p:cNvPr>
+          <p:cNvPicPr>
+            <a:picLocks noGrp="1" noChangeAspect="1"/>
+          </p:cNvPicPr>
+          <p:nvPr>
+            <p:ph idx="1"/>
+          </p:nvPr>
+        </p:nvPicPr>
+        <p:blipFill>
+          <a:blip r:embed="rId4"/>
+          <a:stretch>
+            <a:fillRect/>
+          </a:stretch>
+        </p:blipFill>
+        <p:spPr>
+          <a:xfrm>
+            <a:off x="1701923" y="1778539"/>
+            <a:ext cx="4874020" cy="1934337"/>
+          </a:xfrm>
+        </p:spPr>
+      </p:pic>
+      <p:pic>
+        <p:nvPicPr>
+          <p:cNvPr id="18" name="Immagine 17">
+            <a:extLst>
+              <a:ext uri="{FF2B5EF4-FFF2-40B4-BE49-F238E27FC236}">
+                <a16:creationId xmlns:a16="http://schemas.microsoft.com/office/drawing/2014/main" id="{AE41CE6B-79B4-7BE2-CBA5-176330AC02D2}"/>
               </a:ext>
             </a:extLst>
           </p:cNvPr>
@@ -11527,15 +12597,15 @@
           <p:nvPr/>
         </p:nvPicPr>
         <p:blipFill>
-          <a:blip r:embed="rId4"/>
+          <a:blip r:embed="rId5"/>
           <a:stretch>
             <a:fillRect/>
           </a:stretch>
         </p:blipFill>
         <p:spPr>
           <a:xfrm>
-            <a:off x="1701923" y="4978808"/>
-            <a:ext cx="864097" cy="266697"/>
+            <a:off x="7534572" y="2638128"/>
+            <a:ext cx="2138708" cy="744487"/>
           </a:xfrm>
           <a:prstGeom prst="rect">
             <a:avLst/>
@@ -11914,6 +12984,36 @@
           </a:prstGeom>
         </p:spPr>
       </p:pic>
+      <p:pic>
+        <p:nvPicPr>
+          <p:cNvPr id="7" name="Immagine 6">
+            <a:extLst>
+              <a:ext uri="{FF2B5EF4-FFF2-40B4-BE49-F238E27FC236}">
+                <a16:creationId xmlns:a16="http://schemas.microsoft.com/office/drawing/2014/main" id="{5A16A3A8-BC34-87E7-2181-EEB85B83D2C8}"/>
+              </a:ext>
+            </a:extLst>
+          </p:cNvPr>
+          <p:cNvPicPr>
+            <a:picLocks noChangeAspect="1"/>
+          </p:cNvPicPr>
+          <p:nvPr/>
+        </p:nvPicPr>
+        <p:blipFill>
+          <a:blip r:embed="rId6"/>
+          <a:stretch>
+            <a:fillRect/>
+          </a:stretch>
+        </p:blipFill>
+        <p:spPr>
+          <a:xfrm>
+            <a:off x="6392737" y="5728202"/>
+            <a:ext cx="1348513" cy="288032"/>
+          </a:xfrm>
+          <a:prstGeom prst="rect">
+            <a:avLst/>
+          </a:prstGeom>
+        </p:spPr>
+      </p:pic>
     </p:spTree>
     <p:extLst>
       <p:ext uri="{BB962C8B-B14F-4D97-AF65-F5344CB8AC3E}">
@@ -11997,35 +13097,6 @@
           </a:p>
         </p:txBody>
       </p:sp>
-      <p:pic>
-        <p:nvPicPr>
-          <p:cNvPr id="7" name="Segnaposto contenuto 6">
-            <a:extLst>
-              <a:ext uri="{FF2B5EF4-FFF2-40B4-BE49-F238E27FC236}">
-                <a16:creationId xmlns:a16="http://schemas.microsoft.com/office/drawing/2014/main" id="{31AC1918-A38A-2134-0BBB-48F03CC79BD0}"/>
-              </a:ext>
-            </a:extLst>
-          </p:cNvPr>
-          <p:cNvPicPr>
-            <a:picLocks noGrp="1" noChangeAspect="1"/>
-          </p:cNvPicPr>
-          <p:nvPr>
-            <p:ph idx="1"/>
-          </p:nvPr>
-        </p:nvPicPr>
-        <p:blipFill>
-          <a:blip r:embed="rId2"/>
-          <a:stretch>
-            <a:fillRect/>
-          </a:stretch>
-        </p:blipFill>
-        <p:spPr>
-          <a:xfrm>
-            <a:off x="1596311" y="1844824"/>
-            <a:ext cx="4642117" cy="1804608"/>
-          </a:xfrm>
-        </p:spPr>
-      </p:pic>
       <p:sp>
         <p:nvSpPr>
           <p:cNvPr id="4" name="CasellaDiTesto 3">
@@ -12173,6 +13244,35 @@
           </a:p>
         </p:txBody>
       </p:sp>
+      <p:pic>
+        <p:nvPicPr>
+          <p:cNvPr id="8" name="Segnaposto contenuto 7">
+            <a:extLst>
+              <a:ext uri="{FF2B5EF4-FFF2-40B4-BE49-F238E27FC236}">
+                <a16:creationId xmlns:a16="http://schemas.microsoft.com/office/drawing/2014/main" id="{1AD67148-AB02-E1CD-60A1-2C9445C44B45}"/>
+              </a:ext>
+            </a:extLst>
+          </p:cNvPr>
+          <p:cNvPicPr>
+            <a:picLocks noGrp="1" noChangeAspect="1"/>
+          </p:cNvPicPr>
+          <p:nvPr>
+            <p:ph idx="1"/>
+          </p:nvPr>
+        </p:nvPicPr>
+        <p:blipFill>
+          <a:blip r:embed="rId2"/>
+          <a:stretch>
+            <a:fillRect/>
+          </a:stretch>
+        </p:blipFill>
+        <p:spPr>
+          <a:xfrm>
+            <a:off x="1593435" y="1913012"/>
+            <a:ext cx="5601957" cy="1804020"/>
+          </a:xfrm>
+        </p:spPr>
+      </p:pic>
     </p:spTree>
     <p:extLst>
       <p:ext uri="{BB962C8B-B14F-4D97-AF65-F5344CB8AC3E}">
@@ -12236,10 +13336,6 @@
           <a:bodyPr/>
           <a:lstStyle/>
           <a:p>
-            <a:r>
-              <a:rPr lang="it-IT" dirty="0"/>
-              <a:t>Semi-Discrete </a:t>
-            </a:r>
             <a:r>
               <a:rPr lang="it-IT" dirty="0" err="1"/>
               <a:t>Weak</a:t>
@@ -12570,14 +13666,6 @@
           <a:p>
             <a:r>
               <a:rPr lang="it-IT" dirty="0" err="1"/>
-              <a:t>Fully</a:t>
-            </a:r>
-            <a:r>
-              <a:rPr lang="it-IT" dirty="0"/>
-              <a:t>-Discrete </a:t>
-            </a:r>
-            <a:r>
-              <a:rPr lang="it-IT" dirty="0" err="1"/>
               <a:t>Weak</a:t>
             </a:r>
             <a:r>
@@ -12720,10 +13808,10 @@
       </p:pic>
       <p:pic>
         <p:nvPicPr>
-          <p:cNvPr id="12" name="Immagine 11">
+          <p:cNvPr id="5" name="Immagine 4">
             <a:extLst>
               <a:ext uri="{FF2B5EF4-FFF2-40B4-BE49-F238E27FC236}">
-                <a16:creationId xmlns:a16="http://schemas.microsoft.com/office/drawing/2014/main" id="{BF4C1336-E68C-9472-ACBE-5150E76629E9}"/>
+                <a16:creationId xmlns:a16="http://schemas.microsoft.com/office/drawing/2014/main" id="{42D79730-3E7E-4AD2-864D-A1C560615B82}"/>
               </a:ext>
             </a:extLst>
           </p:cNvPr>
@@ -12740,8 +13828,8 @@
         </p:blipFill>
         <p:spPr>
           <a:xfrm>
-            <a:off x="1485900" y="3861048"/>
-            <a:ext cx="10106361" cy="574810"/>
+            <a:off x="1773931" y="3893270"/>
+            <a:ext cx="9315450" cy="638175"/>
           </a:xfrm>
           <a:prstGeom prst="rect">
             <a:avLst/>
@@ -12774,450 +13862,6 @@
 </file>
 
 <file path=ppt/slides/slide8.xml><?xml version="1.0" encoding="utf-8"?>
-<p:sld xmlns:a="http://schemas.openxmlformats.org/drawingml/2006/main" xmlns:r="http://schemas.openxmlformats.org/officeDocument/2006/relationships" xmlns:p="http://schemas.openxmlformats.org/presentationml/2006/main">
-  <p:cSld>
-    <p:spTree>
-      <p:nvGrpSpPr>
-        <p:cNvPr id="1" name=""/>
-        <p:cNvGrpSpPr/>
-        <p:nvPr/>
-      </p:nvGrpSpPr>
-      <p:grpSpPr>
-        <a:xfrm>
-          <a:off x="0" y="0"/>
-          <a:ext cx="0" cy="0"/>
-          <a:chOff x="0" y="0"/>
-          <a:chExt cx="0" cy="0"/>
-        </a:xfrm>
-      </p:grpSpPr>
-      <p:sp>
-        <p:nvSpPr>
-          <p:cNvPr id="2" name="Titolo 1">
-            <a:extLst>
-              <a:ext uri="{FF2B5EF4-FFF2-40B4-BE49-F238E27FC236}">
-                <a16:creationId xmlns:a16="http://schemas.microsoft.com/office/drawing/2014/main" id="{AF4B5093-FB13-D4CD-63E8-993200977588}"/>
-              </a:ext>
-            </a:extLst>
-          </p:cNvPr>
-          <p:cNvSpPr>
-            <a:spLocks noGrp="1"/>
-          </p:cNvSpPr>
-          <p:nvPr>
-            <p:ph type="title"/>
-          </p:nvPr>
-        </p:nvSpPr>
-        <p:spPr/>
-        <p:txBody>
-          <a:bodyPr/>
-          <a:lstStyle/>
-          <a:p>
-            <a:r>
-              <a:rPr lang="it-IT" dirty="0" err="1"/>
-              <a:t>Fully</a:t>
-            </a:r>
-            <a:r>
-              <a:rPr lang="it-IT" dirty="0"/>
-              <a:t>-Discrete </a:t>
-            </a:r>
-            <a:r>
-              <a:rPr lang="it-IT" dirty="0" err="1"/>
-              <a:t>Problem</a:t>
-            </a:r>
-            <a:endParaRPr lang="it-IT" dirty="0"/>
-          </a:p>
-        </p:txBody>
-      </p:sp>
-      <p:sp>
-        <p:nvSpPr>
-          <p:cNvPr id="3" name="Segnaposto contenuto 2">
-            <a:extLst>
-              <a:ext uri="{FF2B5EF4-FFF2-40B4-BE49-F238E27FC236}">
-                <a16:creationId xmlns:a16="http://schemas.microsoft.com/office/drawing/2014/main" id="{5EBB0415-B926-280D-6A8B-093A8C4D85CF}"/>
-              </a:ext>
-            </a:extLst>
-          </p:cNvPr>
-          <p:cNvSpPr>
-            <a:spLocks noGrp="1"/>
-          </p:cNvSpPr>
-          <p:nvPr>
-            <p:ph idx="1"/>
-          </p:nvPr>
-        </p:nvSpPr>
-        <p:spPr/>
-        <p:txBody>
-          <a:bodyPr>
-            <a:normAutofit lnSpcReduction="10000"/>
-          </a:bodyPr>
-          <a:lstStyle/>
-          <a:p>
-            <a:pPr marL="0" indent="0">
-              <a:buNone/>
-            </a:pPr>
-            <a:r>
-              <a:rPr lang="it-IT" sz="2400" dirty="0" err="1"/>
-              <a:t>Since</a:t>
-            </a:r>
-            <a:r>
-              <a:rPr lang="it-IT" sz="2400" dirty="0"/>
-              <a:t> the </a:t>
-            </a:r>
-            <a:r>
-              <a:rPr lang="it-IT" sz="2400" dirty="0" err="1"/>
-              <a:t>problem</a:t>
-            </a:r>
-            <a:r>
-              <a:rPr lang="it-IT" sz="2400" dirty="0"/>
-              <a:t> </a:t>
-            </a:r>
-            <a:r>
-              <a:rPr lang="it-IT" sz="2400" dirty="0" err="1"/>
-              <a:t>is</a:t>
-            </a:r>
-            <a:r>
-              <a:rPr lang="it-IT" sz="2400" dirty="0"/>
-              <a:t> non-linear, </a:t>
-            </a:r>
-            <a:r>
-              <a:rPr lang="it-IT" sz="2400" dirty="0" err="1"/>
-              <a:t>we</a:t>
-            </a:r>
-            <a:r>
-              <a:rPr lang="it-IT" sz="2400" dirty="0"/>
-              <a:t> </a:t>
-            </a:r>
-            <a:r>
-              <a:rPr lang="it-IT" sz="2400" dirty="0" err="1"/>
-              <a:t>adopt</a:t>
-            </a:r>
-            <a:r>
-              <a:rPr lang="it-IT" sz="2400" dirty="0"/>
-              <a:t> the Newton </a:t>
-            </a:r>
-            <a:r>
-              <a:rPr lang="it-IT" sz="2400" dirty="0" err="1"/>
-              <a:t>method</a:t>
-            </a:r>
-            <a:r>
-              <a:rPr lang="it-IT" sz="2400" dirty="0"/>
-              <a:t> for solving </a:t>
-            </a:r>
-            <a:r>
-              <a:rPr lang="it-IT" sz="2400" dirty="0" err="1"/>
-              <a:t>it</a:t>
-            </a:r>
-            <a:r>
-              <a:rPr lang="it-IT" sz="2400" dirty="0"/>
-              <a:t>. </a:t>
-            </a:r>
-            <a:r>
-              <a:rPr lang="it-IT" sz="2400" dirty="0" err="1"/>
-              <a:t>We</a:t>
-            </a:r>
-            <a:r>
-              <a:rPr lang="it-IT" sz="2400" dirty="0"/>
-              <a:t> split the time domain </a:t>
-            </a:r>
-            <a:r>
-              <a:rPr lang="it-IT" sz="2400" dirty="0" err="1"/>
-              <a:t>into</a:t>
-            </a:r>
-            <a:r>
-              <a:rPr lang="it-IT" sz="2400" dirty="0"/>
-              <a:t> N </a:t>
-            </a:r>
-            <a:r>
-              <a:rPr lang="it-IT" sz="2400" dirty="0" err="1"/>
-              <a:t>subintervals</a:t>
-            </a:r>
-            <a:r>
-              <a:rPr lang="it-IT" sz="2400" dirty="0"/>
-              <a:t> </a:t>
-            </a:r>
-            <a:r>
-              <a:rPr lang="it-IT" sz="2400" dirty="0" err="1"/>
-              <a:t>such</a:t>
-            </a:r>
-            <a:r>
-              <a:rPr lang="it-IT" sz="2400" dirty="0"/>
-              <a:t> </a:t>
-            </a:r>
-            <a:r>
-              <a:rPr lang="it-IT" sz="2400" dirty="0" err="1"/>
-              <a:t>that</a:t>
-            </a:r>
-            <a:r>
-              <a:rPr lang="it-IT" sz="2400" dirty="0"/>
-              <a:t> :</a:t>
-            </a:r>
-          </a:p>
-          <a:p>
-            <a:pPr marL="0" indent="0">
-              <a:buNone/>
-            </a:pPr>
-            <a:endParaRPr lang="it-IT" sz="2400" dirty="0"/>
-          </a:p>
-          <a:p>
-            <a:pPr marL="0" indent="0">
-              <a:buNone/>
-            </a:pPr>
-            <a:r>
-              <a:rPr lang="it-IT" sz="2400" dirty="0" err="1"/>
-              <a:t>Now</a:t>
-            </a:r>
-            <a:r>
-              <a:rPr lang="it-IT" sz="2400" dirty="0"/>
-              <a:t> for </a:t>
-            </a:r>
-            <a:r>
-              <a:rPr lang="it-IT" sz="2400" dirty="0" err="1"/>
-              <a:t>each</a:t>
-            </a:r>
-            <a:r>
-              <a:rPr lang="it-IT" sz="2400" dirty="0"/>
-              <a:t> </a:t>
-            </a:r>
-            <a:r>
-              <a:rPr lang="it-IT" sz="2400" dirty="0" err="1"/>
-              <a:t>timestep</a:t>
-            </a:r>
-            <a:r>
-              <a:rPr lang="it-IT" sz="2400" dirty="0"/>
-              <a:t> </a:t>
-            </a:r>
-            <a:r>
-              <a:rPr lang="it-IT" sz="2400" dirty="0" err="1"/>
-              <a:t>we</a:t>
-            </a:r>
-            <a:r>
-              <a:rPr lang="it-IT" sz="2400" dirty="0"/>
-              <a:t> </a:t>
-            </a:r>
-            <a:r>
-              <a:rPr lang="it-IT" sz="2400" dirty="0" err="1"/>
-              <a:t>want</a:t>
-            </a:r>
-            <a:r>
-              <a:rPr lang="it-IT" sz="2400" dirty="0"/>
-              <a:t> to solve the </a:t>
-            </a:r>
-            <a:r>
-              <a:rPr lang="it-IT" sz="2400" dirty="0" err="1"/>
-              <a:t>problem</a:t>
-            </a:r>
-            <a:r>
-              <a:rPr lang="it-IT" sz="2400" dirty="0"/>
-              <a:t> (</a:t>
-            </a:r>
-            <a:r>
-              <a:rPr lang="it-IT" sz="2400" dirty="0" err="1"/>
-              <a:t>using</a:t>
-            </a:r>
-            <a:r>
-              <a:rPr lang="it-IT" sz="2400" dirty="0"/>
-              <a:t> </a:t>
-            </a:r>
-            <a:r>
-              <a:rPr lang="it-IT" sz="2400" dirty="0" err="1"/>
-              <a:t>implicit</a:t>
-            </a:r>
-            <a:r>
-              <a:rPr lang="it-IT" sz="2400" dirty="0"/>
-              <a:t> Euler):</a:t>
-            </a:r>
-          </a:p>
-          <a:p>
-            <a:pPr marL="0" indent="0">
-              <a:buNone/>
-            </a:pPr>
-            <a:endParaRPr lang="it-IT" sz="2400" dirty="0"/>
-          </a:p>
-          <a:p>
-            <a:pPr marL="0" indent="0">
-              <a:buNone/>
-            </a:pPr>
-            <a:r>
-              <a:rPr lang="it-IT" sz="2400" dirty="0" err="1"/>
-              <a:t>where</a:t>
-            </a:r>
-            <a:endParaRPr lang="it-IT" sz="2400" dirty="0"/>
-          </a:p>
-          <a:p>
-            <a:pPr marL="0" indent="0">
-              <a:buNone/>
-            </a:pPr>
-            <a:endParaRPr lang="it-IT" sz="2400" dirty="0"/>
-          </a:p>
-          <a:p>
-            <a:pPr marL="0" indent="0">
-              <a:buNone/>
-            </a:pPr>
-            <a:endParaRPr lang="it-IT" sz="2400" u="sng" dirty="0"/>
-          </a:p>
-          <a:p>
-            <a:pPr marL="0" indent="0">
-              <a:buNone/>
-            </a:pPr>
-            <a:r>
-              <a:rPr lang="it-IT" sz="2400" dirty="0"/>
-              <a:t>NB </a:t>
-            </a:r>
-            <a:r>
-              <a:rPr lang="it-IT" sz="2400" dirty="0" err="1"/>
-              <a:t>we</a:t>
-            </a:r>
-            <a:r>
-              <a:rPr lang="it-IT" sz="2400" dirty="0"/>
-              <a:t> call </a:t>
-            </a:r>
-          </a:p>
-        </p:txBody>
-      </p:sp>
-      <p:pic>
-        <p:nvPicPr>
-          <p:cNvPr id="5" name="Immagine 4">
-            <a:extLst>
-              <a:ext uri="{FF2B5EF4-FFF2-40B4-BE49-F238E27FC236}">
-                <a16:creationId xmlns:a16="http://schemas.microsoft.com/office/drawing/2014/main" id="{2BB87FF0-3EB2-E636-DEE3-A7095C3AD7B9}"/>
-              </a:ext>
-            </a:extLst>
-          </p:cNvPr>
-          <p:cNvPicPr>
-            <a:picLocks noChangeAspect="1"/>
-          </p:cNvPicPr>
-          <p:nvPr/>
-        </p:nvPicPr>
-        <p:blipFill>
-          <a:blip r:embed="rId2"/>
-          <a:stretch>
-            <a:fillRect/>
-          </a:stretch>
-        </p:blipFill>
-        <p:spPr>
-          <a:xfrm>
-            <a:off x="1593436" y="3586456"/>
-            <a:ext cx="3973775" cy="360040"/>
-          </a:xfrm>
-          <a:prstGeom prst="rect">
-            <a:avLst/>
-          </a:prstGeom>
-        </p:spPr>
-      </p:pic>
-      <p:pic>
-        <p:nvPicPr>
-          <p:cNvPr id="6" name="Immagine 5">
-            <a:extLst>
-              <a:ext uri="{FF2B5EF4-FFF2-40B4-BE49-F238E27FC236}">
-                <a16:creationId xmlns:a16="http://schemas.microsoft.com/office/drawing/2014/main" id="{67347AE0-2F56-1B52-7391-BCD639A90E07}"/>
-              </a:ext>
-            </a:extLst>
-          </p:cNvPr>
-          <p:cNvPicPr>
-            <a:picLocks noChangeAspect="1"/>
-          </p:cNvPicPr>
-          <p:nvPr/>
-        </p:nvPicPr>
-        <p:blipFill>
-          <a:blip r:embed="rId3"/>
-          <a:stretch>
-            <a:fillRect/>
-          </a:stretch>
-        </p:blipFill>
-        <p:spPr>
-          <a:xfrm>
-            <a:off x="1593437" y="4595336"/>
-            <a:ext cx="1548648" cy="330779"/>
-          </a:xfrm>
-          <a:prstGeom prst="rect">
-            <a:avLst/>
-          </a:prstGeom>
-        </p:spPr>
-      </p:pic>
-      <p:pic>
-        <p:nvPicPr>
-          <p:cNvPr id="8" name="Immagine 7">
-            <a:extLst>
-              <a:ext uri="{FF2B5EF4-FFF2-40B4-BE49-F238E27FC236}">
-                <a16:creationId xmlns:a16="http://schemas.microsoft.com/office/drawing/2014/main" id="{D28671AC-E44C-AFCB-7982-7DB8CEE880F9}"/>
-              </a:ext>
-            </a:extLst>
-          </p:cNvPr>
-          <p:cNvPicPr>
-            <a:picLocks noChangeAspect="1"/>
-          </p:cNvPicPr>
-          <p:nvPr/>
-        </p:nvPicPr>
-        <p:blipFill>
-          <a:blip r:embed="rId4"/>
-          <a:stretch>
-            <a:fillRect/>
-          </a:stretch>
-        </p:blipFill>
-        <p:spPr>
-          <a:xfrm>
-            <a:off x="1593436" y="2406497"/>
-            <a:ext cx="2937918" cy="360039"/>
-          </a:xfrm>
-          <a:prstGeom prst="rect">
-            <a:avLst/>
-          </a:prstGeom>
-        </p:spPr>
-      </p:pic>
-      <p:pic>
-        <p:nvPicPr>
-          <p:cNvPr id="10" name="Immagine 9">
-            <a:extLst>
-              <a:ext uri="{FF2B5EF4-FFF2-40B4-BE49-F238E27FC236}">
-                <a16:creationId xmlns:a16="http://schemas.microsoft.com/office/drawing/2014/main" id="{D5EBC6AA-2760-6EB3-9F01-FFCA3FE7360F}"/>
-              </a:ext>
-            </a:extLst>
-          </p:cNvPr>
-          <p:cNvPicPr>
-            <a:picLocks noChangeAspect="1"/>
-          </p:cNvPicPr>
-          <p:nvPr/>
-        </p:nvPicPr>
-        <p:blipFill>
-          <a:blip r:embed="rId5"/>
-          <a:stretch>
-            <a:fillRect/>
-          </a:stretch>
-        </p:blipFill>
-        <p:spPr>
-          <a:xfrm>
-            <a:off x="3279073" y="5579598"/>
-            <a:ext cx="1780270" cy="313428"/>
-          </a:xfrm>
-          <a:prstGeom prst="rect">
-            <a:avLst/>
-          </a:prstGeom>
-        </p:spPr>
-      </p:pic>
-    </p:spTree>
-    <p:extLst>
-      <p:ext uri="{BB962C8B-B14F-4D97-AF65-F5344CB8AC3E}">
-        <p14:creationId xmlns:p14="http://schemas.microsoft.com/office/powerpoint/2010/main" val="3009485484"/>
-      </p:ext>
-    </p:extLst>
-  </p:cSld>
-  <p:clrMapOvr>
-    <a:masterClrMapping/>
-  </p:clrMapOvr>
-  <mc:AlternateContent xmlns:mc="http://schemas.openxmlformats.org/markup-compatibility/2006" xmlns:p14="http://schemas.microsoft.com/office/powerpoint/2010/main">
-    <mc:Choice Requires="p14">
-      <p:transition spd="med" p14:dur="700">
-        <p:fade/>
-      </p:transition>
-    </mc:Choice>
-    <mc:Fallback xmlns="">
-      <p:transition spd="med">
-        <p:fade/>
-      </p:transition>
-    </mc:Fallback>
-  </mc:AlternateContent>
-</p:sld>
-</file>
-
-<file path=ppt/slides/slide9.xml><?xml version="1.0" encoding="utf-8"?>
 <p:sld xmlns:a="http://schemas.openxmlformats.org/drawingml/2006/main" xmlns:r="http://schemas.openxmlformats.org/officeDocument/2006/relationships" xmlns:p="http://schemas.openxmlformats.org/presentationml/2006/main">
   <p:cSld>
     <p:spTree>
@@ -13510,12 +14154,47 @@
           </a:prstGeom>
         </p:spPr>
       </p:pic>
+      <p:sp>
+        <p:nvSpPr>
+          <p:cNvPr id="4" name="CasellaDiTesto 3">
+            <a:extLst>
+              <a:ext uri="{FF2B5EF4-FFF2-40B4-BE49-F238E27FC236}">
+                <a16:creationId xmlns:a16="http://schemas.microsoft.com/office/drawing/2014/main" id="{64F982C9-DCE9-008E-31E3-CADBA780EEA4}"/>
+              </a:ext>
+            </a:extLst>
+          </p:cNvPr>
+          <p:cNvSpPr txBox="1"/>
+          <p:nvPr/>
+        </p:nvSpPr>
+        <p:spPr>
+          <a:xfrm>
+            <a:off x="4006180" y="5805264"/>
+            <a:ext cx="3291927" cy="369332"/>
+          </a:xfrm>
+          <a:prstGeom prst="rect">
+            <a:avLst/>
+          </a:prstGeom>
+          <a:noFill/>
+        </p:spPr>
+        <p:txBody>
+          <a:bodyPr wrap="none" rtlCol="0">
+            <a:spAutoFit/>
+          </a:bodyPr>
+          <a:lstStyle/>
+          <a:p>
+            <a:r>
+              <a:rPr lang="it-IT" dirty="0"/>
+              <a:t>Togliere le n+1, scrivere R = 0</a:t>
+            </a:r>
+          </a:p>
+        </p:txBody>
+      </p:sp>
       <p:pic>
         <p:nvPicPr>
-          <p:cNvPr id="13" name="Immagine 12">
+          <p:cNvPr id="8" name="Immagine 7">
             <a:extLst>
               <a:ext uri="{FF2B5EF4-FFF2-40B4-BE49-F238E27FC236}">
-                <a16:creationId xmlns:a16="http://schemas.microsoft.com/office/drawing/2014/main" id="{D81D97E3-D681-F79D-F7FF-2353A2FFCC2F}"/>
+                <a16:creationId xmlns:a16="http://schemas.microsoft.com/office/drawing/2014/main" id="{4CAB1429-E2C4-6D0B-F90D-8D02029B07F5}"/>
               </a:ext>
             </a:extLst>
           </p:cNvPr>
@@ -13532,8 +14211,8 @@
         </p:blipFill>
         <p:spPr>
           <a:xfrm>
-            <a:off x="1714405" y="4521226"/>
-            <a:ext cx="4886463" cy="414609"/>
+            <a:off x="1701923" y="4594287"/>
+            <a:ext cx="2072661" cy="332836"/>
           </a:xfrm>
           <a:prstGeom prst="rect">
             <a:avLst/>
@@ -13544,6 +14223,450 @@
     <p:extLst>
       <p:ext uri="{BB962C8B-B14F-4D97-AF65-F5344CB8AC3E}">
         <p14:creationId xmlns:p14="http://schemas.microsoft.com/office/powerpoint/2010/main" val="1405463813"/>
+      </p:ext>
+    </p:extLst>
+  </p:cSld>
+  <p:clrMapOvr>
+    <a:masterClrMapping/>
+  </p:clrMapOvr>
+  <mc:AlternateContent xmlns:mc="http://schemas.openxmlformats.org/markup-compatibility/2006" xmlns:p14="http://schemas.microsoft.com/office/powerpoint/2010/main">
+    <mc:Choice Requires="p14">
+      <p:transition spd="med" p14:dur="700">
+        <p:fade/>
+      </p:transition>
+    </mc:Choice>
+    <mc:Fallback xmlns="">
+      <p:transition spd="med">
+        <p:fade/>
+      </p:transition>
+    </mc:Fallback>
+  </mc:AlternateContent>
+</p:sld>
+</file>
+
+<file path=ppt/slides/slide9.xml><?xml version="1.0" encoding="utf-8"?>
+<p:sld xmlns:a="http://schemas.openxmlformats.org/drawingml/2006/main" xmlns:r="http://schemas.openxmlformats.org/officeDocument/2006/relationships" xmlns:p="http://schemas.openxmlformats.org/presentationml/2006/main">
+  <p:cSld>
+    <p:spTree>
+      <p:nvGrpSpPr>
+        <p:cNvPr id="1" name=""/>
+        <p:cNvGrpSpPr/>
+        <p:nvPr/>
+      </p:nvGrpSpPr>
+      <p:grpSpPr>
+        <a:xfrm>
+          <a:off x="0" y="0"/>
+          <a:ext cx="0" cy="0"/>
+          <a:chOff x="0" y="0"/>
+          <a:chExt cx="0" cy="0"/>
+        </a:xfrm>
+      </p:grpSpPr>
+      <p:sp>
+        <p:nvSpPr>
+          <p:cNvPr id="2" name="Titolo 1">
+            <a:extLst>
+              <a:ext uri="{FF2B5EF4-FFF2-40B4-BE49-F238E27FC236}">
+                <a16:creationId xmlns:a16="http://schemas.microsoft.com/office/drawing/2014/main" id="{AF4B5093-FB13-D4CD-63E8-993200977588}"/>
+              </a:ext>
+            </a:extLst>
+          </p:cNvPr>
+          <p:cNvSpPr>
+            <a:spLocks noGrp="1"/>
+          </p:cNvSpPr>
+          <p:nvPr>
+            <p:ph type="title"/>
+          </p:nvPr>
+        </p:nvSpPr>
+        <p:spPr/>
+        <p:txBody>
+          <a:bodyPr/>
+          <a:lstStyle/>
+          <a:p>
+            <a:r>
+              <a:rPr lang="it-IT" dirty="0" err="1"/>
+              <a:t>Fully</a:t>
+            </a:r>
+            <a:r>
+              <a:rPr lang="it-IT" dirty="0"/>
+              <a:t>-Discrete </a:t>
+            </a:r>
+            <a:r>
+              <a:rPr lang="it-IT" dirty="0" err="1"/>
+              <a:t>Problem</a:t>
+            </a:r>
+            <a:endParaRPr lang="it-IT" dirty="0"/>
+          </a:p>
+        </p:txBody>
+      </p:sp>
+      <p:sp>
+        <p:nvSpPr>
+          <p:cNvPr id="3" name="Segnaposto contenuto 2">
+            <a:extLst>
+              <a:ext uri="{FF2B5EF4-FFF2-40B4-BE49-F238E27FC236}">
+                <a16:creationId xmlns:a16="http://schemas.microsoft.com/office/drawing/2014/main" id="{5EBB0415-B926-280D-6A8B-093A8C4D85CF}"/>
+              </a:ext>
+            </a:extLst>
+          </p:cNvPr>
+          <p:cNvSpPr>
+            <a:spLocks noGrp="1"/>
+          </p:cNvSpPr>
+          <p:nvPr>
+            <p:ph idx="1"/>
+          </p:nvPr>
+        </p:nvSpPr>
+        <p:spPr/>
+        <p:txBody>
+          <a:bodyPr>
+            <a:normAutofit lnSpcReduction="10000"/>
+          </a:bodyPr>
+          <a:lstStyle/>
+          <a:p>
+            <a:pPr marL="0" indent="0">
+              <a:buNone/>
+            </a:pPr>
+            <a:r>
+              <a:rPr lang="it-IT" sz="2400" dirty="0" err="1"/>
+              <a:t>Since</a:t>
+            </a:r>
+            <a:r>
+              <a:rPr lang="it-IT" sz="2400" dirty="0"/>
+              <a:t> the </a:t>
+            </a:r>
+            <a:r>
+              <a:rPr lang="it-IT" sz="2400" dirty="0" err="1"/>
+              <a:t>problem</a:t>
+            </a:r>
+            <a:r>
+              <a:rPr lang="it-IT" sz="2400" dirty="0"/>
+              <a:t> </a:t>
+            </a:r>
+            <a:r>
+              <a:rPr lang="it-IT" sz="2400" dirty="0" err="1"/>
+              <a:t>is</a:t>
+            </a:r>
+            <a:r>
+              <a:rPr lang="it-IT" sz="2400" dirty="0"/>
+              <a:t> non-linear, </a:t>
+            </a:r>
+            <a:r>
+              <a:rPr lang="it-IT" sz="2400" dirty="0" err="1"/>
+              <a:t>we</a:t>
+            </a:r>
+            <a:r>
+              <a:rPr lang="it-IT" sz="2400" dirty="0"/>
+              <a:t> </a:t>
+            </a:r>
+            <a:r>
+              <a:rPr lang="it-IT" sz="2400" dirty="0" err="1"/>
+              <a:t>adopt</a:t>
+            </a:r>
+            <a:r>
+              <a:rPr lang="it-IT" sz="2400" dirty="0"/>
+              <a:t> the Newton </a:t>
+            </a:r>
+            <a:r>
+              <a:rPr lang="it-IT" sz="2400" dirty="0" err="1"/>
+              <a:t>method</a:t>
+            </a:r>
+            <a:r>
+              <a:rPr lang="it-IT" sz="2400" dirty="0"/>
+              <a:t> for solving </a:t>
+            </a:r>
+            <a:r>
+              <a:rPr lang="it-IT" sz="2400" dirty="0" err="1"/>
+              <a:t>it</a:t>
+            </a:r>
+            <a:r>
+              <a:rPr lang="it-IT" sz="2400" dirty="0"/>
+              <a:t>. </a:t>
+            </a:r>
+            <a:r>
+              <a:rPr lang="it-IT" sz="2400" dirty="0" err="1"/>
+              <a:t>We</a:t>
+            </a:r>
+            <a:r>
+              <a:rPr lang="it-IT" sz="2400" dirty="0"/>
+              <a:t> split the time domain </a:t>
+            </a:r>
+            <a:r>
+              <a:rPr lang="it-IT" sz="2400" dirty="0" err="1"/>
+              <a:t>into</a:t>
+            </a:r>
+            <a:r>
+              <a:rPr lang="it-IT" sz="2400" dirty="0"/>
+              <a:t> N </a:t>
+            </a:r>
+            <a:r>
+              <a:rPr lang="it-IT" sz="2400" dirty="0" err="1"/>
+              <a:t>subintervals</a:t>
+            </a:r>
+            <a:r>
+              <a:rPr lang="it-IT" sz="2400" dirty="0"/>
+              <a:t> </a:t>
+            </a:r>
+            <a:r>
+              <a:rPr lang="it-IT" sz="2400" dirty="0" err="1"/>
+              <a:t>such</a:t>
+            </a:r>
+            <a:r>
+              <a:rPr lang="it-IT" sz="2400" dirty="0"/>
+              <a:t> </a:t>
+            </a:r>
+            <a:r>
+              <a:rPr lang="it-IT" sz="2400" dirty="0" err="1"/>
+              <a:t>that</a:t>
+            </a:r>
+            <a:r>
+              <a:rPr lang="it-IT" sz="2400" dirty="0"/>
+              <a:t> :</a:t>
+            </a:r>
+          </a:p>
+          <a:p>
+            <a:pPr marL="0" indent="0">
+              <a:buNone/>
+            </a:pPr>
+            <a:endParaRPr lang="it-IT" sz="2400" dirty="0"/>
+          </a:p>
+          <a:p>
+            <a:pPr marL="0" indent="0">
+              <a:buNone/>
+            </a:pPr>
+            <a:r>
+              <a:rPr lang="it-IT" sz="2400" dirty="0" err="1"/>
+              <a:t>Now</a:t>
+            </a:r>
+            <a:r>
+              <a:rPr lang="it-IT" sz="2400" dirty="0"/>
+              <a:t> for </a:t>
+            </a:r>
+            <a:r>
+              <a:rPr lang="it-IT" sz="2400" dirty="0" err="1"/>
+              <a:t>each</a:t>
+            </a:r>
+            <a:r>
+              <a:rPr lang="it-IT" sz="2400" dirty="0"/>
+              <a:t> </a:t>
+            </a:r>
+            <a:r>
+              <a:rPr lang="it-IT" sz="2400" dirty="0" err="1"/>
+              <a:t>timestep</a:t>
+            </a:r>
+            <a:r>
+              <a:rPr lang="it-IT" sz="2400" dirty="0"/>
+              <a:t> </a:t>
+            </a:r>
+            <a:r>
+              <a:rPr lang="it-IT" sz="2400" dirty="0" err="1"/>
+              <a:t>we</a:t>
+            </a:r>
+            <a:r>
+              <a:rPr lang="it-IT" sz="2400" dirty="0"/>
+              <a:t> </a:t>
+            </a:r>
+            <a:r>
+              <a:rPr lang="it-IT" sz="2400" dirty="0" err="1"/>
+              <a:t>want</a:t>
+            </a:r>
+            <a:r>
+              <a:rPr lang="it-IT" sz="2400" dirty="0"/>
+              <a:t> to solve the </a:t>
+            </a:r>
+            <a:r>
+              <a:rPr lang="it-IT" sz="2400" dirty="0" err="1"/>
+              <a:t>problem</a:t>
+            </a:r>
+            <a:r>
+              <a:rPr lang="it-IT" sz="2400" dirty="0"/>
+              <a:t> (</a:t>
+            </a:r>
+            <a:r>
+              <a:rPr lang="it-IT" sz="2400" dirty="0" err="1"/>
+              <a:t>using</a:t>
+            </a:r>
+            <a:r>
+              <a:rPr lang="it-IT" sz="2400" dirty="0"/>
+              <a:t> </a:t>
+            </a:r>
+            <a:r>
+              <a:rPr lang="it-IT" sz="2400" dirty="0" err="1"/>
+              <a:t>implicit</a:t>
+            </a:r>
+            <a:r>
+              <a:rPr lang="it-IT" sz="2400" dirty="0"/>
+              <a:t> Euler):</a:t>
+            </a:r>
+          </a:p>
+          <a:p>
+            <a:pPr marL="0" indent="0">
+              <a:buNone/>
+            </a:pPr>
+            <a:endParaRPr lang="it-IT" sz="2400" dirty="0"/>
+          </a:p>
+          <a:p>
+            <a:pPr marL="0" indent="0">
+              <a:buNone/>
+            </a:pPr>
+            <a:r>
+              <a:rPr lang="it-IT" sz="2400" dirty="0" err="1"/>
+              <a:t>where</a:t>
+            </a:r>
+            <a:endParaRPr lang="it-IT" sz="2400" dirty="0"/>
+          </a:p>
+          <a:p>
+            <a:pPr marL="0" indent="0">
+              <a:buNone/>
+            </a:pPr>
+            <a:endParaRPr lang="it-IT" sz="2400" dirty="0"/>
+          </a:p>
+          <a:p>
+            <a:pPr marL="0" indent="0">
+              <a:buNone/>
+            </a:pPr>
+            <a:endParaRPr lang="it-IT" sz="2400" u="sng" dirty="0"/>
+          </a:p>
+          <a:p>
+            <a:pPr marL="0" indent="0">
+              <a:buNone/>
+            </a:pPr>
+            <a:r>
+              <a:rPr lang="it-IT" sz="2400" dirty="0"/>
+              <a:t>NB </a:t>
+            </a:r>
+            <a:r>
+              <a:rPr lang="it-IT" sz="2400" dirty="0" err="1"/>
+              <a:t>we</a:t>
+            </a:r>
+            <a:r>
+              <a:rPr lang="it-IT" sz="2400" dirty="0"/>
+              <a:t> call </a:t>
+            </a:r>
+          </a:p>
+        </p:txBody>
+      </p:sp>
+      <p:pic>
+        <p:nvPicPr>
+          <p:cNvPr id="6" name="Immagine 5">
+            <a:extLst>
+              <a:ext uri="{FF2B5EF4-FFF2-40B4-BE49-F238E27FC236}">
+                <a16:creationId xmlns:a16="http://schemas.microsoft.com/office/drawing/2014/main" id="{67347AE0-2F56-1B52-7391-BCD639A90E07}"/>
+              </a:ext>
+            </a:extLst>
+          </p:cNvPr>
+          <p:cNvPicPr>
+            <a:picLocks noChangeAspect="1"/>
+          </p:cNvPicPr>
+          <p:nvPr/>
+        </p:nvPicPr>
+        <p:blipFill>
+          <a:blip r:embed="rId2"/>
+          <a:stretch>
+            <a:fillRect/>
+          </a:stretch>
+        </p:blipFill>
+        <p:spPr>
+          <a:xfrm>
+            <a:off x="1593437" y="4595336"/>
+            <a:ext cx="1548648" cy="330779"/>
+          </a:xfrm>
+          <a:prstGeom prst="rect">
+            <a:avLst/>
+          </a:prstGeom>
+        </p:spPr>
+      </p:pic>
+      <p:pic>
+        <p:nvPicPr>
+          <p:cNvPr id="8" name="Immagine 7">
+            <a:extLst>
+              <a:ext uri="{FF2B5EF4-FFF2-40B4-BE49-F238E27FC236}">
+                <a16:creationId xmlns:a16="http://schemas.microsoft.com/office/drawing/2014/main" id="{D28671AC-E44C-AFCB-7982-7DB8CEE880F9}"/>
+              </a:ext>
+            </a:extLst>
+          </p:cNvPr>
+          <p:cNvPicPr>
+            <a:picLocks noChangeAspect="1"/>
+          </p:cNvPicPr>
+          <p:nvPr/>
+        </p:nvPicPr>
+        <p:blipFill>
+          <a:blip r:embed="rId3"/>
+          <a:stretch>
+            <a:fillRect/>
+          </a:stretch>
+        </p:blipFill>
+        <p:spPr>
+          <a:xfrm>
+            <a:off x="1593436" y="2406497"/>
+            <a:ext cx="2937918" cy="360039"/>
+          </a:xfrm>
+          <a:prstGeom prst="rect">
+            <a:avLst/>
+          </a:prstGeom>
+        </p:spPr>
+      </p:pic>
+      <p:pic>
+        <p:nvPicPr>
+          <p:cNvPr id="10" name="Immagine 9">
+            <a:extLst>
+              <a:ext uri="{FF2B5EF4-FFF2-40B4-BE49-F238E27FC236}">
+                <a16:creationId xmlns:a16="http://schemas.microsoft.com/office/drawing/2014/main" id="{D5EBC6AA-2760-6EB3-9F01-FFCA3FE7360F}"/>
+              </a:ext>
+            </a:extLst>
+          </p:cNvPr>
+          <p:cNvPicPr>
+            <a:picLocks noChangeAspect="1"/>
+          </p:cNvPicPr>
+          <p:nvPr/>
+        </p:nvPicPr>
+        <p:blipFill>
+          <a:blip r:embed="rId4"/>
+          <a:stretch>
+            <a:fillRect/>
+          </a:stretch>
+        </p:blipFill>
+        <p:spPr>
+          <a:xfrm>
+            <a:off x="3286100" y="5517232"/>
+            <a:ext cx="1780270" cy="313428"/>
+          </a:xfrm>
+          <a:prstGeom prst="rect">
+            <a:avLst/>
+          </a:prstGeom>
+        </p:spPr>
+      </p:pic>
+      <p:pic>
+        <p:nvPicPr>
+          <p:cNvPr id="11" name="Immagine 10">
+            <a:extLst>
+              <a:ext uri="{FF2B5EF4-FFF2-40B4-BE49-F238E27FC236}">
+                <a16:creationId xmlns:a16="http://schemas.microsoft.com/office/drawing/2014/main" id="{7FA30A03-048E-0F05-5288-72D6754C3CD2}"/>
+              </a:ext>
+            </a:extLst>
+          </p:cNvPr>
+          <p:cNvPicPr>
+            <a:picLocks noChangeAspect="1"/>
+          </p:cNvPicPr>
+          <p:nvPr/>
+        </p:nvPicPr>
+        <p:blipFill>
+          <a:blip r:embed="rId5"/>
+          <a:stretch>
+            <a:fillRect/>
+          </a:stretch>
+        </p:blipFill>
+        <p:spPr>
+          <a:xfrm>
+            <a:off x="1595517" y="3551622"/>
+            <a:ext cx="4243317" cy="360039"/>
+          </a:xfrm>
+          <a:prstGeom prst="rect">
+            <a:avLst/>
+          </a:prstGeom>
+        </p:spPr>
+      </p:pic>
+    </p:spTree>
+    <p:extLst>
+      <p:ext uri="{BB962C8B-B14F-4D97-AF65-F5344CB8AC3E}">
+        <p14:creationId xmlns:p14="http://schemas.microsoft.com/office/powerpoint/2010/main" val="3009485484"/>
       </p:ext>
     </p:extLst>
   </p:cSld>

--- a/Presentatione_NMPDE_Navier_Stokes_temp.pptx
+++ b/Presentatione_NMPDE_Navier_Stokes_temp.pptx
@@ -5,10 +5,10 @@
     <p:sldMasterId id="2147483648" r:id="rId1"/>
   </p:sldMasterIdLst>
   <p:notesMasterIdLst>
-    <p:notesMasterId r:id="rId27"/>
+    <p:notesMasterId r:id="rId28"/>
   </p:notesMasterIdLst>
   <p:handoutMasterIdLst>
-    <p:handoutMasterId r:id="rId28"/>
+    <p:handoutMasterId r:id="rId29"/>
   </p:handoutMasterIdLst>
   <p:sldIdLst>
     <p:sldId id="256" r:id="rId2"/>
@@ -30,12 +30,13 @@
     <p:sldId id="293" r:id="rId18"/>
     <p:sldId id="277" r:id="rId19"/>
     <p:sldId id="296" r:id="rId20"/>
-    <p:sldId id="294" r:id="rId21"/>
-    <p:sldId id="295" r:id="rId22"/>
-    <p:sldId id="289" r:id="rId23"/>
-    <p:sldId id="260" r:id="rId24"/>
-    <p:sldId id="276" r:id="rId25"/>
-    <p:sldId id="278" r:id="rId26"/>
+    <p:sldId id="297" r:id="rId21"/>
+    <p:sldId id="294" r:id="rId22"/>
+    <p:sldId id="295" r:id="rId23"/>
+    <p:sldId id="289" r:id="rId24"/>
+    <p:sldId id="260" r:id="rId25"/>
+    <p:sldId id="276" r:id="rId26"/>
+    <p:sldId id="278" r:id="rId27"/>
   </p:sldIdLst>
   <p:sldSz cx="12188825" cy="6858000"/>
   <p:notesSz cx="6858000" cy="9144000"/>
@@ -874,7 +875,7 @@
     </p:spTree>
     <p:extLst>
       <p:ext uri="{BB962C8B-B14F-4D97-AF65-F5344CB8AC3E}">
-        <p14:creationId xmlns:p14="http://schemas.microsoft.com/office/powerpoint/2010/main" val="2944621125"/>
+        <p14:creationId xmlns:p14="http://schemas.microsoft.com/office/powerpoint/2010/main" val="2502673331"/>
       </p:ext>
     </p:extLst>
   </p:cSld>
@@ -960,7 +961,7 @@
     </p:spTree>
     <p:extLst>
       <p:ext uri="{BB962C8B-B14F-4D97-AF65-F5344CB8AC3E}">
-        <p14:creationId xmlns:p14="http://schemas.microsoft.com/office/powerpoint/2010/main" val="2288726181"/>
+        <p14:creationId xmlns:p14="http://schemas.microsoft.com/office/powerpoint/2010/main" val="2944621125"/>
       </p:ext>
     </p:extLst>
   </p:cSld>
@@ -1037,7 +1038,7 @@
             <a:fld id="{841221E5-7225-48EB-A4EE-420E7BFCF705}" type="slidenum">
               <a:rPr lang="it-IT" smtClean="0"/>
               <a:pPr rtl="0"/>
-              <a:t>23</a:t>
+              <a:t>22</a:t>
             </a:fld>
             <a:endParaRPr lang="it-IT" dirty="0"/>
           </a:p>
@@ -1046,7 +1047,7 @@
     </p:spTree>
     <p:extLst>
       <p:ext uri="{BB962C8B-B14F-4D97-AF65-F5344CB8AC3E}">
-        <p14:creationId xmlns:p14="http://schemas.microsoft.com/office/powerpoint/2010/main" val="1494499960"/>
+        <p14:creationId xmlns:p14="http://schemas.microsoft.com/office/powerpoint/2010/main" val="2288726181"/>
       </p:ext>
     </p:extLst>
   </p:cSld>
@@ -1124,6 +1125,92 @@
               <a:rPr lang="it-IT" smtClean="0"/>
               <a:pPr rtl="0"/>
               <a:t>24</a:t>
+            </a:fld>
+            <a:endParaRPr lang="it-IT" dirty="0"/>
+          </a:p>
+        </p:txBody>
+      </p:sp>
+    </p:spTree>
+    <p:extLst>
+      <p:ext uri="{BB962C8B-B14F-4D97-AF65-F5344CB8AC3E}">
+        <p14:creationId xmlns:p14="http://schemas.microsoft.com/office/powerpoint/2010/main" val="1494499960"/>
+      </p:ext>
+    </p:extLst>
+  </p:cSld>
+  <p:clrMapOvr>
+    <a:masterClrMapping/>
+  </p:clrMapOvr>
+</p:notes>
+</file>
+
+<file path=ppt/notesSlides/notesSlide14.xml><?xml version="1.0" encoding="utf-8"?>
+<p:notes xmlns:a="http://schemas.openxmlformats.org/drawingml/2006/main" xmlns:r="http://schemas.openxmlformats.org/officeDocument/2006/relationships" xmlns:p="http://schemas.openxmlformats.org/presentationml/2006/main">
+  <p:cSld>
+    <p:spTree>
+      <p:nvGrpSpPr>
+        <p:cNvPr id="1" name=""/>
+        <p:cNvGrpSpPr/>
+        <p:nvPr/>
+      </p:nvGrpSpPr>
+      <p:grpSpPr>
+        <a:xfrm>
+          <a:off x="0" y="0"/>
+          <a:ext cx="0" cy="0"/>
+          <a:chOff x="0" y="0"/>
+          <a:chExt cx="0" cy="0"/>
+        </a:xfrm>
+      </p:grpSpPr>
+      <p:sp>
+        <p:nvSpPr>
+          <p:cNvPr id="2" name="Segnaposto immagine diapositiva 1"/>
+          <p:cNvSpPr>
+            <a:spLocks noGrp="1" noRot="1" noChangeAspect="1"/>
+          </p:cNvSpPr>
+          <p:nvPr>
+            <p:ph type="sldImg"/>
+          </p:nvPr>
+        </p:nvSpPr>
+        <p:spPr/>
+      </p:sp>
+      <p:sp>
+        <p:nvSpPr>
+          <p:cNvPr id="3" name="Segnaposto note 2"/>
+          <p:cNvSpPr>
+            <a:spLocks noGrp="1"/>
+          </p:cNvSpPr>
+          <p:nvPr>
+            <p:ph type="body" idx="1"/>
+          </p:nvPr>
+        </p:nvSpPr>
+        <p:spPr/>
+        <p:txBody>
+          <a:bodyPr/>
+          <a:lstStyle/>
+          <a:p>
+            <a:endParaRPr lang="it-IT"/>
+          </a:p>
+        </p:txBody>
+      </p:sp>
+      <p:sp>
+        <p:nvSpPr>
+          <p:cNvPr id="4" name="Segnaposto numero diapositiva 3"/>
+          <p:cNvSpPr>
+            <a:spLocks noGrp="1"/>
+          </p:cNvSpPr>
+          <p:nvPr>
+            <p:ph type="sldNum" sz="quarter" idx="10"/>
+          </p:nvPr>
+        </p:nvSpPr>
+        <p:spPr/>
+        <p:txBody>
+          <a:bodyPr/>
+          <a:lstStyle/>
+          <a:p>
+            <a:pPr rtl="0"/>
+            <a:fld id="{841221E5-7225-48EB-A4EE-420E7BFCF705}" type="slidenum">
+              <a:rPr lang="it-IT" smtClean="0"/>
+              <a:pPr rtl="0"/>
+              <a:t>25</a:t>
             </a:fld>
             <a:endParaRPr lang="it-IT" dirty="0"/>
           </a:p>
@@ -9405,7 +9492,152 @@
               <a:rPr lang="it-IT" dirty="0" err="1"/>
               <a:t>Paraview</a:t>
             </a:r>
+            <a:r>
+              <a:rPr lang="it-IT" dirty="0"/>
+              <a:t>.</a:t>
+            </a:r>
+          </a:p>
+          <a:p>
+            <a:pPr marL="0" indent="0">
+              <a:buNone/>
+            </a:pPr>
             <a:endParaRPr lang="it-IT" dirty="0"/>
+          </a:p>
+          <a:p>
+            <a:pPr marL="0" indent="0">
+              <a:buNone/>
+            </a:pPr>
+            <a:r>
+              <a:rPr lang="it-IT" dirty="0"/>
+              <a:t>The mesh size </a:t>
+            </a:r>
+            <a:r>
+              <a:rPr lang="it-IT" dirty="0" err="1"/>
+              <a:t>utilized</a:t>
+            </a:r>
+            <a:r>
+              <a:rPr lang="it-IT" dirty="0"/>
+              <a:t> </a:t>
+            </a:r>
+            <a:r>
+              <a:rPr lang="it-IT" dirty="0" err="1"/>
+              <a:t>is</a:t>
+            </a:r>
+            <a:r>
+              <a:rPr lang="it-IT" dirty="0"/>
+              <a:t> h = 0.001 </a:t>
+            </a:r>
+            <a:r>
+              <a:rPr lang="it-IT" dirty="0" err="1"/>
+              <a:t>approximately</a:t>
+            </a:r>
+            <a:r>
+              <a:rPr lang="it-IT" dirty="0"/>
+              <a:t>, and the </a:t>
+            </a:r>
+            <a:r>
+              <a:rPr lang="it-IT" dirty="0" err="1"/>
+              <a:t>number</a:t>
+            </a:r>
+            <a:r>
+              <a:rPr lang="it-IT" dirty="0"/>
+              <a:t> of </a:t>
+            </a:r>
+            <a:r>
+              <a:rPr lang="it-IT" dirty="0" err="1"/>
+              <a:t>nodes</a:t>
+            </a:r>
+            <a:r>
+              <a:rPr lang="it-IT" dirty="0"/>
+              <a:t> (for the long mesh) </a:t>
+            </a:r>
+            <a:r>
+              <a:rPr lang="it-IT" dirty="0" err="1"/>
+              <a:t>is</a:t>
+            </a:r>
+            <a:r>
+              <a:rPr lang="it-IT" dirty="0"/>
+              <a:t> 37168 in </a:t>
+            </a:r>
+            <a:r>
+              <a:rPr lang="it-IT" dirty="0" err="1"/>
+              <a:t>total</a:t>
+            </a:r>
+            <a:r>
+              <a:rPr lang="it-IT" dirty="0"/>
+              <a:t>. A </a:t>
+            </a:r>
+            <a:r>
+              <a:rPr lang="it-IT" dirty="0" err="1"/>
+              <a:t>similar</a:t>
+            </a:r>
+            <a:r>
+              <a:rPr lang="it-IT" dirty="0"/>
+              <a:t> </a:t>
+            </a:r>
+            <a:r>
+              <a:rPr lang="it-IT" dirty="0" err="1"/>
+              <a:t>number</a:t>
+            </a:r>
+            <a:r>
+              <a:rPr lang="it-IT" dirty="0"/>
+              <a:t> for the short one.</a:t>
+            </a:r>
+          </a:p>
+          <a:p>
+            <a:pPr marL="0" indent="0">
+              <a:buNone/>
+            </a:pPr>
+            <a:endParaRPr lang="it-IT" dirty="0"/>
+          </a:p>
+          <a:p>
+            <a:pPr marL="0" indent="0">
+              <a:buNone/>
+            </a:pPr>
+            <a:r>
+              <a:rPr lang="it-IT" dirty="0"/>
+              <a:t>The cluster </a:t>
+            </a:r>
+            <a:r>
+              <a:rPr lang="it-IT" dirty="0" err="1"/>
+              <a:t>has</a:t>
+            </a:r>
+            <a:r>
+              <a:rPr lang="it-IT" dirty="0"/>
+              <a:t> </a:t>
+            </a:r>
+            <a:r>
+              <a:rPr lang="it-IT" dirty="0" err="1"/>
+              <a:t>been</a:t>
+            </a:r>
+            <a:r>
+              <a:rPr lang="it-IT" dirty="0"/>
+              <a:t> </a:t>
+            </a:r>
+            <a:r>
+              <a:rPr lang="it-IT" dirty="0" err="1"/>
+              <a:t>analyzing</a:t>
+            </a:r>
+            <a:r>
+              <a:rPr lang="it-IT" dirty="0"/>
+              <a:t> a mesh with 180k </a:t>
+            </a:r>
+            <a:r>
+              <a:rPr lang="it-IT" dirty="0" err="1"/>
+              <a:t>DoFs</a:t>
+            </a:r>
+            <a:r>
+              <a:rPr lang="it-IT" dirty="0"/>
+              <a:t> </a:t>
+            </a:r>
+            <a:r>
+              <a:rPr lang="it-IT" dirty="0" err="1"/>
+              <a:t>approximately</a:t>
+            </a:r>
+            <a:r>
+              <a:rPr lang="it-IT" dirty="0"/>
+              <a:t>.</a:t>
+            </a:r>
           </a:p>
         </p:txBody>
       </p:sp>
@@ -10577,7 +10809,7 @@
         <p:spPr/>
         <p:txBody>
           <a:bodyPr>
-            <a:normAutofit/>
+            <a:normAutofit lnSpcReduction="10000"/>
           </a:bodyPr>
           <a:lstStyle/>
           <a:p>
@@ -10703,6 +10935,87 @@
             <a:r>
               <a:rPr lang="it-IT" dirty="0" err="1"/>
               <a:t>numbers</a:t>
+            </a:r>
+            <a:r>
+              <a:rPr lang="it-IT" dirty="0"/>
+              <a:t>.</a:t>
+            </a:r>
+          </a:p>
+          <a:p>
+            <a:pPr marL="0" indent="0">
+              <a:buNone/>
+            </a:pPr>
+            <a:r>
+              <a:rPr lang="it-IT" dirty="0"/>
+              <a:t>In some </a:t>
+            </a:r>
+            <a:r>
+              <a:rPr lang="it-IT" dirty="0" err="1"/>
+              <a:t>cases</a:t>
+            </a:r>
+            <a:r>
+              <a:rPr lang="it-IT" dirty="0"/>
+              <a:t> </a:t>
+            </a:r>
+            <a:r>
+              <a:rPr lang="it-IT" dirty="0" err="1"/>
+              <a:t>we</a:t>
+            </a:r>
+            <a:r>
+              <a:rPr lang="it-IT" dirty="0"/>
+              <a:t> </a:t>
+            </a:r>
+            <a:r>
+              <a:rPr lang="it-IT" dirty="0" err="1"/>
+              <a:t>changed</a:t>
+            </a:r>
+            <a:r>
+              <a:rPr lang="it-IT" dirty="0"/>
+              <a:t> the pressure </a:t>
+            </a:r>
+            <a:r>
+              <a:rPr lang="it-IT" dirty="0" err="1"/>
+              <a:t>values</a:t>
+            </a:r>
+            <a:r>
+              <a:rPr lang="it-IT" dirty="0"/>
+              <a:t> to </a:t>
+            </a:r>
+            <a:r>
+              <a:rPr lang="it-IT" dirty="0" err="1"/>
+              <a:t>analyze</a:t>
+            </a:r>
+            <a:r>
+              <a:rPr lang="it-IT" dirty="0"/>
+              <a:t> the </a:t>
+            </a:r>
+            <a:r>
+              <a:rPr lang="it-IT" dirty="0" err="1"/>
+              <a:t>behaviour</a:t>
+            </a:r>
+            <a:r>
+              <a:rPr lang="it-IT" dirty="0"/>
+              <a:t> </a:t>
+            </a:r>
+            <a:r>
+              <a:rPr lang="it-IT" dirty="0" err="1"/>
+              <a:t>at</a:t>
+            </a:r>
+            <a:r>
+              <a:rPr lang="it-IT" dirty="0"/>
+              <a:t> a </a:t>
+            </a:r>
+            <a:r>
+              <a:rPr lang="it-IT" dirty="0" err="1"/>
+              <a:t>given</a:t>
+            </a:r>
+            <a:r>
+              <a:rPr lang="it-IT" dirty="0"/>
+              <a:t> Reynolds </a:t>
+            </a:r>
+            <a:r>
+              <a:rPr lang="it-IT" dirty="0" err="1"/>
+              <a:t>number</a:t>
             </a:r>
             <a:r>
               <a:rPr lang="it-IT" dirty="0"/>
@@ -10830,12 +11143,9 @@
             </a:r>
             <a:r>
               <a:rPr lang="it-IT" dirty="0"/>
-              <a:t> </a:t>
-            </a:r>
-            <a:r>
-              <a:rPr lang="it-IT" u="sng" dirty="0"/>
-              <a:t>50-100-200</a:t>
-            </a:r>
+              <a:t> 20</a:t>
+            </a:r>
+            <a:endParaRPr lang="it-IT" u="sng" dirty="0"/>
           </a:p>
         </p:txBody>
       </p:sp>
@@ -10915,36 +11225,40 @@
             </a:r>
             <a:r>
               <a:rPr lang="it-IT" dirty="0"/>
-              <a:t>-Stokes (Re = 4)</a:t>
-            </a:r>
-          </a:p>
-        </p:txBody>
-      </p:sp>
-      <p:sp>
-        <p:nvSpPr>
-          <p:cNvPr id="4" name="Segnaposto contenuto 3">
+              <a:t>-Stokes (Re = 4, p=1)</a:t>
+            </a:r>
+          </a:p>
+        </p:txBody>
+      </p:sp>
+      <p:pic>
+        <p:nvPicPr>
+          <p:cNvPr id="5" name="Segnaposto contenuto 4">
             <a:extLst>
               <a:ext uri="{FF2B5EF4-FFF2-40B4-BE49-F238E27FC236}">
-                <a16:creationId xmlns:a16="http://schemas.microsoft.com/office/drawing/2014/main" id="{CB951803-9CE4-E82F-003F-B4B390160D6B}"/>
+                <a16:creationId xmlns:a16="http://schemas.microsoft.com/office/drawing/2014/main" id="{739224E1-9D9F-35E1-081E-D1C3EA5EB599}"/>
               </a:ext>
             </a:extLst>
           </p:cNvPr>
-          <p:cNvSpPr>
-            <a:spLocks noGrp="1"/>
-          </p:cNvSpPr>
+          <p:cNvPicPr>
+            <a:picLocks noGrp="1" noChangeAspect="1"/>
+          </p:cNvPicPr>
           <p:nvPr>
             <p:ph idx="1"/>
           </p:nvPr>
-        </p:nvSpPr>
-        <p:spPr/>
-        <p:txBody>
-          <a:bodyPr/>
-          <a:lstStyle/>
-          <a:p>
-            <a:endParaRPr lang="it-IT"/>
-          </a:p>
-        </p:txBody>
-      </p:sp>
+        </p:nvPicPr>
+        <p:blipFill>
+          <a:blip r:embed="rId3"/>
+          <a:stretch>
+            <a:fillRect/>
+          </a:stretch>
+        </p:blipFill>
+        <p:spPr>
+          <a:xfrm>
+            <a:off x="1634379" y="1600200"/>
+            <a:ext cx="9701117" cy="4572000"/>
+          </a:xfrm>
+        </p:spPr>
+      </p:pic>
     </p:spTree>
     <p:extLst>
       <p:ext uri="{BB962C8B-B14F-4D97-AF65-F5344CB8AC3E}">
@@ -10955,13 +11269,13 @@
   <p:clrMapOvr>
     <a:masterClrMapping/>
   </p:clrMapOvr>
-  <mc:AlternateContent xmlns:mc="http://schemas.openxmlformats.org/markup-compatibility/2006">
-    <mc:Choice xmlns:p14="http://schemas.microsoft.com/office/powerpoint/2010/main" Requires="p14">
+  <mc:AlternateContent xmlns:mc="http://schemas.openxmlformats.org/markup-compatibility/2006" xmlns:p14="http://schemas.microsoft.com/office/powerpoint/2010/main">
+    <mc:Choice Requires="p14">
       <p:transition spd="med" p14:dur="700">
         <p:fade/>
       </p:transition>
     </mc:Choice>
-    <mc:Fallback>
+    <mc:Fallback xmlns="">
       <p:transition spd="med">
         <p:fade/>
       </p:transition>
@@ -11240,6 +11554,118 @@
         </p:nvSpPr>
         <p:spPr/>
         <p:txBody>
+          <a:bodyPr rtlCol="0">
+            <a:normAutofit/>
+          </a:bodyPr>
+          <a:lstStyle/>
+          <a:p>
+            <a:pPr rtl="0"/>
+            <a:r>
+              <a:rPr lang="it-IT" sz="3200" dirty="0"/>
+              <a:t>Time-</a:t>
+            </a:r>
+            <a:r>
+              <a:rPr lang="it-IT" sz="3200" dirty="0" err="1"/>
+              <a:t>Dependent</a:t>
+            </a:r>
+            <a:r>
+              <a:rPr lang="it-IT" sz="3200" dirty="0"/>
+              <a:t> </a:t>
+            </a:r>
+            <a:r>
+              <a:rPr lang="it-IT" sz="3200" dirty="0" err="1"/>
+              <a:t>Navier</a:t>
+            </a:r>
+            <a:r>
+              <a:rPr lang="it-IT" sz="3200" dirty="0"/>
+              <a:t>-Stokes (Re = 4, p=0.1)</a:t>
+            </a:r>
+          </a:p>
+        </p:txBody>
+      </p:sp>
+      <p:pic>
+        <p:nvPicPr>
+          <p:cNvPr id="7" name="Segnaposto contenuto 6">
+            <a:extLst>
+              <a:ext uri="{FF2B5EF4-FFF2-40B4-BE49-F238E27FC236}">
+                <a16:creationId xmlns:a16="http://schemas.microsoft.com/office/drawing/2014/main" id="{C8EEA9BF-1935-3D86-1BC6-AC5E9128FA11}"/>
+              </a:ext>
+            </a:extLst>
+          </p:cNvPr>
+          <p:cNvPicPr>
+            <a:picLocks noGrp="1" noChangeAspect="1"/>
+          </p:cNvPicPr>
+          <p:nvPr>
+            <p:ph idx="1"/>
+          </p:nvPr>
+        </p:nvPicPr>
+        <p:blipFill>
+          <a:blip r:embed="rId3"/>
+          <a:stretch>
+            <a:fillRect/>
+          </a:stretch>
+        </p:blipFill>
+        <p:spPr>
+          <a:xfrm>
+            <a:off x="1634379" y="1600200"/>
+            <a:ext cx="9701117" cy="4572000"/>
+          </a:xfrm>
+        </p:spPr>
+      </p:pic>
+    </p:spTree>
+    <p:extLst>
+      <p:ext uri="{BB962C8B-B14F-4D97-AF65-F5344CB8AC3E}">
+        <p14:creationId xmlns:p14="http://schemas.microsoft.com/office/powerpoint/2010/main" val="741356875"/>
+      </p:ext>
+    </p:extLst>
+  </p:cSld>
+  <p:clrMapOvr>
+    <a:masterClrMapping/>
+  </p:clrMapOvr>
+  <mc:AlternateContent xmlns:mc="http://schemas.openxmlformats.org/markup-compatibility/2006">
+    <mc:Choice xmlns:p14="http://schemas.microsoft.com/office/powerpoint/2010/main" Requires="p14">
+      <p:transition spd="med" p14:dur="700">
+        <p:fade/>
+      </p:transition>
+    </mc:Choice>
+    <mc:Fallback>
+      <p:transition spd="med">
+        <p:fade/>
+      </p:transition>
+    </mc:Fallback>
+  </mc:AlternateContent>
+</p:sld>
+</file>
+
+<file path=ppt/slides/slide21.xml><?xml version="1.0" encoding="utf-8"?>
+<p:sld xmlns:a="http://schemas.openxmlformats.org/drawingml/2006/main" xmlns:r="http://schemas.openxmlformats.org/officeDocument/2006/relationships" xmlns:p="http://schemas.openxmlformats.org/presentationml/2006/main">
+  <p:cSld>
+    <p:spTree>
+      <p:nvGrpSpPr>
+        <p:cNvPr id="1" name=""/>
+        <p:cNvGrpSpPr/>
+        <p:nvPr/>
+      </p:nvGrpSpPr>
+      <p:grpSpPr>
+        <a:xfrm>
+          <a:off x="0" y="0"/>
+          <a:ext cx="0" cy="0"/>
+          <a:chOff x="0" y="0"/>
+          <a:chExt cx="0" cy="0"/>
+        </a:xfrm>
+      </p:grpSpPr>
+      <p:sp>
+        <p:nvSpPr>
+          <p:cNvPr id="2" name="Titolo 1"/>
+          <p:cNvSpPr>
+            <a:spLocks noGrp="1"/>
+          </p:cNvSpPr>
+          <p:nvPr>
+            <p:ph type="title"/>
+          </p:nvPr>
+        </p:nvSpPr>
+        <p:spPr/>
+        <p:txBody>
           <a:bodyPr rtlCol="0"/>
           <a:lstStyle/>
           <a:p>
@@ -11321,7 +11747,7 @@
 </p:sld>
 </file>
 
-<file path=ppt/slides/slide21.xml><?xml version="1.0" encoding="utf-8"?>
+<file path=ppt/slides/slide22.xml><?xml version="1.0" encoding="utf-8"?>
 <p:sld xmlns:a="http://schemas.openxmlformats.org/drawingml/2006/main" xmlns:r="http://schemas.openxmlformats.org/officeDocument/2006/relationships" xmlns:p="http://schemas.openxmlformats.org/presentationml/2006/main">
   <p:cSld>
     <p:spTree>
@@ -11377,31 +11803,34 @@
           </a:p>
         </p:txBody>
       </p:sp>
-      <p:sp>
-        <p:nvSpPr>
-          <p:cNvPr id="4" name="Segnaposto contenuto 3">
+      <p:pic>
+        <p:nvPicPr>
+          <p:cNvPr id="5" name="Segnaposto contenuto 4">
             <a:extLst>
               <a:ext uri="{FF2B5EF4-FFF2-40B4-BE49-F238E27FC236}">
-                <a16:creationId xmlns:a16="http://schemas.microsoft.com/office/drawing/2014/main" id="{51905B58-EB4E-28D7-F245-7285F65479CC}"/>
+                <a16:creationId xmlns:a16="http://schemas.microsoft.com/office/drawing/2014/main" id="{F4EFD0E5-D5BF-781E-8940-ED4F99BB2B77}"/>
               </a:ext>
             </a:extLst>
           </p:cNvPr>
-          <p:cNvSpPr>
-            <a:spLocks noGrp="1"/>
-          </p:cNvSpPr>
+          <p:cNvPicPr>
+            <a:picLocks noGrp="1" noChangeAspect="1"/>
+          </p:cNvPicPr>
           <p:nvPr>
             <p:ph idx="1"/>
           </p:nvPr>
-        </p:nvSpPr>
-        <p:spPr/>
-        <p:txBody>
-          <a:bodyPr/>
-          <a:lstStyle/>
-          <a:p>
-            <a:endParaRPr lang="it-IT"/>
-          </a:p>
-        </p:txBody>
-      </p:sp>
+        </p:nvPicPr>
+        <p:blipFill rotWithShape="1">
+          <a:blip r:embed="rId3"/>
+          <a:srcRect l="22964" t="27400" r="22850" b="23776"/>
+          <a:stretch/>
+        </p:blipFill>
+        <p:spPr>
+          <a:xfrm>
+            <a:off x="1657789" y="1916832"/>
+            <a:ext cx="9495765" cy="4032448"/>
+          </a:xfrm>
+        </p:spPr>
+      </p:pic>
     </p:spTree>
     <p:extLst>
       <p:ext uri="{BB962C8B-B14F-4D97-AF65-F5344CB8AC3E}">
@@ -11412,13 +11841,13 @@
   <p:clrMapOvr>
     <a:masterClrMapping/>
   </p:clrMapOvr>
-  <mc:AlternateContent xmlns:mc="http://schemas.openxmlformats.org/markup-compatibility/2006">
-    <mc:Choice xmlns:p14="http://schemas.microsoft.com/office/powerpoint/2010/main" Requires="p14">
+  <mc:AlternateContent xmlns:mc="http://schemas.openxmlformats.org/markup-compatibility/2006" xmlns:p14="http://schemas.microsoft.com/office/powerpoint/2010/main">
+    <mc:Choice Requires="p14">
       <p:transition spd="med" p14:dur="700">
         <p:fade/>
       </p:transition>
     </mc:Choice>
-    <mc:Fallback>
+    <mc:Fallback xmlns="">
       <p:transition spd="med">
         <p:fade/>
       </p:transition>
@@ -11427,7 +11856,7 @@
 </p:sld>
 </file>
 
-<file path=ppt/slides/slide22.xml><?xml version="1.0" encoding="utf-8"?>
+<file path=ppt/slides/slide23.xml><?xml version="1.0" encoding="utf-8"?>
 <p:sld xmlns:a="http://schemas.openxmlformats.org/drawingml/2006/main" xmlns:r="http://schemas.openxmlformats.org/officeDocument/2006/relationships" xmlns:p="http://schemas.openxmlformats.org/presentationml/2006/main">
   <p:cSld>
     <p:spTree>
@@ -11818,7 +12247,7 @@
 </p:sld>
 </file>
 
-<file path=ppt/slides/slide23.xml><?xml version="1.0" encoding="utf-8"?>
+<file path=ppt/slides/slide24.xml><?xml version="1.0" encoding="utf-8"?>
 <p:sld xmlns:a="http://schemas.openxmlformats.org/drawingml/2006/main" xmlns:r="http://schemas.openxmlformats.org/officeDocument/2006/relationships" xmlns:p="http://schemas.openxmlformats.org/presentationml/2006/main">
   <p:cSld>
     <p:spTree>
@@ -12010,7 +12439,7 @@
 </p:sld>
 </file>
 
-<file path=ppt/slides/slide24.xml><?xml version="1.0" encoding="utf-8"?>
+<file path=ppt/slides/slide25.xml><?xml version="1.0" encoding="utf-8"?>
 <p:sld xmlns:a="http://schemas.openxmlformats.org/drawingml/2006/main" xmlns:r="http://schemas.openxmlformats.org/officeDocument/2006/relationships" xmlns:p="http://schemas.openxmlformats.org/presentationml/2006/main">
   <p:cSld>
     <p:spTree>
@@ -12217,7 +12646,7 @@
 </p:sld>
 </file>
 
-<file path=ppt/slides/slide25.xml><?xml version="1.0" encoding="utf-8"?>
+<file path=ppt/slides/slide26.xml><?xml version="1.0" encoding="utf-8"?>
 <p:sld xmlns:a="http://schemas.openxmlformats.org/drawingml/2006/main" xmlns:r="http://schemas.openxmlformats.org/officeDocument/2006/relationships" xmlns:p="http://schemas.openxmlformats.org/presentationml/2006/main">
   <p:cSld>
     <p:spTree>

--- a/Presentatione_NMPDE_Navier_Stokes_temp.pptx
+++ b/Presentatione_NMPDE_Navier_Stokes_temp.pptx
@@ -325,7 +325,7 @@
             <a:pPr rtl="0"/>
             <a:fld id="{04360E59-1627-4404-ACC5-51C744AB0F27}" type="slidenum">
               <a:rPr lang="it-IT" smtClean="0"/>
-              <a:t>‹N›</a:t>
+              <a:t>‹#›</a:t>
             </a:fld>
             <a:endParaRPr lang="it-IT" dirty="0"/>
           </a:p>
@@ -603,8 +603,8 @@
             <a:pPr rtl="0"/>
             <a:fld id="{841221E5-7225-48EB-A4EE-420E7BFCF705}" type="slidenum">
               <a:rPr lang="it-IT" smtClean="0"/>
-              <a:pPr/>
-              <a:t>‹N›</a:t>
+              <a:pPr rtl="0"/>
+              <a:t>‹#›</a:t>
             </a:fld>
             <a:endParaRPr lang="it-IT" dirty="0"/>
           </a:p>
@@ -2904,8 +2904,8 @@
             <a:pPr rtl="0"/>
             <a:fld id="{7DC1BBB0-96F0-4077-A278-0F3FB5C104D3}" type="slidenum">
               <a:rPr lang="it-IT" smtClean="0"/>
-              <a:pPr/>
-              <a:t>‹N›</a:t>
+              <a:pPr rtl="0"/>
+              <a:t>‹#›</a:t>
             </a:fld>
             <a:endParaRPr lang="it-IT" dirty="0"/>
           </a:p>
@@ -3114,7 +3114,7 @@
             <a:pPr rtl="0"/>
             <a:fld id="{7DC1BBB0-96F0-4077-A278-0F3FB5C104D3}" type="slidenum">
               <a:rPr lang="it-IT" smtClean="0"/>
-              <a:t>‹N›</a:t>
+              <a:t>‹#›</a:t>
             </a:fld>
             <a:endParaRPr lang="it-IT" dirty="0"/>
           </a:p>
@@ -3940,7 +3940,7 @@
             <a:pPr rtl="0"/>
             <a:fld id="{7DC1BBB0-96F0-4077-A278-0F3FB5C104D3}" type="slidenum">
               <a:rPr lang="it-IT" smtClean="0"/>
-              <a:t>‹N›</a:t>
+              <a:t>‹#›</a:t>
             </a:fld>
             <a:endParaRPr lang="it-IT" dirty="0"/>
           </a:p>
@@ -4149,7 +4149,7 @@
             <a:pPr rtl="0"/>
             <a:fld id="{7DC1BBB0-96F0-4077-A278-0F3FB5C104D3}" type="slidenum">
               <a:rPr lang="it-IT" smtClean="0"/>
-              <a:t>‹N›</a:t>
+              <a:t>‹#›</a:t>
             </a:fld>
             <a:endParaRPr lang="it-IT" dirty="0"/>
           </a:p>
@@ -5439,8 +5439,8 @@
             <a:pPr rtl="0"/>
             <a:fld id="{7DC1BBB0-96F0-4077-A278-0F3FB5C104D3}" type="slidenum">
               <a:rPr lang="it-IT" smtClean="0"/>
-              <a:pPr/>
-              <a:t>‹N›</a:t>
+              <a:pPr rtl="0"/>
+              <a:t>‹#›</a:t>
             </a:fld>
             <a:endParaRPr lang="it-IT" dirty="0"/>
           </a:p>
@@ -5751,7 +5751,7 @@
             <a:pPr rtl="0"/>
             <a:fld id="{7DC1BBB0-96F0-4077-A278-0F3FB5C104D3}" type="slidenum">
               <a:rPr lang="it-IT" smtClean="0"/>
-              <a:t>‹N›</a:t>
+              <a:t>‹#›</a:t>
             </a:fld>
             <a:endParaRPr lang="it-IT" dirty="0"/>
           </a:p>
@@ -6210,7 +6210,7 @@
             <a:pPr rtl="0"/>
             <a:fld id="{7DC1BBB0-96F0-4077-A278-0F3FB5C104D3}" type="slidenum">
               <a:rPr lang="it-IT" smtClean="0"/>
-              <a:t>‹N›</a:t>
+              <a:t>‹#›</a:t>
             </a:fld>
             <a:endParaRPr lang="it-IT" dirty="0"/>
           </a:p>
@@ -6351,7 +6351,7 @@
             <a:pPr rtl="0"/>
             <a:fld id="{7DC1BBB0-96F0-4077-A278-0F3FB5C104D3}" type="slidenum">
               <a:rPr lang="it-IT" smtClean="0"/>
-              <a:t>‹N›</a:t>
+              <a:t>‹#›</a:t>
             </a:fld>
             <a:endParaRPr lang="it-IT" dirty="0"/>
           </a:p>
@@ -6704,8 +6704,8 @@
             <a:pPr rtl="0"/>
             <a:fld id="{7DC1BBB0-96F0-4077-A278-0F3FB5C104D3}" type="slidenum">
               <a:rPr lang="it-IT" smtClean="0"/>
-              <a:pPr/>
-              <a:t>‹N›</a:t>
+              <a:pPr rtl="0"/>
+              <a:t>‹#›</a:t>
             </a:fld>
             <a:endParaRPr lang="it-IT" dirty="0"/>
           </a:p>
@@ -7199,7 +7199,7 @@
             <a:pPr rtl="0"/>
             <a:fld id="{7DC1BBB0-96F0-4077-A278-0F3FB5C104D3}" type="slidenum">
               <a:rPr lang="it-IT" smtClean="0"/>
-              <a:t>‹N›</a:t>
+              <a:t>‹#›</a:t>
             </a:fld>
             <a:endParaRPr lang="it-IT" dirty="0"/>
           </a:p>
@@ -7671,8 +7671,8 @@
             <a:pPr rtl="0"/>
             <a:fld id="{7DC1BBB0-96F0-4077-A278-0F3FB5C104D3}" type="slidenum">
               <a:rPr lang="it-IT" smtClean="0"/>
-              <a:pPr/>
-              <a:t>‹N›</a:t>
+              <a:pPr rtl="0"/>
+              <a:t>‹#›</a:t>
             </a:fld>
             <a:endParaRPr lang="it-IT" dirty="0"/>
           </a:p>
@@ -8590,8 +8590,8 @@
             <a:pPr rtl="0"/>
             <a:fld id="{7DC1BBB0-96F0-4077-A278-0F3FB5C104D3}" type="slidenum">
               <a:rPr lang="it-IT" smtClean="0"/>
-              <a:pPr/>
-              <a:t>‹N›</a:t>
+              <a:pPr rtl="0"/>
+              <a:t>‹#›</a:t>
             </a:fld>
             <a:endParaRPr lang="it-IT" dirty="0"/>
           </a:p>
@@ -9046,6 +9046,45 @@
           </a:p>
         </p:txBody>
       </p:sp>
+      <p:sp>
+        <p:nvSpPr>
+          <p:cNvPr id="4" name="TextBox 3">
+            <a:extLst>
+              <a:ext uri="{FF2B5EF4-FFF2-40B4-BE49-F238E27FC236}">
+                <a16:creationId xmlns:a16="http://schemas.microsoft.com/office/drawing/2014/main" id="{F4A17D8A-1E9E-5281-CCC7-B223405D6C8C}"/>
+              </a:ext>
+            </a:extLst>
+          </p:cNvPr>
+          <p:cNvSpPr txBox="1"/>
+          <p:nvPr/>
+        </p:nvSpPr>
+        <p:spPr>
+          <a:xfrm>
+            <a:off x="2243714" y="5877272"/>
+            <a:ext cx="9145016" cy="707886"/>
+          </a:xfrm>
+          <a:prstGeom prst="rect">
+            <a:avLst/>
+          </a:prstGeom>
+          <a:noFill/>
+        </p:spPr>
+        <p:txBody>
+          <a:bodyPr wrap="square" rtlCol="0">
+            <a:spAutoFit/>
+          </a:bodyPr>
+          <a:lstStyle/>
+          <a:p>
+            <a:r>
+              <a:rPr lang="it-IT" sz="4000" dirty="0">
+                <a:solidFill>
+                  <a:schemeClr val="tx2"/>
+                </a:solidFill>
+              </a:rPr>
+              <a:t>Foderà Simone – Rigamonti Matteo</a:t>
+            </a:r>
+          </a:p>
+        </p:txBody>
+      </p:sp>
     </p:spTree>
     <p:extLst>
       <p:ext uri="{BB962C8B-B14F-4D97-AF65-F5344CB8AC3E}">
@@ -11622,13 +11661,13 @@
   <p:clrMapOvr>
     <a:masterClrMapping/>
   </p:clrMapOvr>
-  <mc:AlternateContent xmlns:mc="http://schemas.openxmlformats.org/markup-compatibility/2006">
-    <mc:Choice xmlns:p14="http://schemas.microsoft.com/office/powerpoint/2010/main" Requires="p14">
+  <mc:AlternateContent xmlns:mc="http://schemas.openxmlformats.org/markup-compatibility/2006" xmlns:p14="http://schemas.microsoft.com/office/powerpoint/2010/main">
+    <mc:Choice Requires="p14">
       <p:transition spd="med" p14:dur="700">
         <p:fade/>
       </p:transition>
     </mc:Choice>
-    <mc:Fallback>
+    <mc:Fallback xmlns="">
       <p:transition spd="med">
         <p:fade/>
       </p:transition>
